--- a/figures/kd-figs/conceptual.pptx
+++ b/figures/kd-figs/conceptual.pptx
@@ -4,9 +4,17 @@
   <p:sldMasterIdLst>
     <p:sldMasterId id="2147483648" r:id="rId1"/>
   </p:sldMasterIdLst>
+  <p:notesMasterIdLst>
+    <p:notesMasterId r:id="rId9"/>
+  </p:notesMasterIdLst>
   <p:sldIdLst>
     <p:sldId id="256" r:id="rId2"/>
-    <p:sldId id="257" r:id="rId3"/>
+    <p:sldId id="260" r:id="rId3"/>
+    <p:sldId id="257" r:id="rId4"/>
+    <p:sldId id="258" r:id="rId5"/>
+    <p:sldId id="259" r:id="rId6"/>
+    <p:sldId id="261" r:id="rId7"/>
+    <p:sldId id="262" r:id="rId8"/>
   </p:sldIdLst>
   <p:sldSz cx="12192000" cy="6858000"/>
   <p:notesSz cx="6858000" cy="9144000"/>
@@ -113,6 +121,355 @@
 </p:presentation>
 </file>
 
+<file path=ppt/notesMasters/notesMaster1.xml><?xml version="1.0" encoding="utf-8"?>
+<p:notesMaster xmlns:a="http://schemas.openxmlformats.org/drawingml/2006/main" xmlns:r="http://schemas.openxmlformats.org/officeDocument/2006/relationships" xmlns:p="http://schemas.openxmlformats.org/presentationml/2006/main">
+  <p:cSld>
+    <p:bg>
+      <p:bgRef idx="1001">
+        <a:schemeClr val="bg1"/>
+      </p:bgRef>
+    </p:bg>
+    <p:spTree>
+      <p:nvGrpSpPr>
+        <p:cNvPr id="1" name=""/>
+        <p:cNvGrpSpPr/>
+        <p:nvPr/>
+      </p:nvGrpSpPr>
+      <p:grpSpPr>
+        <a:xfrm>
+          <a:off x="0" y="0"/>
+          <a:ext cx="0" cy="0"/>
+          <a:chOff x="0" y="0"/>
+          <a:chExt cx="0" cy="0"/>
+        </a:xfrm>
+      </p:grpSpPr>
+      <p:sp>
+        <p:nvSpPr>
+          <p:cNvPr id="2" name="Header Placeholder 1"/>
+          <p:cNvSpPr>
+            <a:spLocks noGrp="1"/>
+          </p:cNvSpPr>
+          <p:nvPr>
+            <p:ph type="hdr" sz="quarter"/>
+          </p:nvPr>
+        </p:nvSpPr>
+        <p:spPr>
+          <a:xfrm>
+            <a:off x="0" y="0"/>
+            <a:ext cx="2971800" cy="458788"/>
+          </a:xfrm>
+          <a:prstGeom prst="rect">
+            <a:avLst/>
+          </a:prstGeom>
+        </p:spPr>
+        <p:txBody>
+          <a:bodyPr vert="horz" lIns="91440" tIns="45720" rIns="91440" bIns="45720" rtlCol="0"/>
+          <a:lstStyle>
+            <a:lvl1pPr algn="l">
+              <a:defRPr sz="1200"/>
+            </a:lvl1pPr>
+          </a:lstStyle>
+          <a:p>
+            <a:endParaRPr lang="en-US"/>
+          </a:p>
+        </p:txBody>
+      </p:sp>
+      <p:sp>
+        <p:nvSpPr>
+          <p:cNvPr id="3" name="Date Placeholder 2"/>
+          <p:cNvSpPr>
+            <a:spLocks noGrp="1"/>
+          </p:cNvSpPr>
+          <p:nvPr>
+            <p:ph type="dt" idx="1"/>
+          </p:nvPr>
+        </p:nvSpPr>
+        <p:spPr>
+          <a:xfrm>
+            <a:off x="3884613" y="0"/>
+            <a:ext cx="2971800" cy="458788"/>
+          </a:xfrm>
+          <a:prstGeom prst="rect">
+            <a:avLst/>
+          </a:prstGeom>
+        </p:spPr>
+        <p:txBody>
+          <a:bodyPr vert="horz" lIns="91440" tIns="45720" rIns="91440" bIns="45720" rtlCol="0"/>
+          <a:lstStyle>
+            <a:lvl1pPr algn="r">
+              <a:defRPr sz="1200"/>
+            </a:lvl1pPr>
+          </a:lstStyle>
+          <a:p>
+            <a:fld id="{5F0BAA97-B2B8-EA40-A7C9-10EAB2FFF9B3}" type="datetimeFigureOut">
+              <a:rPr lang="en-US" smtClean="0"/>
+              <a:t>6/22/25</a:t>
+            </a:fld>
+            <a:endParaRPr lang="en-US"/>
+          </a:p>
+        </p:txBody>
+      </p:sp>
+      <p:sp>
+        <p:nvSpPr>
+          <p:cNvPr id="4" name="Slide Image Placeholder 3"/>
+          <p:cNvSpPr>
+            <a:spLocks noGrp="1" noRot="1" noChangeAspect="1"/>
+          </p:cNvSpPr>
+          <p:nvPr>
+            <p:ph type="sldImg" idx="2"/>
+          </p:nvPr>
+        </p:nvSpPr>
+        <p:spPr>
+          <a:xfrm>
+            <a:off x="685800" y="1143000"/>
+            <a:ext cx="5486400" cy="3086100"/>
+          </a:xfrm>
+          <a:prstGeom prst="rect">
+            <a:avLst/>
+          </a:prstGeom>
+          <a:noFill/>
+          <a:ln w="12700">
+            <a:solidFill>
+              <a:prstClr val="black"/>
+            </a:solidFill>
+          </a:ln>
+        </p:spPr>
+        <p:txBody>
+          <a:bodyPr vert="horz" lIns="91440" tIns="45720" rIns="91440" bIns="45720" rtlCol="0" anchor="ctr"/>
+          <a:lstStyle/>
+          <a:p>
+            <a:endParaRPr lang="en-US"/>
+          </a:p>
+        </p:txBody>
+      </p:sp>
+      <p:sp>
+        <p:nvSpPr>
+          <p:cNvPr id="5" name="Notes Placeholder 4"/>
+          <p:cNvSpPr>
+            <a:spLocks noGrp="1"/>
+          </p:cNvSpPr>
+          <p:nvPr>
+            <p:ph type="body" sz="quarter" idx="3"/>
+          </p:nvPr>
+        </p:nvSpPr>
+        <p:spPr>
+          <a:xfrm>
+            <a:off x="685800" y="4400550"/>
+            <a:ext cx="5486400" cy="3600450"/>
+          </a:xfrm>
+          <a:prstGeom prst="rect">
+            <a:avLst/>
+          </a:prstGeom>
+        </p:spPr>
+        <p:txBody>
+          <a:bodyPr vert="horz" lIns="91440" tIns="45720" rIns="91440" bIns="45720" rtlCol="0"/>
+          <a:lstStyle/>
+          <a:p>
+            <a:pPr lvl="0"/>
+            <a:r>
+              <a:rPr lang="en-US"/>
+              <a:t>Click to edit Master text styles</a:t>
+            </a:r>
+          </a:p>
+          <a:p>
+            <a:pPr lvl="1"/>
+            <a:r>
+              <a:rPr lang="en-US"/>
+              <a:t>Second level</a:t>
+            </a:r>
+          </a:p>
+          <a:p>
+            <a:pPr lvl="2"/>
+            <a:r>
+              <a:rPr lang="en-US"/>
+              <a:t>Third level</a:t>
+            </a:r>
+          </a:p>
+          <a:p>
+            <a:pPr lvl="3"/>
+            <a:r>
+              <a:rPr lang="en-US"/>
+              <a:t>Fourth level</a:t>
+            </a:r>
+          </a:p>
+          <a:p>
+            <a:pPr lvl="4"/>
+            <a:r>
+              <a:rPr lang="en-US"/>
+              <a:t>Fifth level</a:t>
+            </a:r>
+          </a:p>
+        </p:txBody>
+      </p:sp>
+      <p:sp>
+        <p:nvSpPr>
+          <p:cNvPr id="6" name="Footer Placeholder 5"/>
+          <p:cNvSpPr>
+            <a:spLocks noGrp="1"/>
+          </p:cNvSpPr>
+          <p:nvPr>
+            <p:ph type="ftr" sz="quarter" idx="4"/>
+          </p:nvPr>
+        </p:nvSpPr>
+        <p:spPr>
+          <a:xfrm>
+            <a:off x="0" y="8685213"/>
+            <a:ext cx="2971800" cy="458787"/>
+          </a:xfrm>
+          <a:prstGeom prst="rect">
+            <a:avLst/>
+          </a:prstGeom>
+        </p:spPr>
+        <p:txBody>
+          <a:bodyPr vert="horz" lIns="91440" tIns="45720" rIns="91440" bIns="45720" rtlCol="0" anchor="b"/>
+          <a:lstStyle>
+            <a:lvl1pPr algn="l">
+              <a:defRPr sz="1200"/>
+            </a:lvl1pPr>
+          </a:lstStyle>
+          <a:p>
+            <a:endParaRPr lang="en-US"/>
+          </a:p>
+        </p:txBody>
+      </p:sp>
+      <p:sp>
+        <p:nvSpPr>
+          <p:cNvPr id="7" name="Slide Number Placeholder 6"/>
+          <p:cNvSpPr>
+            <a:spLocks noGrp="1"/>
+          </p:cNvSpPr>
+          <p:nvPr>
+            <p:ph type="sldNum" sz="quarter" idx="5"/>
+          </p:nvPr>
+        </p:nvSpPr>
+        <p:spPr>
+          <a:xfrm>
+            <a:off x="3884613" y="8685213"/>
+            <a:ext cx="2971800" cy="458787"/>
+          </a:xfrm>
+          <a:prstGeom prst="rect">
+            <a:avLst/>
+          </a:prstGeom>
+        </p:spPr>
+        <p:txBody>
+          <a:bodyPr vert="horz" lIns="91440" tIns="45720" rIns="91440" bIns="45720" rtlCol="0" anchor="b"/>
+          <a:lstStyle>
+            <a:lvl1pPr algn="r">
+              <a:defRPr sz="1200"/>
+            </a:lvl1pPr>
+          </a:lstStyle>
+          <a:p>
+            <a:fld id="{E95791F3-F2F4-604C-9893-A30F4EB37339}" type="slidenum">
+              <a:rPr lang="en-US" smtClean="0"/>
+              <a:t>‹#›</a:t>
+            </a:fld>
+            <a:endParaRPr lang="en-US"/>
+          </a:p>
+        </p:txBody>
+      </p:sp>
+    </p:spTree>
+    <p:extLst>
+      <p:ext uri="{BB962C8B-B14F-4D97-AF65-F5344CB8AC3E}">
+        <p14:creationId xmlns:p14="http://schemas.microsoft.com/office/powerpoint/2010/main" val="786229669"/>
+      </p:ext>
+    </p:extLst>
+  </p:cSld>
+  <p:clrMap bg1="lt1" tx1="dk1" bg2="lt2" tx2="dk2" accent1="accent1" accent2="accent2" accent3="accent3" accent4="accent4" accent5="accent5" accent6="accent6" hlink="hlink" folHlink="folHlink"/>
+  <p:notesStyle>
+    <a:lvl1pPr marL="0" algn="l" defTabSz="914400" rtl="0" eaLnBrk="1" latinLnBrk="0" hangingPunct="1">
+      <a:defRPr sz="1200" kern="1200">
+        <a:solidFill>
+          <a:schemeClr val="tx1"/>
+        </a:solidFill>
+        <a:latin typeface="+mn-lt"/>
+        <a:ea typeface="+mn-ea"/>
+        <a:cs typeface="+mn-cs"/>
+      </a:defRPr>
+    </a:lvl1pPr>
+    <a:lvl2pPr marL="457200" algn="l" defTabSz="914400" rtl="0" eaLnBrk="1" latinLnBrk="0" hangingPunct="1">
+      <a:defRPr sz="1200" kern="1200">
+        <a:solidFill>
+          <a:schemeClr val="tx1"/>
+        </a:solidFill>
+        <a:latin typeface="+mn-lt"/>
+        <a:ea typeface="+mn-ea"/>
+        <a:cs typeface="+mn-cs"/>
+      </a:defRPr>
+    </a:lvl2pPr>
+    <a:lvl3pPr marL="914400" algn="l" defTabSz="914400" rtl="0" eaLnBrk="1" latinLnBrk="0" hangingPunct="1">
+      <a:defRPr sz="1200" kern="1200">
+        <a:solidFill>
+          <a:schemeClr val="tx1"/>
+        </a:solidFill>
+        <a:latin typeface="+mn-lt"/>
+        <a:ea typeface="+mn-ea"/>
+        <a:cs typeface="+mn-cs"/>
+      </a:defRPr>
+    </a:lvl3pPr>
+    <a:lvl4pPr marL="1371600" algn="l" defTabSz="914400" rtl="0" eaLnBrk="1" latinLnBrk="0" hangingPunct="1">
+      <a:defRPr sz="1200" kern="1200">
+        <a:solidFill>
+          <a:schemeClr val="tx1"/>
+        </a:solidFill>
+        <a:latin typeface="+mn-lt"/>
+        <a:ea typeface="+mn-ea"/>
+        <a:cs typeface="+mn-cs"/>
+      </a:defRPr>
+    </a:lvl4pPr>
+    <a:lvl5pPr marL="1828800" algn="l" defTabSz="914400" rtl="0" eaLnBrk="1" latinLnBrk="0" hangingPunct="1">
+      <a:defRPr sz="1200" kern="1200">
+        <a:solidFill>
+          <a:schemeClr val="tx1"/>
+        </a:solidFill>
+        <a:latin typeface="+mn-lt"/>
+        <a:ea typeface="+mn-ea"/>
+        <a:cs typeface="+mn-cs"/>
+      </a:defRPr>
+    </a:lvl5pPr>
+    <a:lvl6pPr marL="2286000" algn="l" defTabSz="914400" rtl="0" eaLnBrk="1" latinLnBrk="0" hangingPunct="1">
+      <a:defRPr sz="1200" kern="1200">
+        <a:solidFill>
+          <a:schemeClr val="tx1"/>
+        </a:solidFill>
+        <a:latin typeface="+mn-lt"/>
+        <a:ea typeface="+mn-ea"/>
+        <a:cs typeface="+mn-cs"/>
+      </a:defRPr>
+    </a:lvl6pPr>
+    <a:lvl7pPr marL="2743200" algn="l" defTabSz="914400" rtl="0" eaLnBrk="1" latinLnBrk="0" hangingPunct="1">
+      <a:defRPr sz="1200" kern="1200">
+        <a:solidFill>
+          <a:schemeClr val="tx1"/>
+        </a:solidFill>
+        <a:latin typeface="+mn-lt"/>
+        <a:ea typeface="+mn-ea"/>
+        <a:cs typeface="+mn-cs"/>
+      </a:defRPr>
+    </a:lvl7pPr>
+    <a:lvl8pPr marL="3200400" algn="l" defTabSz="914400" rtl="0" eaLnBrk="1" latinLnBrk="0" hangingPunct="1">
+      <a:defRPr sz="1200" kern="1200">
+        <a:solidFill>
+          <a:schemeClr val="tx1"/>
+        </a:solidFill>
+        <a:latin typeface="+mn-lt"/>
+        <a:ea typeface="+mn-ea"/>
+        <a:cs typeface="+mn-cs"/>
+      </a:defRPr>
+    </a:lvl8pPr>
+    <a:lvl9pPr marL="3657600" algn="l" defTabSz="914400" rtl="0" eaLnBrk="1" latinLnBrk="0" hangingPunct="1">
+      <a:defRPr sz="1200" kern="1200">
+        <a:solidFill>
+          <a:schemeClr val="tx1"/>
+        </a:solidFill>
+        <a:latin typeface="+mn-lt"/>
+        <a:ea typeface="+mn-ea"/>
+        <a:cs typeface="+mn-cs"/>
+      </a:defRPr>
+    </a:lvl9pPr>
+  </p:notesStyle>
+</p:notesMaster>
+</file>
+
 <file path=ppt/slideLayouts/slideLayout1.xml><?xml version="1.0" encoding="utf-8"?>
 <p:sldLayout xmlns:a="http://schemas.openxmlformats.org/drawingml/2006/main" xmlns:r="http://schemas.openxmlformats.org/officeDocument/2006/relationships" xmlns:p="http://schemas.openxmlformats.org/presentationml/2006/main" type="title" preserve="1">
   <p:cSld name="Title Slide">
@@ -260,7 +617,7 @@
           <a:p>
             <a:fld id="{DF4DC901-9D7D-5040-9AC4-ED1AFACCCDE5}" type="datetimeFigureOut">
               <a:rPr lang="en-US" smtClean="0"/>
-              <a:t>6/10/25</a:t>
+              <a:t>6/22/25</a:t>
             </a:fld>
             <a:endParaRPr lang="en-US"/>
           </a:p>
@@ -458,7 +815,7 @@
           <a:p>
             <a:fld id="{DF4DC901-9D7D-5040-9AC4-ED1AFACCCDE5}" type="datetimeFigureOut">
               <a:rPr lang="en-US" smtClean="0"/>
-              <a:t>6/10/25</a:t>
+              <a:t>6/22/25</a:t>
             </a:fld>
             <a:endParaRPr lang="en-US"/>
           </a:p>
@@ -666,7 +1023,7 @@
           <a:p>
             <a:fld id="{DF4DC901-9D7D-5040-9AC4-ED1AFACCCDE5}" type="datetimeFigureOut">
               <a:rPr lang="en-US" smtClean="0"/>
-              <a:t>6/10/25</a:t>
+              <a:t>6/22/25</a:t>
             </a:fld>
             <a:endParaRPr lang="en-US"/>
           </a:p>
@@ -864,7 +1221,7 @@
           <a:p>
             <a:fld id="{DF4DC901-9D7D-5040-9AC4-ED1AFACCCDE5}" type="datetimeFigureOut">
               <a:rPr lang="en-US" smtClean="0"/>
-              <a:t>6/10/25</a:t>
+              <a:t>6/22/25</a:t>
             </a:fld>
             <a:endParaRPr lang="en-US"/>
           </a:p>
@@ -1139,7 +1496,7 @@
           <a:p>
             <a:fld id="{DF4DC901-9D7D-5040-9AC4-ED1AFACCCDE5}" type="datetimeFigureOut">
               <a:rPr lang="en-US" smtClean="0"/>
-              <a:t>6/10/25</a:t>
+              <a:t>6/22/25</a:t>
             </a:fld>
             <a:endParaRPr lang="en-US"/>
           </a:p>
@@ -1404,7 +1761,7 @@
           <a:p>
             <a:fld id="{DF4DC901-9D7D-5040-9AC4-ED1AFACCCDE5}" type="datetimeFigureOut">
               <a:rPr lang="en-US" smtClean="0"/>
-              <a:t>6/10/25</a:t>
+              <a:t>6/22/25</a:t>
             </a:fld>
             <a:endParaRPr lang="en-US"/>
           </a:p>
@@ -1816,7 +2173,7 @@
           <a:p>
             <a:fld id="{DF4DC901-9D7D-5040-9AC4-ED1AFACCCDE5}" type="datetimeFigureOut">
               <a:rPr lang="en-US" smtClean="0"/>
-              <a:t>6/10/25</a:t>
+              <a:t>6/22/25</a:t>
             </a:fld>
             <a:endParaRPr lang="en-US"/>
           </a:p>
@@ -1957,7 +2314,7 @@
           <a:p>
             <a:fld id="{DF4DC901-9D7D-5040-9AC4-ED1AFACCCDE5}" type="datetimeFigureOut">
               <a:rPr lang="en-US" smtClean="0"/>
-              <a:t>6/10/25</a:t>
+              <a:t>6/22/25</a:t>
             </a:fld>
             <a:endParaRPr lang="en-US"/>
           </a:p>
@@ -2070,7 +2427,7 @@
           <a:p>
             <a:fld id="{DF4DC901-9D7D-5040-9AC4-ED1AFACCCDE5}" type="datetimeFigureOut">
               <a:rPr lang="en-US" smtClean="0"/>
-              <a:t>6/10/25</a:t>
+              <a:t>6/22/25</a:t>
             </a:fld>
             <a:endParaRPr lang="en-US"/>
           </a:p>
@@ -2381,7 +2738,7 @@
           <a:p>
             <a:fld id="{DF4DC901-9D7D-5040-9AC4-ED1AFACCCDE5}" type="datetimeFigureOut">
               <a:rPr lang="en-US" smtClean="0"/>
-              <a:t>6/10/25</a:t>
+              <a:t>6/22/25</a:t>
             </a:fld>
             <a:endParaRPr lang="en-US"/>
           </a:p>
@@ -2669,7 +3026,7 @@
           <a:p>
             <a:fld id="{DF4DC901-9D7D-5040-9AC4-ED1AFACCCDE5}" type="datetimeFigureOut">
               <a:rPr lang="en-US" smtClean="0"/>
-              <a:t>6/10/25</a:t>
+              <a:t>6/22/25</a:t>
             </a:fld>
             <a:endParaRPr lang="en-US"/>
           </a:p>
@@ -2910,7 +3267,7 @@
           <a:p>
             <a:fld id="{DF4DC901-9D7D-5040-9AC4-ED1AFACCCDE5}" type="datetimeFigureOut">
               <a:rPr lang="en-US" smtClean="0"/>
-              <a:t>6/10/25</a:t>
+              <a:t>6/22/25</a:t>
             </a:fld>
             <a:endParaRPr lang="en-US"/>
           </a:p>
@@ -3741,6 +4098,96 @@
           <a:chExt cx="0" cy="0"/>
         </a:xfrm>
       </p:grpSpPr>
+      <p:pic>
+        <p:nvPicPr>
+          <p:cNvPr id="5" name="Picture 4" descr="A blue and yellow line&#10;&#10;AI-generated content may be incorrect.">
+            <a:extLst>
+              <a:ext uri="{FF2B5EF4-FFF2-40B4-BE49-F238E27FC236}">
+                <a16:creationId xmlns:a16="http://schemas.microsoft.com/office/drawing/2014/main" id="{46FB36E7-DE95-36F1-CA9C-EE4C03679A3E}"/>
+              </a:ext>
+            </a:extLst>
+          </p:cNvPr>
+          <p:cNvPicPr>
+            <a:picLocks noChangeAspect="1"/>
+          </p:cNvPicPr>
+          <p:nvPr/>
+        </p:nvPicPr>
+        <p:blipFill>
+          <a:blip r:embed="rId2"/>
+          <a:stretch>
+            <a:fillRect/>
+          </a:stretch>
+        </p:blipFill>
+        <p:spPr>
+          <a:xfrm>
+            <a:off x="1082003" y="1507441"/>
+            <a:ext cx="4584700" cy="4445000"/>
+          </a:xfrm>
+          <a:prstGeom prst="rect">
+            <a:avLst/>
+          </a:prstGeom>
+        </p:spPr>
+      </p:pic>
+      <p:pic>
+        <p:nvPicPr>
+          <p:cNvPr id="7" name="Picture 6" descr="A blue line with a black background&#10;&#10;AI-generated content may be incorrect.">
+            <a:extLst>
+              <a:ext uri="{FF2B5EF4-FFF2-40B4-BE49-F238E27FC236}">
+                <a16:creationId xmlns:a16="http://schemas.microsoft.com/office/drawing/2014/main" id="{5687B8C4-5C79-DBA7-FF10-EE462AD4389D}"/>
+              </a:ext>
+            </a:extLst>
+          </p:cNvPr>
+          <p:cNvPicPr>
+            <a:picLocks noChangeAspect="1"/>
+          </p:cNvPicPr>
+          <p:nvPr/>
+        </p:nvPicPr>
+        <p:blipFill>
+          <a:blip r:embed="rId3"/>
+          <a:stretch>
+            <a:fillRect/>
+          </a:stretch>
+        </p:blipFill>
+        <p:spPr>
+          <a:xfrm>
+            <a:off x="6870470" y="1507441"/>
+            <a:ext cx="4584700" cy="4445000"/>
+          </a:xfrm>
+          <a:prstGeom prst="rect">
+            <a:avLst/>
+          </a:prstGeom>
+        </p:spPr>
+      </p:pic>
+    </p:spTree>
+    <p:extLst>
+      <p:ext uri="{BB962C8B-B14F-4D97-AF65-F5344CB8AC3E}">
+        <p14:creationId xmlns:p14="http://schemas.microsoft.com/office/powerpoint/2010/main" val="1077596209"/>
+      </p:ext>
+    </p:extLst>
+  </p:cSld>
+  <p:clrMapOvr>
+    <a:masterClrMapping/>
+  </p:clrMapOvr>
+</p:sld>
+</file>
+
+<file path=ppt/slides/slide3.xml><?xml version="1.0" encoding="utf-8"?>
+<p:sld xmlns:a="http://schemas.openxmlformats.org/drawingml/2006/main" xmlns:r="http://schemas.openxmlformats.org/officeDocument/2006/relationships" xmlns:p="http://schemas.openxmlformats.org/presentationml/2006/main">
+  <p:cSld>
+    <p:spTree>
+      <p:nvGrpSpPr>
+        <p:cNvPr id="1" name=""/>
+        <p:cNvGrpSpPr/>
+        <p:nvPr/>
+      </p:nvGrpSpPr>
+      <p:grpSpPr>
+        <a:xfrm>
+          <a:off x="0" y="0"/>
+          <a:ext cx="0" cy="0"/>
+          <a:chOff x="0" y="0"/>
+          <a:chExt cx="0" cy="0"/>
+        </a:xfrm>
+      </p:grpSpPr>
       <p:sp>
         <p:nvSpPr>
           <p:cNvPr id="4" name="Rounded Rectangle 3">
@@ -3755,12 +4202,17 @@
         </p:nvSpPr>
         <p:spPr>
           <a:xfrm>
-            <a:off x="2076994" y="1567543"/>
-            <a:ext cx="731520" cy="731520"/>
+            <a:off x="2005148" y="1567542"/>
+            <a:ext cx="803366" cy="783767"/>
           </a:xfrm>
           <a:prstGeom prst="roundRect">
             <a:avLst/>
           </a:prstGeom>
+          <a:solidFill>
+            <a:schemeClr val="bg2">
+              <a:lumMod val="90000"/>
+            </a:schemeClr>
+          </a:solidFill>
         </p:spPr>
         <p:style>
           <a:lnRef idx="2">
@@ -3784,18 +4236,30 @@
           <a:p>
             <a:pPr algn="ctr"/>
             <a:r>
-              <a:rPr lang="en-US" dirty="0"/>
-              <a:t>C1</a:t>
-            </a:r>
-          </a:p>
-        </p:txBody>
-      </p:sp>
-      <p:sp>
-        <p:nvSpPr>
-          <p:cNvPr id="5" name="Rounded Rectangle 4">
-            <a:extLst>
-              <a:ext uri="{FF2B5EF4-FFF2-40B4-BE49-F238E27FC236}">
-                <a16:creationId xmlns:a16="http://schemas.microsoft.com/office/drawing/2014/main" id="{04A8EF66-A619-CD6C-FDF0-3BD708BC00DE}"/>
+              <a:rPr lang="en-US" sz="2400" dirty="0">
+                <a:solidFill>
+                  <a:sysClr val="windowText" lastClr="000000"/>
+                </a:solidFill>
+              </a:rPr>
+              <a:t>C</a:t>
+            </a:r>
+            <a:r>
+              <a:rPr lang="en-US" sz="2400" baseline="-25000" dirty="0">
+                <a:solidFill>
+                  <a:sysClr val="windowText" lastClr="000000"/>
+                </a:solidFill>
+              </a:rPr>
+              <a:t>1</a:t>
+            </a:r>
+          </a:p>
+        </p:txBody>
+      </p:sp>
+      <p:sp>
+        <p:nvSpPr>
+          <p:cNvPr id="6" name="Oval 5">
+            <a:extLst>
+              <a:ext uri="{FF2B5EF4-FFF2-40B4-BE49-F238E27FC236}">
+                <a16:creationId xmlns:a16="http://schemas.microsoft.com/office/drawing/2014/main" id="{1B94CC07-A274-58DE-41EF-70D981CD9E51}"/>
               </a:ext>
             </a:extLst>
           </p:cNvPr>
@@ -3804,12 +4268,17 @@
         </p:nvSpPr>
         <p:spPr>
           <a:xfrm>
-            <a:off x="4371703" y="1567543"/>
-            <a:ext cx="731520" cy="731520"/>
-          </a:xfrm>
-          <a:prstGeom prst="roundRect">
-            <a:avLst/>
-          </a:prstGeom>
+            <a:off x="2005148" y="3944982"/>
+            <a:ext cx="875212" cy="862149"/>
+          </a:xfrm>
+          <a:prstGeom prst="ellipse">
+            <a:avLst/>
+          </a:prstGeom>
+          <a:solidFill>
+            <a:schemeClr val="bg2">
+              <a:lumMod val="90000"/>
+            </a:schemeClr>
+          </a:solidFill>
         </p:spPr>
         <p:style>
           <a:lnRef idx="2">
@@ -3833,18 +4302,30 @@
           <a:p>
             <a:pPr algn="ctr"/>
             <a:r>
-              <a:rPr lang="en-US" dirty="0"/>
-              <a:t>C2</a:t>
-            </a:r>
-          </a:p>
-        </p:txBody>
-      </p:sp>
-      <p:sp>
-        <p:nvSpPr>
-          <p:cNvPr id="6" name="Oval 5">
-            <a:extLst>
-              <a:ext uri="{FF2B5EF4-FFF2-40B4-BE49-F238E27FC236}">
-                <a16:creationId xmlns:a16="http://schemas.microsoft.com/office/drawing/2014/main" id="{1B94CC07-A274-58DE-41EF-70D981CD9E51}"/>
+              <a:rPr lang="en-US" sz="2000" dirty="0">
+                <a:solidFill>
+                  <a:sysClr val="windowText" lastClr="000000"/>
+                </a:solidFill>
+              </a:rPr>
+              <a:t>R</a:t>
+            </a:r>
+            <a:r>
+              <a:rPr lang="en-US" sz="2000" baseline="-25000" dirty="0">
+                <a:solidFill>
+                  <a:sysClr val="windowText" lastClr="000000"/>
+                </a:solidFill>
+              </a:rPr>
+              <a:t>a</a:t>
+            </a:r>
+          </a:p>
+        </p:txBody>
+      </p:sp>
+      <p:sp>
+        <p:nvSpPr>
+          <p:cNvPr id="7" name="Oval 6">
+            <a:extLst>
+              <a:ext uri="{FF2B5EF4-FFF2-40B4-BE49-F238E27FC236}">
+                <a16:creationId xmlns:a16="http://schemas.microsoft.com/office/drawing/2014/main" id="{1538EC72-842E-04CD-092C-F7038ADB31E4}"/>
               </a:ext>
             </a:extLst>
           </p:cNvPr>
@@ -3853,12 +4334,17 @@
         </p:nvSpPr>
         <p:spPr>
           <a:xfrm>
-            <a:off x="2005148" y="3944982"/>
+            <a:off x="4299857" y="3944982"/>
             <a:ext cx="875212" cy="862149"/>
           </a:xfrm>
           <a:prstGeom prst="ellipse">
             <a:avLst/>
           </a:prstGeom>
+          <a:solidFill>
+            <a:schemeClr val="bg2">
+              <a:lumMod val="90000"/>
+            </a:schemeClr>
+          </a:solidFill>
         </p:spPr>
         <p:style>
           <a:lnRef idx="2">
@@ -3882,18 +4368,349 @@
           <a:p>
             <a:pPr algn="ctr"/>
             <a:r>
-              <a:rPr lang="en-US" dirty="0"/>
-              <a:t>R1</a:t>
-            </a:r>
-          </a:p>
-        </p:txBody>
-      </p:sp>
-      <p:sp>
-        <p:nvSpPr>
-          <p:cNvPr id="7" name="Oval 6">
-            <a:extLst>
-              <a:ext uri="{FF2B5EF4-FFF2-40B4-BE49-F238E27FC236}">
-                <a16:creationId xmlns:a16="http://schemas.microsoft.com/office/drawing/2014/main" id="{1538EC72-842E-04CD-092C-F7038ADB31E4}"/>
+              <a:rPr lang="en-US" sz="2400" dirty="0">
+                <a:solidFill>
+                  <a:sysClr val="windowText" lastClr="000000"/>
+                </a:solidFill>
+              </a:rPr>
+              <a:t>R</a:t>
+            </a:r>
+            <a:r>
+              <a:rPr lang="en-US" sz="2400" baseline="-25000" dirty="0">
+                <a:solidFill>
+                  <a:sysClr val="windowText" lastClr="000000"/>
+                </a:solidFill>
+              </a:rPr>
+              <a:t>b</a:t>
+            </a:r>
+            <a:endParaRPr lang="en-US" baseline="-25000" dirty="0">
+              <a:solidFill>
+                <a:sysClr val="windowText" lastClr="000000"/>
+              </a:solidFill>
+            </a:endParaRPr>
+          </a:p>
+        </p:txBody>
+      </p:sp>
+      <p:sp>
+        <p:nvSpPr>
+          <p:cNvPr id="24" name="TextBox 23">
+            <a:extLst>
+              <a:ext uri="{FF2B5EF4-FFF2-40B4-BE49-F238E27FC236}">
+                <a16:creationId xmlns:a16="http://schemas.microsoft.com/office/drawing/2014/main" id="{9B71B927-660C-0E2B-B972-77131EA72B94}"/>
+              </a:ext>
+            </a:extLst>
+          </p:cNvPr>
+          <p:cNvSpPr txBox="1"/>
+          <p:nvPr/>
+        </p:nvSpPr>
+        <p:spPr>
+          <a:xfrm>
+            <a:off x="1171519" y="4957868"/>
+            <a:ext cx="945756" cy="400110"/>
+          </a:xfrm>
+          <a:prstGeom prst="rect">
+            <a:avLst/>
+          </a:prstGeom>
+          <a:noFill/>
+        </p:spPr>
+        <p:txBody>
+          <a:bodyPr wrap="square" rtlCol="0">
+            <a:spAutoFit/>
+          </a:bodyPr>
+          <a:lstStyle/>
+          <a:p>
+            <a:r>
+              <a:rPr lang="en-US" sz="2000" dirty="0"/>
+              <a:t>r</a:t>
+            </a:r>
+            <a:r>
+              <a:rPr lang="en-US" sz="2000" baseline="-25000" dirty="0"/>
+              <a:t>a</a:t>
+            </a:r>
+            <a:r>
+              <a:rPr lang="en-US" sz="2000" dirty="0"/>
+              <a:t>, K</a:t>
+            </a:r>
+            <a:r>
+              <a:rPr lang="en-US" sz="2000" baseline="-25000" dirty="0"/>
+              <a:t>a</a:t>
+            </a:r>
+          </a:p>
+        </p:txBody>
+      </p:sp>
+      <p:sp>
+        <p:nvSpPr>
+          <p:cNvPr id="25" name="TextBox 24">
+            <a:extLst>
+              <a:ext uri="{FF2B5EF4-FFF2-40B4-BE49-F238E27FC236}">
+                <a16:creationId xmlns:a16="http://schemas.microsoft.com/office/drawing/2014/main" id="{79094869-24A8-F569-C34C-46DFB68374ED}"/>
+              </a:ext>
+            </a:extLst>
+          </p:cNvPr>
+          <p:cNvSpPr txBox="1"/>
+          <p:nvPr/>
+        </p:nvSpPr>
+        <p:spPr>
+          <a:xfrm>
+            <a:off x="3728976" y="2791862"/>
+            <a:ext cx="1019608" cy="400110"/>
+          </a:xfrm>
+          <a:prstGeom prst="rect">
+            <a:avLst/>
+          </a:prstGeom>
+          <a:noFill/>
+        </p:spPr>
+        <p:txBody>
+          <a:bodyPr wrap="square" rtlCol="0">
+            <a:spAutoFit/>
+          </a:bodyPr>
+          <a:lstStyle/>
+          <a:p>
+            <a:r>
+              <a:rPr lang="en-US" sz="2000" dirty="0"/>
+              <a:t>c</a:t>
+            </a:r>
+            <a:r>
+              <a:rPr lang="en-US" sz="2000" baseline="-25000" dirty="0"/>
+              <a:t>2a</a:t>
+            </a:r>
+            <a:r>
+              <a:rPr lang="en-US" sz="2000" dirty="0"/>
+              <a:t>, v</a:t>
+            </a:r>
+            <a:r>
+              <a:rPr lang="en-US" sz="2000" baseline="-25000" dirty="0"/>
+              <a:t>a</a:t>
+            </a:r>
+          </a:p>
+        </p:txBody>
+      </p:sp>
+      <p:sp>
+        <p:nvSpPr>
+          <p:cNvPr id="26" name="TextBox 25">
+            <a:extLst>
+              <a:ext uri="{FF2B5EF4-FFF2-40B4-BE49-F238E27FC236}">
+                <a16:creationId xmlns:a16="http://schemas.microsoft.com/office/drawing/2014/main" id="{419FDD6C-B356-6395-FFB9-BED46B3BE285}"/>
+              </a:ext>
+            </a:extLst>
+          </p:cNvPr>
+          <p:cNvSpPr txBox="1"/>
+          <p:nvPr/>
+        </p:nvSpPr>
+        <p:spPr>
+          <a:xfrm>
+            <a:off x="2569369" y="2776037"/>
+            <a:ext cx="896732" cy="400110"/>
+          </a:xfrm>
+          <a:prstGeom prst="rect">
+            <a:avLst/>
+          </a:prstGeom>
+          <a:noFill/>
+        </p:spPr>
+        <p:txBody>
+          <a:bodyPr wrap="square" rtlCol="0">
+            <a:spAutoFit/>
+          </a:bodyPr>
+          <a:lstStyle/>
+          <a:p>
+            <a:r>
+              <a:rPr lang="en-US" sz="2000" dirty="0"/>
+              <a:t>c</a:t>
+            </a:r>
+            <a:r>
+              <a:rPr lang="en-US" sz="2000" baseline="-25000" dirty="0"/>
+              <a:t>1b</a:t>
+            </a:r>
+            <a:r>
+              <a:rPr lang="en-US" sz="2000" dirty="0"/>
+              <a:t>, v</a:t>
+            </a:r>
+            <a:r>
+              <a:rPr lang="en-US" sz="2000" baseline="-25000" dirty="0"/>
+              <a:t>b</a:t>
+            </a:r>
+          </a:p>
+        </p:txBody>
+      </p:sp>
+      <p:sp>
+        <p:nvSpPr>
+          <p:cNvPr id="27" name="TextBox 26">
+            <a:extLst>
+              <a:ext uri="{FF2B5EF4-FFF2-40B4-BE49-F238E27FC236}">
+                <a16:creationId xmlns:a16="http://schemas.microsoft.com/office/drawing/2014/main" id="{73573A94-9AA4-8779-EE75-F5E3009B3026}"/>
+              </a:ext>
+            </a:extLst>
+          </p:cNvPr>
+          <p:cNvSpPr txBox="1"/>
+          <p:nvPr/>
+        </p:nvSpPr>
+        <p:spPr>
+          <a:xfrm>
+            <a:off x="4741818" y="2954774"/>
+            <a:ext cx="1080248" cy="400110"/>
+          </a:xfrm>
+          <a:prstGeom prst="rect">
+            <a:avLst/>
+          </a:prstGeom>
+          <a:noFill/>
+        </p:spPr>
+        <p:txBody>
+          <a:bodyPr wrap="square" rtlCol="0">
+            <a:spAutoFit/>
+          </a:bodyPr>
+          <a:lstStyle/>
+          <a:p>
+            <a:r>
+              <a:rPr lang="en-US" sz="2000" dirty="0"/>
+              <a:t>c</a:t>
+            </a:r>
+            <a:r>
+              <a:rPr lang="en-US" sz="2000" baseline="-25000" dirty="0"/>
+              <a:t>2b</a:t>
+            </a:r>
+            <a:r>
+              <a:rPr lang="en-US" sz="2000" dirty="0"/>
+              <a:t>, v</a:t>
+            </a:r>
+            <a:r>
+              <a:rPr lang="en-US" sz="2000" baseline="-25000" dirty="0"/>
+              <a:t>b</a:t>
+            </a:r>
+            <a:endParaRPr lang="en-US" sz="2000" dirty="0"/>
+          </a:p>
+        </p:txBody>
+      </p:sp>
+      <p:sp>
+        <p:nvSpPr>
+          <p:cNvPr id="28" name="TextBox 27">
+            <a:extLst>
+              <a:ext uri="{FF2B5EF4-FFF2-40B4-BE49-F238E27FC236}">
+                <a16:creationId xmlns:a16="http://schemas.microsoft.com/office/drawing/2014/main" id="{A39E8AF5-4046-C0A6-232A-479907CD1EB4}"/>
+              </a:ext>
+            </a:extLst>
+          </p:cNvPr>
+          <p:cNvSpPr txBox="1"/>
+          <p:nvPr/>
+        </p:nvSpPr>
+        <p:spPr>
+          <a:xfrm>
+            <a:off x="1508327" y="2911439"/>
+            <a:ext cx="1175756" cy="400110"/>
+          </a:xfrm>
+          <a:prstGeom prst="rect">
+            <a:avLst/>
+          </a:prstGeom>
+          <a:noFill/>
+        </p:spPr>
+        <p:txBody>
+          <a:bodyPr wrap="square" rtlCol="0">
+            <a:spAutoFit/>
+          </a:bodyPr>
+          <a:lstStyle/>
+          <a:p>
+            <a:r>
+              <a:rPr lang="en-US" sz="2000" dirty="0"/>
+              <a:t>c</a:t>
+            </a:r>
+            <a:r>
+              <a:rPr lang="en-US" sz="2000" baseline="-25000" dirty="0"/>
+              <a:t>1a</a:t>
+            </a:r>
+            <a:r>
+              <a:rPr lang="en-US" sz="2000" dirty="0"/>
+              <a:t>, v</a:t>
+            </a:r>
+            <a:r>
+              <a:rPr lang="en-US" sz="2000" baseline="-25000" dirty="0"/>
+              <a:t>a</a:t>
+            </a:r>
+          </a:p>
+        </p:txBody>
+      </p:sp>
+      <p:sp>
+        <p:nvSpPr>
+          <p:cNvPr id="35" name="TextBox 34">
+            <a:extLst>
+              <a:ext uri="{FF2B5EF4-FFF2-40B4-BE49-F238E27FC236}">
+                <a16:creationId xmlns:a16="http://schemas.microsoft.com/office/drawing/2014/main" id="{A57ACCBE-4DF5-C83E-6311-DFB956E4455F}"/>
+              </a:ext>
+            </a:extLst>
+          </p:cNvPr>
+          <p:cNvSpPr txBox="1"/>
+          <p:nvPr/>
+        </p:nvSpPr>
+        <p:spPr>
+          <a:xfrm>
+            <a:off x="631172" y="1780641"/>
+            <a:ext cx="494046" cy="400110"/>
+          </a:xfrm>
+          <a:prstGeom prst="rect">
+            <a:avLst/>
+          </a:prstGeom>
+          <a:noFill/>
+        </p:spPr>
+        <p:txBody>
+          <a:bodyPr wrap="none" rtlCol="0">
+            <a:spAutoFit/>
+          </a:bodyPr>
+          <a:lstStyle/>
+          <a:p>
+            <a:r>
+              <a:rPr lang="en-US" sz="2000" dirty="0"/>
+              <a:t>m</a:t>
+            </a:r>
+            <a:r>
+              <a:rPr lang="en-US" sz="2000" baseline="-25000" dirty="0"/>
+              <a:t>1</a:t>
+            </a:r>
+          </a:p>
+        </p:txBody>
+      </p:sp>
+      <p:sp>
+        <p:nvSpPr>
+          <p:cNvPr id="37" name="TextBox 36">
+            <a:extLst>
+              <a:ext uri="{FF2B5EF4-FFF2-40B4-BE49-F238E27FC236}">
+                <a16:creationId xmlns:a16="http://schemas.microsoft.com/office/drawing/2014/main" id="{A9BA27BC-C4FE-BB45-679E-0F5EFF4AFF1E}"/>
+              </a:ext>
+            </a:extLst>
+          </p:cNvPr>
+          <p:cNvSpPr txBox="1"/>
+          <p:nvPr/>
+        </p:nvSpPr>
+        <p:spPr>
+          <a:xfrm>
+            <a:off x="6077726" y="1780641"/>
+            <a:ext cx="494046" cy="400110"/>
+          </a:xfrm>
+          <a:prstGeom prst="rect">
+            <a:avLst/>
+          </a:prstGeom>
+          <a:noFill/>
+        </p:spPr>
+        <p:txBody>
+          <a:bodyPr wrap="none" rtlCol="0">
+            <a:spAutoFit/>
+          </a:bodyPr>
+          <a:lstStyle/>
+          <a:p>
+            <a:r>
+              <a:rPr lang="en-US" sz="2000" dirty="0"/>
+              <a:t>m</a:t>
+            </a:r>
+            <a:r>
+              <a:rPr lang="en-US" sz="2000" baseline="-25000" dirty="0"/>
+              <a:t>2</a:t>
+            </a:r>
+          </a:p>
+        </p:txBody>
+      </p:sp>
+      <p:sp>
+        <p:nvSpPr>
+          <p:cNvPr id="2" name="Rounded Rectangle 1">
+            <a:extLst>
+              <a:ext uri="{FF2B5EF4-FFF2-40B4-BE49-F238E27FC236}">
+                <a16:creationId xmlns:a16="http://schemas.microsoft.com/office/drawing/2014/main" id="{2D30D15A-4E91-D9E1-98B1-AADA7C46B5D3}"/>
               </a:ext>
             </a:extLst>
           </p:cNvPr>
@@ -3902,12 +4719,17 @@
         </p:nvSpPr>
         <p:spPr>
           <a:xfrm>
-            <a:off x="4299857" y="3944982"/>
-            <a:ext cx="875212" cy="862149"/>
-          </a:xfrm>
-          <a:prstGeom prst="ellipse">
-            <a:avLst/>
-          </a:prstGeom>
+            <a:off x="4335780" y="1561854"/>
+            <a:ext cx="803366" cy="783767"/>
+          </a:xfrm>
+          <a:prstGeom prst="roundRect">
+            <a:avLst/>
+          </a:prstGeom>
+          <a:solidFill>
+            <a:schemeClr val="bg2">
+              <a:lumMod val="90000"/>
+            </a:schemeClr>
+          </a:solidFill>
         </p:spPr>
         <p:style>
           <a:lnRef idx="2">
@@ -3931,18 +4753,2333 @@
           <a:p>
             <a:pPr algn="ctr"/>
             <a:r>
-              <a:rPr lang="en-US" dirty="0"/>
-              <a:t>R2</a:t>
-            </a:r>
-          </a:p>
-        </p:txBody>
-      </p:sp>
+              <a:rPr lang="en-US" sz="2400" dirty="0">
+                <a:solidFill>
+                  <a:sysClr val="windowText" lastClr="000000"/>
+                </a:solidFill>
+              </a:rPr>
+              <a:t>C</a:t>
+            </a:r>
+            <a:r>
+              <a:rPr lang="en-US" sz="2400" baseline="-25000" dirty="0">
+                <a:solidFill>
+                  <a:sysClr val="windowText" lastClr="000000"/>
+                </a:solidFill>
+              </a:rPr>
+              <a:t>2</a:t>
+            </a:r>
+            <a:endParaRPr lang="en-US" baseline="-25000" dirty="0">
+              <a:solidFill>
+                <a:sysClr val="windowText" lastClr="000000"/>
+              </a:solidFill>
+            </a:endParaRPr>
+          </a:p>
+        </p:txBody>
+      </p:sp>
+      <p:pic>
+        <p:nvPicPr>
+          <p:cNvPr id="8" name="Graphic 7" descr="Line arrow: Rotate right with solid fill">
+            <a:extLst>
+              <a:ext uri="{FF2B5EF4-FFF2-40B4-BE49-F238E27FC236}">
+                <a16:creationId xmlns:a16="http://schemas.microsoft.com/office/drawing/2014/main" id="{5E0678B1-277E-3E2B-C7AB-BB149B0A02F6}"/>
+              </a:ext>
+            </a:extLst>
+          </p:cNvPr>
+          <p:cNvPicPr>
+            <a:picLocks noChangeAspect="1"/>
+          </p:cNvPicPr>
+          <p:nvPr/>
+        </p:nvPicPr>
+        <p:blipFill>
+          <a:blip r:embed="rId2">
+            <a:extLst>
+              <a:ext uri="{96DAC541-7B7A-43D3-8B79-37D633B846F1}">
+                <asvg:svgBlip xmlns:asvg="http://schemas.microsoft.com/office/drawing/2016/SVG/main" r:embed="rId3"/>
+              </a:ext>
+            </a:extLst>
+          </a:blip>
+          <a:stretch>
+            <a:fillRect/>
+          </a:stretch>
+        </p:blipFill>
+        <p:spPr>
+          <a:xfrm rot="9532772">
+            <a:off x="4655052" y="4425622"/>
+            <a:ext cx="914400" cy="914400"/>
+          </a:xfrm>
+          <a:prstGeom prst="rect">
+            <a:avLst/>
+          </a:prstGeom>
+        </p:spPr>
+      </p:pic>
+      <p:pic>
+        <p:nvPicPr>
+          <p:cNvPr id="9" name="Graphic 8" descr="Line arrow: Rotate right with solid fill">
+            <a:extLst>
+              <a:ext uri="{FF2B5EF4-FFF2-40B4-BE49-F238E27FC236}">
+                <a16:creationId xmlns:a16="http://schemas.microsoft.com/office/drawing/2014/main" id="{D642E5D4-074E-C488-03A3-176321A70197}"/>
+              </a:ext>
+            </a:extLst>
+          </p:cNvPr>
+          <p:cNvPicPr>
+            <a:picLocks noChangeAspect="1"/>
+          </p:cNvPicPr>
+          <p:nvPr/>
+        </p:nvPicPr>
+        <p:blipFill>
+          <a:blip r:embed="rId2">
+            <a:extLst>
+              <a:ext uri="{96DAC541-7B7A-43D3-8B79-37D633B846F1}">
+                <asvg:svgBlip xmlns:asvg="http://schemas.microsoft.com/office/drawing/2016/SVG/main" r:embed="rId3"/>
+              </a:ext>
+            </a:extLst>
+          </a:blip>
+          <a:stretch>
+            <a:fillRect/>
+          </a:stretch>
+        </p:blipFill>
+        <p:spPr>
+          <a:xfrm rot="13588340">
+            <a:off x="1639005" y="4458046"/>
+            <a:ext cx="914400" cy="914400"/>
+          </a:xfrm>
+          <a:prstGeom prst="rect">
+            <a:avLst/>
+          </a:prstGeom>
+        </p:spPr>
+      </p:pic>
+      <p:sp>
+        <p:nvSpPr>
+          <p:cNvPr id="13" name="TextBox 12">
+            <a:extLst>
+              <a:ext uri="{FF2B5EF4-FFF2-40B4-BE49-F238E27FC236}">
+                <a16:creationId xmlns:a16="http://schemas.microsoft.com/office/drawing/2014/main" id="{77A2429F-E451-2696-C6DB-8B3E6730D35C}"/>
+              </a:ext>
+            </a:extLst>
+          </p:cNvPr>
+          <p:cNvSpPr txBox="1"/>
+          <p:nvPr/>
+        </p:nvSpPr>
+        <p:spPr>
+          <a:xfrm>
+            <a:off x="5352834" y="4962351"/>
+            <a:ext cx="914399" cy="400110"/>
+          </a:xfrm>
+          <a:prstGeom prst="rect">
+            <a:avLst/>
+          </a:prstGeom>
+          <a:noFill/>
+        </p:spPr>
+        <p:txBody>
+          <a:bodyPr wrap="square" rtlCol="0">
+            <a:spAutoFit/>
+          </a:bodyPr>
+          <a:lstStyle/>
+          <a:p>
+            <a:r>
+              <a:rPr lang="en-US" sz="2000" dirty="0"/>
+              <a:t>r</a:t>
+            </a:r>
+            <a:r>
+              <a:rPr lang="en-US" sz="2000" baseline="-25000" dirty="0"/>
+              <a:t>b</a:t>
+            </a:r>
+            <a:r>
+              <a:rPr lang="en-US" sz="2000" dirty="0"/>
+              <a:t>, K</a:t>
+            </a:r>
+            <a:r>
+              <a:rPr lang="en-US" sz="2000" baseline="-25000" dirty="0"/>
+              <a:t>b </a:t>
+            </a:r>
+          </a:p>
+        </p:txBody>
+      </p:sp>
+      <p:pic>
+        <p:nvPicPr>
+          <p:cNvPr id="16" name="Graphic 15" descr="Line arrow: Straight with solid fill">
+            <a:extLst>
+              <a:ext uri="{FF2B5EF4-FFF2-40B4-BE49-F238E27FC236}">
+                <a16:creationId xmlns:a16="http://schemas.microsoft.com/office/drawing/2014/main" id="{2BA00906-2D76-6DA1-F0DB-E9901A4A3994}"/>
+              </a:ext>
+            </a:extLst>
+          </p:cNvPr>
+          <p:cNvPicPr>
+            <a:picLocks noChangeAspect="1"/>
+          </p:cNvPicPr>
+          <p:nvPr/>
+        </p:nvPicPr>
+        <p:blipFill>
+          <a:blip r:embed="rId4">
+            <a:extLst>
+              <a:ext uri="{96DAC541-7B7A-43D3-8B79-37D633B846F1}">
+                <asvg:svgBlip xmlns:asvg="http://schemas.microsoft.com/office/drawing/2016/SVG/main" r:embed="rId5"/>
+              </a:ext>
+            </a:extLst>
+          </a:blip>
+          <a:stretch>
+            <a:fillRect/>
+          </a:stretch>
+        </p:blipFill>
+        <p:spPr>
+          <a:xfrm>
+            <a:off x="1054825" y="1508107"/>
+            <a:ext cx="914400" cy="914400"/>
+          </a:xfrm>
+          <a:prstGeom prst="rect">
+            <a:avLst/>
+          </a:prstGeom>
+        </p:spPr>
+      </p:pic>
+      <p:pic>
+        <p:nvPicPr>
+          <p:cNvPr id="18" name="Graphic 17" descr="Arrow Up with solid fill">
+            <a:extLst>
+              <a:ext uri="{FF2B5EF4-FFF2-40B4-BE49-F238E27FC236}">
+                <a16:creationId xmlns:a16="http://schemas.microsoft.com/office/drawing/2014/main" id="{A622E197-6221-F757-EF89-CF9B65F79BAC}"/>
+              </a:ext>
+            </a:extLst>
+          </p:cNvPr>
+          <p:cNvPicPr>
+            <a:picLocks noChangeAspect="1"/>
+          </p:cNvPicPr>
+          <p:nvPr/>
+        </p:nvPicPr>
+        <p:blipFill>
+          <a:blip r:embed="rId6">
+            <a:extLst>
+              <a:ext uri="{96DAC541-7B7A-43D3-8B79-37D633B846F1}">
+                <asvg:svgBlip xmlns:asvg="http://schemas.microsoft.com/office/drawing/2016/SVG/main" r:embed="rId7"/>
+              </a:ext>
+            </a:extLst>
+          </a:blip>
+          <a:stretch>
+            <a:fillRect/>
+          </a:stretch>
+        </p:blipFill>
+        <p:spPr>
+          <a:xfrm>
+            <a:off x="4242708" y="2383580"/>
+            <a:ext cx="914400" cy="1561401"/>
+          </a:xfrm>
+          <a:prstGeom prst="rect">
+            <a:avLst/>
+          </a:prstGeom>
+        </p:spPr>
+      </p:pic>
+      <p:pic>
+        <p:nvPicPr>
+          <p:cNvPr id="19" name="Graphic 18" descr="Line arrow: Straight with solid fill">
+            <a:extLst>
+              <a:ext uri="{FF2B5EF4-FFF2-40B4-BE49-F238E27FC236}">
+                <a16:creationId xmlns:a16="http://schemas.microsoft.com/office/drawing/2014/main" id="{DD088D0B-F09B-BA4D-52E6-E6D30003556A}"/>
+              </a:ext>
+            </a:extLst>
+          </p:cNvPr>
+          <p:cNvPicPr>
+            <a:picLocks noChangeAspect="1"/>
+          </p:cNvPicPr>
+          <p:nvPr/>
+        </p:nvPicPr>
+        <p:blipFill>
+          <a:blip r:embed="rId4">
+            <a:extLst>
+              <a:ext uri="{96DAC541-7B7A-43D3-8B79-37D633B846F1}">
+                <asvg:svgBlip xmlns:asvg="http://schemas.microsoft.com/office/drawing/2016/SVG/main" r:embed="rId5"/>
+              </a:ext>
+            </a:extLst>
+          </a:blip>
+          <a:stretch>
+            <a:fillRect/>
+          </a:stretch>
+        </p:blipFill>
+        <p:spPr>
+          <a:xfrm rot="10800000">
+            <a:off x="5175069" y="1496537"/>
+            <a:ext cx="914400" cy="914400"/>
+          </a:xfrm>
+          <a:prstGeom prst="rect">
+            <a:avLst/>
+          </a:prstGeom>
+        </p:spPr>
+      </p:pic>
+      <p:pic>
+        <p:nvPicPr>
+          <p:cNvPr id="20" name="Graphic 19" descr="Arrow Up with solid fill">
+            <a:extLst>
+              <a:ext uri="{FF2B5EF4-FFF2-40B4-BE49-F238E27FC236}">
+                <a16:creationId xmlns:a16="http://schemas.microsoft.com/office/drawing/2014/main" id="{69D93F80-3FE8-7784-9F23-8E35C31C072D}"/>
+              </a:ext>
+            </a:extLst>
+          </p:cNvPr>
+          <p:cNvPicPr>
+            <a:picLocks noChangeAspect="1"/>
+          </p:cNvPicPr>
+          <p:nvPr/>
+        </p:nvPicPr>
+        <p:blipFill>
+          <a:blip r:embed="rId6">
+            <a:extLst>
+              <a:ext uri="{96DAC541-7B7A-43D3-8B79-37D633B846F1}">
+                <asvg:svgBlip xmlns:asvg="http://schemas.microsoft.com/office/drawing/2016/SVG/main" r:embed="rId7"/>
+              </a:ext>
+            </a:extLst>
+          </a:blip>
+          <a:stretch>
+            <a:fillRect/>
+          </a:stretch>
+        </p:blipFill>
+        <p:spPr>
+          <a:xfrm>
+            <a:off x="1976128" y="2358739"/>
+            <a:ext cx="914400" cy="1561401"/>
+          </a:xfrm>
+          <a:prstGeom prst="rect">
+            <a:avLst/>
+          </a:prstGeom>
+        </p:spPr>
+      </p:pic>
+      <p:pic>
+        <p:nvPicPr>
+          <p:cNvPr id="29" name="Graphic 28" descr="Arrow Up with solid fill">
+            <a:extLst>
+              <a:ext uri="{FF2B5EF4-FFF2-40B4-BE49-F238E27FC236}">
+                <a16:creationId xmlns:a16="http://schemas.microsoft.com/office/drawing/2014/main" id="{29503968-6B86-73C7-3C66-A8156D046A68}"/>
+              </a:ext>
+            </a:extLst>
+          </p:cNvPr>
+          <p:cNvPicPr>
+            <a:picLocks noChangeAspect="1"/>
+          </p:cNvPicPr>
+          <p:nvPr/>
+        </p:nvPicPr>
+        <p:blipFill>
+          <a:blip r:embed="rId6">
+            <a:extLst>
+              <a:ext uri="{96DAC541-7B7A-43D3-8B79-37D633B846F1}">
+                <asvg:svgBlip xmlns:asvg="http://schemas.microsoft.com/office/drawing/2016/SVG/main" r:embed="rId7"/>
+              </a:ext>
+            </a:extLst>
+          </a:blip>
+          <a:stretch>
+            <a:fillRect/>
+          </a:stretch>
+        </p:blipFill>
+        <p:spPr>
+          <a:xfrm rot="2623736">
+            <a:off x="3116987" y="1972502"/>
+            <a:ext cx="914400" cy="2407291"/>
+          </a:xfrm>
+          <a:prstGeom prst="rect">
+            <a:avLst/>
+          </a:prstGeom>
+        </p:spPr>
+      </p:pic>
+      <p:pic>
+        <p:nvPicPr>
+          <p:cNvPr id="32" name="Graphic 31" descr="Arrow Up with solid fill">
+            <a:extLst>
+              <a:ext uri="{FF2B5EF4-FFF2-40B4-BE49-F238E27FC236}">
+                <a16:creationId xmlns:a16="http://schemas.microsoft.com/office/drawing/2014/main" id="{FF24AAD6-5657-768E-DE22-F61BAA451629}"/>
+              </a:ext>
+            </a:extLst>
+          </p:cNvPr>
+          <p:cNvPicPr>
+            <a:picLocks noChangeAspect="1"/>
+          </p:cNvPicPr>
+          <p:nvPr/>
+        </p:nvPicPr>
+        <p:blipFill>
+          <a:blip r:embed="rId6">
+            <a:extLst>
+              <a:ext uri="{96DAC541-7B7A-43D3-8B79-37D633B846F1}">
+                <asvg:svgBlip xmlns:asvg="http://schemas.microsoft.com/office/drawing/2016/SVG/main" r:embed="rId7"/>
+              </a:ext>
+            </a:extLst>
+          </a:blip>
+          <a:stretch>
+            <a:fillRect/>
+          </a:stretch>
+        </p:blipFill>
+        <p:spPr>
+          <a:xfrm rot="19022280">
+            <a:off x="3121470" y="1976985"/>
+            <a:ext cx="914400" cy="2407291"/>
+          </a:xfrm>
+          <a:prstGeom prst="rect">
+            <a:avLst/>
+          </a:prstGeom>
+        </p:spPr>
+      </p:pic>
+    </p:spTree>
+    <p:extLst>
+      <p:ext uri="{BB962C8B-B14F-4D97-AF65-F5344CB8AC3E}">
+        <p14:creationId xmlns:p14="http://schemas.microsoft.com/office/powerpoint/2010/main" val="3144725750"/>
+      </p:ext>
+    </p:extLst>
+  </p:cSld>
+  <p:clrMapOvr>
+    <a:masterClrMapping/>
+  </p:clrMapOvr>
+</p:sld>
+</file>
+
+<file path=ppt/slides/slide4.xml><?xml version="1.0" encoding="utf-8"?>
+<p:sld xmlns:a="http://schemas.openxmlformats.org/drawingml/2006/main" xmlns:r="http://schemas.openxmlformats.org/officeDocument/2006/relationships" xmlns:p="http://schemas.openxmlformats.org/presentationml/2006/main">
+  <p:cSld>
+    <p:spTree>
+      <p:nvGrpSpPr>
+        <p:cNvPr id="1" name="">
+          <a:extLst>
+            <a:ext uri="{FF2B5EF4-FFF2-40B4-BE49-F238E27FC236}">
+              <a16:creationId xmlns:a16="http://schemas.microsoft.com/office/drawing/2014/main" id="{DB6B0962-1673-765D-4015-F675CBC89D55}"/>
+            </a:ext>
+          </a:extLst>
+        </p:cNvPr>
+        <p:cNvGrpSpPr/>
+        <p:nvPr/>
+      </p:nvGrpSpPr>
+      <p:grpSpPr>
+        <a:xfrm>
+          <a:off x="0" y="0"/>
+          <a:ext cx="0" cy="0"/>
+          <a:chOff x="0" y="0"/>
+          <a:chExt cx="0" cy="0"/>
+        </a:xfrm>
+      </p:grpSpPr>
+      <p:sp>
+        <p:nvSpPr>
+          <p:cNvPr id="4" name="Rounded Rectangle 3">
+            <a:extLst>
+              <a:ext uri="{FF2B5EF4-FFF2-40B4-BE49-F238E27FC236}">
+                <a16:creationId xmlns:a16="http://schemas.microsoft.com/office/drawing/2014/main" id="{EA557775-A72C-6493-55DA-34746D3777A9}"/>
+              </a:ext>
+            </a:extLst>
+          </p:cNvPr>
+          <p:cNvSpPr/>
+          <p:nvPr/>
+        </p:nvSpPr>
+        <p:spPr>
+          <a:xfrm>
+            <a:off x="2005148" y="1567542"/>
+            <a:ext cx="803366" cy="783767"/>
+          </a:xfrm>
+          <a:prstGeom prst="roundRect">
+            <a:avLst/>
+          </a:prstGeom>
+          <a:solidFill>
+            <a:schemeClr val="bg2">
+              <a:lumMod val="90000"/>
+            </a:schemeClr>
+          </a:solidFill>
+        </p:spPr>
+        <p:style>
+          <a:lnRef idx="2">
+            <a:schemeClr val="accent1">
+              <a:shade val="15000"/>
+            </a:schemeClr>
+          </a:lnRef>
+          <a:fillRef idx="1">
+            <a:schemeClr val="accent1"/>
+          </a:fillRef>
+          <a:effectRef idx="0">
+            <a:schemeClr val="accent1"/>
+          </a:effectRef>
+          <a:fontRef idx="minor">
+            <a:schemeClr val="lt1"/>
+          </a:fontRef>
+        </p:style>
+        <p:txBody>
+          <a:bodyPr rtlCol="0" anchor="ctr"/>
+          <a:lstStyle/>
+          <a:p>
+            <a:pPr algn="ctr"/>
+            <a:r>
+              <a:rPr lang="en-US" sz="2400" dirty="0">
+                <a:solidFill>
+                  <a:sysClr val="windowText" lastClr="000000"/>
+                </a:solidFill>
+              </a:rPr>
+              <a:t>C</a:t>
+            </a:r>
+            <a:r>
+              <a:rPr lang="en-US" sz="2400" baseline="-25000" dirty="0">
+                <a:solidFill>
+                  <a:sysClr val="windowText" lastClr="000000"/>
+                </a:solidFill>
+              </a:rPr>
+              <a:t>1</a:t>
+            </a:r>
+          </a:p>
+        </p:txBody>
+      </p:sp>
+      <p:sp>
+        <p:nvSpPr>
+          <p:cNvPr id="6" name="Oval 5">
+            <a:extLst>
+              <a:ext uri="{FF2B5EF4-FFF2-40B4-BE49-F238E27FC236}">
+                <a16:creationId xmlns:a16="http://schemas.microsoft.com/office/drawing/2014/main" id="{8C248553-125E-E78F-BF06-D2630E8BA28F}"/>
+              </a:ext>
+            </a:extLst>
+          </p:cNvPr>
+          <p:cNvSpPr/>
+          <p:nvPr/>
+        </p:nvSpPr>
+        <p:spPr>
+          <a:xfrm>
+            <a:off x="2005148" y="3944982"/>
+            <a:ext cx="875212" cy="862149"/>
+          </a:xfrm>
+          <a:prstGeom prst="ellipse">
+            <a:avLst/>
+          </a:prstGeom>
+          <a:solidFill>
+            <a:schemeClr val="bg2">
+              <a:lumMod val="90000"/>
+            </a:schemeClr>
+          </a:solidFill>
+        </p:spPr>
+        <p:style>
+          <a:lnRef idx="2">
+            <a:schemeClr val="accent1">
+              <a:shade val="15000"/>
+            </a:schemeClr>
+          </a:lnRef>
+          <a:fillRef idx="1">
+            <a:schemeClr val="accent1"/>
+          </a:fillRef>
+          <a:effectRef idx="0">
+            <a:schemeClr val="accent1"/>
+          </a:effectRef>
+          <a:fontRef idx="minor">
+            <a:schemeClr val="lt1"/>
+          </a:fontRef>
+        </p:style>
+        <p:txBody>
+          <a:bodyPr rtlCol="0" anchor="ctr"/>
+          <a:lstStyle/>
+          <a:p>
+            <a:pPr algn="ctr"/>
+            <a:r>
+              <a:rPr lang="en-US" sz="2000" dirty="0">
+                <a:solidFill>
+                  <a:sysClr val="windowText" lastClr="000000"/>
+                </a:solidFill>
+              </a:rPr>
+              <a:t>R</a:t>
+            </a:r>
+            <a:r>
+              <a:rPr lang="en-US" sz="2000" baseline="-25000" dirty="0">
+                <a:solidFill>
+                  <a:sysClr val="windowText" lastClr="000000"/>
+                </a:solidFill>
+              </a:rPr>
+              <a:t>a</a:t>
+            </a:r>
+          </a:p>
+        </p:txBody>
+      </p:sp>
+      <p:sp>
+        <p:nvSpPr>
+          <p:cNvPr id="7" name="Oval 6">
+            <a:extLst>
+              <a:ext uri="{FF2B5EF4-FFF2-40B4-BE49-F238E27FC236}">
+                <a16:creationId xmlns:a16="http://schemas.microsoft.com/office/drawing/2014/main" id="{CF3DF505-9FC4-E34F-1588-B094738DC03B}"/>
+              </a:ext>
+            </a:extLst>
+          </p:cNvPr>
+          <p:cNvSpPr/>
+          <p:nvPr/>
+        </p:nvSpPr>
+        <p:spPr>
+          <a:xfrm>
+            <a:off x="4299857" y="3944982"/>
+            <a:ext cx="875212" cy="862149"/>
+          </a:xfrm>
+          <a:prstGeom prst="ellipse">
+            <a:avLst/>
+          </a:prstGeom>
+          <a:solidFill>
+            <a:schemeClr val="bg2">
+              <a:lumMod val="90000"/>
+            </a:schemeClr>
+          </a:solidFill>
+        </p:spPr>
+        <p:style>
+          <a:lnRef idx="2">
+            <a:schemeClr val="accent1">
+              <a:shade val="15000"/>
+            </a:schemeClr>
+          </a:lnRef>
+          <a:fillRef idx="1">
+            <a:schemeClr val="accent1"/>
+          </a:fillRef>
+          <a:effectRef idx="0">
+            <a:schemeClr val="accent1"/>
+          </a:effectRef>
+          <a:fontRef idx="minor">
+            <a:schemeClr val="lt1"/>
+          </a:fontRef>
+        </p:style>
+        <p:txBody>
+          <a:bodyPr rtlCol="0" anchor="ctr"/>
+          <a:lstStyle/>
+          <a:p>
+            <a:pPr algn="ctr"/>
+            <a:r>
+              <a:rPr lang="en-US" sz="2400" dirty="0">
+                <a:solidFill>
+                  <a:sysClr val="windowText" lastClr="000000"/>
+                </a:solidFill>
+              </a:rPr>
+              <a:t>R</a:t>
+            </a:r>
+            <a:r>
+              <a:rPr lang="en-US" sz="2400" baseline="-25000" dirty="0">
+                <a:solidFill>
+                  <a:sysClr val="windowText" lastClr="000000"/>
+                </a:solidFill>
+              </a:rPr>
+              <a:t>b</a:t>
+            </a:r>
+            <a:endParaRPr lang="en-US" baseline="-25000" dirty="0">
+              <a:solidFill>
+                <a:sysClr val="windowText" lastClr="000000"/>
+              </a:solidFill>
+            </a:endParaRPr>
+          </a:p>
+        </p:txBody>
+      </p:sp>
+      <p:sp>
+        <p:nvSpPr>
+          <p:cNvPr id="24" name="TextBox 23">
+            <a:extLst>
+              <a:ext uri="{FF2B5EF4-FFF2-40B4-BE49-F238E27FC236}">
+                <a16:creationId xmlns:a16="http://schemas.microsoft.com/office/drawing/2014/main" id="{4B85AD92-D3F5-CF0E-AF64-7D98352B7D82}"/>
+              </a:ext>
+            </a:extLst>
+          </p:cNvPr>
+          <p:cNvSpPr txBox="1"/>
+          <p:nvPr/>
+        </p:nvSpPr>
+        <p:spPr>
+          <a:xfrm>
+            <a:off x="1538911" y="4905096"/>
+            <a:ext cx="945756" cy="400110"/>
+          </a:xfrm>
+          <a:prstGeom prst="rect">
+            <a:avLst/>
+          </a:prstGeom>
+          <a:noFill/>
+        </p:spPr>
+        <p:txBody>
+          <a:bodyPr wrap="square" rtlCol="0">
+            <a:spAutoFit/>
+          </a:bodyPr>
+          <a:lstStyle/>
+          <a:p>
+            <a:r>
+              <a:rPr lang="en-US" sz="2000" dirty="0"/>
+              <a:t>r</a:t>
+            </a:r>
+            <a:r>
+              <a:rPr lang="en-US" sz="2000" baseline="-25000" dirty="0"/>
+              <a:t>a</a:t>
+            </a:r>
+          </a:p>
+        </p:txBody>
+      </p:sp>
+      <p:sp>
+        <p:nvSpPr>
+          <p:cNvPr id="25" name="TextBox 24">
+            <a:extLst>
+              <a:ext uri="{FF2B5EF4-FFF2-40B4-BE49-F238E27FC236}">
+                <a16:creationId xmlns:a16="http://schemas.microsoft.com/office/drawing/2014/main" id="{831E2F33-2D7C-DF1C-1FE6-460E0A4F0784}"/>
+              </a:ext>
+            </a:extLst>
+          </p:cNvPr>
+          <p:cNvSpPr txBox="1"/>
+          <p:nvPr/>
+        </p:nvSpPr>
+        <p:spPr>
+          <a:xfrm>
+            <a:off x="3749867" y="2086311"/>
+            <a:ext cx="1019608" cy="400110"/>
+          </a:xfrm>
+          <a:prstGeom prst="rect">
+            <a:avLst/>
+          </a:prstGeom>
+          <a:noFill/>
+        </p:spPr>
+        <p:txBody>
+          <a:bodyPr wrap="square" rtlCol="0">
+            <a:spAutoFit/>
+          </a:bodyPr>
+          <a:lstStyle/>
+          <a:p>
+            <a:r>
+              <a:rPr lang="en-US" sz="2000" dirty="0"/>
+              <a:t>c</a:t>
+            </a:r>
+            <a:r>
+              <a:rPr lang="en-US" sz="2000" baseline="-25000" dirty="0"/>
+              <a:t>2a</a:t>
+            </a:r>
+          </a:p>
+        </p:txBody>
+      </p:sp>
+      <p:sp>
+        <p:nvSpPr>
+          <p:cNvPr id="26" name="TextBox 25">
+            <a:extLst>
+              <a:ext uri="{FF2B5EF4-FFF2-40B4-BE49-F238E27FC236}">
+                <a16:creationId xmlns:a16="http://schemas.microsoft.com/office/drawing/2014/main" id="{91171E4B-F9F1-A498-9098-C7642FA0D2DC}"/>
+              </a:ext>
+            </a:extLst>
+          </p:cNvPr>
+          <p:cNvSpPr txBox="1"/>
+          <p:nvPr/>
+        </p:nvSpPr>
+        <p:spPr>
+          <a:xfrm>
+            <a:off x="2894648" y="2103294"/>
+            <a:ext cx="896732" cy="400110"/>
+          </a:xfrm>
+          <a:prstGeom prst="rect">
+            <a:avLst/>
+          </a:prstGeom>
+          <a:noFill/>
+        </p:spPr>
+        <p:txBody>
+          <a:bodyPr wrap="square" rtlCol="0">
+            <a:spAutoFit/>
+          </a:bodyPr>
+          <a:lstStyle/>
+          <a:p>
+            <a:r>
+              <a:rPr lang="en-US" sz="2000" dirty="0"/>
+              <a:t>c</a:t>
+            </a:r>
+            <a:r>
+              <a:rPr lang="en-US" sz="2000" baseline="-25000" dirty="0"/>
+              <a:t>1b</a:t>
+            </a:r>
+          </a:p>
+        </p:txBody>
+      </p:sp>
+      <p:sp>
+        <p:nvSpPr>
+          <p:cNvPr id="27" name="TextBox 26">
+            <a:extLst>
+              <a:ext uri="{FF2B5EF4-FFF2-40B4-BE49-F238E27FC236}">
+                <a16:creationId xmlns:a16="http://schemas.microsoft.com/office/drawing/2014/main" id="{CF20B0C4-4A55-1D64-BBF8-AD494000DC20}"/>
+              </a:ext>
+            </a:extLst>
+          </p:cNvPr>
+          <p:cNvSpPr txBox="1"/>
+          <p:nvPr/>
+        </p:nvSpPr>
+        <p:spPr>
+          <a:xfrm>
+            <a:off x="4741818" y="2954774"/>
+            <a:ext cx="1080248" cy="400110"/>
+          </a:xfrm>
+          <a:prstGeom prst="rect">
+            <a:avLst/>
+          </a:prstGeom>
+          <a:noFill/>
+        </p:spPr>
+        <p:txBody>
+          <a:bodyPr wrap="square" rtlCol="0">
+            <a:spAutoFit/>
+          </a:bodyPr>
+          <a:lstStyle/>
+          <a:p>
+            <a:r>
+              <a:rPr lang="en-US" sz="2000" dirty="0"/>
+              <a:t>c</a:t>
+            </a:r>
+            <a:r>
+              <a:rPr lang="en-US" sz="2000" baseline="-25000" dirty="0"/>
+              <a:t>2b</a:t>
+            </a:r>
+            <a:endParaRPr lang="en-US" sz="2000" dirty="0"/>
+          </a:p>
+        </p:txBody>
+      </p:sp>
+      <p:sp>
+        <p:nvSpPr>
+          <p:cNvPr id="28" name="TextBox 27">
+            <a:extLst>
+              <a:ext uri="{FF2B5EF4-FFF2-40B4-BE49-F238E27FC236}">
+                <a16:creationId xmlns:a16="http://schemas.microsoft.com/office/drawing/2014/main" id="{B67E21A7-37B5-E9A0-AF9D-B5F7F83BAC74}"/>
+              </a:ext>
+            </a:extLst>
+          </p:cNvPr>
+          <p:cNvSpPr txBox="1"/>
+          <p:nvPr/>
+        </p:nvSpPr>
+        <p:spPr>
+          <a:xfrm>
+            <a:off x="1970030" y="2849686"/>
+            <a:ext cx="1175756" cy="400110"/>
+          </a:xfrm>
+          <a:prstGeom prst="rect">
+            <a:avLst/>
+          </a:prstGeom>
+          <a:noFill/>
+        </p:spPr>
+        <p:txBody>
+          <a:bodyPr wrap="square" rtlCol="0">
+            <a:spAutoFit/>
+          </a:bodyPr>
+          <a:lstStyle/>
+          <a:p>
+            <a:r>
+              <a:rPr lang="en-US" sz="2000" dirty="0"/>
+              <a:t>c</a:t>
+            </a:r>
+            <a:r>
+              <a:rPr lang="en-US" sz="2000" baseline="-25000" dirty="0"/>
+              <a:t>1a</a:t>
+            </a:r>
+          </a:p>
+        </p:txBody>
+      </p:sp>
+      <p:sp>
+        <p:nvSpPr>
+          <p:cNvPr id="35" name="TextBox 34">
+            <a:extLst>
+              <a:ext uri="{FF2B5EF4-FFF2-40B4-BE49-F238E27FC236}">
+                <a16:creationId xmlns:a16="http://schemas.microsoft.com/office/drawing/2014/main" id="{801C1085-FFBC-D26E-0F12-FF7F97477A76}"/>
+              </a:ext>
+            </a:extLst>
+          </p:cNvPr>
+          <p:cNvSpPr txBox="1"/>
+          <p:nvPr/>
+        </p:nvSpPr>
+        <p:spPr>
+          <a:xfrm>
+            <a:off x="631172" y="1780641"/>
+            <a:ext cx="494046" cy="400110"/>
+          </a:xfrm>
+          <a:prstGeom prst="rect">
+            <a:avLst/>
+          </a:prstGeom>
+          <a:noFill/>
+        </p:spPr>
+        <p:txBody>
+          <a:bodyPr wrap="none" rtlCol="0">
+            <a:spAutoFit/>
+          </a:bodyPr>
+          <a:lstStyle/>
+          <a:p>
+            <a:r>
+              <a:rPr lang="en-US" sz="2000" dirty="0"/>
+              <a:t>m</a:t>
+            </a:r>
+            <a:r>
+              <a:rPr lang="en-US" sz="2000" baseline="-25000" dirty="0"/>
+              <a:t>1</a:t>
+            </a:r>
+          </a:p>
+        </p:txBody>
+      </p:sp>
+      <p:sp>
+        <p:nvSpPr>
+          <p:cNvPr id="37" name="TextBox 36">
+            <a:extLst>
+              <a:ext uri="{FF2B5EF4-FFF2-40B4-BE49-F238E27FC236}">
+                <a16:creationId xmlns:a16="http://schemas.microsoft.com/office/drawing/2014/main" id="{3C2A118D-3E52-6928-6B17-17E720ECB13F}"/>
+              </a:ext>
+            </a:extLst>
+          </p:cNvPr>
+          <p:cNvSpPr txBox="1"/>
+          <p:nvPr/>
+        </p:nvSpPr>
+        <p:spPr>
+          <a:xfrm>
+            <a:off x="6077726" y="1780641"/>
+            <a:ext cx="494046" cy="400110"/>
+          </a:xfrm>
+          <a:prstGeom prst="rect">
+            <a:avLst/>
+          </a:prstGeom>
+          <a:noFill/>
+        </p:spPr>
+        <p:txBody>
+          <a:bodyPr wrap="none" rtlCol="0">
+            <a:spAutoFit/>
+          </a:bodyPr>
+          <a:lstStyle/>
+          <a:p>
+            <a:r>
+              <a:rPr lang="en-US" sz="2000" dirty="0"/>
+              <a:t>m</a:t>
+            </a:r>
+            <a:r>
+              <a:rPr lang="en-US" sz="2000" baseline="-25000" dirty="0"/>
+              <a:t>2</a:t>
+            </a:r>
+          </a:p>
+        </p:txBody>
+      </p:sp>
+      <p:sp>
+        <p:nvSpPr>
+          <p:cNvPr id="2" name="Rounded Rectangle 1">
+            <a:extLst>
+              <a:ext uri="{FF2B5EF4-FFF2-40B4-BE49-F238E27FC236}">
+                <a16:creationId xmlns:a16="http://schemas.microsoft.com/office/drawing/2014/main" id="{07FF5E42-CC4B-BC55-C399-ECAE0432E8CB}"/>
+              </a:ext>
+            </a:extLst>
+          </p:cNvPr>
+          <p:cNvSpPr/>
+          <p:nvPr/>
+        </p:nvSpPr>
+        <p:spPr>
+          <a:xfrm>
+            <a:off x="4335780" y="1561854"/>
+            <a:ext cx="803366" cy="783767"/>
+          </a:xfrm>
+          <a:prstGeom prst="roundRect">
+            <a:avLst/>
+          </a:prstGeom>
+          <a:solidFill>
+            <a:schemeClr val="bg2">
+              <a:lumMod val="90000"/>
+            </a:schemeClr>
+          </a:solidFill>
+        </p:spPr>
+        <p:style>
+          <a:lnRef idx="2">
+            <a:schemeClr val="accent1">
+              <a:shade val="15000"/>
+            </a:schemeClr>
+          </a:lnRef>
+          <a:fillRef idx="1">
+            <a:schemeClr val="accent1"/>
+          </a:fillRef>
+          <a:effectRef idx="0">
+            <a:schemeClr val="accent1"/>
+          </a:effectRef>
+          <a:fontRef idx="minor">
+            <a:schemeClr val="lt1"/>
+          </a:fontRef>
+        </p:style>
+        <p:txBody>
+          <a:bodyPr rtlCol="0" anchor="ctr"/>
+          <a:lstStyle/>
+          <a:p>
+            <a:pPr algn="ctr"/>
+            <a:r>
+              <a:rPr lang="en-US" sz="2400" dirty="0">
+                <a:solidFill>
+                  <a:sysClr val="windowText" lastClr="000000"/>
+                </a:solidFill>
+              </a:rPr>
+              <a:t>C</a:t>
+            </a:r>
+            <a:r>
+              <a:rPr lang="en-US" sz="2400" baseline="-25000" dirty="0">
+                <a:solidFill>
+                  <a:sysClr val="windowText" lastClr="000000"/>
+                </a:solidFill>
+              </a:rPr>
+              <a:t>2</a:t>
+            </a:r>
+            <a:endParaRPr lang="en-US" baseline="-25000" dirty="0">
+              <a:solidFill>
+                <a:sysClr val="windowText" lastClr="000000"/>
+              </a:solidFill>
+            </a:endParaRPr>
+          </a:p>
+        </p:txBody>
+      </p:sp>
+      <p:pic>
+        <p:nvPicPr>
+          <p:cNvPr id="8" name="Graphic 7" descr="Line arrow: Rotate right with solid fill">
+            <a:extLst>
+              <a:ext uri="{FF2B5EF4-FFF2-40B4-BE49-F238E27FC236}">
+                <a16:creationId xmlns:a16="http://schemas.microsoft.com/office/drawing/2014/main" id="{D21808AF-DF14-30AD-EB93-8060B90E50A7}"/>
+              </a:ext>
+            </a:extLst>
+          </p:cNvPr>
+          <p:cNvPicPr>
+            <a:picLocks noChangeAspect="1"/>
+          </p:cNvPicPr>
+          <p:nvPr/>
+        </p:nvPicPr>
+        <p:blipFill>
+          <a:blip r:embed="rId2">
+            <a:extLst>
+              <a:ext uri="{96DAC541-7B7A-43D3-8B79-37D633B846F1}">
+                <asvg:svgBlip xmlns:asvg="http://schemas.microsoft.com/office/drawing/2016/SVG/main" r:embed="rId3"/>
+              </a:ext>
+            </a:extLst>
+          </a:blip>
+          <a:stretch>
+            <a:fillRect/>
+          </a:stretch>
+        </p:blipFill>
+        <p:spPr>
+          <a:xfrm rot="9532772">
+            <a:off x="4655052" y="4425622"/>
+            <a:ext cx="914400" cy="914400"/>
+          </a:xfrm>
+          <a:prstGeom prst="rect">
+            <a:avLst/>
+          </a:prstGeom>
+        </p:spPr>
+      </p:pic>
+      <p:pic>
+        <p:nvPicPr>
+          <p:cNvPr id="9" name="Graphic 8" descr="Line arrow: Rotate right with solid fill">
+            <a:extLst>
+              <a:ext uri="{FF2B5EF4-FFF2-40B4-BE49-F238E27FC236}">
+                <a16:creationId xmlns:a16="http://schemas.microsoft.com/office/drawing/2014/main" id="{ED07374C-97A4-9B5C-432D-F4FEAE73C9A7}"/>
+              </a:ext>
+            </a:extLst>
+          </p:cNvPr>
+          <p:cNvPicPr>
+            <a:picLocks noChangeAspect="1"/>
+          </p:cNvPicPr>
+          <p:nvPr/>
+        </p:nvPicPr>
+        <p:blipFill>
+          <a:blip r:embed="rId2">
+            <a:extLst>
+              <a:ext uri="{96DAC541-7B7A-43D3-8B79-37D633B846F1}">
+                <asvg:svgBlip xmlns:asvg="http://schemas.microsoft.com/office/drawing/2016/SVG/main" r:embed="rId3"/>
+              </a:ext>
+            </a:extLst>
+          </a:blip>
+          <a:stretch>
+            <a:fillRect/>
+          </a:stretch>
+        </p:blipFill>
+        <p:spPr>
+          <a:xfrm rot="13588340">
+            <a:off x="1639005" y="4458046"/>
+            <a:ext cx="914400" cy="914400"/>
+          </a:xfrm>
+          <a:prstGeom prst="rect">
+            <a:avLst/>
+          </a:prstGeom>
+        </p:spPr>
+      </p:pic>
+      <p:sp>
+        <p:nvSpPr>
+          <p:cNvPr id="13" name="TextBox 12">
+            <a:extLst>
+              <a:ext uri="{FF2B5EF4-FFF2-40B4-BE49-F238E27FC236}">
+                <a16:creationId xmlns:a16="http://schemas.microsoft.com/office/drawing/2014/main" id="{6FEC2B14-5FCB-6921-1484-13A6A4F80BC7}"/>
+              </a:ext>
+            </a:extLst>
+          </p:cNvPr>
+          <p:cNvSpPr txBox="1"/>
+          <p:nvPr/>
+        </p:nvSpPr>
+        <p:spPr>
+          <a:xfrm>
+            <a:off x="5352834" y="4962351"/>
+            <a:ext cx="914399" cy="400110"/>
+          </a:xfrm>
+          <a:prstGeom prst="rect">
+            <a:avLst/>
+          </a:prstGeom>
+          <a:noFill/>
+        </p:spPr>
+        <p:txBody>
+          <a:bodyPr wrap="square" rtlCol="0">
+            <a:spAutoFit/>
+          </a:bodyPr>
+          <a:lstStyle/>
+          <a:p>
+            <a:r>
+              <a:rPr lang="en-US" sz="2000" dirty="0"/>
+              <a:t>r</a:t>
+            </a:r>
+            <a:r>
+              <a:rPr lang="en-US" sz="2000" baseline="-25000" dirty="0"/>
+              <a:t>b</a:t>
+            </a:r>
+          </a:p>
+        </p:txBody>
+      </p:sp>
+      <p:pic>
+        <p:nvPicPr>
+          <p:cNvPr id="16" name="Graphic 15" descr="Line arrow: Straight with solid fill">
+            <a:extLst>
+              <a:ext uri="{FF2B5EF4-FFF2-40B4-BE49-F238E27FC236}">
+                <a16:creationId xmlns:a16="http://schemas.microsoft.com/office/drawing/2014/main" id="{497E836B-A7D6-D7A9-03BC-323FE7CDBFC8}"/>
+              </a:ext>
+            </a:extLst>
+          </p:cNvPr>
+          <p:cNvPicPr>
+            <a:picLocks noChangeAspect="1"/>
+          </p:cNvPicPr>
+          <p:nvPr/>
+        </p:nvPicPr>
+        <p:blipFill>
+          <a:blip r:embed="rId4">
+            <a:extLst>
+              <a:ext uri="{96DAC541-7B7A-43D3-8B79-37D633B846F1}">
+                <asvg:svgBlip xmlns:asvg="http://schemas.microsoft.com/office/drawing/2016/SVG/main" r:embed="rId5"/>
+              </a:ext>
+            </a:extLst>
+          </a:blip>
+          <a:stretch>
+            <a:fillRect/>
+          </a:stretch>
+        </p:blipFill>
+        <p:spPr>
+          <a:xfrm>
+            <a:off x="1054825" y="1508107"/>
+            <a:ext cx="914400" cy="914400"/>
+          </a:xfrm>
+          <a:prstGeom prst="rect">
+            <a:avLst/>
+          </a:prstGeom>
+        </p:spPr>
+      </p:pic>
+      <p:pic>
+        <p:nvPicPr>
+          <p:cNvPr id="18" name="Graphic 17" descr="Arrow Up with solid fill">
+            <a:extLst>
+              <a:ext uri="{FF2B5EF4-FFF2-40B4-BE49-F238E27FC236}">
+                <a16:creationId xmlns:a16="http://schemas.microsoft.com/office/drawing/2014/main" id="{1C1FD7D7-63ED-613B-17D6-5E8C14CA4961}"/>
+              </a:ext>
+            </a:extLst>
+          </p:cNvPr>
+          <p:cNvPicPr>
+            <a:picLocks noChangeAspect="1"/>
+          </p:cNvPicPr>
+          <p:nvPr/>
+        </p:nvPicPr>
+        <p:blipFill>
+          <a:blip r:embed="rId6">
+            <a:extLst>
+              <a:ext uri="{96DAC541-7B7A-43D3-8B79-37D633B846F1}">
+                <asvg:svgBlip xmlns:asvg="http://schemas.microsoft.com/office/drawing/2016/SVG/main" r:embed="rId7"/>
+              </a:ext>
+            </a:extLst>
+          </a:blip>
+          <a:stretch>
+            <a:fillRect/>
+          </a:stretch>
+        </p:blipFill>
+        <p:spPr>
+          <a:xfrm>
+            <a:off x="4242708" y="2383580"/>
+            <a:ext cx="914400" cy="1561401"/>
+          </a:xfrm>
+          <a:prstGeom prst="rect">
+            <a:avLst/>
+          </a:prstGeom>
+        </p:spPr>
+      </p:pic>
+      <p:pic>
+        <p:nvPicPr>
+          <p:cNvPr id="19" name="Graphic 18" descr="Line arrow: Straight with solid fill">
+            <a:extLst>
+              <a:ext uri="{FF2B5EF4-FFF2-40B4-BE49-F238E27FC236}">
+                <a16:creationId xmlns:a16="http://schemas.microsoft.com/office/drawing/2014/main" id="{329CBDF2-790D-03AF-9984-88C717D17926}"/>
+              </a:ext>
+            </a:extLst>
+          </p:cNvPr>
+          <p:cNvPicPr>
+            <a:picLocks noChangeAspect="1"/>
+          </p:cNvPicPr>
+          <p:nvPr/>
+        </p:nvPicPr>
+        <p:blipFill>
+          <a:blip r:embed="rId4">
+            <a:extLst>
+              <a:ext uri="{96DAC541-7B7A-43D3-8B79-37D633B846F1}">
+                <asvg:svgBlip xmlns:asvg="http://schemas.microsoft.com/office/drawing/2016/SVG/main" r:embed="rId5"/>
+              </a:ext>
+            </a:extLst>
+          </a:blip>
+          <a:stretch>
+            <a:fillRect/>
+          </a:stretch>
+        </p:blipFill>
+        <p:spPr>
+          <a:xfrm rot="10800000">
+            <a:off x="5175069" y="1496537"/>
+            <a:ext cx="914400" cy="914400"/>
+          </a:xfrm>
+          <a:prstGeom prst="rect">
+            <a:avLst/>
+          </a:prstGeom>
+        </p:spPr>
+      </p:pic>
+      <p:pic>
+        <p:nvPicPr>
+          <p:cNvPr id="20" name="Graphic 19" descr="Arrow Up with solid fill">
+            <a:extLst>
+              <a:ext uri="{FF2B5EF4-FFF2-40B4-BE49-F238E27FC236}">
+                <a16:creationId xmlns:a16="http://schemas.microsoft.com/office/drawing/2014/main" id="{730CAC3B-13C1-17B8-14B4-9263CA631194}"/>
+              </a:ext>
+            </a:extLst>
+          </p:cNvPr>
+          <p:cNvPicPr>
+            <a:picLocks noChangeAspect="1"/>
+          </p:cNvPicPr>
+          <p:nvPr/>
+        </p:nvPicPr>
+        <p:blipFill>
+          <a:blip r:embed="rId6">
+            <a:extLst>
+              <a:ext uri="{96DAC541-7B7A-43D3-8B79-37D633B846F1}">
+                <asvg:svgBlip xmlns:asvg="http://schemas.microsoft.com/office/drawing/2016/SVG/main" r:embed="rId7"/>
+              </a:ext>
+            </a:extLst>
+          </a:blip>
+          <a:stretch>
+            <a:fillRect/>
+          </a:stretch>
+        </p:blipFill>
+        <p:spPr>
+          <a:xfrm>
+            <a:off x="1976128" y="2358739"/>
+            <a:ext cx="914400" cy="1561401"/>
+          </a:xfrm>
+          <a:prstGeom prst="rect">
+            <a:avLst/>
+          </a:prstGeom>
+        </p:spPr>
+      </p:pic>
+      <p:pic>
+        <p:nvPicPr>
+          <p:cNvPr id="29" name="Graphic 28" descr="Arrow Up with solid fill">
+            <a:extLst>
+              <a:ext uri="{FF2B5EF4-FFF2-40B4-BE49-F238E27FC236}">
+                <a16:creationId xmlns:a16="http://schemas.microsoft.com/office/drawing/2014/main" id="{8ACA265C-0295-7B45-03BC-AF9DDB7E7755}"/>
+              </a:ext>
+            </a:extLst>
+          </p:cNvPr>
+          <p:cNvPicPr>
+            <a:picLocks noChangeAspect="1"/>
+          </p:cNvPicPr>
+          <p:nvPr/>
+        </p:nvPicPr>
+        <p:blipFill>
+          <a:blip r:embed="rId6">
+            <a:extLst>
+              <a:ext uri="{96DAC541-7B7A-43D3-8B79-37D633B846F1}">
+                <asvg:svgBlip xmlns:asvg="http://schemas.microsoft.com/office/drawing/2016/SVG/main" r:embed="rId7"/>
+              </a:ext>
+            </a:extLst>
+          </a:blip>
+          <a:stretch>
+            <a:fillRect/>
+          </a:stretch>
+        </p:blipFill>
+        <p:spPr>
+          <a:xfrm rot="2623736">
+            <a:off x="3116987" y="1972502"/>
+            <a:ext cx="914400" cy="2407291"/>
+          </a:xfrm>
+          <a:prstGeom prst="rect">
+            <a:avLst/>
+          </a:prstGeom>
+        </p:spPr>
+      </p:pic>
+      <p:pic>
+        <p:nvPicPr>
+          <p:cNvPr id="32" name="Graphic 31" descr="Arrow Up with solid fill">
+            <a:extLst>
+              <a:ext uri="{FF2B5EF4-FFF2-40B4-BE49-F238E27FC236}">
+                <a16:creationId xmlns:a16="http://schemas.microsoft.com/office/drawing/2014/main" id="{4EA6422B-FB7D-EA3D-4092-BBEFA26B0DCE}"/>
+              </a:ext>
+            </a:extLst>
+          </p:cNvPr>
+          <p:cNvPicPr>
+            <a:picLocks noChangeAspect="1"/>
+          </p:cNvPicPr>
+          <p:nvPr/>
+        </p:nvPicPr>
+        <p:blipFill>
+          <a:blip r:embed="rId6">
+            <a:extLst>
+              <a:ext uri="{96DAC541-7B7A-43D3-8B79-37D633B846F1}">
+                <asvg:svgBlip xmlns:asvg="http://schemas.microsoft.com/office/drawing/2016/SVG/main" r:embed="rId7"/>
+              </a:ext>
+            </a:extLst>
+          </a:blip>
+          <a:stretch>
+            <a:fillRect/>
+          </a:stretch>
+        </p:blipFill>
+        <p:spPr>
+          <a:xfrm rot="19022280">
+            <a:off x="3121470" y="1976985"/>
+            <a:ext cx="914400" cy="2407291"/>
+          </a:xfrm>
+          <a:prstGeom prst="rect">
+            <a:avLst/>
+          </a:prstGeom>
+        </p:spPr>
+      </p:pic>
+    </p:spTree>
+    <p:extLst>
+      <p:ext uri="{BB962C8B-B14F-4D97-AF65-F5344CB8AC3E}">
+        <p14:creationId xmlns:p14="http://schemas.microsoft.com/office/powerpoint/2010/main" val="3026631769"/>
+      </p:ext>
+    </p:extLst>
+  </p:cSld>
+  <p:clrMapOvr>
+    <a:masterClrMapping/>
+  </p:clrMapOvr>
+</p:sld>
+</file>
+
+<file path=ppt/slides/slide5.xml><?xml version="1.0" encoding="utf-8"?>
+<p:sld xmlns:a="http://schemas.openxmlformats.org/drawingml/2006/main" xmlns:r="http://schemas.openxmlformats.org/officeDocument/2006/relationships" xmlns:p="http://schemas.openxmlformats.org/presentationml/2006/main">
+  <p:cSld>
+    <p:spTree>
+      <p:nvGrpSpPr>
+        <p:cNvPr id="1" name="">
+          <a:extLst>
+            <a:ext uri="{FF2B5EF4-FFF2-40B4-BE49-F238E27FC236}">
+              <a16:creationId xmlns:a16="http://schemas.microsoft.com/office/drawing/2014/main" id="{1B0479AC-74A8-5C95-5265-09EEC24EB077}"/>
+            </a:ext>
+          </a:extLst>
+        </p:cNvPr>
+        <p:cNvGrpSpPr/>
+        <p:nvPr/>
+      </p:nvGrpSpPr>
+      <p:grpSpPr>
+        <a:xfrm>
+          <a:off x="0" y="0"/>
+          <a:ext cx="0" cy="0"/>
+          <a:chOff x="0" y="0"/>
+          <a:chExt cx="0" cy="0"/>
+        </a:xfrm>
+      </p:grpSpPr>
+      <p:sp>
+        <p:nvSpPr>
+          <p:cNvPr id="4" name="Rounded Rectangle 3">
+            <a:extLst>
+              <a:ext uri="{FF2B5EF4-FFF2-40B4-BE49-F238E27FC236}">
+                <a16:creationId xmlns:a16="http://schemas.microsoft.com/office/drawing/2014/main" id="{1AF5004D-C931-E1CA-7413-AB6AA5E9A99C}"/>
+              </a:ext>
+            </a:extLst>
+          </p:cNvPr>
+          <p:cNvSpPr/>
+          <p:nvPr/>
+        </p:nvSpPr>
+        <p:spPr>
+          <a:xfrm>
+            <a:off x="2005148" y="1567542"/>
+            <a:ext cx="803366" cy="783767"/>
+          </a:xfrm>
+          <a:prstGeom prst="roundRect">
+            <a:avLst/>
+          </a:prstGeom>
+          <a:solidFill>
+            <a:schemeClr val="bg2"/>
+          </a:solidFill>
+          <a:ln>
+            <a:solidFill>
+              <a:schemeClr val="bg2">
+                <a:lumMod val="75000"/>
+              </a:schemeClr>
+            </a:solidFill>
+          </a:ln>
+        </p:spPr>
+        <p:style>
+          <a:lnRef idx="2">
+            <a:schemeClr val="accent1">
+              <a:shade val="15000"/>
+            </a:schemeClr>
+          </a:lnRef>
+          <a:fillRef idx="1">
+            <a:schemeClr val="accent1"/>
+          </a:fillRef>
+          <a:effectRef idx="0">
+            <a:schemeClr val="accent1"/>
+          </a:effectRef>
+          <a:fontRef idx="minor">
+            <a:schemeClr val="lt1"/>
+          </a:fontRef>
+        </p:style>
+        <p:txBody>
+          <a:bodyPr rtlCol="0" anchor="ctr"/>
+          <a:lstStyle/>
+          <a:p>
+            <a:pPr algn="ctr"/>
+            <a:r>
+              <a:rPr lang="en-US" sz="2400" dirty="0">
+                <a:solidFill>
+                  <a:schemeClr val="bg2">
+                    <a:lumMod val="75000"/>
+                  </a:schemeClr>
+                </a:solidFill>
+              </a:rPr>
+              <a:t>C</a:t>
+            </a:r>
+            <a:r>
+              <a:rPr lang="en-US" sz="2400" baseline="-25000" dirty="0">
+                <a:solidFill>
+                  <a:schemeClr val="bg2">
+                    <a:lumMod val="75000"/>
+                  </a:schemeClr>
+                </a:solidFill>
+              </a:rPr>
+              <a:t>1</a:t>
+            </a:r>
+          </a:p>
+        </p:txBody>
+      </p:sp>
+      <p:sp>
+        <p:nvSpPr>
+          <p:cNvPr id="6" name="Oval 5">
+            <a:extLst>
+              <a:ext uri="{FF2B5EF4-FFF2-40B4-BE49-F238E27FC236}">
+                <a16:creationId xmlns:a16="http://schemas.microsoft.com/office/drawing/2014/main" id="{7F6917B2-C0A3-C75C-C23F-36997EBBBE8B}"/>
+              </a:ext>
+            </a:extLst>
+          </p:cNvPr>
+          <p:cNvSpPr/>
+          <p:nvPr/>
+        </p:nvSpPr>
+        <p:spPr>
+          <a:xfrm>
+            <a:off x="2005148" y="3944982"/>
+            <a:ext cx="875212" cy="862149"/>
+          </a:xfrm>
+          <a:prstGeom prst="ellipse">
+            <a:avLst/>
+          </a:prstGeom>
+          <a:solidFill>
+            <a:schemeClr val="bg2"/>
+          </a:solidFill>
+          <a:ln>
+            <a:solidFill>
+              <a:schemeClr val="bg2">
+                <a:lumMod val="75000"/>
+              </a:schemeClr>
+            </a:solidFill>
+          </a:ln>
+        </p:spPr>
+        <p:style>
+          <a:lnRef idx="2">
+            <a:schemeClr val="accent1">
+              <a:shade val="15000"/>
+            </a:schemeClr>
+          </a:lnRef>
+          <a:fillRef idx="1">
+            <a:schemeClr val="accent1"/>
+          </a:fillRef>
+          <a:effectRef idx="0">
+            <a:schemeClr val="accent1"/>
+          </a:effectRef>
+          <a:fontRef idx="minor">
+            <a:schemeClr val="lt1"/>
+          </a:fontRef>
+        </p:style>
+        <p:txBody>
+          <a:bodyPr rtlCol="0" anchor="ctr"/>
+          <a:lstStyle/>
+          <a:p>
+            <a:pPr algn="ctr"/>
+            <a:r>
+              <a:rPr lang="en-US" sz="2000" dirty="0">
+                <a:solidFill>
+                  <a:schemeClr val="bg2">
+                    <a:lumMod val="75000"/>
+                  </a:schemeClr>
+                </a:solidFill>
+              </a:rPr>
+              <a:t>R</a:t>
+            </a:r>
+            <a:r>
+              <a:rPr lang="en-US" sz="2000" baseline="-25000" dirty="0">
+                <a:solidFill>
+                  <a:schemeClr val="bg2">
+                    <a:lumMod val="75000"/>
+                  </a:schemeClr>
+                </a:solidFill>
+              </a:rPr>
+              <a:t>a</a:t>
+            </a:r>
+          </a:p>
+        </p:txBody>
+      </p:sp>
+      <p:sp>
+        <p:nvSpPr>
+          <p:cNvPr id="7" name="Oval 6">
+            <a:extLst>
+              <a:ext uri="{FF2B5EF4-FFF2-40B4-BE49-F238E27FC236}">
+                <a16:creationId xmlns:a16="http://schemas.microsoft.com/office/drawing/2014/main" id="{2448776E-0366-FA66-0D31-9C4142BCFB62}"/>
+              </a:ext>
+            </a:extLst>
+          </p:cNvPr>
+          <p:cNvSpPr/>
+          <p:nvPr/>
+        </p:nvSpPr>
+        <p:spPr>
+          <a:xfrm>
+            <a:off x="4299857" y="3944982"/>
+            <a:ext cx="875212" cy="862149"/>
+          </a:xfrm>
+          <a:prstGeom prst="ellipse">
+            <a:avLst/>
+          </a:prstGeom>
+          <a:solidFill>
+            <a:schemeClr val="bg2"/>
+          </a:solidFill>
+          <a:ln>
+            <a:solidFill>
+              <a:schemeClr val="bg2">
+                <a:lumMod val="75000"/>
+              </a:schemeClr>
+            </a:solidFill>
+          </a:ln>
+        </p:spPr>
+        <p:style>
+          <a:lnRef idx="2">
+            <a:schemeClr val="accent1">
+              <a:shade val="15000"/>
+            </a:schemeClr>
+          </a:lnRef>
+          <a:fillRef idx="1">
+            <a:schemeClr val="accent1"/>
+          </a:fillRef>
+          <a:effectRef idx="0">
+            <a:schemeClr val="accent1"/>
+          </a:effectRef>
+          <a:fontRef idx="minor">
+            <a:schemeClr val="lt1"/>
+          </a:fontRef>
+        </p:style>
+        <p:txBody>
+          <a:bodyPr rtlCol="0" anchor="ctr"/>
+          <a:lstStyle/>
+          <a:p>
+            <a:pPr algn="ctr"/>
+            <a:r>
+              <a:rPr lang="en-US" sz="2400" dirty="0">
+                <a:solidFill>
+                  <a:schemeClr val="bg2">
+                    <a:lumMod val="75000"/>
+                  </a:schemeClr>
+                </a:solidFill>
+              </a:rPr>
+              <a:t>R</a:t>
+            </a:r>
+            <a:r>
+              <a:rPr lang="en-US" sz="2400" baseline="-25000" dirty="0">
+                <a:solidFill>
+                  <a:schemeClr val="bg2">
+                    <a:lumMod val="75000"/>
+                  </a:schemeClr>
+                </a:solidFill>
+              </a:rPr>
+              <a:t>b</a:t>
+            </a:r>
+            <a:endParaRPr lang="en-US" baseline="-25000" dirty="0">
+              <a:solidFill>
+                <a:schemeClr val="bg2">
+                  <a:lumMod val="75000"/>
+                </a:schemeClr>
+              </a:solidFill>
+            </a:endParaRPr>
+          </a:p>
+        </p:txBody>
+      </p:sp>
+      <p:sp>
+        <p:nvSpPr>
+          <p:cNvPr id="24" name="TextBox 23">
+            <a:extLst>
+              <a:ext uri="{FF2B5EF4-FFF2-40B4-BE49-F238E27FC236}">
+                <a16:creationId xmlns:a16="http://schemas.microsoft.com/office/drawing/2014/main" id="{B60FA240-D7FB-1261-BE3B-C2D39C2A9EF9}"/>
+              </a:ext>
+            </a:extLst>
+          </p:cNvPr>
+          <p:cNvSpPr txBox="1"/>
+          <p:nvPr/>
+        </p:nvSpPr>
+        <p:spPr>
+          <a:xfrm>
+            <a:off x="1538911" y="4905096"/>
+            <a:ext cx="945756" cy="400110"/>
+          </a:xfrm>
+          <a:prstGeom prst="rect">
+            <a:avLst/>
+          </a:prstGeom>
+          <a:noFill/>
+        </p:spPr>
+        <p:txBody>
+          <a:bodyPr wrap="square" rtlCol="0">
+            <a:spAutoFit/>
+          </a:bodyPr>
+          <a:lstStyle/>
+          <a:p>
+            <a:r>
+              <a:rPr lang="en-US" sz="2000" dirty="0">
+                <a:solidFill>
+                  <a:schemeClr val="bg2">
+                    <a:lumMod val="75000"/>
+                  </a:schemeClr>
+                </a:solidFill>
+              </a:rPr>
+              <a:t>r</a:t>
+            </a:r>
+            <a:r>
+              <a:rPr lang="en-US" sz="2000" baseline="-25000" dirty="0">
+                <a:solidFill>
+                  <a:schemeClr val="bg2">
+                    <a:lumMod val="75000"/>
+                  </a:schemeClr>
+                </a:solidFill>
+              </a:rPr>
+              <a:t>a</a:t>
+            </a:r>
+          </a:p>
+        </p:txBody>
+      </p:sp>
+      <p:sp>
+        <p:nvSpPr>
+          <p:cNvPr id="25" name="TextBox 24">
+            <a:extLst>
+              <a:ext uri="{FF2B5EF4-FFF2-40B4-BE49-F238E27FC236}">
+                <a16:creationId xmlns:a16="http://schemas.microsoft.com/office/drawing/2014/main" id="{3C806C83-9326-B58D-D1C0-265907E7B682}"/>
+              </a:ext>
+            </a:extLst>
+          </p:cNvPr>
+          <p:cNvSpPr txBox="1"/>
+          <p:nvPr/>
+        </p:nvSpPr>
+        <p:spPr>
+          <a:xfrm>
+            <a:off x="3749867" y="2086311"/>
+            <a:ext cx="1019608" cy="400110"/>
+          </a:xfrm>
+          <a:prstGeom prst="rect">
+            <a:avLst/>
+          </a:prstGeom>
+          <a:noFill/>
+        </p:spPr>
+        <p:txBody>
+          <a:bodyPr wrap="square" rtlCol="0">
+            <a:spAutoFit/>
+          </a:bodyPr>
+          <a:lstStyle/>
+          <a:p>
+            <a:r>
+              <a:rPr lang="en-US" sz="2000" dirty="0">
+                <a:solidFill>
+                  <a:schemeClr val="bg2">
+                    <a:lumMod val="75000"/>
+                  </a:schemeClr>
+                </a:solidFill>
+              </a:rPr>
+              <a:t>c</a:t>
+            </a:r>
+            <a:r>
+              <a:rPr lang="en-US" sz="2000" baseline="-25000" dirty="0">
+                <a:solidFill>
+                  <a:schemeClr val="bg2">
+                    <a:lumMod val="75000"/>
+                  </a:schemeClr>
+                </a:solidFill>
+              </a:rPr>
+              <a:t>2a</a:t>
+            </a:r>
+          </a:p>
+        </p:txBody>
+      </p:sp>
+      <p:sp>
+        <p:nvSpPr>
+          <p:cNvPr id="26" name="TextBox 25">
+            <a:extLst>
+              <a:ext uri="{FF2B5EF4-FFF2-40B4-BE49-F238E27FC236}">
+                <a16:creationId xmlns:a16="http://schemas.microsoft.com/office/drawing/2014/main" id="{E7221E9B-FEA2-B874-95CF-4794F5CBE774}"/>
+              </a:ext>
+            </a:extLst>
+          </p:cNvPr>
+          <p:cNvSpPr txBox="1"/>
+          <p:nvPr/>
+        </p:nvSpPr>
+        <p:spPr>
+          <a:xfrm>
+            <a:off x="2894648" y="2103294"/>
+            <a:ext cx="896732" cy="400110"/>
+          </a:xfrm>
+          <a:prstGeom prst="rect">
+            <a:avLst/>
+          </a:prstGeom>
+          <a:noFill/>
+        </p:spPr>
+        <p:txBody>
+          <a:bodyPr wrap="square" rtlCol="0">
+            <a:spAutoFit/>
+          </a:bodyPr>
+          <a:lstStyle/>
+          <a:p>
+            <a:r>
+              <a:rPr lang="en-US" sz="2000" dirty="0">
+                <a:solidFill>
+                  <a:schemeClr val="bg2">
+                    <a:lumMod val="75000"/>
+                  </a:schemeClr>
+                </a:solidFill>
+              </a:rPr>
+              <a:t>c</a:t>
+            </a:r>
+            <a:r>
+              <a:rPr lang="en-US" sz="2000" baseline="-25000" dirty="0">
+                <a:solidFill>
+                  <a:schemeClr val="bg2">
+                    <a:lumMod val="75000"/>
+                  </a:schemeClr>
+                </a:solidFill>
+              </a:rPr>
+              <a:t>1b</a:t>
+            </a:r>
+          </a:p>
+        </p:txBody>
+      </p:sp>
+      <p:sp>
+        <p:nvSpPr>
+          <p:cNvPr id="27" name="TextBox 26">
+            <a:extLst>
+              <a:ext uri="{FF2B5EF4-FFF2-40B4-BE49-F238E27FC236}">
+                <a16:creationId xmlns:a16="http://schemas.microsoft.com/office/drawing/2014/main" id="{C516E719-B00A-1186-338B-70F4ACC9B367}"/>
+              </a:ext>
+            </a:extLst>
+          </p:cNvPr>
+          <p:cNvSpPr txBox="1"/>
+          <p:nvPr/>
+        </p:nvSpPr>
+        <p:spPr>
+          <a:xfrm>
+            <a:off x="4741818" y="2954774"/>
+            <a:ext cx="1080248" cy="400110"/>
+          </a:xfrm>
+          <a:prstGeom prst="rect">
+            <a:avLst/>
+          </a:prstGeom>
+          <a:noFill/>
+        </p:spPr>
+        <p:txBody>
+          <a:bodyPr wrap="square" rtlCol="0">
+            <a:spAutoFit/>
+          </a:bodyPr>
+          <a:lstStyle/>
+          <a:p>
+            <a:r>
+              <a:rPr lang="en-US" sz="2000" dirty="0"/>
+              <a:t>c</a:t>
+            </a:r>
+            <a:r>
+              <a:rPr lang="en-US" sz="2000" baseline="-25000" dirty="0"/>
+              <a:t>2b</a:t>
+            </a:r>
+            <a:endParaRPr lang="en-US" sz="2000" dirty="0"/>
+          </a:p>
+        </p:txBody>
+      </p:sp>
+      <p:sp>
+        <p:nvSpPr>
+          <p:cNvPr id="28" name="TextBox 27">
+            <a:extLst>
+              <a:ext uri="{FF2B5EF4-FFF2-40B4-BE49-F238E27FC236}">
+                <a16:creationId xmlns:a16="http://schemas.microsoft.com/office/drawing/2014/main" id="{13A3E683-C0A5-76F8-471B-955C4AB60E51}"/>
+              </a:ext>
+            </a:extLst>
+          </p:cNvPr>
+          <p:cNvSpPr txBox="1"/>
+          <p:nvPr/>
+        </p:nvSpPr>
+        <p:spPr>
+          <a:xfrm>
+            <a:off x="1970030" y="2849686"/>
+            <a:ext cx="1175756" cy="400110"/>
+          </a:xfrm>
+          <a:prstGeom prst="rect">
+            <a:avLst/>
+          </a:prstGeom>
+          <a:noFill/>
+        </p:spPr>
+        <p:txBody>
+          <a:bodyPr wrap="square" rtlCol="0">
+            <a:spAutoFit/>
+          </a:bodyPr>
+          <a:lstStyle/>
+          <a:p>
+            <a:r>
+              <a:rPr lang="en-US" sz="2000" dirty="0">
+                <a:solidFill>
+                  <a:schemeClr val="bg2">
+                    <a:lumMod val="75000"/>
+                  </a:schemeClr>
+                </a:solidFill>
+              </a:rPr>
+              <a:t>c</a:t>
+            </a:r>
+            <a:r>
+              <a:rPr lang="en-US" sz="2000" baseline="-25000" dirty="0">
+                <a:solidFill>
+                  <a:schemeClr val="bg2">
+                    <a:lumMod val="75000"/>
+                  </a:schemeClr>
+                </a:solidFill>
+              </a:rPr>
+              <a:t>1a</a:t>
+            </a:r>
+          </a:p>
+        </p:txBody>
+      </p:sp>
+      <p:sp>
+        <p:nvSpPr>
+          <p:cNvPr id="35" name="TextBox 34">
+            <a:extLst>
+              <a:ext uri="{FF2B5EF4-FFF2-40B4-BE49-F238E27FC236}">
+                <a16:creationId xmlns:a16="http://schemas.microsoft.com/office/drawing/2014/main" id="{6CC4AE5D-DB9A-3E04-C8B9-2AF0126FC765}"/>
+              </a:ext>
+            </a:extLst>
+          </p:cNvPr>
+          <p:cNvSpPr txBox="1"/>
+          <p:nvPr/>
+        </p:nvSpPr>
+        <p:spPr>
+          <a:xfrm>
+            <a:off x="631172" y="1780641"/>
+            <a:ext cx="494046" cy="400110"/>
+          </a:xfrm>
+          <a:prstGeom prst="rect">
+            <a:avLst/>
+          </a:prstGeom>
+          <a:noFill/>
+        </p:spPr>
+        <p:txBody>
+          <a:bodyPr wrap="none" rtlCol="0">
+            <a:spAutoFit/>
+          </a:bodyPr>
+          <a:lstStyle/>
+          <a:p>
+            <a:r>
+              <a:rPr lang="en-US" sz="2000" dirty="0">
+                <a:solidFill>
+                  <a:schemeClr val="bg2">
+                    <a:lumMod val="75000"/>
+                  </a:schemeClr>
+                </a:solidFill>
+              </a:rPr>
+              <a:t>m</a:t>
+            </a:r>
+            <a:r>
+              <a:rPr lang="en-US" sz="2000" baseline="-25000" dirty="0">
+                <a:solidFill>
+                  <a:schemeClr val="bg2">
+                    <a:lumMod val="75000"/>
+                  </a:schemeClr>
+                </a:solidFill>
+              </a:rPr>
+              <a:t>1</a:t>
+            </a:r>
+          </a:p>
+        </p:txBody>
+      </p:sp>
+      <p:sp>
+        <p:nvSpPr>
+          <p:cNvPr id="37" name="TextBox 36">
+            <a:extLst>
+              <a:ext uri="{FF2B5EF4-FFF2-40B4-BE49-F238E27FC236}">
+                <a16:creationId xmlns:a16="http://schemas.microsoft.com/office/drawing/2014/main" id="{32755BE8-D20F-4829-4846-525641B21CE0}"/>
+              </a:ext>
+            </a:extLst>
+          </p:cNvPr>
+          <p:cNvSpPr txBox="1"/>
+          <p:nvPr/>
+        </p:nvSpPr>
+        <p:spPr>
+          <a:xfrm>
+            <a:off x="6077726" y="1780641"/>
+            <a:ext cx="494046" cy="400110"/>
+          </a:xfrm>
+          <a:prstGeom prst="rect">
+            <a:avLst/>
+          </a:prstGeom>
+          <a:noFill/>
+        </p:spPr>
+        <p:txBody>
+          <a:bodyPr wrap="none" rtlCol="0">
+            <a:spAutoFit/>
+          </a:bodyPr>
+          <a:lstStyle/>
+          <a:p>
+            <a:r>
+              <a:rPr lang="en-US" sz="2000" dirty="0">
+                <a:solidFill>
+                  <a:schemeClr val="bg2">
+                    <a:lumMod val="75000"/>
+                  </a:schemeClr>
+                </a:solidFill>
+              </a:rPr>
+              <a:t>m</a:t>
+            </a:r>
+            <a:r>
+              <a:rPr lang="en-US" sz="2000" baseline="-25000" dirty="0">
+                <a:solidFill>
+                  <a:schemeClr val="bg2">
+                    <a:lumMod val="75000"/>
+                  </a:schemeClr>
+                </a:solidFill>
+              </a:rPr>
+              <a:t>2</a:t>
+            </a:r>
+          </a:p>
+        </p:txBody>
+      </p:sp>
+      <p:sp>
+        <p:nvSpPr>
+          <p:cNvPr id="2" name="Rounded Rectangle 1">
+            <a:extLst>
+              <a:ext uri="{FF2B5EF4-FFF2-40B4-BE49-F238E27FC236}">
+                <a16:creationId xmlns:a16="http://schemas.microsoft.com/office/drawing/2014/main" id="{AF43CA61-8402-0669-A423-05DB9F5AE928}"/>
+              </a:ext>
+            </a:extLst>
+          </p:cNvPr>
+          <p:cNvSpPr/>
+          <p:nvPr/>
+        </p:nvSpPr>
+        <p:spPr>
+          <a:xfrm>
+            <a:off x="4335780" y="1561854"/>
+            <a:ext cx="803366" cy="783767"/>
+          </a:xfrm>
+          <a:prstGeom prst="roundRect">
+            <a:avLst/>
+          </a:prstGeom>
+          <a:solidFill>
+            <a:schemeClr val="bg2"/>
+          </a:solidFill>
+          <a:ln>
+            <a:solidFill>
+              <a:schemeClr val="bg2">
+                <a:lumMod val="75000"/>
+              </a:schemeClr>
+            </a:solidFill>
+          </a:ln>
+        </p:spPr>
+        <p:style>
+          <a:lnRef idx="2">
+            <a:schemeClr val="accent1">
+              <a:shade val="15000"/>
+            </a:schemeClr>
+          </a:lnRef>
+          <a:fillRef idx="1">
+            <a:schemeClr val="accent1"/>
+          </a:fillRef>
+          <a:effectRef idx="0">
+            <a:schemeClr val="accent1"/>
+          </a:effectRef>
+          <a:fontRef idx="minor">
+            <a:schemeClr val="lt1"/>
+          </a:fontRef>
+        </p:style>
+        <p:txBody>
+          <a:bodyPr rtlCol="0" anchor="ctr"/>
+          <a:lstStyle/>
+          <a:p>
+            <a:pPr algn="ctr"/>
+            <a:r>
+              <a:rPr lang="en-US" sz="2400" dirty="0">
+                <a:solidFill>
+                  <a:schemeClr val="bg2">
+                    <a:lumMod val="75000"/>
+                  </a:schemeClr>
+                </a:solidFill>
+              </a:rPr>
+              <a:t>C</a:t>
+            </a:r>
+            <a:r>
+              <a:rPr lang="en-US" sz="2400" baseline="-25000" dirty="0">
+                <a:solidFill>
+                  <a:schemeClr val="bg2">
+                    <a:lumMod val="75000"/>
+                  </a:schemeClr>
+                </a:solidFill>
+              </a:rPr>
+              <a:t>2</a:t>
+            </a:r>
+            <a:endParaRPr lang="en-US" baseline="-25000" dirty="0">
+              <a:solidFill>
+                <a:schemeClr val="bg2">
+                  <a:lumMod val="75000"/>
+                </a:schemeClr>
+              </a:solidFill>
+            </a:endParaRPr>
+          </a:p>
+        </p:txBody>
+      </p:sp>
+      <p:pic>
+        <p:nvPicPr>
+          <p:cNvPr id="8" name="Graphic 7" descr="Line arrow: Rotate right with solid fill">
+            <a:extLst>
+              <a:ext uri="{FF2B5EF4-FFF2-40B4-BE49-F238E27FC236}">
+                <a16:creationId xmlns:a16="http://schemas.microsoft.com/office/drawing/2014/main" id="{B6EADAC7-AE11-F64E-8107-A7C2DEAA0057}"/>
+              </a:ext>
+            </a:extLst>
+          </p:cNvPr>
+          <p:cNvPicPr>
+            <a:picLocks noChangeAspect="1"/>
+          </p:cNvPicPr>
+          <p:nvPr/>
+        </p:nvPicPr>
+        <p:blipFill>
+          <a:blip r:embed="rId2">
+            <a:extLst>
+              <a:ext uri="{96DAC541-7B7A-43D3-8B79-37D633B846F1}">
+                <asvg:svgBlip xmlns:asvg="http://schemas.microsoft.com/office/drawing/2016/SVG/main" r:embed="rId3"/>
+              </a:ext>
+            </a:extLst>
+          </a:blip>
+          <a:stretch>
+            <a:fillRect/>
+          </a:stretch>
+        </p:blipFill>
+        <p:spPr>
+          <a:xfrm rot="9532772">
+            <a:off x="4655052" y="4425622"/>
+            <a:ext cx="914400" cy="914400"/>
+          </a:xfrm>
+          <a:prstGeom prst="rect">
+            <a:avLst/>
+          </a:prstGeom>
+        </p:spPr>
+      </p:pic>
+      <p:pic>
+        <p:nvPicPr>
+          <p:cNvPr id="9" name="Graphic 8" descr="Line arrow: Rotate right with solid fill">
+            <a:extLst>
+              <a:ext uri="{FF2B5EF4-FFF2-40B4-BE49-F238E27FC236}">
+                <a16:creationId xmlns:a16="http://schemas.microsoft.com/office/drawing/2014/main" id="{D056BF43-6807-8C04-31CD-880CF34BDC5F}"/>
+              </a:ext>
+            </a:extLst>
+          </p:cNvPr>
+          <p:cNvPicPr>
+            <a:picLocks noChangeAspect="1"/>
+          </p:cNvPicPr>
+          <p:nvPr/>
+        </p:nvPicPr>
+        <p:blipFill>
+          <a:blip r:embed="rId4">
+            <a:extLst>
+              <a:ext uri="{96DAC541-7B7A-43D3-8B79-37D633B846F1}">
+                <asvg:svgBlip xmlns:asvg="http://schemas.microsoft.com/office/drawing/2016/SVG/main" r:embed="rId5"/>
+              </a:ext>
+            </a:extLst>
+          </a:blip>
+          <a:stretch>
+            <a:fillRect/>
+          </a:stretch>
+        </p:blipFill>
+        <p:spPr>
+          <a:xfrm rot="13588340">
+            <a:off x="1639005" y="4458046"/>
+            <a:ext cx="914400" cy="914400"/>
+          </a:xfrm>
+          <a:prstGeom prst="rect">
+            <a:avLst/>
+          </a:prstGeom>
+        </p:spPr>
+      </p:pic>
+      <p:sp>
+        <p:nvSpPr>
+          <p:cNvPr id="13" name="TextBox 12">
+            <a:extLst>
+              <a:ext uri="{FF2B5EF4-FFF2-40B4-BE49-F238E27FC236}">
+                <a16:creationId xmlns:a16="http://schemas.microsoft.com/office/drawing/2014/main" id="{771E2472-0FBD-9781-AA86-4BA43DFEAC96}"/>
+              </a:ext>
+            </a:extLst>
+          </p:cNvPr>
+          <p:cNvSpPr txBox="1"/>
+          <p:nvPr/>
+        </p:nvSpPr>
+        <p:spPr>
+          <a:xfrm>
+            <a:off x="5399134" y="4962351"/>
+            <a:ext cx="914399" cy="400110"/>
+          </a:xfrm>
+          <a:prstGeom prst="rect">
+            <a:avLst/>
+          </a:prstGeom>
+          <a:noFill/>
+        </p:spPr>
+        <p:txBody>
+          <a:bodyPr wrap="square" rtlCol="0">
+            <a:spAutoFit/>
+          </a:bodyPr>
+          <a:lstStyle/>
+          <a:p>
+            <a:r>
+              <a:rPr lang="en-US" sz="2000" dirty="0"/>
+              <a:t>r</a:t>
+            </a:r>
+            <a:r>
+              <a:rPr lang="en-US" sz="2000" baseline="-25000" dirty="0"/>
+              <a:t>b</a:t>
+            </a:r>
+          </a:p>
+        </p:txBody>
+      </p:sp>
+      <p:pic>
+        <p:nvPicPr>
+          <p:cNvPr id="16" name="Graphic 15" descr="Line arrow: Straight with solid fill">
+            <a:extLst>
+              <a:ext uri="{FF2B5EF4-FFF2-40B4-BE49-F238E27FC236}">
+                <a16:creationId xmlns:a16="http://schemas.microsoft.com/office/drawing/2014/main" id="{171F7241-BA63-EFC4-F987-433D50759882}"/>
+              </a:ext>
+            </a:extLst>
+          </p:cNvPr>
+          <p:cNvPicPr>
+            <a:picLocks noChangeAspect="1"/>
+          </p:cNvPicPr>
+          <p:nvPr/>
+        </p:nvPicPr>
+        <p:blipFill>
+          <a:blip r:embed="rId6">
+            <a:extLst>
+              <a:ext uri="{96DAC541-7B7A-43D3-8B79-37D633B846F1}">
+                <asvg:svgBlip xmlns:asvg="http://schemas.microsoft.com/office/drawing/2016/SVG/main" r:embed="rId7"/>
+              </a:ext>
+            </a:extLst>
+          </a:blip>
+          <a:stretch>
+            <a:fillRect/>
+          </a:stretch>
+        </p:blipFill>
+        <p:spPr>
+          <a:xfrm>
+            <a:off x="1054825" y="1508107"/>
+            <a:ext cx="914400" cy="914400"/>
+          </a:xfrm>
+          <a:prstGeom prst="rect">
+            <a:avLst/>
+          </a:prstGeom>
+        </p:spPr>
+      </p:pic>
+      <p:pic>
+        <p:nvPicPr>
+          <p:cNvPr id="18" name="Graphic 17" descr="Arrow Up with solid fill">
+            <a:extLst>
+              <a:ext uri="{FF2B5EF4-FFF2-40B4-BE49-F238E27FC236}">
+                <a16:creationId xmlns:a16="http://schemas.microsoft.com/office/drawing/2014/main" id="{B98DD591-5B5E-0563-366E-0B6F3EBACA10}"/>
+              </a:ext>
+            </a:extLst>
+          </p:cNvPr>
+          <p:cNvPicPr>
+            <a:picLocks noChangeAspect="1"/>
+          </p:cNvPicPr>
+          <p:nvPr/>
+        </p:nvPicPr>
+        <p:blipFill>
+          <a:blip r:embed="rId8">
+            <a:extLst>
+              <a:ext uri="{96DAC541-7B7A-43D3-8B79-37D633B846F1}">
+                <asvg:svgBlip xmlns:asvg="http://schemas.microsoft.com/office/drawing/2016/SVG/main" r:embed="rId9"/>
+              </a:ext>
+            </a:extLst>
+          </a:blip>
+          <a:stretch>
+            <a:fillRect/>
+          </a:stretch>
+        </p:blipFill>
+        <p:spPr>
+          <a:xfrm>
+            <a:off x="4300583" y="2383580"/>
+            <a:ext cx="914400" cy="1561401"/>
+          </a:xfrm>
+          <a:prstGeom prst="rect">
+            <a:avLst/>
+          </a:prstGeom>
+        </p:spPr>
+      </p:pic>
+      <p:pic>
+        <p:nvPicPr>
+          <p:cNvPr id="19" name="Graphic 18" descr="Line arrow: Straight with solid fill">
+            <a:extLst>
+              <a:ext uri="{FF2B5EF4-FFF2-40B4-BE49-F238E27FC236}">
+                <a16:creationId xmlns:a16="http://schemas.microsoft.com/office/drawing/2014/main" id="{47E04798-549F-9F96-D88C-A469122C4BEA}"/>
+              </a:ext>
+            </a:extLst>
+          </p:cNvPr>
+          <p:cNvPicPr>
+            <a:picLocks noChangeAspect="1"/>
+          </p:cNvPicPr>
+          <p:nvPr/>
+        </p:nvPicPr>
+        <p:blipFill>
+          <a:blip r:embed="rId6">
+            <a:extLst>
+              <a:ext uri="{96DAC541-7B7A-43D3-8B79-37D633B846F1}">
+                <asvg:svgBlip xmlns:asvg="http://schemas.microsoft.com/office/drawing/2016/SVG/main" r:embed="rId7"/>
+              </a:ext>
+            </a:extLst>
+          </a:blip>
+          <a:stretch>
+            <a:fillRect/>
+          </a:stretch>
+        </p:blipFill>
+        <p:spPr>
+          <a:xfrm rot="10800000">
+            <a:off x="5175069" y="1496537"/>
+            <a:ext cx="914400" cy="914400"/>
+          </a:xfrm>
+          <a:prstGeom prst="rect">
+            <a:avLst/>
+          </a:prstGeom>
+        </p:spPr>
+      </p:pic>
+      <p:pic>
+        <p:nvPicPr>
+          <p:cNvPr id="20" name="Graphic 19" descr="Arrow Up with solid fill">
+            <a:extLst>
+              <a:ext uri="{FF2B5EF4-FFF2-40B4-BE49-F238E27FC236}">
+                <a16:creationId xmlns:a16="http://schemas.microsoft.com/office/drawing/2014/main" id="{BFB79A33-B5D3-EB81-2BAC-3951E1EC3E57}"/>
+              </a:ext>
+            </a:extLst>
+          </p:cNvPr>
+          <p:cNvPicPr>
+            <a:picLocks noChangeAspect="1"/>
+          </p:cNvPicPr>
+          <p:nvPr/>
+        </p:nvPicPr>
+        <p:blipFill>
+          <a:blip r:embed="rId10">
+            <a:extLst>
+              <a:ext uri="{96DAC541-7B7A-43D3-8B79-37D633B846F1}">
+                <asvg:svgBlip xmlns:asvg="http://schemas.microsoft.com/office/drawing/2016/SVG/main" r:embed="rId11"/>
+              </a:ext>
+            </a:extLst>
+          </a:blip>
+          <a:stretch>
+            <a:fillRect/>
+          </a:stretch>
+        </p:blipFill>
+        <p:spPr>
+          <a:xfrm>
+            <a:off x="1976128" y="2358739"/>
+            <a:ext cx="914400" cy="1561401"/>
+          </a:xfrm>
+          <a:prstGeom prst="rect">
+            <a:avLst/>
+          </a:prstGeom>
+        </p:spPr>
+      </p:pic>
+      <p:pic>
+        <p:nvPicPr>
+          <p:cNvPr id="29" name="Graphic 28" descr="Arrow Up with solid fill">
+            <a:extLst>
+              <a:ext uri="{FF2B5EF4-FFF2-40B4-BE49-F238E27FC236}">
+                <a16:creationId xmlns:a16="http://schemas.microsoft.com/office/drawing/2014/main" id="{51CC61CA-B3C9-DD05-E938-2DC45D9F963F}"/>
+              </a:ext>
+            </a:extLst>
+          </p:cNvPr>
+          <p:cNvPicPr>
+            <a:picLocks noChangeAspect="1"/>
+          </p:cNvPicPr>
+          <p:nvPr/>
+        </p:nvPicPr>
+        <p:blipFill>
+          <a:blip r:embed="rId10">
+            <a:extLst>
+              <a:ext uri="{96DAC541-7B7A-43D3-8B79-37D633B846F1}">
+                <asvg:svgBlip xmlns:asvg="http://schemas.microsoft.com/office/drawing/2016/SVG/main" r:embed="rId11"/>
+              </a:ext>
+            </a:extLst>
+          </a:blip>
+          <a:stretch>
+            <a:fillRect/>
+          </a:stretch>
+        </p:blipFill>
+        <p:spPr>
+          <a:xfrm rot="2623736">
+            <a:off x="3116987" y="1972502"/>
+            <a:ext cx="914400" cy="2407291"/>
+          </a:xfrm>
+          <a:prstGeom prst="rect">
+            <a:avLst/>
+          </a:prstGeom>
+        </p:spPr>
+      </p:pic>
+      <p:pic>
+        <p:nvPicPr>
+          <p:cNvPr id="32" name="Graphic 31" descr="Arrow Up with solid fill">
+            <a:extLst>
+              <a:ext uri="{FF2B5EF4-FFF2-40B4-BE49-F238E27FC236}">
+                <a16:creationId xmlns:a16="http://schemas.microsoft.com/office/drawing/2014/main" id="{E7006C39-049E-92DC-F701-FAE10A5EC5BE}"/>
+              </a:ext>
+            </a:extLst>
+          </p:cNvPr>
+          <p:cNvPicPr>
+            <a:picLocks noChangeAspect="1"/>
+          </p:cNvPicPr>
+          <p:nvPr/>
+        </p:nvPicPr>
+        <p:blipFill>
+          <a:blip r:embed="rId10">
+            <a:extLst>
+              <a:ext uri="{96DAC541-7B7A-43D3-8B79-37D633B846F1}">
+                <asvg:svgBlip xmlns:asvg="http://schemas.microsoft.com/office/drawing/2016/SVG/main" r:embed="rId11"/>
+              </a:ext>
+            </a:extLst>
+          </a:blip>
+          <a:stretch>
+            <a:fillRect/>
+          </a:stretch>
+        </p:blipFill>
+        <p:spPr>
+          <a:xfrm rot="19022280">
+            <a:off x="3121470" y="1976985"/>
+            <a:ext cx="914400" cy="2407291"/>
+          </a:xfrm>
+          <a:prstGeom prst="rect">
+            <a:avLst/>
+          </a:prstGeom>
+        </p:spPr>
+      </p:pic>
+      <p:pic>
+        <p:nvPicPr>
+          <p:cNvPr id="3" name="Picture 2" descr="A blue and yellow line&#10;&#10;AI-generated content may be incorrect.">
+            <a:extLst>
+              <a:ext uri="{FF2B5EF4-FFF2-40B4-BE49-F238E27FC236}">
+                <a16:creationId xmlns:a16="http://schemas.microsoft.com/office/drawing/2014/main" id="{39BD6EAE-E3F7-0201-D434-F50B89137F35}"/>
+              </a:ext>
+            </a:extLst>
+          </p:cNvPr>
+          <p:cNvPicPr>
+            <a:picLocks noChangeAspect="1"/>
+          </p:cNvPicPr>
+          <p:nvPr/>
+        </p:nvPicPr>
+        <p:blipFill>
+          <a:blip r:embed="rId12"/>
+          <a:srcRect b="7272"/>
+          <a:stretch/>
+        </p:blipFill>
+        <p:spPr>
+          <a:xfrm>
+            <a:off x="6953508" y="1352309"/>
+            <a:ext cx="4584700" cy="4121744"/>
+          </a:xfrm>
+          <a:prstGeom prst="rect">
+            <a:avLst/>
+          </a:prstGeom>
+        </p:spPr>
+      </p:pic>
       <p:cxnSp>
         <p:nvCxnSpPr>
-          <p:cNvPr id="10" name="Straight Arrow Connector 9">
-            <a:extLst>
-              <a:ext uri="{FF2B5EF4-FFF2-40B4-BE49-F238E27FC236}">
-                <a16:creationId xmlns:a16="http://schemas.microsoft.com/office/drawing/2014/main" id="{6B8356CD-B36C-EAB9-A9CA-714EAE8DAEB7}"/>
+          <p:cNvPr id="11" name="Straight Connector 10">
+            <a:extLst>
+              <a:ext uri="{FF2B5EF4-FFF2-40B4-BE49-F238E27FC236}">
+                <a16:creationId xmlns:a16="http://schemas.microsoft.com/office/drawing/2014/main" id="{2C3086BC-3AC7-0534-D5A2-72E335C5D03E}"/>
               </a:ext>
             </a:extLst>
           </p:cNvPr>
@@ -3950,15 +7087,18 @@
           <p:nvPr/>
         </p:nvCxnSpPr>
         <p:spPr>
-          <a:xfrm flipV="1">
-            <a:off x="4693920" y="2495005"/>
-            <a:ext cx="0" cy="1306285"/>
-          </a:xfrm>
-          <a:prstGeom prst="straightConnector1">
+          <a:xfrm>
+            <a:off x="9236597" y="2943199"/>
+            <a:ext cx="0" cy="2519279"/>
+          </a:xfrm>
+          <a:prstGeom prst="line">
             <a:avLst/>
           </a:prstGeom>
           <a:ln w="28575">
-            <a:tailEnd type="triangle" w="lg" len="lg"/>
+            <a:solidFill>
+              <a:srgbClr val="1D86EE"/>
+            </a:solidFill>
+            <a:prstDash val="lgDash"/>
           </a:ln>
         </p:spPr>
         <p:style>
@@ -3978,26 +7118,31 @@
       </p:cxnSp>
       <p:cxnSp>
         <p:nvCxnSpPr>
-          <p:cNvPr id="11" name="Straight Arrow Connector 10">
-            <a:extLst>
-              <a:ext uri="{FF2B5EF4-FFF2-40B4-BE49-F238E27FC236}">
-                <a16:creationId xmlns:a16="http://schemas.microsoft.com/office/drawing/2014/main" id="{4F60584F-BBEC-DE79-DB68-1CD297E91904}"/>
-              </a:ext>
-            </a:extLst>
-          </p:cNvPr>
-          <p:cNvCxnSpPr/>
+          <p:cNvPr id="12" name="Straight Connector 11">
+            <a:extLst>
+              <a:ext uri="{FF2B5EF4-FFF2-40B4-BE49-F238E27FC236}">
+                <a16:creationId xmlns:a16="http://schemas.microsoft.com/office/drawing/2014/main" id="{C1C65BAF-5B64-067B-1333-F3C4B5B6FFEC}"/>
+              </a:ext>
+            </a:extLst>
+          </p:cNvPr>
+          <p:cNvCxnSpPr>
+            <a:cxnSpLocks/>
+          </p:cNvCxnSpPr>
           <p:nvPr/>
         </p:nvCxnSpPr>
         <p:spPr>
-          <a:xfrm flipV="1">
-            <a:off x="2412274" y="2495005"/>
-            <a:ext cx="0" cy="1306285"/>
-          </a:xfrm>
-          <a:prstGeom prst="straightConnector1">
+          <a:xfrm>
+            <a:off x="10176076" y="1683559"/>
+            <a:ext cx="90668" cy="3778919"/>
+          </a:xfrm>
+          <a:prstGeom prst="line">
             <a:avLst/>
           </a:prstGeom>
           <a:ln w="28575">
-            <a:tailEnd type="triangle" w="lg" len="lg"/>
+            <a:solidFill>
+              <a:srgbClr val="DAA620"/>
+            </a:solidFill>
+            <a:prstDash val="lgDash"/>
           </a:ln>
         </p:spPr>
         <p:style>
@@ -4015,94 +7160,268 @@
           </a:fontRef>
         </p:style>
       </p:cxnSp>
-      <p:cxnSp>
-        <p:nvCxnSpPr>
-          <p:cNvPr id="12" name="Straight Arrow Connector 11">
-            <a:extLst>
-              <a:ext uri="{FF2B5EF4-FFF2-40B4-BE49-F238E27FC236}">
-                <a16:creationId xmlns:a16="http://schemas.microsoft.com/office/drawing/2014/main" id="{520D9F21-42DB-17F7-05EC-0798261FF78A}"/>
-              </a:ext>
-            </a:extLst>
-          </p:cNvPr>
-          <p:cNvCxnSpPr>
-            <a:cxnSpLocks/>
-          </p:cNvCxnSpPr>
-          <p:nvPr/>
-        </p:nvCxnSpPr>
-        <p:spPr>
-          <a:xfrm flipV="1">
-            <a:off x="2880360" y="2299063"/>
-            <a:ext cx="1419497" cy="1645919"/>
-          </a:xfrm>
-          <a:prstGeom prst="straightConnector1">
-            <a:avLst/>
-          </a:prstGeom>
-          <a:ln w="28575">
-            <a:tailEnd type="triangle" w="lg" len="lg"/>
-          </a:ln>
-        </p:spPr>
-        <p:style>
-          <a:lnRef idx="2">
-            <a:schemeClr val="accent1"/>
-          </a:lnRef>
-          <a:fillRef idx="0">
-            <a:schemeClr val="accent1"/>
-          </a:fillRef>
-          <a:effectRef idx="1">
-            <a:schemeClr val="accent1"/>
-          </a:effectRef>
-          <a:fontRef idx="minor">
-            <a:schemeClr val="tx1"/>
-          </a:fontRef>
-        </p:style>
-      </p:cxnSp>
-      <p:cxnSp>
-        <p:nvCxnSpPr>
-          <p:cNvPr id="15" name="Straight Arrow Connector 14">
-            <a:extLst>
-              <a:ext uri="{FF2B5EF4-FFF2-40B4-BE49-F238E27FC236}">
-                <a16:creationId xmlns:a16="http://schemas.microsoft.com/office/drawing/2014/main" id="{3BEA5707-1C8D-8D0E-982E-D1C84BD31F28}"/>
-              </a:ext>
-            </a:extLst>
-          </p:cNvPr>
-          <p:cNvCxnSpPr>
-            <a:cxnSpLocks/>
-          </p:cNvCxnSpPr>
-          <p:nvPr/>
-        </p:nvCxnSpPr>
-        <p:spPr>
-          <a:xfrm flipH="1" flipV="1">
-            <a:off x="2880360" y="2299063"/>
-            <a:ext cx="1419497" cy="1645919"/>
-          </a:xfrm>
-          <a:prstGeom prst="straightConnector1">
-            <a:avLst/>
-          </a:prstGeom>
-          <a:ln w="28575">
-            <a:tailEnd type="triangle" w="lg" len="lg"/>
-          </a:ln>
-        </p:spPr>
-        <p:style>
-          <a:lnRef idx="2">
-            <a:schemeClr val="accent1"/>
-          </a:lnRef>
-          <a:fillRef idx="0">
-            <a:schemeClr val="accent1"/>
-          </a:fillRef>
-          <a:effectRef idx="1">
-            <a:schemeClr val="accent1"/>
-          </a:effectRef>
-          <a:fontRef idx="minor">
-            <a:schemeClr val="tx1"/>
-          </a:fontRef>
-        </p:style>
-      </p:cxnSp>
-      <p:sp>
-        <p:nvSpPr>
-          <p:cNvPr id="21" name="Freeform 20">
-            <a:extLst>
-              <a:ext uri="{FF2B5EF4-FFF2-40B4-BE49-F238E27FC236}">
-                <a16:creationId xmlns:a16="http://schemas.microsoft.com/office/drawing/2014/main" id="{0D410BFC-83A1-E194-151F-287C03EB78EF}"/>
+      <p:sp>
+        <p:nvSpPr>
+          <p:cNvPr id="17" name="TextBox 16">
+            <a:extLst>
+              <a:ext uri="{FF2B5EF4-FFF2-40B4-BE49-F238E27FC236}">
+                <a16:creationId xmlns:a16="http://schemas.microsoft.com/office/drawing/2014/main" id="{F7D93BC4-9C42-F2BD-9CB4-D6213C960328}"/>
+              </a:ext>
+            </a:extLst>
+          </p:cNvPr>
+          <p:cNvSpPr txBox="1"/>
+          <p:nvPr/>
+        </p:nvSpPr>
+        <p:spPr>
+          <a:xfrm>
+            <a:off x="8996557" y="5429839"/>
+            <a:ext cx="545534" cy="461665"/>
+          </a:xfrm>
+          <a:prstGeom prst="rect">
+            <a:avLst/>
+          </a:prstGeom>
+          <a:noFill/>
+        </p:spPr>
+        <p:txBody>
+          <a:bodyPr wrap="square" rtlCol="0">
+            <a:spAutoFit/>
+          </a:bodyPr>
+          <a:lstStyle/>
+          <a:p>
+            <a:r>
+              <a:rPr lang="en-US" sz="2400" dirty="0"/>
+              <a:t>E</a:t>
+            </a:r>
+            <a:r>
+              <a:rPr lang="en-US" sz="2400" baseline="-25000" dirty="0"/>
+              <a:t>rb</a:t>
+            </a:r>
+            <a:endParaRPr lang="en-US" sz="2400" dirty="0"/>
+          </a:p>
+        </p:txBody>
+      </p:sp>
+      <p:sp>
+        <p:nvSpPr>
+          <p:cNvPr id="21" name="TextBox 20">
+            <a:extLst>
+              <a:ext uri="{FF2B5EF4-FFF2-40B4-BE49-F238E27FC236}">
+                <a16:creationId xmlns:a16="http://schemas.microsoft.com/office/drawing/2014/main" id="{6251BF29-4926-67C9-E8E6-01A0796A119E}"/>
+              </a:ext>
+            </a:extLst>
+          </p:cNvPr>
+          <p:cNvSpPr txBox="1"/>
+          <p:nvPr/>
+        </p:nvSpPr>
+        <p:spPr>
+          <a:xfrm>
+            <a:off x="9955328" y="5405193"/>
+            <a:ext cx="622832" cy="830997"/>
+          </a:xfrm>
+          <a:prstGeom prst="rect">
+            <a:avLst/>
+          </a:prstGeom>
+          <a:noFill/>
+        </p:spPr>
+        <p:txBody>
+          <a:bodyPr wrap="square" rtlCol="0">
+            <a:spAutoFit/>
+          </a:bodyPr>
+          <a:lstStyle/>
+          <a:p>
+            <a:r>
+              <a:rPr lang="en-US" sz="2400" dirty="0"/>
+              <a:t>E</a:t>
+            </a:r>
+            <a:r>
+              <a:rPr lang="en-US" sz="2400" baseline="-25000" dirty="0"/>
+              <a:t>c2b</a:t>
+            </a:r>
+            <a:endParaRPr lang="en-US" sz="2400" dirty="0"/>
+          </a:p>
+        </p:txBody>
+      </p:sp>
+      <p:sp>
+        <p:nvSpPr>
+          <p:cNvPr id="10" name="TextBox 9">
+            <a:extLst>
+              <a:ext uri="{FF2B5EF4-FFF2-40B4-BE49-F238E27FC236}">
+                <a16:creationId xmlns:a16="http://schemas.microsoft.com/office/drawing/2014/main" id="{4711BFC3-ED73-D6AC-B739-731F8AFDAB31}"/>
+              </a:ext>
+            </a:extLst>
+          </p:cNvPr>
+          <p:cNvSpPr txBox="1"/>
+          <p:nvPr/>
+        </p:nvSpPr>
+        <p:spPr>
+          <a:xfrm>
+            <a:off x="3275084" y="495827"/>
+            <a:ext cx="4714369" cy="461665"/>
+          </a:xfrm>
+          <a:prstGeom prst="rect">
+            <a:avLst/>
+          </a:prstGeom>
+          <a:noFill/>
+        </p:spPr>
+        <p:txBody>
+          <a:bodyPr wrap="square" rtlCol="0">
+            <a:spAutoFit/>
+          </a:bodyPr>
+          <a:lstStyle/>
+          <a:p>
+            <a:r>
+              <a:rPr lang="en-US" sz="2400" dirty="0"/>
+              <a:t>Inter-process thermal asymmetry</a:t>
+            </a:r>
+          </a:p>
+        </p:txBody>
+      </p:sp>
+      <p:sp>
+        <p:nvSpPr>
+          <p:cNvPr id="14" name="TextBox 13">
+            <a:extLst>
+              <a:ext uri="{FF2B5EF4-FFF2-40B4-BE49-F238E27FC236}">
+                <a16:creationId xmlns:a16="http://schemas.microsoft.com/office/drawing/2014/main" id="{44EC6C6F-7AEE-E912-504F-D48EB5065A1D}"/>
+              </a:ext>
+            </a:extLst>
+          </p:cNvPr>
+          <p:cNvSpPr txBox="1"/>
+          <p:nvPr/>
+        </p:nvSpPr>
+        <p:spPr>
+          <a:xfrm rot="16200000">
+            <a:off x="6165253" y="3043316"/>
+            <a:ext cx="1740726" cy="461665"/>
+          </a:xfrm>
+          <a:prstGeom prst="rect">
+            <a:avLst/>
+          </a:prstGeom>
+          <a:solidFill>
+            <a:schemeClr val="bg1"/>
+          </a:solidFill>
+        </p:spPr>
+        <p:txBody>
+          <a:bodyPr wrap="square" rtlCol="0">
+            <a:spAutoFit/>
+          </a:bodyPr>
+          <a:lstStyle/>
+          <a:p>
+            <a:r>
+              <a:rPr lang="en-US" sz="2400" dirty="0"/>
+              <a:t>Frequency</a:t>
+            </a:r>
+          </a:p>
+        </p:txBody>
+      </p:sp>
+      <p:pic>
+        <p:nvPicPr>
+          <p:cNvPr id="15" name="Picture 14">
+            <a:extLst>
+              <a:ext uri="{FF2B5EF4-FFF2-40B4-BE49-F238E27FC236}">
+                <a16:creationId xmlns:a16="http://schemas.microsoft.com/office/drawing/2014/main" id="{6A70BF32-A8E9-FD83-998A-5BD4BBD43599}"/>
+              </a:ext>
+            </a:extLst>
+          </p:cNvPr>
+          <p:cNvPicPr>
+            <a:picLocks noChangeAspect="1"/>
+          </p:cNvPicPr>
+          <p:nvPr/>
+        </p:nvPicPr>
+        <p:blipFill>
+          <a:blip r:embed="rId13"/>
+          <a:stretch>
+            <a:fillRect/>
+          </a:stretch>
+        </p:blipFill>
+        <p:spPr>
+          <a:xfrm>
+            <a:off x="7828204" y="5909104"/>
+            <a:ext cx="3392228" cy="400109"/>
+          </a:xfrm>
+          <a:prstGeom prst="rect">
+            <a:avLst/>
+          </a:prstGeom>
+        </p:spPr>
+      </p:pic>
+      <p:sp>
+        <p:nvSpPr>
+          <p:cNvPr id="5" name="TextBox 4">
+            <a:extLst>
+              <a:ext uri="{FF2B5EF4-FFF2-40B4-BE49-F238E27FC236}">
+                <a16:creationId xmlns:a16="http://schemas.microsoft.com/office/drawing/2014/main" id="{C9309B98-CE98-C25B-16EB-76812C2892DA}"/>
+              </a:ext>
+            </a:extLst>
+          </p:cNvPr>
+          <p:cNvSpPr txBox="1"/>
+          <p:nvPr/>
+        </p:nvSpPr>
+        <p:spPr>
+          <a:xfrm>
+            <a:off x="7845977" y="5868870"/>
+            <a:ext cx="3392227" cy="446276"/>
+          </a:xfrm>
+          <a:prstGeom prst="rect">
+            <a:avLst/>
+          </a:prstGeom>
+          <a:solidFill>
+            <a:schemeClr val="bg1"/>
+          </a:solidFill>
+        </p:spPr>
+        <p:txBody>
+          <a:bodyPr wrap="square" rtlCol="0">
+            <a:spAutoFit/>
+          </a:bodyPr>
+          <a:lstStyle/>
+          <a:p>
+            <a:pPr algn="ctr"/>
+            <a:r>
+              <a:rPr lang="en-US" sz="2300" dirty="0"/>
+              <a:t>Temperature Sensitivity</a:t>
+            </a:r>
+          </a:p>
+        </p:txBody>
+      </p:sp>
+    </p:spTree>
+    <p:extLst>
+      <p:ext uri="{BB962C8B-B14F-4D97-AF65-F5344CB8AC3E}">
+        <p14:creationId xmlns:p14="http://schemas.microsoft.com/office/powerpoint/2010/main" val="650677492"/>
+      </p:ext>
+    </p:extLst>
+  </p:cSld>
+  <p:clrMapOvr>
+    <a:masterClrMapping/>
+  </p:clrMapOvr>
+</p:sld>
+</file>
+
+<file path=ppt/slides/slide6.xml><?xml version="1.0" encoding="utf-8"?>
+<p:sld xmlns:a="http://schemas.openxmlformats.org/drawingml/2006/main" xmlns:r="http://schemas.openxmlformats.org/officeDocument/2006/relationships" xmlns:p="http://schemas.openxmlformats.org/presentationml/2006/main">
+  <p:cSld>
+    <p:spTree>
+      <p:nvGrpSpPr>
+        <p:cNvPr id="1" name="">
+          <a:extLst>
+            <a:ext uri="{FF2B5EF4-FFF2-40B4-BE49-F238E27FC236}">
+              <a16:creationId xmlns:a16="http://schemas.microsoft.com/office/drawing/2014/main" id="{D478DB4D-06EF-B8DF-79E9-70283EE4660A}"/>
+            </a:ext>
+          </a:extLst>
+        </p:cNvPr>
+        <p:cNvGrpSpPr/>
+        <p:nvPr/>
+      </p:nvGrpSpPr>
+      <p:grpSpPr>
+        <a:xfrm>
+          <a:off x="0" y="0"/>
+          <a:ext cx="0" cy="0"/>
+          <a:chOff x="0" y="0"/>
+          <a:chExt cx="0" cy="0"/>
+        </a:xfrm>
+      </p:grpSpPr>
+      <p:sp>
+        <p:nvSpPr>
+          <p:cNvPr id="4" name="Rounded Rectangle 3">
+            <a:extLst>
+              <a:ext uri="{FF2B5EF4-FFF2-40B4-BE49-F238E27FC236}">
+                <a16:creationId xmlns:a16="http://schemas.microsoft.com/office/drawing/2014/main" id="{AF1107AF-C7D0-4958-344D-FDA11F8CAC4B}"/>
               </a:ext>
             </a:extLst>
           </p:cNvPr>
@@ -4110,147 +7429,22 @@
           <p:nvPr/>
         </p:nvSpPr>
         <p:spPr>
-          <a:xfrm rot="10800000">
-            <a:off x="1400749" y="4129667"/>
-            <a:ext cx="491067" cy="492777"/>
-          </a:xfrm>
-          <a:custGeom>
-            <a:avLst/>
-            <a:gdLst>
-              <a:gd name="connsiteX0" fmla="*/ 0 w 491067"/>
-              <a:gd name="connsiteY0" fmla="*/ 103311 h 492777"/>
-              <a:gd name="connsiteX1" fmla="*/ 118534 w 491067"/>
-              <a:gd name="connsiteY1" fmla="*/ 1711 h 492777"/>
-              <a:gd name="connsiteX2" fmla="*/ 169334 w 491067"/>
-              <a:gd name="connsiteY2" fmla="*/ 18644 h 492777"/>
-              <a:gd name="connsiteX3" fmla="*/ 355600 w 491067"/>
-              <a:gd name="connsiteY3" fmla="*/ 35577 h 492777"/>
-              <a:gd name="connsiteX4" fmla="*/ 406400 w 491067"/>
-              <a:gd name="connsiteY4" fmla="*/ 52511 h 492777"/>
-              <a:gd name="connsiteX5" fmla="*/ 457200 w 491067"/>
-              <a:gd name="connsiteY5" fmla="*/ 103311 h 492777"/>
-              <a:gd name="connsiteX6" fmla="*/ 491067 w 491067"/>
-              <a:gd name="connsiteY6" fmla="*/ 221844 h 492777"/>
-              <a:gd name="connsiteX7" fmla="*/ 440267 w 491067"/>
-              <a:gd name="connsiteY7" fmla="*/ 458911 h 492777"/>
-              <a:gd name="connsiteX8" fmla="*/ 389467 w 491067"/>
-              <a:gd name="connsiteY8" fmla="*/ 492777 h 492777"/>
-              <a:gd name="connsiteX9" fmla="*/ 220134 w 491067"/>
-              <a:gd name="connsiteY9" fmla="*/ 475844 h 492777"/>
-              <a:gd name="connsiteX10" fmla="*/ 67734 w 491067"/>
-              <a:gd name="connsiteY10" fmla="*/ 425044 h 492777"/>
-              <a:gd name="connsiteX11" fmla="*/ 50800 w 491067"/>
-              <a:gd name="connsiteY11" fmla="*/ 374244 h 492777"/>
-            </a:gdLst>
-            <a:ahLst/>
-            <a:cxnLst>
-              <a:cxn ang="0">
-                <a:pos x="connsiteX0" y="connsiteY0"/>
-              </a:cxn>
-              <a:cxn ang="0">
-                <a:pos x="connsiteX1" y="connsiteY1"/>
-              </a:cxn>
-              <a:cxn ang="0">
-                <a:pos x="connsiteX2" y="connsiteY2"/>
-              </a:cxn>
-              <a:cxn ang="0">
-                <a:pos x="connsiteX3" y="connsiteY3"/>
-              </a:cxn>
-              <a:cxn ang="0">
-                <a:pos x="connsiteX4" y="connsiteY4"/>
-              </a:cxn>
-              <a:cxn ang="0">
-                <a:pos x="connsiteX5" y="connsiteY5"/>
-              </a:cxn>
-              <a:cxn ang="0">
-                <a:pos x="connsiteX6" y="connsiteY6"/>
-              </a:cxn>
-              <a:cxn ang="0">
-                <a:pos x="connsiteX7" y="connsiteY7"/>
-              </a:cxn>
-              <a:cxn ang="0">
-                <a:pos x="connsiteX8" y="connsiteY8"/>
-              </a:cxn>
-              <a:cxn ang="0">
-                <a:pos x="connsiteX9" y="connsiteY9"/>
-              </a:cxn>
-              <a:cxn ang="0">
-                <a:pos x="connsiteX10" y="connsiteY10"/>
-              </a:cxn>
-              <a:cxn ang="0">
-                <a:pos x="connsiteX11" y="connsiteY11"/>
-              </a:cxn>
-            </a:cxnLst>
-            <a:rect l="l" t="t" r="r" b="b"/>
-            <a:pathLst>
-              <a:path w="491067" h="492777">
-                <a:moveTo>
-                  <a:pt x="0" y="103311"/>
-                </a:moveTo>
-                <a:cubicBezTo>
-                  <a:pt x="39511" y="69444"/>
-                  <a:pt x="71989" y="24984"/>
-                  <a:pt x="118534" y="1711"/>
-                </a:cubicBezTo>
-                <a:cubicBezTo>
-                  <a:pt x="134499" y="-6271"/>
-                  <a:pt x="151664" y="16120"/>
-                  <a:pt x="169334" y="18644"/>
-                </a:cubicBezTo>
-                <a:cubicBezTo>
-                  <a:pt x="231052" y="27461"/>
-                  <a:pt x="293511" y="29933"/>
-                  <a:pt x="355600" y="35577"/>
-                </a:cubicBezTo>
-                <a:cubicBezTo>
-                  <a:pt x="372533" y="41222"/>
-                  <a:pt x="391548" y="42610"/>
-                  <a:pt x="406400" y="52511"/>
-                </a:cubicBezTo>
-                <a:cubicBezTo>
-                  <a:pt x="426325" y="65795"/>
-                  <a:pt x="443916" y="83386"/>
-                  <a:pt x="457200" y="103311"/>
-                </a:cubicBezTo>
-                <a:cubicBezTo>
-                  <a:pt x="466919" y="117889"/>
-                  <a:pt x="488808" y="212808"/>
-                  <a:pt x="491067" y="221844"/>
-                </a:cubicBezTo>
-                <a:cubicBezTo>
-                  <a:pt x="482776" y="313049"/>
-                  <a:pt x="505295" y="393884"/>
-                  <a:pt x="440267" y="458911"/>
-                </a:cubicBezTo>
-                <a:cubicBezTo>
-                  <a:pt x="425876" y="473301"/>
-                  <a:pt x="406400" y="481488"/>
-                  <a:pt x="389467" y="492777"/>
-                </a:cubicBezTo>
-                <a:cubicBezTo>
-                  <a:pt x="333023" y="487133"/>
-                  <a:pt x="275643" y="487530"/>
-                  <a:pt x="220134" y="475844"/>
-                </a:cubicBezTo>
-                <a:cubicBezTo>
-                  <a:pt x="167735" y="464813"/>
-                  <a:pt x="67734" y="425044"/>
-                  <a:pt x="67734" y="425044"/>
-                </a:cubicBezTo>
-                <a:cubicBezTo>
-                  <a:pt x="8952" y="366262"/>
-                  <a:pt x="-7013" y="374244"/>
-                  <a:pt x="50800" y="374244"/>
-                </a:cubicBezTo>
-              </a:path>
-            </a:pathLst>
-          </a:custGeom>
-          <a:noFill/>
-          <a:ln w="25400">
+          <a:xfrm>
+            <a:off x="2005148" y="1567542"/>
+            <a:ext cx="803366" cy="783767"/>
+          </a:xfrm>
+          <a:prstGeom prst="roundRect">
+            <a:avLst/>
+          </a:prstGeom>
+          <a:solidFill>
+            <a:schemeClr val="bg2"/>
+          </a:solidFill>
+          <a:ln>
             <a:solidFill>
-              <a:schemeClr val="accent1"/>
+              <a:schemeClr val="bg2">
+                <a:lumMod val="75000"/>
+              </a:schemeClr>
             </a:solidFill>
-            <a:tailEnd w="lg" len="lg"/>
           </a:ln>
         </p:spPr>
         <p:style>
@@ -4274,16 +7468,35 @@
           <a:lstStyle/>
           <a:p>
             <a:pPr algn="ctr"/>
-            <a:endParaRPr lang="en-US"/>
-          </a:p>
-        </p:txBody>
-      </p:sp>
-      <p:sp>
-        <p:nvSpPr>
-          <p:cNvPr id="22" name="Freeform 21">
-            <a:extLst>
-              <a:ext uri="{FF2B5EF4-FFF2-40B4-BE49-F238E27FC236}">
-                <a16:creationId xmlns:a16="http://schemas.microsoft.com/office/drawing/2014/main" id="{4A63217F-EC51-B621-2568-7C29D36902D7}"/>
+            <a:r>
+              <a:rPr lang="en-US" sz="2400" dirty="0">
+                <a:solidFill>
+                  <a:schemeClr val="bg2">
+                    <a:lumMod val="75000"/>
+                  </a:schemeClr>
+                </a:solidFill>
+              </a:rPr>
+              <a:t>C</a:t>
+            </a:r>
+            <a:r>
+              <a:rPr lang="en-US" sz="2400" baseline="-25000" dirty="0">
+                <a:solidFill>
+                  <a:schemeClr val="bg2">
+                    <a:lumMod val="75000"/>
+                  </a:schemeClr>
+                </a:solidFill>
+              </a:rPr>
+              <a:t>1</a:t>
+            </a:r>
+          </a:p>
+        </p:txBody>
+      </p:sp>
+      <p:sp>
+        <p:nvSpPr>
+          <p:cNvPr id="6" name="Oval 5">
+            <a:extLst>
+              <a:ext uri="{FF2B5EF4-FFF2-40B4-BE49-F238E27FC236}">
+                <a16:creationId xmlns:a16="http://schemas.microsoft.com/office/drawing/2014/main" id="{3D8AA8BC-9F82-9DFD-BA1B-52C370D4A161}"/>
               </a:ext>
             </a:extLst>
           </p:cNvPr>
@@ -4292,146 +7505,21 @@
         </p:nvSpPr>
         <p:spPr>
           <a:xfrm>
-            <a:off x="5401733" y="4197756"/>
-            <a:ext cx="491067" cy="492777"/>
-          </a:xfrm>
-          <a:custGeom>
-            <a:avLst/>
-            <a:gdLst>
-              <a:gd name="connsiteX0" fmla="*/ 0 w 491067"/>
-              <a:gd name="connsiteY0" fmla="*/ 103311 h 492777"/>
-              <a:gd name="connsiteX1" fmla="*/ 118534 w 491067"/>
-              <a:gd name="connsiteY1" fmla="*/ 1711 h 492777"/>
-              <a:gd name="connsiteX2" fmla="*/ 169334 w 491067"/>
-              <a:gd name="connsiteY2" fmla="*/ 18644 h 492777"/>
-              <a:gd name="connsiteX3" fmla="*/ 355600 w 491067"/>
-              <a:gd name="connsiteY3" fmla="*/ 35577 h 492777"/>
-              <a:gd name="connsiteX4" fmla="*/ 406400 w 491067"/>
-              <a:gd name="connsiteY4" fmla="*/ 52511 h 492777"/>
-              <a:gd name="connsiteX5" fmla="*/ 457200 w 491067"/>
-              <a:gd name="connsiteY5" fmla="*/ 103311 h 492777"/>
-              <a:gd name="connsiteX6" fmla="*/ 491067 w 491067"/>
-              <a:gd name="connsiteY6" fmla="*/ 221844 h 492777"/>
-              <a:gd name="connsiteX7" fmla="*/ 440267 w 491067"/>
-              <a:gd name="connsiteY7" fmla="*/ 458911 h 492777"/>
-              <a:gd name="connsiteX8" fmla="*/ 389467 w 491067"/>
-              <a:gd name="connsiteY8" fmla="*/ 492777 h 492777"/>
-              <a:gd name="connsiteX9" fmla="*/ 220134 w 491067"/>
-              <a:gd name="connsiteY9" fmla="*/ 475844 h 492777"/>
-              <a:gd name="connsiteX10" fmla="*/ 67734 w 491067"/>
-              <a:gd name="connsiteY10" fmla="*/ 425044 h 492777"/>
-              <a:gd name="connsiteX11" fmla="*/ 50800 w 491067"/>
-              <a:gd name="connsiteY11" fmla="*/ 374244 h 492777"/>
-            </a:gdLst>
-            <a:ahLst/>
-            <a:cxnLst>
-              <a:cxn ang="0">
-                <a:pos x="connsiteX0" y="connsiteY0"/>
-              </a:cxn>
-              <a:cxn ang="0">
-                <a:pos x="connsiteX1" y="connsiteY1"/>
-              </a:cxn>
-              <a:cxn ang="0">
-                <a:pos x="connsiteX2" y="connsiteY2"/>
-              </a:cxn>
-              <a:cxn ang="0">
-                <a:pos x="connsiteX3" y="connsiteY3"/>
-              </a:cxn>
-              <a:cxn ang="0">
-                <a:pos x="connsiteX4" y="connsiteY4"/>
-              </a:cxn>
-              <a:cxn ang="0">
-                <a:pos x="connsiteX5" y="connsiteY5"/>
-              </a:cxn>
-              <a:cxn ang="0">
-                <a:pos x="connsiteX6" y="connsiteY6"/>
-              </a:cxn>
-              <a:cxn ang="0">
-                <a:pos x="connsiteX7" y="connsiteY7"/>
-              </a:cxn>
-              <a:cxn ang="0">
-                <a:pos x="connsiteX8" y="connsiteY8"/>
-              </a:cxn>
-              <a:cxn ang="0">
-                <a:pos x="connsiteX9" y="connsiteY9"/>
-              </a:cxn>
-              <a:cxn ang="0">
-                <a:pos x="connsiteX10" y="connsiteY10"/>
-              </a:cxn>
-              <a:cxn ang="0">
-                <a:pos x="connsiteX11" y="connsiteY11"/>
-              </a:cxn>
-            </a:cxnLst>
-            <a:rect l="l" t="t" r="r" b="b"/>
-            <a:pathLst>
-              <a:path w="491067" h="492777">
-                <a:moveTo>
-                  <a:pt x="0" y="103311"/>
-                </a:moveTo>
-                <a:cubicBezTo>
-                  <a:pt x="39511" y="69444"/>
-                  <a:pt x="71989" y="24984"/>
-                  <a:pt x="118534" y="1711"/>
-                </a:cubicBezTo>
-                <a:cubicBezTo>
-                  <a:pt x="134499" y="-6271"/>
-                  <a:pt x="151664" y="16120"/>
-                  <a:pt x="169334" y="18644"/>
-                </a:cubicBezTo>
-                <a:cubicBezTo>
-                  <a:pt x="231052" y="27461"/>
-                  <a:pt x="293511" y="29933"/>
-                  <a:pt x="355600" y="35577"/>
-                </a:cubicBezTo>
-                <a:cubicBezTo>
-                  <a:pt x="372533" y="41222"/>
-                  <a:pt x="391548" y="42610"/>
-                  <a:pt x="406400" y="52511"/>
-                </a:cubicBezTo>
-                <a:cubicBezTo>
-                  <a:pt x="426325" y="65795"/>
-                  <a:pt x="443916" y="83386"/>
-                  <a:pt x="457200" y="103311"/>
-                </a:cubicBezTo>
-                <a:cubicBezTo>
-                  <a:pt x="466919" y="117889"/>
-                  <a:pt x="488808" y="212808"/>
-                  <a:pt x="491067" y="221844"/>
-                </a:cubicBezTo>
-                <a:cubicBezTo>
-                  <a:pt x="482776" y="313049"/>
-                  <a:pt x="505295" y="393884"/>
-                  <a:pt x="440267" y="458911"/>
-                </a:cubicBezTo>
-                <a:cubicBezTo>
-                  <a:pt x="425876" y="473301"/>
-                  <a:pt x="406400" y="481488"/>
-                  <a:pt x="389467" y="492777"/>
-                </a:cubicBezTo>
-                <a:cubicBezTo>
-                  <a:pt x="333023" y="487133"/>
-                  <a:pt x="275643" y="487530"/>
-                  <a:pt x="220134" y="475844"/>
-                </a:cubicBezTo>
-                <a:cubicBezTo>
-                  <a:pt x="167735" y="464813"/>
-                  <a:pt x="67734" y="425044"/>
-                  <a:pt x="67734" y="425044"/>
-                </a:cubicBezTo>
-                <a:cubicBezTo>
-                  <a:pt x="8952" y="366262"/>
-                  <a:pt x="-7013" y="374244"/>
-                  <a:pt x="50800" y="374244"/>
-                </a:cubicBezTo>
-              </a:path>
-            </a:pathLst>
-          </a:custGeom>
-          <a:noFill/>
-          <a:ln w="25400">
+            <a:off x="2005148" y="3944982"/>
+            <a:ext cx="875212" cy="862149"/>
+          </a:xfrm>
+          <a:prstGeom prst="ellipse">
+            <a:avLst/>
+          </a:prstGeom>
+          <a:solidFill>
+            <a:schemeClr val="bg2"/>
+          </a:solidFill>
+          <a:ln>
             <a:solidFill>
-              <a:schemeClr val="accent1"/>
+              <a:schemeClr val="bg2">
+                <a:lumMod val="75000"/>
+              </a:schemeClr>
             </a:solidFill>
-            <a:tailEnd w="lg" len="lg"/>
           </a:ln>
         </p:spPr>
         <p:style>
@@ -4455,16 +7543,117 @@
           <a:lstStyle/>
           <a:p>
             <a:pPr algn="ctr"/>
-            <a:endParaRPr lang="en-US"/>
-          </a:p>
-        </p:txBody>
-      </p:sp>
-      <p:sp>
-        <p:nvSpPr>
-          <p:cNvPr id="23" name="TextBox 22">
-            <a:extLst>
-              <a:ext uri="{FF2B5EF4-FFF2-40B4-BE49-F238E27FC236}">
-                <a16:creationId xmlns:a16="http://schemas.microsoft.com/office/drawing/2014/main" id="{CBE5D5C0-67D4-0C57-F3AB-C5B474E304B3}"/>
+            <a:r>
+              <a:rPr lang="en-US" sz="2000" dirty="0">
+                <a:solidFill>
+                  <a:schemeClr val="bg2">
+                    <a:lumMod val="75000"/>
+                  </a:schemeClr>
+                </a:solidFill>
+              </a:rPr>
+              <a:t>R</a:t>
+            </a:r>
+            <a:r>
+              <a:rPr lang="en-US" sz="2000" baseline="-25000" dirty="0">
+                <a:solidFill>
+                  <a:schemeClr val="bg2">
+                    <a:lumMod val="75000"/>
+                  </a:schemeClr>
+                </a:solidFill>
+              </a:rPr>
+              <a:t>a</a:t>
+            </a:r>
+          </a:p>
+        </p:txBody>
+      </p:sp>
+      <p:sp>
+        <p:nvSpPr>
+          <p:cNvPr id="7" name="Oval 6">
+            <a:extLst>
+              <a:ext uri="{FF2B5EF4-FFF2-40B4-BE49-F238E27FC236}">
+                <a16:creationId xmlns:a16="http://schemas.microsoft.com/office/drawing/2014/main" id="{D7A4BEA1-1C7C-8E5C-3EF3-4CB5B1EBA1F8}"/>
+              </a:ext>
+            </a:extLst>
+          </p:cNvPr>
+          <p:cNvSpPr/>
+          <p:nvPr/>
+        </p:nvSpPr>
+        <p:spPr>
+          <a:xfrm>
+            <a:off x="4299857" y="3944982"/>
+            <a:ext cx="875212" cy="862149"/>
+          </a:xfrm>
+          <a:prstGeom prst="ellipse">
+            <a:avLst/>
+          </a:prstGeom>
+          <a:solidFill>
+            <a:schemeClr val="bg2"/>
+          </a:solidFill>
+          <a:ln>
+            <a:solidFill>
+              <a:schemeClr val="bg2">
+                <a:lumMod val="75000"/>
+              </a:schemeClr>
+            </a:solidFill>
+          </a:ln>
+        </p:spPr>
+        <p:style>
+          <a:lnRef idx="2">
+            <a:schemeClr val="accent1">
+              <a:shade val="15000"/>
+            </a:schemeClr>
+          </a:lnRef>
+          <a:fillRef idx="1">
+            <a:schemeClr val="accent1"/>
+          </a:fillRef>
+          <a:effectRef idx="0">
+            <a:schemeClr val="accent1"/>
+          </a:effectRef>
+          <a:fontRef idx="minor">
+            <a:schemeClr val="lt1"/>
+          </a:fontRef>
+        </p:style>
+        <p:txBody>
+          <a:bodyPr rtlCol="0" anchor="ctr"/>
+          <a:lstStyle/>
+          <a:p>
+            <a:pPr algn="ctr"/>
+            <a:r>
+              <a:rPr lang="en-US" sz="2400" dirty="0">
+                <a:solidFill>
+                  <a:schemeClr val="bg2">
+                    <a:lumMod val="75000"/>
+                  </a:schemeClr>
+                </a:solidFill>
+              </a:rPr>
+              <a:t>R</a:t>
+            </a:r>
+            <a:r>
+              <a:rPr lang="en-US" sz="2400" baseline="-25000" dirty="0">
+                <a:solidFill>
+                  <a:schemeClr val="bg2">
+                    <a:lumMod val="75000"/>
+                  </a:schemeClr>
+                </a:solidFill>
+              </a:rPr>
+              <a:t>b</a:t>
+            </a:r>
+            <a:endParaRPr lang="en-US" baseline="-25000" dirty="0">
+              <a:solidFill>
+                <a:schemeClr val="bg2">
+                  <a:lumMod val="75000"/>
+                </a:schemeClr>
+              </a:solidFill>
+            </a:endParaRPr>
+          </a:p>
+        </p:txBody>
+      </p:sp>
+      <p:sp>
+        <p:nvSpPr>
+          <p:cNvPr id="24" name="TextBox 23">
+            <a:extLst>
+              <a:ext uri="{FF2B5EF4-FFF2-40B4-BE49-F238E27FC236}">
+                <a16:creationId xmlns:a16="http://schemas.microsoft.com/office/drawing/2014/main" id="{6DA00BF8-F4B2-C7B5-66E2-7096EB778268}"/>
               </a:ext>
             </a:extLst>
           </p:cNvPr>
@@ -4473,8 +7662,258 @@
         </p:nvSpPr>
         <p:spPr>
           <a:xfrm>
-            <a:off x="5892800" y="4321201"/>
-            <a:ext cx="385042" cy="369332"/>
+            <a:off x="1538911" y="4905096"/>
+            <a:ext cx="945756" cy="400110"/>
+          </a:xfrm>
+          <a:prstGeom prst="rect">
+            <a:avLst/>
+          </a:prstGeom>
+          <a:noFill/>
+        </p:spPr>
+        <p:txBody>
+          <a:bodyPr wrap="square" rtlCol="0">
+            <a:spAutoFit/>
+          </a:bodyPr>
+          <a:lstStyle/>
+          <a:p>
+            <a:r>
+              <a:rPr lang="en-US" sz="2000" dirty="0"/>
+              <a:t>r</a:t>
+            </a:r>
+            <a:r>
+              <a:rPr lang="en-US" sz="2000" baseline="-25000" dirty="0"/>
+              <a:t>a</a:t>
+            </a:r>
+          </a:p>
+        </p:txBody>
+      </p:sp>
+      <p:sp>
+        <p:nvSpPr>
+          <p:cNvPr id="25" name="TextBox 24">
+            <a:extLst>
+              <a:ext uri="{FF2B5EF4-FFF2-40B4-BE49-F238E27FC236}">
+                <a16:creationId xmlns:a16="http://schemas.microsoft.com/office/drawing/2014/main" id="{104DB52E-9259-C3C1-626A-B9E806B59CC6}"/>
+              </a:ext>
+            </a:extLst>
+          </p:cNvPr>
+          <p:cNvSpPr txBox="1"/>
+          <p:nvPr/>
+        </p:nvSpPr>
+        <p:spPr>
+          <a:xfrm>
+            <a:off x="3749867" y="2086311"/>
+            <a:ext cx="1019608" cy="400110"/>
+          </a:xfrm>
+          <a:prstGeom prst="rect">
+            <a:avLst/>
+          </a:prstGeom>
+          <a:noFill/>
+        </p:spPr>
+        <p:txBody>
+          <a:bodyPr wrap="square" rtlCol="0">
+            <a:spAutoFit/>
+          </a:bodyPr>
+          <a:lstStyle/>
+          <a:p>
+            <a:r>
+              <a:rPr lang="en-US" sz="2000" dirty="0">
+                <a:solidFill>
+                  <a:schemeClr val="bg2">
+                    <a:lumMod val="75000"/>
+                  </a:schemeClr>
+                </a:solidFill>
+              </a:rPr>
+              <a:t>c</a:t>
+            </a:r>
+            <a:r>
+              <a:rPr lang="en-US" sz="2000" baseline="-25000" dirty="0">
+                <a:solidFill>
+                  <a:schemeClr val="bg2">
+                    <a:lumMod val="75000"/>
+                  </a:schemeClr>
+                </a:solidFill>
+              </a:rPr>
+              <a:t>2a</a:t>
+            </a:r>
+          </a:p>
+        </p:txBody>
+      </p:sp>
+      <p:sp>
+        <p:nvSpPr>
+          <p:cNvPr id="26" name="TextBox 25">
+            <a:extLst>
+              <a:ext uri="{FF2B5EF4-FFF2-40B4-BE49-F238E27FC236}">
+                <a16:creationId xmlns:a16="http://schemas.microsoft.com/office/drawing/2014/main" id="{B9B4B76B-72F8-E849-AE8F-EAEA23160241}"/>
+              </a:ext>
+            </a:extLst>
+          </p:cNvPr>
+          <p:cNvSpPr txBox="1"/>
+          <p:nvPr/>
+        </p:nvSpPr>
+        <p:spPr>
+          <a:xfrm>
+            <a:off x="2894648" y="2103294"/>
+            <a:ext cx="896732" cy="400110"/>
+          </a:xfrm>
+          <a:prstGeom prst="rect">
+            <a:avLst/>
+          </a:prstGeom>
+          <a:noFill/>
+        </p:spPr>
+        <p:txBody>
+          <a:bodyPr wrap="square" rtlCol="0">
+            <a:spAutoFit/>
+          </a:bodyPr>
+          <a:lstStyle/>
+          <a:p>
+            <a:r>
+              <a:rPr lang="en-US" sz="2000" dirty="0">
+                <a:solidFill>
+                  <a:schemeClr val="bg2">
+                    <a:lumMod val="75000"/>
+                  </a:schemeClr>
+                </a:solidFill>
+              </a:rPr>
+              <a:t>c</a:t>
+            </a:r>
+            <a:r>
+              <a:rPr lang="en-US" sz="2000" baseline="-25000" dirty="0">
+                <a:solidFill>
+                  <a:schemeClr val="bg2">
+                    <a:lumMod val="75000"/>
+                  </a:schemeClr>
+                </a:solidFill>
+              </a:rPr>
+              <a:t>1b</a:t>
+            </a:r>
+          </a:p>
+        </p:txBody>
+      </p:sp>
+      <p:sp>
+        <p:nvSpPr>
+          <p:cNvPr id="27" name="TextBox 26">
+            <a:extLst>
+              <a:ext uri="{FF2B5EF4-FFF2-40B4-BE49-F238E27FC236}">
+                <a16:creationId xmlns:a16="http://schemas.microsoft.com/office/drawing/2014/main" id="{857E7AC5-02DE-0023-8072-1608CB8D64FE}"/>
+              </a:ext>
+            </a:extLst>
+          </p:cNvPr>
+          <p:cNvSpPr txBox="1"/>
+          <p:nvPr/>
+        </p:nvSpPr>
+        <p:spPr>
+          <a:xfrm>
+            <a:off x="4741818" y="2954774"/>
+            <a:ext cx="1080248" cy="400110"/>
+          </a:xfrm>
+          <a:prstGeom prst="rect">
+            <a:avLst/>
+          </a:prstGeom>
+          <a:noFill/>
+        </p:spPr>
+        <p:txBody>
+          <a:bodyPr wrap="square" rtlCol="0">
+            <a:spAutoFit/>
+          </a:bodyPr>
+          <a:lstStyle/>
+          <a:p>
+            <a:r>
+              <a:rPr lang="en-US" sz="2000" dirty="0">
+                <a:solidFill>
+                  <a:schemeClr val="bg2">
+                    <a:lumMod val="75000"/>
+                  </a:schemeClr>
+                </a:solidFill>
+              </a:rPr>
+              <a:t>c</a:t>
+            </a:r>
+            <a:r>
+              <a:rPr lang="en-US" sz="2000" baseline="-25000" dirty="0">
+                <a:solidFill>
+                  <a:schemeClr val="bg2">
+                    <a:lumMod val="75000"/>
+                  </a:schemeClr>
+                </a:solidFill>
+              </a:rPr>
+              <a:t>2b</a:t>
+            </a:r>
+            <a:endParaRPr lang="en-US" sz="2000" dirty="0">
+              <a:solidFill>
+                <a:schemeClr val="bg2">
+                  <a:lumMod val="75000"/>
+                </a:schemeClr>
+              </a:solidFill>
+            </a:endParaRPr>
+          </a:p>
+        </p:txBody>
+      </p:sp>
+      <p:sp>
+        <p:nvSpPr>
+          <p:cNvPr id="28" name="TextBox 27">
+            <a:extLst>
+              <a:ext uri="{FF2B5EF4-FFF2-40B4-BE49-F238E27FC236}">
+                <a16:creationId xmlns:a16="http://schemas.microsoft.com/office/drawing/2014/main" id="{C0F6BFCC-D0B9-B135-4362-A062F9C3D730}"/>
+              </a:ext>
+            </a:extLst>
+          </p:cNvPr>
+          <p:cNvSpPr txBox="1"/>
+          <p:nvPr/>
+        </p:nvSpPr>
+        <p:spPr>
+          <a:xfrm>
+            <a:off x="1970030" y="2849686"/>
+            <a:ext cx="1175756" cy="400110"/>
+          </a:xfrm>
+          <a:prstGeom prst="rect">
+            <a:avLst/>
+          </a:prstGeom>
+          <a:noFill/>
+        </p:spPr>
+        <p:txBody>
+          <a:bodyPr wrap="square" rtlCol="0">
+            <a:spAutoFit/>
+          </a:bodyPr>
+          <a:lstStyle/>
+          <a:p>
+            <a:r>
+              <a:rPr lang="en-US" sz="2000" dirty="0">
+                <a:solidFill>
+                  <a:schemeClr val="bg2">
+                    <a:lumMod val="75000"/>
+                  </a:schemeClr>
+                </a:solidFill>
+              </a:rPr>
+              <a:t>c</a:t>
+            </a:r>
+            <a:r>
+              <a:rPr lang="en-US" sz="2000" baseline="-25000" dirty="0">
+                <a:solidFill>
+                  <a:schemeClr val="bg2">
+                    <a:lumMod val="75000"/>
+                  </a:schemeClr>
+                </a:solidFill>
+              </a:rPr>
+              <a:t>1a</a:t>
+            </a:r>
+          </a:p>
+        </p:txBody>
+      </p:sp>
+      <p:sp>
+        <p:nvSpPr>
+          <p:cNvPr id="35" name="TextBox 34">
+            <a:extLst>
+              <a:ext uri="{FF2B5EF4-FFF2-40B4-BE49-F238E27FC236}">
+                <a16:creationId xmlns:a16="http://schemas.microsoft.com/office/drawing/2014/main" id="{8DBD0FA7-74A0-F60F-5B22-92745E29F29E}"/>
+              </a:ext>
+            </a:extLst>
+          </p:cNvPr>
+          <p:cNvSpPr txBox="1"/>
+          <p:nvPr/>
+        </p:nvSpPr>
+        <p:spPr>
+          <a:xfrm>
+            <a:off x="631172" y="1780641"/>
+            <a:ext cx="494046" cy="400110"/>
           </a:xfrm>
           <a:prstGeom prst="rect">
             <a:avLst/>
@@ -4488,18 +7927,34 @@
           <a:lstStyle/>
           <a:p>
             <a:r>
-              <a:rPr lang="en-US" dirty="0"/>
-              <a:t>r2</a:t>
-            </a:r>
-          </a:p>
-        </p:txBody>
-      </p:sp>
-      <p:sp>
-        <p:nvSpPr>
-          <p:cNvPr id="24" name="TextBox 23">
-            <a:extLst>
-              <a:ext uri="{FF2B5EF4-FFF2-40B4-BE49-F238E27FC236}">
-                <a16:creationId xmlns:a16="http://schemas.microsoft.com/office/drawing/2014/main" id="{9B71B927-660C-0E2B-B972-77131EA72B94}"/>
+              <a:rPr lang="en-US" sz="2000" dirty="0">
+                <a:solidFill>
+                  <a:schemeClr val="bg2">
+                    <a:lumMod val="75000"/>
+                  </a:schemeClr>
+                </a:solidFill>
+              </a:rPr>
+              <a:t>m</a:t>
+            </a:r>
+            <a:r>
+              <a:rPr lang="en-US" sz="2000" baseline="-25000" dirty="0">
+                <a:solidFill>
+                  <a:schemeClr val="bg2">
+                    <a:lumMod val="75000"/>
+                  </a:schemeClr>
+                </a:solidFill>
+              </a:rPr>
+              <a:t>1</a:t>
+            </a:r>
+          </a:p>
+        </p:txBody>
+      </p:sp>
+      <p:sp>
+        <p:nvSpPr>
+          <p:cNvPr id="37" name="TextBox 36">
+            <a:extLst>
+              <a:ext uri="{FF2B5EF4-FFF2-40B4-BE49-F238E27FC236}">
+                <a16:creationId xmlns:a16="http://schemas.microsoft.com/office/drawing/2014/main" id="{B7B5F1A6-52BF-85CF-DEB8-96BA3E5C1330}"/>
               </a:ext>
             </a:extLst>
           </p:cNvPr>
@@ -4508,8 +7963,8 @@
         </p:nvSpPr>
         <p:spPr>
           <a:xfrm>
-            <a:off x="1008334" y="4191389"/>
-            <a:ext cx="385042" cy="369332"/>
+            <a:off x="6077726" y="1780641"/>
+            <a:ext cx="494046" cy="400110"/>
           </a:xfrm>
           <a:prstGeom prst="rect">
             <a:avLst/>
@@ -4523,18 +7978,188 @@
           <a:lstStyle/>
           <a:p>
             <a:r>
-              <a:rPr lang="en-US" dirty="0"/>
-              <a:t>r1</a:t>
-            </a:r>
-          </a:p>
-        </p:txBody>
-      </p:sp>
-      <p:sp>
-        <p:nvSpPr>
-          <p:cNvPr id="25" name="TextBox 24">
-            <a:extLst>
-              <a:ext uri="{FF2B5EF4-FFF2-40B4-BE49-F238E27FC236}">
-                <a16:creationId xmlns:a16="http://schemas.microsoft.com/office/drawing/2014/main" id="{79094869-24A8-F569-C34C-46DFB68374ED}"/>
+              <a:rPr lang="en-US" sz="2000" dirty="0">
+                <a:solidFill>
+                  <a:schemeClr val="bg2">
+                    <a:lumMod val="75000"/>
+                  </a:schemeClr>
+                </a:solidFill>
+              </a:rPr>
+              <a:t>m</a:t>
+            </a:r>
+            <a:r>
+              <a:rPr lang="en-US" sz="2000" baseline="-25000" dirty="0">
+                <a:solidFill>
+                  <a:schemeClr val="bg2">
+                    <a:lumMod val="75000"/>
+                  </a:schemeClr>
+                </a:solidFill>
+              </a:rPr>
+              <a:t>2</a:t>
+            </a:r>
+          </a:p>
+        </p:txBody>
+      </p:sp>
+      <p:sp>
+        <p:nvSpPr>
+          <p:cNvPr id="2" name="Rounded Rectangle 1">
+            <a:extLst>
+              <a:ext uri="{FF2B5EF4-FFF2-40B4-BE49-F238E27FC236}">
+                <a16:creationId xmlns:a16="http://schemas.microsoft.com/office/drawing/2014/main" id="{9932BECC-99D4-A952-CA5D-C970154320A2}"/>
+              </a:ext>
+            </a:extLst>
+          </p:cNvPr>
+          <p:cNvSpPr/>
+          <p:nvPr/>
+        </p:nvSpPr>
+        <p:spPr>
+          <a:xfrm>
+            <a:off x="4335780" y="1561854"/>
+            <a:ext cx="803366" cy="783767"/>
+          </a:xfrm>
+          <a:prstGeom prst="roundRect">
+            <a:avLst/>
+          </a:prstGeom>
+          <a:solidFill>
+            <a:schemeClr val="bg2"/>
+          </a:solidFill>
+          <a:ln>
+            <a:solidFill>
+              <a:schemeClr val="bg2">
+                <a:lumMod val="75000"/>
+              </a:schemeClr>
+            </a:solidFill>
+          </a:ln>
+        </p:spPr>
+        <p:style>
+          <a:lnRef idx="2">
+            <a:schemeClr val="accent1">
+              <a:shade val="15000"/>
+            </a:schemeClr>
+          </a:lnRef>
+          <a:fillRef idx="1">
+            <a:schemeClr val="accent1"/>
+          </a:fillRef>
+          <a:effectRef idx="0">
+            <a:schemeClr val="accent1"/>
+          </a:effectRef>
+          <a:fontRef idx="minor">
+            <a:schemeClr val="lt1"/>
+          </a:fontRef>
+        </p:style>
+        <p:txBody>
+          <a:bodyPr rtlCol="0" anchor="ctr"/>
+          <a:lstStyle/>
+          <a:p>
+            <a:pPr algn="ctr"/>
+            <a:r>
+              <a:rPr lang="en-US" sz="2400" dirty="0">
+                <a:solidFill>
+                  <a:schemeClr val="bg2">
+                    <a:lumMod val="75000"/>
+                  </a:schemeClr>
+                </a:solidFill>
+              </a:rPr>
+              <a:t>C</a:t>
+            </a:r>
+            <a:r>
+              <a:rPr lang="en-US" sz="2400" baseline="-25000" dirty="0">
+                <a:solidFill>
+                  <a:schemeClr val="bg2">
+                    <a:lumMod val="75000"/>
+                  </a:schemeClr>
+                </a:solidFill>
+              </a:rPr>
+              <a:t>2</a:t>
+            </a:r>
+            <a:endParaRPr lang="en-US" baseline="-25000" dirty="0">
+              <a:solidFill>
+                <a:schemeClr val="bg2">
+                  <a:lumMod val="75000"/>
+                </a:schemeClr>
+              </a:solidFill>
+            </a:endParaRPr>
+          </a:p>
+        </p:txBody>
+      </p:sp>
+      <p:pic>
+        <p:nvPicPr>
+          <p:cNvPr id="8" name="Graphic 7" descr="Line arrow: Rotate right with solid fill">
+            <a:extLst>
+              <a:ext uri="{FF2B5EF4-FFF2-40B4-BE49-F238E27FC236}">
+                <a16:creationId xmlns:a16="http://schemas.microsoft.com/office/drawing/2014/main" id="{6C14A8FC-8756-F4B0-E40F-11C1E83E5305}"/>
+              </a:ext>
+            </a:extLst>
+          </p:cNvPr>
+          <p:cNvPicPr>
+            <a:picLocks noChangeAspect="1"/>
+          </p:cNvPicPr>
+          <p:nvPr/>
+        </p:nvPicPr>
+        <p:blipFill>
+          <a:blip r:embed="rId2">
+            <a:extLst>
+              <a:ext uri="{96DAC541-7B7A-43D3-8B79-37D633B846F1}">
+                <asvg:svgBlip xmlns:asvg="http://schemas.microsoft.com/office/drawing/2016/SVG/main" r:embed="rId3"/>
+              </a:ext>
+            </a:extLst>
+          </a:blip>
+          <a:stretch>
+            <a:fillRect/>
+          </a:stretch>
+        </p:blipFill>
+        <p:spPr>
+          <a:xfrm rot="9532772">
+            <a:off x="4655052" y="4425622"/>
+            <a:ext cx="914400" cy="914400"/>
+          </a:xfrm>
+          <a:prstGeom prst="rect">
+            <a:avLst/>
+          </a:prstGeom>
+        </p:spPr>
+      </p:pic>
+      <p:pic>
+        <p:nvPicPr>
+          <p:cNvPr id="9" name="Graphic 8" descr="Line arrow: Rotate right with solid fill">
+            <a:extLst>
+              <a:ext uri="{FF2B5EF4-FFF2-40B4-BE49-F238E27FC236}">
+                <a16:creationId xmlns:a16="http://schemas.microsoft.com/office/drawing/2014/main" id="{1D48737D-3ADD-35A5-37F7-921A9E001E3D}"/>
+              </a:ext>
+            </a:extLst>
+          </p:cNvPr>
+          <p:cNvPicPr>
+            <a:picLocks noChangeAspect="1"/>
+          </p:cNvPicPr>
+          <p:nvPr/>
+        </p:nvPicPr>
+        <p:blipFill>
+          <a:blip r:embed="rId4">
+            <a:extLst>
+              <a:ext uri="{96DAC541-7B7A-43D3-8B79-37D633B846F1}">
+                <asvg:svgBlip xmlns:asvg="http://schemas.microsoft.com/office/drawing/2016/SVG/main" r:embed="rId5"/>
+              </a:ext>
+            </a:extLst>
+          </a:blip>
+          <a:stretch>
+            <a:fillRect/>
+          </a:stretch>
+        </p:blipFill>
+        <p:spPr>
+          <a:xfrm rot="13588340">
+            <a:off x="1639005" y="4458046"/>
+            <a:ext cx="914400" cy="914400"/>
+          </a:xfrm>
+          <a:prstGeom prst="rect">
+            <a:avLst/>
+          </a:prstGeom>
+        </p:spPr>
+      </p:pic>
+      <p:sp>
+        <p:nvSpPr>
+          <p:cNvPr id="13" name="TextBox 12">
+            <a:extLst>
+              <a:ext uri="{FF2B5EF4-FFF2-40B4-BE49-F238E27FC236}">
+                <a16:creationId xmlns:a16="http://schemas.microsoft.com/office/drawing/2014/main" id="{807E8711-1E91-CCD3-B021-CDF797AEA1B3}"/>
               </a:ext>
             </a:extLst>
           </p:cNvPr>
@@ -4543,8 +8168,8 @@
         </p:nvSpPr>
         <p:spPr>
           <a:xfrm>
-            <a:off x="3762103" y="2752690"/>
-            <a:ext cx="816187" cy="369332"/>
+            <a:off x="5399134" y="4962351"/>
+            <a:ext cx="914399" cy="400110"/>
           </a:xfrm>
           <a:prstGeom prst="rect">
             <a:avLst/>
@@ -4558,18 +8183,267 @@
           <a:lstStyle/>
           <a:p>
             <a:r>
-              <a:rPr lang="en-US" dirty="0"/>
-              <a:t>C2R1</a:t>
-            </a:r>
-          </a:p>
-        </p:txBody>
-      </p:sp>
-      <p:sp>
-        <p:nvSpPr>
-          <p:cNvPr id="26" name="TextBox 25">
-            <a:extLst>
-              <a:ext uri="{FF2B5EF4-FFF2-40B4-BE49-F238E27FC236}">
-                <a16:creationId xmlns:a16="http://schemas.microsoft.com/office/drawing/2014/main" id="{419FDD6C-B356-6395-FFB9-BED46B3BE285}"/>
+              <a:rPr lang="en-US" sz="2000" dirty="0"/>
+              <a:t>r</a:t>
+            </a:r>
+            <a:r>
+              <a:rPr lang="en-US" sz="2000" baseline="-25000" dirty="0"/>
+              <a:t>b</a:t>
+            </a:r>
+          </a:p>
+        </p:txBody>
+      </p:sp>
+      <p:pic>
+        <p:nvPicPr>
+          <p:cNvPr id="16" name="Graphic 15" descr="Line arrow: Straight with solid fill">
+            <a:extLst>
+              <a:ext uri="{FF2B5EF4-FFF2-40B4-BE49-F238E27FC236}">
+                <a16:creationId xmlns:a16="http://schemas.microsoft.com/office/drawing/2014/main" id="{8D9FB6EA-3895-E4EF-8952-3ABEEA81E3E0}"/>
+              </a:ext>
+            </a:extLst>
+          </p:cNvPr>
+          <p:cNvPicPr>
+            <a:picLocks noChangeAspect="1"/>
+          </p:cNvPicPr>
+          <p:nvPr/>
+        </p:nvPicPr>
+        <p:blipFill>
+          <a:blip r:embed="rId6">
+            <a:extLst>
+              <a:ext uri="{96DAC541-7B7A-43D3-8B79-37D633B846F1}">
+                <asvg:svgBlip xmlns:asvg="http://schemas.microsoft.com/office/drawing/2016/SVG/main" r:embed="rId7"/>
+              </a:ext>
+            </a:extLst>
+          </a:blip>
+          <a:stretch>
+            <a:fillRect/>
+          </a:stretch>
+        </p:blipFill>
+        <p:spPr>
+          <a:xfrm>
+            <a:off x="1054825" y="1508107"/>
+            <a:ext cx="914400" cy="914400"/>
+          </a:xfrm>
+          <a:prstGeom prst="rect">
+            <a:avLst/>
+          </a:prstGeom>
+        </p:spPr>
+      </p:pic>
+      <p:pic>
+        <p:nvPicPr>
+          <p:cNvPr id="19" name="Graphic 18" descr="Line arrow: Straight with solid fill">
+            <a:extLst>
+              <a:ext uri="{FF2B5EF4-FFF2-40B4-BE49-F238E27FC236}">
+                <a16:creationId xmlns:a16="http://schemas.microsoft.com/office/drawing/2014/main" id="{B2235172-F21D-4A73-94AE-01FA8D70FA35}"/>
+              </a:ext>
+            </a:extLst>
+          </p:cNvPr>
+          <p:cNvPicPr>
+            <a:picLocks noChangeAspect="1"/>
+          </p:cNvPicPr>
+          <p:nvPr/>
+        </p:nvPicPr>
+        <p:blipFill>
+          <a:blip r:embed="rId6">
+            <a:extLst>
+              <a:ext uri="{96DAC541-7B7A-43D3-8B79-37D633B846F1}">
+                <asvg:svgBlip xmlns:asvg="http://schemas.microsoft.com/office/drawing/2016/SVG/main" r:embed="rId7"/>
+              </a:ext>
+            </a:extLst>
+          </a:blip>
+          <a:stretch>
+            <a:fillRect/>
+          </a:stretch>
+        </p:blipFill>
+        <p:spPr>
+          <a:xfrm rot="10800000">
+            <a:off x="5175069" y="1496537"/>
+            <a:ext cx="914400" cy="914400"/>
+          </a:xfrm>
+          <a:prstGeom prst="rect">
+            <a:avLst/>
+          </a:prstGeom>
+        </p:spPr>
+      </p:pic>
+      <p:pic>
+        <p:nvPicPr>
+          <p:cNvPr id="20" name="Graphic 19" descr="Arrow Up with solid fill">
+            <a:extLst>
+              <a:ext uri="{FF2B5EF4-FFF2-40B4-BE49-F238E27FC236}">
+                <a16:creationId xmlns:a16="http://schemas.microsoft.com/office/drawing/2014/main" id="{AD0398B1-DEA5-5CE3-5D9E-160F61A2DB19}"/>
+              </a:ext>
+            </a:extLst>
+          </p:cNvPr>
+          <p:cNvPicPr>
+            <a:picLocks noChangeAspect="1"/>
+          </p:cNvPicPr>
+          <p:nvPr/>
+        </p:nvPicPr>
+        <p:blipFill>
+          <a:blip r:embed="rId8">
+            <a:extLst>
+              <a:ext uri="{96DAC541-7B7A-43D3-8B79-37D633B846F1}">
+                <asvg:svgBlip xmlns:asvg="http://schemas.microsoft.com/office/drawing/2016/SVG/main" r:embed="rId9"/>
+              </a:ext>
+            </a:extLst>
+          </a:blip>
+          <a:stretch>
+            <a:fillRect/>
+          </a:stretch>
+        </p:blipFill>
+        <p:spPr>
+          <a:xfrm>
+            <a:off x="1976128" y="2358739"/>
+            <a:ext cx="914400" cy="1561401"/>
+          </a:xfrm>
+          <a:prstGeom prst="rect">
+            <a:avLst/>
+          </a:prstGeom>
+        </p:spPr>
+      </p:pic>
+      <p:pic>
+        <p:nvPicPr>
+          <p:cNvPr id="29" name="Graphic 28" descr="Arrow Up with solid fill">
+            <a:extLst>
+              <a:ext uri="{FF2B5EF4-FFF2-40B4-BE49-F238E27FC236}">
+                <a16:creationId xmlns:a16="http://schemas.microsoft.com/office/drawing/2014/main" id="{91F25E93-04E4-989F-E0DD-35D7ACD7A9F8}"/>
+              </a:ext>
+            </a:extLst>
+          </p:cNvPr>
+          <p:cNvPicPr>
+            <a:picLocks noChangeAspect="1"/>
+          </p:cNvPicPr>
+          <p:nvPr/>
+        </p:nvPicPr>
+        <p:blipFill>
+          <a:blip r:embed="rId8">
+            <a:extLst>
+              <a:ext uri="{96DAC541-7B7A-43D3-8B79-37D633B846F1}">
+                <asvg:svgBlip xmlns:asvg="http://schemas.microsoft.com/office/drawing/2016/SVG/main" r:embed="rId9"/>
+              </a:ext>
+            </a:extLst>
+          </a:blip>
+          <a:stretch>
+            <a:fillRect/>
+          </a:stretch>
+        </p:blipFill>
+        <p:spPr>
+          <a:xfrm rot="2623736">
+            <a:off x="3116987" y="1972502"/>
+            <a:ext cx="914400" cy="2407291"/>
+          </a:xfrm>
+          <a:prstGeom prst="rect">
+            <a:avLst/>
+          </a:prstGeom>
+        </p:spPr>
+      </p:pic>
+      <p:pic>
+        <p:nvPicPr>
+          <p:cNvPr id="32" name="Graphic 31" descr="Arrow Up with solid fill">
+            <a:extLst>
+              <a:ext uri="{FF2B5EF4-FFF2-40B4-BE49-F238E27FC236}">
+                <a16:creationId xmlns:a16="http://schemas.microsoft.com/office/drawing/2014/main" id="{ABE8B96F-6BD8-52EB-8D4E-B7D906607B7C}"/>
+              </a:ext>
+            </a:extLst>
+          </p:cNvPr>
+          <p:cNvPicPr>
+            <a:picLocks noChangeAspect="1"/>
+          </p:cNvPicPr>
+          <p:nvPr/>
+        </p:nvPicPr>
+        <p:blipFill>
+          <a:blip r:embed="rId8">
+            <a:extLst>
+              <a:ext uri="{96DAC541-7B7A-43D3-8B79-37D633B846F1}">
+                <asvg:svgBlip xmlns:asvg="http://schemas.microsoft.com/office/drawing/2016/SVG/main" r:embed="rId9"/>
+              </a:ext>
+            </a:extLst>
+          </a:blip>
+          <a:stretch>
+            <a:fillRect/>
+          </a:stretch>
+        </p:blipFill>
+        <p:spPr>
+          <a:xfrm rot="19022280">
+            <a:off x="3121470" y="1976985"/>
+            <a:ext cx="914400" cy="2407291"/>
+          </a:xfrm>
+          <a:prstGeom prst="rect">
+            <a:avLst/>
+          </a:prstGeom>
+        </p:spPr>
+      </p:pic>
+      <p:pic>
+        <p:nvPicPr>
+          <p:cNvPr id="5" name="Picture 4" descr="A blue line with a black background&#10;&#10;AI-generated content may be incorrect.">
+            <a:extLst>
+              <a:ext uri="{FF2B5EF4-FFF2-40B4-BE49-F238E27FC236}">
+                <a16:creationId xmlns:a16="http://schemas.microsoft.com/office/drawing/2014/main" id="{0845B73E-B56D-22AB-CD05-028D8B186FBB}"/>
+              </a:ext>
+            </a:extLst>
+          </p:cNvPr>
+          <p:cNvPicPr>
+            <a:picLocks noChangeAspect="1"/>
+          </p:cNvPicPr>
+          <p:nvPr/>
+        </p:nvPicPr>
+        <p:blipFill>
+          <a:blip r:embed="rId10"/>
+          <a:srcRect b="7050"/>
+          <a:stretch/>
+        </p:blipFill>
+        <p:spPr>
+          <a:xfrm>
+            <a:off x="6953520" y="1357640"/>
+            <a:ext cx="4584700" cy="4131625"/>
+          </a:xfrm>
+          <a:prstGeom prst="rect">
+            <a:avLst/>
+          </a:prstGeom>
+        </p:spPr>
+      </p:pic>
+      <p:pic>
+        <p:nvPicPr>
+          <p:cNvPr id="10" name="Graphic 9" descr="Arrow Up with solid fill">
+            <a:extLst>
+              <a:ext uri="{FF2B5EF4-FFF2-40B4-BE49-F238E27FC236}">
+                <a16:creationId xmlns:a16="http://schemas.microsoft.com/office/drawing/2014/main" id="{7FF87E4D-F0EB-DD05-5EFB-CAD9098787A1}"/>
+              </a:ext>
+            </a:extLst>
+          </p:cNvPr>
+          <p:cNvPicPr>
+            <a:picLocks noChangeAspect="1"/>
+          </p:cNvPicPr>
+          <p:nvPr/>
+        </p:nvPicPr>
+        <p:blipFill>
+          <a:blip r:embed="rId8">
+            <a:extLst>
+              <a:ext uri="{96DAC541-7B7A-43D3-8B79-37D633B846F1}">
+                <asvg:svgBlip xmlns:asvg="http://schemas.microsoft.com/office/drawing/2016/SVG/main" r:embed="rId9"/>
+              </a:ext>
+            </a:extLst>
+          </a:blip>
+          <a:stretch>
+            <a:fillRect/>
+          </a:stretch>
+        </p:blipFill>
+        <p:spPr>
+          <a:xfrm>
+            <a:off x="4294407" y="2383581"/>
+            <a:ext cx="914400" cy="1561401"/>
+          </a:xfrm>
+          <a:prstGeom prst="rect">
+            <a:avLst/>
+          </a:prstGeom>
+        </p:spPr>
+      </p:pic>
+      <p:sp>
+        <p:nvSpPr>
+          <p:cNvPr id="12" name="TextBox 11">
+            <a:extLst>
+              <a:ext uri="{FF2B5EF4-FFF2-40B4-BE49-F238E27FC236}">
+                <a16:creationId xmlns:a16="http://schemas.microsoft.com/office/drawing/2014/main" id="{A2760F8C-9A7E-E9E4-5A6C-103EF1DE38C5}"/>
               </a:ext>
             </a:extLst>
           </p:cNvPr>
@@ -4578,8 +8452,8 @@
         </p:nvSpPr>
         <p:spPr>
           <a:xfrm>
-            <a:off x="2558143" y="2663186"/>
-            <a:ext cx="816187" cy="369332"/>
+            <a:off x="3275084" y="495827"/>
+            <a:ext cx="4714369" cy="461665"/>
           </a:xfrm>
           <a:prstGeom prst="rect">
             <a:avLst/>
@@ -4593,88 +8467,18 @@
           <a:lstStyle/>
           <a:p>
             <a:r>
-              <a:rPr lang="en-US" dirty="0"/>
-              <a:t>C1R2</a:t>
-            </a:r>
-          </a:p>
-        </p:txBody>
-      </p:sp>
-      <p:sp>
-        <p:nvSpPr>
-          <p:cNvPr id="27" name="TextBox 26">
-            <a:extLst>
-              <a:ext uri="{FF2B5EF4-FFF2-40B4-BE49-F238E27FC236}">
-                <a16:creationId xmlns:a16="http://schemas.microsoft.com/office/drawing/2014/main" id="{73573A94-9AA4-8779-EE75-F5E3009B3026}"/>
-              </a:ext>
-            </a:extLst>
-          </p:cNvPr>
-          <p:cNvSpPr txBox="1"/>
-          <p:nvPr/>
-        </p:nvSpPr>
-        <p:spPr>
-          <a:xfrm>
-            <a:off x="4741818" y="2954774"/>
-            <a:ext cx="816187" cy="369332"/>
-          </a:xfrm>
-          <a:prstGeom prst="rect">
-            <a:avLst/>
-          </a:prstGeom>
-          <a:noFill/>
-        </p:spPr>
-        <p:txBody>
-          <a:bodyPr wrap="square" rtlCol="0">
-            <a:spAutoFit/>
-          </a:bodyPr>
-          <a:lstStyle/>
-          <a:p>
-            <a:r>
-              <a:rPr lang="en-US" dirty="0"/>
-              <a:t>C2R2</a:t>
-            </a:r>
-          </a:p>
-        </p:txBody>
-      </p:sp>
-      <p:sp>
-        <p:nvSpPr>
-          <p:cNvPr id="28" name="TextBox 27">
-            <a:extLst>
-              <a:ext uri="{FF2B5EF4-FFF2-40B4-BE49-F238E27FC236}">
-                <a16:creationId xmlns:a16="http://schemas.microsoft.com/office/drawing/2014/main" id="{A39E8AF5-4046-C0A6-232A-479907CD1EB4}"/>
-              </a:ext>
-            </a:extLst>
-          </p:cNvPr>
-          <p:cNvSpPr txBox="1"/>
-          <p:nvPr/>
-        </p:nvSpPr>
-        <p:spPr>
-          <a:xfrm>
-            <a:off x="1596087" y="2919307"/>
-            <a:ext cx="816187" cy="369332"/>
-          </a:xfrm>
-          <a:prstGeom prst="rect">
-            <a:avLst/>
-          </a:prstGeom>
-          <a:noFill/>
-        </p:spPr>
-        <p:txBody>
-          <a:bodyPr wrap="square" rtlCol="0">
-            <a:spAutoFit/>
-          </a:bodyPr>
-          <a:lstStyle/>
-          <a:p>
-            <a:r>
-              <a:rPr lang="en-US" dirty="0"/>
-              <a:t>C1R1</a:t>
+              <a:rPr lang="en-US" sz="2400" dirty="0"/>
+              <a:t>Intra-process thermal asymmetry</a:t>
             </a:r>
           </a:p>
         </p:txBody>
       </p:sp>
       <p:cxnSp>
         <p:nvCxnSpPr>
-          <p:cNvPr id="31" name="Straight Arrow Connector 30">
-            <a:extLst>
-              <a:ext uri="{FF2B5EF4-FFF2-40B4-BE49-F238E27FC236}">
-                <a16:creationId xmlns:a16="http://schemas.microsoft.com/office/drawing/2014/main" id="{06F88587-4661-D7D0-95BD-9C4524096BAE}"/>
+          <p:cNvPr id="14" name="Straight Connector 13">
+            <a:extLst>
+              <a:ext uri="{FF2B5EF4-FFF2-40B4-BE49-F238E27FC236}">
+                <a16:creationId xmlns:a16="http://schemas.microsoft.com/office/drawing/2014/main" id="{F5A1517A-9973-56FF-3FF9-7CD44E59B725}"/>
               </a:ext>
             </a:extLst>
           </p:cNvPr>
@@ -4684,15 +8488,18 @@
           <p:nvPr/>
         </p:nvCxnSpPr>
         <p:spPr>
-          <a:xfrm flipH="1">
-            <a:off x="1008334" y="1800256"/>
-            <a:ext cx="925330" cy="0"/>
-          </a:xfrm>
-          <a:prstGeom prst="straightConnector1">
-            <a:avLst/>
-          </a:prstGeom>
-          <a:ln w="25400">
-            <a:tailEnd type="triangle" w="lg" len="lg"/>
+          <a:xfrm>
+            <a:off x="8634713" y="4268881"/>
+            <a:ext cx="0" cy="1193597"/>
+          </a:xfrm>
+          <a:prstGeom prst="line">
+            <a:avLst/>
+          </a:prstGeom>
+          <a:ln w="28575">
+            <a:solidFill>
+              <a:srgbClr val="1D86EE"/>
+            </a:solidFill>
+            <a:prstDash val="lgDash"/>
           </a:ln>
         </p:spPr>
         <p:style>
@@ -4712,10 +8519,10 @@
       </p:cxnSp>
       <p:sp>
         <p:nvSpPr>
-          <p:cNvPr id="35" name="TextBox 34">
-            <a:extLst>
-              <a:ext uri="{FF2B5EF4-FFF2-40B4-BE49-F238E27FC236}">
-                <a16:creationId xmlns:a16="http://schemas.microsoft.com/office/drawing/2014/main" id="{A57ACCBE-4DF5-C83E-6311-DFB956E4455F}"/>
+          <p:cNvPr id="17" name="TextBox 16">
+            <a:extLst>
+              <a:ext uri="{FF2B5EF4-FFF2-40B4-BE49-F238E27FC236}">
+                <a16:creationId xmlns:a16="http://schemas.microsoft.com/office/drawing/2014/main" id="{3BE2E600-C8DE-E182-BB61-4697218B3C94}"/>
               </a:ext>
             </a:extLst>
           </p:cNvPr>
@@ -4724,8 +8531,8 @@
         </p:nvSpPr>
         <p:spPr>
           <a:xfrm>
-            <a:off x="503067" y="1657532"/>
-            <a:ext cx="505267" cy="369332"/>
+            <a:off x="8403213" y="5401672"/>
+            <a:ext cx="545534" cy="461665"/>
           </a:xfrm>
           <a:prstGeom prst="rect">
             <a:avLst/>
@@ -4733,24 +8540,29 @@
           <a:noFill/>
         </p:spPr>
         <p:txBody>
-          <a:bodyPr wrap="none" rtlCol="0">
+          <a:bodyPr wrap="square" rtlCol="0">
             <a:spAutoFit/>
           </a:bodyPr>
           <a:lstStyle/>
           <a:p>
             <a:r>
-              <a:rPr lang="en-US" dirty="0"/>
-              <a:t>m1</a:t>
-            </a:r>
+              <a:rPr lang="en-US" sz="2400" dirty="0"/>
+              <a:t>E</a:t>
+            </a:r>
+            <a:r>
+              <a:rPr lang="en-US" sz="2400" baseline="-25000" dirty="0"/>
+              <a:t>ra</a:t>
+            </a:r>
+            <a:endParaRPr lang="en-US" sz="2400" dirty="0"/>
           </a:p>
         </p:txBody>
       </p:sp>
       <p:cxnSp>
         <p:nvCxnSpPr>
-          <p:cNvPr id="36" name="Straight Arrow Connector 35">
-            <a:extLst>
-              <a:ext uri="{FF2B5EF4-FFF2-40B4-BE49-F238E27FC236}">
-                <a16:creationId xmlns:a16="http://schemas.microsoft.com/office/drawing/2014/main" id="{843995B2-D83E-D43D-D1B7-636CF1EBBDA8}"/>
+          <p:cNvPr id="21" name="Straight Connector 20">
+            <a:extLst>
+              <a:ext uri="{FF2B5EF4-FFF2-40B4-BE49-F238E27FC236}">
+                <a16:creationId xmlns:a16="http://schemas.microsoft.com/office/drawing/2014/main" id="{3DDF2D02-E59B-4F53-A400-DD3698874F46}"/>
               </a:ext>
             </a:extLst>
           </p:cNvPr>
@@ -4761,14 +8573,17 @@
         </p:nvCxnSpPr>
         <p:spPr>
           <a:xfrm>
-            <a:off x="5311404" y="1879712"/>
-            <a:ext cx="966438" cy="0"/>
-          </a:xfrm>
-          <a:prstGeom prst="straightConnector1">
-            <a:avLst/>
-          </a:prstGeom>
-          <a:ln w="25400">
-            <a:tailEnd type="triangle" w="lg" len="lg"/>
+            <a:off x="9458445" y="3208833"/>
+            <a:ext cx="0" cy="2253645"/>
+          </a:xfrm>
+          <a:prstGeom prst="line">
+            <a:avLst/>
+          </a:prstGeom>
+          <a:ln w="28575">
+            <a:solidFill>
+              <a:srgbClr val="1D86EE"/>
+            </a:solidFill>
+            <a:prstDash val="lgDash"/>
           </a:ln>
         </p:spPr>
         <p:style>
@@ -4788,10 +8603,10 @@
       </p:cxnSp>
       <p:sp>
         <p:nvSpPr>
-          <p:cNvPr id="37" name="TextBox 36">
-            <a:extLst>
-              <a:ext uri="{FF2B5EF4-FFF2-40B4-BE49-F238E27FC236}">
-                <a16:creationId xmlns:a16="http://schemas.microsoft.com/office/drawing/2014/main" id="{A9BA27BC-C4FE-BB45-679E-0F5EFF4AFF1E}"/>
+          <p:cNvPr id="23" name="TextBox 22">
+            <a:extLst>
+              <a:ext uri="{FF2B5EF4-FFF2-40B4-BE49-F238E27FC236}">
+                <a16:creationId xmlns:a16="http://schemas.microsoft.com/office/drawing/2014/main" id="{54FF724B-2E7B-DCD8-BBE5-E24A87E61FBD}"/>
               </a:ext>
             </a:extLst>
           </p:cNvPr>
@@ -4800,8 +8615,8 @@
         </p:nvSpPr>
         <p:spPr>
           <a:xfrm>
-            <a:off x="6294775" y="1711979"/>
-            <a:ext cx="505267" cy="369332"/>
+            <a:off x="9251551" y="5401672"/>
+            <a:ext cx="545534" cy="461665"/>
           </a:xfrm>
           <a:prstGeom prst="rect">
             <a:avLst/>
@@ -4809,14 +8624,124 @@
           <a:noFill/>
         </p:spPr>
         <p:txBody>
-          <a:bodyPr wrap="none" rtlCol="0">
+          <a:bodyPr wrap="square" rtlCol="0">
             <a:spAutoFit/>
           </a:bodyPr>
           <a:lstStyle/>
           <a:p>
             <a:r>
-              <a:rPr lang="en-US" dirty="0"/>
-              <a:t>m2</a:t>
+              <a:rPr lang="en-US" sz="2400" dirty="0"/>
+              <a:t>E</a:t>
+            </a:r>
+            <a:r>
+              <a:rPr lang="en-US" sz="2400" baseline="-25000" dirty="0"/>
+              <a:t>rb</a:t>
+            </a:r>
+            <a:endParaRPr lang="en-US" sz="2400" dirty="0"/>
+          </a:p>
+        </p:txBody>
+      </p:sp>
+      <p:pic>
+        <p:nvPicPr>
+          <p:cNvPr id="30" name="Picture 29">
+            <a:extLst>
+              <a:ext uri="{FF2B5EF4-FFF2-40B4-BE49-F238E27FC236}">
+                <a16:creationId xmlns:a16="http://schemas.microsoft.com/office/drawing/2014/main" id="{C72D2F27-0D52-6574-AC7D-C209DA12D5FC}"/>
+              </a:ext>
+            </a:extLst>
+          </p:cNvPr>
+          <p:cNvPicPr>
+            <a:picLocks noChangeAspect="1"/>
+          </p:cNvPicPr>
+          <p:nvPr/>
+        </p:nvPicPr>
+        <p:blipFill>
+          <a:blip r:embed="rId11"/>
+          <a:stretch>
+            <a:fillRect/>
+          </a:stretch>
+        </p:blipFill>
+        <p:spPr>
+          <a:xfrm>
+            <a:off x="7828204" y="5909104"/>
+            <a:ext cx="3392228" cy="400109"/>
+          </a:xfrm>
+          <a:prstGeom prst="rect">
+            <a:avLst/>
+          </a:prstGeom>
+        </p:spPr>
+      </p:pic>
+      <p:sp>
+        <p:nvSpPr>
+          <p:cNvPr id="3" name="TextBox 2">
+            <a:extLst>
+              <a:ext uri="{FF2B5EF4-FFF2-40B4-BE49-F238E27FC236}">
+                <a16:creationId xmlns:a16="http://schemas.microsoft.com/office/drawing/2014/main" id="{637E0AAC-8364-A554-67B5-EC64216F8769}"/>
+              </a:ext>
+            </a:extLst>
+          </p:cNvPr>
+          <p:cNvSpPr txBox="1"/>
+          <p:nvPr/>
+        </p:nvSpPr>
+        <p:spPr>
+          <a:xfrm rot="16200000">
+            <a:off x="6165253" y="3043316"/>
+            <a:ext cx="1740726" cy="461665"/>
+          </a:xfrm>
+          <a:prstGeom prst="rect">
+            <a:avLst/>
+          </a:prstGeom>
+          <a:solidFill>
+            <a:schemeClr val="bg1"/>
+          </a:solidFill>
+        </p:spPr>
+        <p:txBody>
+          <a:bodyPr wrap="square" rtlCol="0">
+            <a:spAutoFit/>
+          </a:bodyPr>
+          <a:lstStyle/>
+          <a:p>
+            <a:r>
+              <a:rPr lang="en-US" sz="2400" dirty="0"/>
+              <a:t>Frequency</a:t>
+            </a:r>
+          </a:p>
+        </p:txBody>
+      </p:sp>
+      <p:sp>
+        <p:nvSpPr>
+          <p:cNvPr id="11" name="TextBox 10">
+            <a:extLst>
+              <a:ext uri="{FF2B5EF4-FFF2-40B4-BE49-F238E27FC236}">
+                <a16:creationId xmlns:a16="http://schemas.microsoft.com/office/drawing/2014/main" id="{8037FE87-2D89-41EF-6E73-600E625E1744}"/>
+              </a:ext>
+            </a:extLst>
+          </p:cNvPr>
+          <p:cNvSpPr txBox="1"/>
+          <p:nvPr/>
+        </p:nvSpPr>
+        <p:spPr>
+          <a:xfrm>
+            <a:off x="7845977" y="5868870"/>
+            <a:ext cx="3392227" cy="446276"/>
+          </a:xfrm>
+          <a:prstGeom prst="rect">
+            <a:avLst/>
+          </a:prstGeom>
+          <a:solidFill>
+            <a:schemeClr val="bg1"/>
+          </a:solidFill>
+        </p:spPr>
+        <p:txBody>
+          <a:bodyPr wrap="square" rtlCol="0">
+            <a:spAutoFit/>
+          </a:bodyPr>
+          <a:lstStyle/>
+          <a:p>
+            <a:pPr algn="ctr"/>
+            <a:r>
+              <a:rPr lang="en-US" sz="2300" dirty="0"/>
+              <a:t>Temperature Sensitivity</a:t>
             </a:r>
           </a:p>
         </p:txBody>
@@ -4824,7 +8749,177 @@
     </p:spTree>
     <p:extLst>
       <p:ext uri="{BB962C8B-B14F-4D97-AF65-F5344CB8AC3E}">
-        <p14:creationId xmlns:p14="http://schemas.microsoft.com/office/powerpoint/2010/main" val="3144725750"/>
+        <p14:creationId xmlns:p14="http://schemas.microsoft.com/office/powerpoint/2010/main" val="3671380772"/>
+      </p:ext>
+    </p:extLst>
+  </p:cSld>
+  <p:clrMapOvr>
+    <a:masterClrMapping/>
+  </p:clrMapOvr>
+</p:sld>
+</file>
+
+<file path=ppt/slides/slide7.xml><?xml version="1.0" encoding="utf-8"?>
+<p:sld xmlns:a="http://schemas.openxmlformats.org/drawingml/2006/main" xmlns:r="http://schemas.openxmlformats.org/officeDocument/2006/relationships" xmlns:p="http://schemas.openxmlformats.org/presentationml/2006/main">
+  <p:cSld>
+    <p:spTree>
+      <p:nvGrpSpPr>
+        <p:cNvPr id="1" name=""/>
+        <p:cNvGrpSpPr/>
+        <p:nvPr/>
+      </p:nvGrpSpPr>
+      <p:grpSpPr>
+        <a:xfrm>
+          <a:off x="0" y="0"/>
+          <a:ext cx="0" cy="0"/>
+          <a:chOff x="0" y="0"/>
+          <a:chExt cx="0" cy="0"/>
+        </a:xfrm>
+      </p:grpSpPr>
+      <p:pic>
+        <p:nvPicPr>
+          <p:cNvPr id="5" name="Picture 4" descr="A black background with a black square&#10;&#10;AI-generated content may be incorrect.">
+            <a:extLst>
+              <a:ext uri="{FF2B5EF4-FFF2-40B4-BE49-F238E27FC236}">
+                <a16:creationId xmlns:a16="http://schemas.microsoft.com/office/drawing/2014/main" id="{8ED9CF8D-3490-D848-5565-00A8A944D893}"/>
+              </a:ext>
+            </a:extLst>
+          </p:cNvPr>
+          <p:cNvPicPr>
+            <a:picLocks noChangeAspect="1"/>
+          </p:cNvPicPr>
+          <p:nvPr/>
+        </p:nvPicPr>
+        <p:blipFill>
+          <a:blip r:embed="rId2"/>
+          <a:stretch>
+            <a:fillRect/>
+          </a:stretch>
+        </p:blipFill>
+        <p:spPr>
+          <a:xfrm>
+            <a:off x="3803650" y="1206500"/>
+            <a:ext cx="4584700" cy="4445000"/>
+          </a:xfrm>
+          <a:prstGeom prst="rect">
+            <a:avLst/>
+          </a:prstGeom>
+        </p:spPr>
+      </p:pic>
+      <p:sp>
+        <p:nvSpPr>
+          <p:cNvPr id="6" name="Right Bracket 5">
+            <a:extLst>
+              <a:ext uri="{FF2B5EF4-FFF2-40B4-BE49-F238E27FC236}">
+                <a16:creationId xmlns:a16="http://schemas.microsoft.com/office/drawing/2014/main" id="{AFB90344-70D4-1C8C-5156-61D1372C8051}"/>
+              </a:ext>
+            </a:extLst>
+          </p:cNvPr>
+          <p:cNvSpPr/>
+          <p:nvPr/>
+        </p:nvSpPr>
+        <p:spPr>
+          <a:xfrm rot="5400000">
+            <a:off x="5812968" y="3331028"/>
+            <a:ext cx="87272" cy="2237923"/>
+          </a:xfrm>
+          <a:prstGeom prst="rightBracket">
+            <a:avLst/>
+          </a:prstGeom>
+        </p:spPr>
+        <p:style>
+          <a:lnRef idx="2">
+            <a:schemeClr val="accent1"/>
+          </a:lnRef>
+          <a:fillRef idx="0">
+            <a:schemeClr val="accent1"/>
+          </a:fillRef>
+          <a:effectRef idx="1">
+            <a:schemeClr val="accent1"/>
+          </a:effectRef>
+          <a:fontRef idx="minor">
+            <a:schemeClr val="tx1"/>
+          </a:fontRef>
+        </p:style>
+        <p:txBody>
+          <a:bodyPr rtlCol="0" anchor="ctr"/>
+          <a:lstStyle/>
+          <a:p>
+            <a:pPr algn="ctr"/>
+            <a:endParaRPr lang="en-US"/>
+          </a:p>
+        </p:txBody>
+      </p:sp>
+      <p:sp>
+        <p:nvSpPr>
+          <p:cNvPr id="7" name="TextBox 6">
+            <a:extLst>
+              <a:ext uri="{FF2B5EF4-FFF2-40B4-BE49-F238E27FC236}">
+                <a16:creationId xmlns:a16="http://schemas.microsoft.com/office/drawing/2014/main" id="{18CDF3CB-E568-DE7A-E130-893CBF13AF6E}"/>
+              </a:ext>
+            </a:extLst>
+          </p:cNvPr>
+          <p:cNvSpPr txBox="1"/>
+          <p:nvPr/>
+        </p:nvSpPr>
+        <p:spPr>
+          <a:xfrm>
+            <a:off x="4842145" y="4493626"/>
+            <a:ext cx="2237924" cy="369332"/>
+          </a:xfrm>
+          <a:prstGeom prst="rect">
+            <a:avLst/>
+          </a:prstGeom>
+          <a:noFill/>
+        </p:spPr>
+        <p:txBody>
+          <a:bodyPr wrap="square" rtlCol="0">
+            <a:spAutoFit/>
+          </a:bodyPr>
+          <a:lstStyle/>
+          <a:p>
+            <a:r>
+              <a:rPr lang="en-US" dirty="0"/>
+              <a:t>Exponential portion</a:t>
+            </a:r>
+          </a:p>
+        </p:txBody>
+      </p:sp>
+      <p:pic>
+        <p:nvPicPr>
+          <p:cNvPr id="8" name="Picture 7" descr="A black background with a black square&#10;&#10;AI-generated content may be incorrect.">
+            <a:extLst>
+              <a:ext uri="{FF2B5EF4-FFF2-40B4-BE49-F238E27FC236}">
+                <a16:creationId xmlns:a16="http://schemas.microsoft.com/office/drawing/2014/main" id="{F967945C-BA80-127E-32B7-71B935C306B9}"/>
+              </a:ext>
+            </a:extLst>
+          </p:cNvPr>
+          <p:cNvPicPr>
+            <a:picLocks noChangeAspect="1"/>
+          </p:cNvPicPr>
+          <p:nvPr/>
+        </p:nvPicPr>
+        <p:blipFill>
+          <a:blip r:embed="rId2">
+            <a:lum bright="70000" contrast="-70000"/>
+          </a:blip>
+          <a:srcRect l="69185" b="21347"/>
+          <a:stretch/>
+        </p:blipFill>
+        <p:spPr>
+          <a:xfrm>
+            <a:off x="6975566" y="1206500"/>
+            <a:ext cx="1412784" cy="3496129"/>
+          </a:xfrm>
+          <a:prstGeom prst="rect">
+            <a:avLst/>
+          </a:prstGeom>
+        </p:spPr>
+      </p:pic>
+    </p:spTree>
+    <p:extLst>
+      <p:ext uri="{BB962C8B-B14F-4D97-AF65-F5344CB8AC3E}">
+        <p14:creationId xmlns:p14="http://schemas.microsoft.com/office/powerpoint/2010/main" val="4128152304"/>
       </p:ext>
     </p:extLst>
   </p:cSld>
@@ -5147,4 +9242,319 @@
     </a:ext>
   </a:extLst>
 </a:theme>
+</file>
+
+<file path=ppt/theme/theme2.xml><?xml version="1.0" encoding="utf-8"?>
+<a:theme xmlns:a="http://schemas.openxmlformats.org/drawingml/2006/main" name="Office Theme">
+  <a:themeElements>
+    <a:clrScheme name="Office">
+      <a:dk1>
+        <a:sysClr val="windowText" lastClr="000000"/>
+      </a:dk1>
+      <a:lt1>
+        <a:sysClr val="window" lastClr="FFFFFF"/>
+      </a:lt1>
+      <a:dk2>
+        <a:srgbClr val="0E2841"/>
+      </a:dk2>
+      <a:lt2>
+        <a:srgbClr val="E8E8E8"/>
+      </a:lt2>
+      <a:accent1>
+        <a:srgbClr val="156082"/>
+      </a:accent1>
+      <a:accent2>
+        <a:srgbClr val="E97132"/>
+      </a:accent2>
+      <a:accent3>
+        <a:srgbClr val="196B24"/>
+      </a:accent3>
+      <a:accent4>
+        <a:srgbClr val="0F9ED5"/>
+      </a:accent4>
+      <a:accent5>
+        <a:srgbClr val="A02B93"/>
+      </a:accent5>
+      <a:accent6>
+        <a:srgbClr val="4EA72E"/>
+      </a:accent6>
+      <a:hlink>
+        <a:srgbClr val="467886"/>
+      </a:hlink>
+      <a:folHlink>
+        <a:srgbClr val="96607D"/>
+      </a:folHlink>
+    </a:clrScheme>
+    <a:fontScheme name="Office">
+      <a:majorFont>
+        <a:latin typeface="Aptos Display" panose="02110004020202020204"/>
+        <a:ea typeface=""/>
+        <a:cs typeface=""/>
+        <a:font script="Jpan" typeface="游ゴシック Light"/>
+        <a:font script="Hang" typeface="맑은 고딕"/>
+        <a:font script="Hans" typeface="等线 Light"/>
+        <a:font script="Hant" typeface="新細明體"/>
+        <a:font script="Arab" typeface="Times New Roman"/>
+        <a:font script="Hebr" typeface="Times New Roman"/>
+        <a:font script="Thai" typeface="Angsana New"/>
+        <a:font script="Ethi" typeface="Nyala"/>
+        <a:font script="Beng" typeface="Vrinda"/>
+        <a:font script="Gujr" typeface="Shruti"/>
+        <a:font script="Khmr" typeface="MoolBoran"/>
+        <a:font script="Knda" typeface="Tunga"/>
+        <a:font script="Guru" typeface="Raavi"/>
+        <a:font script="Cans" typeface="Euphemia"/>
+        <a:font script="Cher" typeface="Plantagenet Cherokee"/>
+        <a:font script="Yiii" typeface="Microsoft Yi Baiti"/>
+        <a:font script="Tibt" typeface="Microsoft Himalaya"/>
+        <a:font script="Thaa" typeface="MV Boli"/>
+        <a:font script="Deva" typeface="Mangal"/>
+        <a:font script="Telu" typeface="Gautami"/>
+        <a:font script="Taml" typeface="Latha"/>
+        <a:font script="Syrc" typeface="Estrangelo Edessa"/>
+        <a:font script="Orya" typeface="Kalinga"/>
+        <a:font script="Mlym" typeface="Kartika"/>
+        <a:font script="Laoo" typeface="DokChampa"/>
+        <a:font script="Sinh" typeface="Iskoola Pota"/>
+        <a:font script="Mong" typeface="Mongolian Baiti"/>
+        <a:font script="Viet" typeface="Times New Roman"/>
+        <a:font script="Uigh" typeface="Microsoft Uighur"/>
+        <a:font script="Geor" typeface="Sylfaen"/>
+        <a:font script="Armn" typeface="Arial"/>
+        <a:font script="Bugi" typeface="Leelawadee UI"/>
+        <a:font script="Bopo" typeface="Microsoft JhengHei"/>
+        <a:font script="Java" typeface="Javanese Text"/>
+        <a:font script="Lisu" typeface="Segoe UI"/>
+        <a:font script="Mymr" typeface="Myanmar Text"/>
+        <a:font script="Nkoo" typeface="Ebrima"/>
+        <a:font script="Olck" typeface="Nirmala UI"/>
+        <a:font script="Osma" typeface="Ebrima"/>
+        <a:font script="Phag" typeface="Phagspa"/>
+        <a:font script="Syrn" typeface="Estrangelo Edessa"/>
+        <a:font script="Syrj" typeface="Estrangelo Edessa"/>
+        <a:font script="Syre" typeface="Estrangelo Edessa"/>
+        <a:font script="Sora" typeface="Nirmala UI"/>
+        <a:font script="Tale" typeface="Microsoft Tai Le"/>
+        <a:font script="Talu" typeface="Microsoft New Tai Lue"/>
+        <a:font script="Tfng" typeface="Ebrima"/>
+      </a:majorFont>
+      <a:minorFont>
+        <a:latin typeface="Aptos" panose="02110004020202020204"/>
+        <a:ea typeface=""/>
+        <a:cs typeface=""/>
+        <a:font script="Jpan" typeface="游ゴシック"/>
+        <a:font script="Hang" typeface="맑은 고딕"/>
+        <a:font script="Hans" typeface="等线"/>
+        <a:font script="Hant" typeface="新細明體"/>
+        <a:font script="Arab" typeface="Arial"/>
+        <a:font script="Hebr" typeface="Arial"/>
+        <a:font script="Thai" typeface="Cordia New"/>
+        <a:font script="Ethi" typeface="Nyala"/>
+        <a:font script="Beng" typeface="Vrinda"/>
+        <a:font script="Gujr" typeface="Shruti"/>
+        <a:font script="Khmr" typeface="DaunPenh"/>
+        <a:font script="Knda" typeface="Tunga"/>
+        <a:font script="Guru" typeface="Raavi"/>
+        <a:font script="Cans" typeface="Euphemia"/>
+        <a:font script="Cher" typeface="Plantagenet Cherokee"/>
+        <a:font script="Yiii" typeface="Microsoft Yi Baiti"/>
+        <a:font script="Tibt" typeface="Microsoft Himalaya"/>
+        <a:font script="Thaa" typeface="MV Boli"/>
+        <a:font script="Deva" typeface="Mangal"/>
+        <a:font script="Telu" typeface="Gautami"/>
+        <a:font script="Taml" typeface="Latha"/>
+        <a:font script="Syrc" typeface="Estrangelo Edessa"/>
+        <a:font script="Orya" typeface="Kalinga"/>
+        <a:font script="Mlym" typeface="Kartika"/>
+        <a:font script="Laoo" typeface="DokChampa"/>
+        <a:font script="Sinh" typeface="Iskoola Pota"/>
+        <a:font script="Mong" typeface="Mongolian Baiti"/>
+        <a:font script="Viet" typeface="Arial"/>
+        <a:font script="Uigh" typeface="Microsoft Uighur"/>
+        <a:font script="Geor" typeface="Sylfaen"/>
+        <a:font script="Armn" typeface="Arial"/>
+        <a:font script="Bugi" typeface="Leelawadee UI"/>
+        <a:font script="Bopo" typeface="Microsoft JhengHei"/>
+        <a:font script="Java" typeface="Javanese Text"/>
+        <a:font script="Lisu" typeface="Segoe UI"/>
+        <a:font script="Mymr" typeface="Myanmar Text"/>
+        <a:font script="Nkoo" typeface="Ebrima"/>
+        <a:font script="Olck" typeface="Nirmala UI"/>
+        <a:font script="Osma" typeface="Ebrima"/>
+        <a:font script="Phag" typeface="Phagspa"/>
+        <a:font script="Syrn" typeface="Estrangelo Edessa"/>
+        <a:font script="Syrj" typeface="Estrangelo Edessa"/>
+        <a:font script="Syre" typeface="Estrangelo Edessa"/>
+        <a:font script="Sora" typeface="Nirmala UI"/>
+        <a:font script="Tale" typeface="Microsoft Tai Le"/>
+        <a:font script="Talu" typeface="Microsoft New Tai Lue"/>
+        <a:font script="Tfng" typeface="Ebrima"/>
+      </a:minorFont>
+    </a:fontScheme>
+    <a:fmtScheme name="Office">
+      <a:fillStyleLst>
+        <a:solidFill>
+          <a:schemeClr val="phClr"/>
+        </a:solidFill>
+        <a:gradFill rotWithShape="1">
+          <a:gsLst>
+            <a:gs pos="0">
+              <a:schemeClr val="phClr">
+                <a:lumMod val="110000"/>
+                <a:satMod val="105000"/>
+                <a:tint val="67000"/>
+              </a:schemeClr>
+            </a:gs>
+            <a:gs pos="50000">
+              <a:schemeClr val="phClr">
+                <a:lumMod val="105000"/>
+                <a:satMod val="103000"/>
+                <a:tint val="73000"/>
+              </a:schemeClr>
+            </a:gs>
+            <a:gs pos="100000">
+              <a:schemeClr val="phClr">
+                <a:lumMod val="105000"/>
+                <a:satMod val="109000"/>
+                <a:tint val="81000"/>
+              </a:schemeClr>
+            </a:gs>
+          </a:gsLst>
+          <a:lin ang="5400000" scaled="0"/>
+        </a:gradFill>
+        <a:gradFill rotWithShape="1">
+          <a:gsLst>
+            <a:gs pos="0">
+              <a:schemeClr val="phClr">
+                <a:satMod val="103000"/>
+                <a:lumMod val="102000"/>
+                <a:tint val="94000"/>
+              </a:schemeClr>
+            </a:gs>
+            <a:gs pos="50000">
+              <a:schemeClr val="phClr">
+                <a:satMod val="110000"/>
+                <a:lumMod val="100000"/>
+                <a:shade val="100000"/>
+              </a:schemeClr>
+            </a:gs>
+            <a:gs pos="100000">
+              <a:schemeClr val="phClr">
+                <a:lumMod val="99000"/>
+                <a:satMod val="120000"/>
+                <a:shade val="78000"/>
+              </a:schemeClr>
+            </a:gs>
+          </a:gsLst>
+          <a:lin ang="5400000" scaled="0"/>
+        </a:gradFill>
+      </a:fillStyleLst>
+      <a:lnStyleLst>
+        <a:ln w="12700" cap="flat" cmpd="sng" algn="ctr">
+          <a:solidFill>
+            <a:schemeClr val="phClr"/>
+          </a:solidFill>
+          <a:prstDash val="solid"/>
+          <a:miter lim="800000"/>
+        </a:ln>
+        <a:ln w="19050" cap="flat" cmpd="sng" algn="ctr">
+          <a:solidFill>
+            <a:schemeClr val="phClr"/>
+          </a:solidFill>
+          <a:prstDash val="solid"/>
+          <a:miter lim="800000"/>
+        </a:ln>
+        <a:ln w="25400" cap="flat" cmpd="sng" algn="ctr">
+          <a:solidFill>
+            <a:schemeClr val="phClr"/>
+          </a:solidFill>
+          <a:prstDash val="solid"/>
+          <a:miter lim="800000"/>
+        </a:ln>
+      </a:lnStyleLst>
+      <a:effectStyleLst>
+        <a:effectStyle>
+          <a:effectLst/>
+        </a:effectStyle>
+        <a:effectStyle>
+          <a:effectLst/>
+        </a:effectStyle>
+        <a:effectStyle>
+          <a:effectLst>
+            <a:outerShdw blurRad="57150" dist="19050" dir="5400000" algn="ctr" rotWithShape="0">
+              <a:srgbClr val="000000">
+                <a:alpha val="63000"/>
+              </a:srgbClr>
+            </a:outerShdw>
+          </a:effectLst>
+        </a:effectStyle>
+      </a:effectStyleLst>
+      <a:bgFillStyleLst>
+        <a:solidFill>
+          <a:schemeClr val="phClr"/>
+        </a:solidFill>
+        <a:solidFill>
+          <a:schemeClr val="phClr">
+            <a:tint val="95000"/>
+            <a:satMod val="170000"/>
+          </a:schemeClr>
+        </a:solidFill>
+        <a:gradFill rotWithShape="1">
+          <a:gsLst>
+            <a:gs pos="0">
+              <a:schemeClr val="phClr">
+                <a:tint val="93000"/>
+                <a:satMod val="150000"/>
+                <a:shade val="98000"/>
+                <a:lumMod val="102000"/>
+              </a:schemeClr>
+            </a:gs>
+            <a:gs pos="50000">
+              <a:schemeClr val="phClr">
+                <a:tint val="98000"/>
+                <a:satMod val="130000"/>
+                <a:shade val="90000"/>
+                <a:lumMod val="103000"/>
+              </a:schemeClr>
+            </a:gs>
+            <a:gs pos="100000">
+              <a:schemeClr val="phClr">
+                <a:shade val="63000"/>
+                <a:satMod val="120000"/>
+              </a:schemeClr>
+            </a:gs>
+          </a:gsLst>
+          <a:lin ang="5400000" scaled="0"/>
+        </a:gradFill>
+      </a:bgFillStyleLst>
+    </a:fmtScheme>
+  </a:themeElements>
+  <a:objectDefaults>
+    <a:lnDef>
+      <a:spPr/>
+      <a:bodyPr/>
+      <a:lstStyle/>
+      <a:style>
+        <a:lnRef idx="2">
+          <a:schemeClr val="accent1"/>
+        </a:lnRef>
+        <a:fillRef idx="0">
+          <a:schemeClr val="accent1"/>
+        </a:fillRef>
+        <a:effectRef idx="1">
+          <a:schemeClr val="accent1"/>
+        </a:effectRef>
+        <a:fontRef idx="minor">
+          <a:schemeClr val="tx1"/>
+        </a:fontRef>
+      </a:style>
+    </a:lnDef>
+  </a:objectDefaults>
+  <a:extraClrSchemeLst/>
+  <a:extLst>
+    <a:ext uri="{05A4C25C-085E-4340-85A3-A5531E510DB2}">
+      <thm15:themeFamily xmlns:thm15="http://schemas.microsoft.com/office/thememl/2012/main" name="Office Theme" id="{2E142A2C-CD16-42D6-873A-C26D2A0506FA}" vid="{1BDDFF52-6CD6-40A5-AB3C-68EB2F1E4D0A}"/>
+    </a:ext>
+  </a:extLst>
+</a:theme>
 </file>
--- a/figures/kd-figs/conceptual.pptx
+++ b/figures/kd-figs/conceptual.pptx
@@ -5,7 +5,7 @@
     <p:sldMasterId id="2147483648" r:id="rId1"/>
   </p:sldMasterIdLst>
   <p:notesMasterIdLst>
-    <p:notesMasterId r:id="rId9"/>
+    <p:notesMasterId r:id="rId11"/>
   </p:notesMasterIdLst>
   <p:sldIdLst>
     <p:sldId id="256" r:id="rId2"/>
@@ -13,8 +13,10 @@
     <p:sldId id="257" r:id="rId4"/>
     <p:sldId id="258" r:id="rId5"/>
     <p:sldId id="259" r:id="rId6"/>
-    <p:sldId id="261" r:id="rId7"/>
-    <p:sldId id="262" r:id="rId8"/>
+    <p:sldId id="263" r:id="rId7"/>
+    <p:sldId id="261" r:id="rId8"/>
+    <p:sldId id="264" r:id="rId9"/>
+    <p:sldId id="262" r:id="rId10"/>
   </p:sldIdLst>
   <p:sldSz cx="12192000" cy="6858000"/>
   <p:notesSz cx="6858000" cy="9144000"/>
@@ -203,7 +205,7 @@
           <a:p>
             <a:fld id="{5F0BAA97-B2B8-EA40-A7C9-10EAB2FFF9B3}" type="datetimeFigureOut">
               <a:rPr lang="en-US" smtClean="0"/>
-              <a:t>6/22/25</a:t>
+              <a:t>7/24/25</a:t>
             </a:fld>
             <a:endParaRPr lang="en-US"/>
           </a:p>
@@ -617,7 +619,7 @@
           <a:p>
             <a:fld id="{DF4DC901-9D7D-5040-9AC4-ED1AFACCCDE5}" type="datetimeFigureOut">
               <a:rPr lang="en-US" smtClean="0"/>
-              <a:t>6/22/25</a:t>
+              <a:t>7/24/25</a:t>
             </a:fld>
             <a:endParaRPr lang="en-US"/>
           </a:p>
@@ -815,7 +817,7 @@
           <a:p>
             <a:fld id="{DF4DC901-9D7D-5040-9AC4-ED1AFACCCDE5}" type="datetimeFigureOut">
               <a:rPr lang="en-US" smtClean="0"/>
-              <a:t>6/22/25</a:t>
+              <a:t>7/24/25</a:t>
             </a:fld>
             <a:endParaRPr lang="en-US"/>
           </a:p>
@@ -1023,7 +1025,7 @@
           <a:p>
             <a:fld id="{DF4DC901-9D7D-5040-9AC4-ED1AFACCCDE5}" type="datetimeFigureOut">
               <a:rPr lang="en-US" smtClean="0"/>
-              <a:t>6/22/25</a:t>
+              <a:t>7/24/25</a:t>
             </a:fld>
             <a:endParaRPr lang="en-US"/>
           </a:p>
@@ -1221,7 +1223,7 @@
           <a:p>
             <a:fld id="{DF4DC901-9D7D-5040-9AC4-ED1AFACCCDE5}" type="datetimeFigureOut">
               <a:rPr lang="en-US" smtClean="0"/>
-              <a:t>6/22/25</a:t>
+              <a:t>7/24/25</a:t>
             </a:fld>
             <a:endParaRPr lang="en-US"/>
           </a:p>
@@ -1496,7 +1498,7 @@
           <a:p>
             <a:fld id="{DF4DC901-9D7D-5040-9AC4-ED1AFACCCDE5}" type="datetimeFigureOut">
               <a:rPr lang="en-US" smtClean="0"/>
-              <a:t>6/22/25</a:t>
+              <a:t>7/24/25</a:t>
             </a:fld>
             <a:endParaRPr lang="en-US"/>
           </a:p>
@@ -1761,7 +1763,7 @@
           <a:p>
             <a:fld id="{DF4DC901-9D7D-5040-9AC4-ED1AFACCCDE5}" type="datetimeFigureOut">
               <a:rPr lang="en-US" smtClean="0"/>
-              <a:t>6/22/25</a:t>
+              <a:t>7/24/25</a:t>
             </a:fld>
             <a:endParaRPr lang="en-US"/>
           </a:p>
@@ -2173,7 +2175,7 @@
           <a:p>
             <a:fld id="{DF4DC901-9D7D-5040-9AC4-ED1AFACCCDE5}" type="datetimeFigureOut">
               <a:rPr lang="en-US" smtClean="0"/>
-              <a:t>6/22/25</a:t>
+              <a:t>7/24/25</a:t>
             </a:fld>
             <a:endParaRPr lang="en-US"/>
           </a:p>
@@ -2314,7 +2316,7 @@
           <a:p>
             <a:fld id="{DF4DC901-9D7D-5040-9AC4-ED1AFACCCDE5}" type="datetimeFigureOut">
               <a:rPr lang="en-US" smtClean="0"/>
-              <a:t>6/22/25</a:t>
+              <a:t>7/24/25</a:t>
             </a:fld>
             <a:endParaRPr lang="en-US"/>
           </a:p>
@@ -2427,7 +2429,7 @@
           <a:p>
             <a:fld id="{DF4DC901-9D7D-5040-9AC4-ED1AFACCCDE5}" type="datetimeFigureOut">
               <a:rPr lang="en-US" smtClean="0"/>
-              <a:t>6/22/25</a:t>
+              <a:t>7/24/25</a:t>
             </a:fld>
             <a:endParaRPr lang="en-US"/>
           </a:p>
@@ -2738,7 +2740,7 @@
           <a:p>
             <a:fld id="{DF4DC901-9D7D-5040-9AC4-ED1AFACCCDE5}" type="datetimeFigureOut">
               <a:rPr lang="en-US" smtClean="0"/>
-              <a:t>6/22/25</a:t>
+              <a:t>7/24/25</a:t>
             </a:fld>
             <a:endParaRPr lang="en-US"/>
           </a:p>
@@ -3026,7 +3028,7 @@
           <a:p>
             <a:fld id="{DF4DC901-9D7D-5040-9AC4-ED1AFACCCDE5}" type="datetimeFigureOut">
               <a:rPr lang="en-US" smtClean="0"/>
-              <a:t>6/22/25</a:t>
+              <a:t>7/24/25</a:t>
             </a:fld>
             <a:endParaRPr lang="en-US"/>
           </a:p>
@@ -3267,7 +3269,7 @@
           <a:p>
             <a:fld id="{DF4DC901-9D7D-5040-9AC4-ED1AFACCCDE5}" type="datetimeFigureOut">
               <a:rPr lang="en-US" smtClean="0"/>
-              <a:t>6/22/25</a:t>
+              <a:t>7/24/25</a:t>
             </a:fld>
             <a:endParaRPr lang="en-US"/>
           </a:p>
@@ -7275,43 +7277,6 @@
           </a:p>
         </p:txBody>
       </p:sp>
-      <p:sp>
-        <p:nvSpPr>
-          <p:cNvPr id="14" name="TextBox 13">
-            <a:extLst>
-              <a:ext uri="{FF2B5EF4-FFF2-40B4-BE49-F238E27FC236}">
-                <a16:creationId xmlns:a16="http://schemas.microsoft.com/office/drawing/2014/main" id="{44EC6C6F-7AEE-E912-504F-D48EB5065A1D}"/>
-              </a:ext>
-            </a:extLst>
-          </p:cNvPr>
-          <p:cNvSpPr txBox="1"/>
-          <p:nvPr/>
-        </p:nvSpPr>
-        <p:spPr>
-          <a:xfrm rot="16200000">
-            <a:off x="6165253" y="3043316"/>
-            <a:ext cx="1740726" cy="461665"/>
-          </a:xfrm>
-          <a:prstGeom prst="rect">
-            <a:avLst/>
-          </a:prstGeom>
-          <a:solidFill>
-            <a:schemeClr val="bg1"/>
-          </a:solidFill>
-        </p:spPr>
-        <p:txBody>
-          <a:bodyPr wrap="square" rtlCol="0">
-            <a:spAutoFit/>
-          </a:bodyPr>
-          <a:lstStyle/>
-          <a:p>
-            <a:r>
-              <a:rPr lang="en-US" sz="2400" dirty="0"/>
-              <a:t>Frequency</a:t>
-            </a:r>
-          </a:p>
-        </p:txBody>
-      </p:sp>
       <p:pic>
         <p:nvPicPr>
           <p:cNvPr id="15" name="Picture 14">
@@ -7394,6 +7359,500 @@
 </file>
 
 <file path=ppt/slides/slide6.xml><?xml version="1.0" encoding="utf-8"?>
+<p:sld xmlns:a="http://schemas.openxmlformats.org/drawingml/2006/main" xmlns:r="http://schemas.openxmlformats.org/officeDocument/2006/relationships" xmlns:p="http://schemas.openxmlformats.org/presentationml/2006/main">
+  <p:cSld>
+    <p:spTree>
+      <p:nvGrpSpPr>
+        <p:cNvPr id="1" name=""/>
+        <p:cNvGrpSpPr/>
+        <p:nvPr/>
+      </p:nvGrpSpPr>
+      <p:grpSpPr>
+        <a:xfrm>
+          <a:off x="0" y="0"/>
+          <a:ext cx="0" cy="0"/>
+          <a:chOff x="0" y="0"/>
+          <a:chExt cx="0" cy="0"/>
+        </a:xfrm>
+      </p:grpSpPr>
+      <p:pic>
+        <p:nvPicPr>
+          <p:cNvPr id="5" name="Picture 4" descr="A diagram of a heat wave&#10;&#10;AI-generated content may be incorrect.">
+            <a:extLst>
+              <a:ext uri="{FF2B5EF4-FFF2-40B4-BE49-F238E27FC236}">
+                <a16:creationId xmlns:a16="http://schemas.microsoft.com/office/drawing/2014/main" id="{6ED4D34A-611B-72CB-161F-91EF2390155A}"/>
+              </a:ext>
+            </a:extLst>
+          </p:cNvPr>
+          <p:cNvPicPr>
+            <a:picLocks noChangeAspect="1"/>
+          </p:cNvPicPr>
+          <p:nvPr/>
+        </p:nvPicPr>
+        <p:blipFill>
+          <a:blip r:embed="rId2"/>
+          <a:srcRect t="12251" r="47227"/>
+          <a:stretch/>
+        </p:blipFill>
+        <p:spPr>
+          <a:xfrm>
+            <a:off x="139337" y="1733006"/>
+            <a:ext cx="4101738" cy="3680270"/>
+          </a:xfrm>
+          <a:prstGeom prst="rect">
+            <a:avLst/>
+          </a:prstGeom>
+        </p:spPr>
+      </p:pic>
+      <p:pic>
+        <p:nvPicPr>
+          <p:cNvPr id="7" name="Picture 6" descr="A diagram of a heat wave&#10;&#10;AI-generated content may be incorrect.">
+            <a:extLst>
+              <a:ext uri="{FF2B5EF4-FFF2-40B4-BE49-F238E27FC236}">
+                <a16:creationId xmlns:a16="http://schemas.microsoft.com/office/drawing/2014/main" id="{CED3F076-3485-CDA6-A01C-AC24DBCA60AA}"/>
+              </a:ext>
+            </a:extLst>
+          </p:cNvPr>
+          <p:cNvPicPr>
+            <a:picLocks noChangeAspect="1"/>
+          </p:cNvPicPr>
+          <p:nvPr/>
+        </p:nvPicPr>
+        <p:blipFill>
+          <a:blip r:embed="rId2"/>
+          <a:srcRect l="54396" t="12251" r="338"/>
+          <a:stretch/>
+        </p:blipFill>
+        <p:spPr>
+          <a:xfrm>
+            <a:off x="8590204" y="1675167"/>
+            <a:ext cx="3518262" cy="3680270"/>
+          </a:xfrm>
+          <a:prstGeom prst="rect">
+            <a:avLst/>
+          </a:prstGeom>
+        </p:spPr>
+      </p:pic>
+      <p:pic>
+        <p:nvPicPr>
+          <p:cNvPr id="11" name="Picture 10">
+            <a:extLst>
+              <a:ext uri="{FF2B5EF4-FFF2-40B4-BE49-F238E27FC236}">
+                <a16:creationId xmlns:a16="http://schemas.microsoft.com/office/drawing/2014/main" id="{3ADBCA53-67CD-9ADB-5183-C3A7E750FF33}"/>
+              </a:ext>
+            </a:extLst>
+          </p:cNvPr>
+          <p:cNvPicPr>
+            <a:picLocks noChangeAspect="1"/>
+          </p:cNvPicPr>
+          <p:nvPr/>
+        </p:nvPicPr>
+        <p:blipFill>
+          <a:blip r:embed="rId3"/>
+          <a:srcRect/>
+          <a:stretch/>
+        </p:blipFill>
+        <p:spPr>
+          <a:xfrm>
+            <a:off x="4712425" y="1733006"/>
+            <a:ext cx="3166256" cy="3166256"/>
+          </a:xfrm>
+          <a:prstGeom prst="rect">
+            <a:avLst/>
+          </a:prstGeom>
+        </p:spPr>
+      </p:pic>
+      <p:pic>
+        <p:nvPicPr>
+          <p:cNvPr id="13" name="Picture 12" descr="A black text on a white background&#10;&#10;AI-generated content may be incorrect.">
+            <a:extLst>
+              <a:ext uri="{FF2B5EF4-FFF2-40B4-BE49-F238E27FC236}">
+                <a16:creationId xmlns:a16="http://schemas.microsoft.com/office/drawing/2014/main" id="{E5EE94BF-DAF6-A276-689F-88D7F28C001D}"/>
+              </a:ext>
+            </a:extLst>
+          </p:cNvPr>
+          <p:cNvPicPr>
+            <a:picLocks noChangeAspect="1"/>
+          </p:cNvPicPr>
+          <p:nvPr/>
+        </p:nvPicPr>
+        <p:blipFill>
+          <a:blip r:embed="rId4"/>
+          <a:stretch>
+            <a:fillRect/>
+          </a:stretch>
+        </p:blipFill>
+        <p:spPr>
+          <a:xfrm>
+            <a:off x="5496886" y="4635275"/>
+            <a:ext cx="1837507" cy="381559"/>
+          </a:xfrm>
+          <a:prstGeom prst="rect">
+            <a:avLst/>
+          </a:prstGeom>
+        </p:spPr>
+      </p:pic>
+      <p:pic>
+        <p:nvPicPr>
+          <p:cNvPr id="15" name="Picture 14" descr="A black text on a white background&#10;&#10;AI-generated content may be incorrect.">
+            <a:extLst>
+              <a:ext uri="{FF2B5EF4-FFF2-40B4-BE49-F238E27FC236}">
+                <a16:creationId xmlns:a16="http://schemas.microsoft.com/office/drawing/2014/main" id="{1475C84A-4483-F0FB-EEBE-3F06B4820E4C}"/>
+              </a:ext>
+            </a:extLst>
+          </p:cNvPr>
+          <p:cNvPicPr>
+            <a:picLocks noChangeAspect="1"/>
+          </p:cNvPicPr>
+          <p:nvPr/>
+        </p:nvPicPr>
+        <p:blipFill>
+          <a:blip r:embed="rId5"/>
+          <a:stretch>
+            <a:fillRect/>
+          </a:stretch>
+        </p:blipFill>
+        <p:spPr>
+          <a:xfrm>
+            <a:off x="4528056" y="2701608"/>
+            <a:ext cx="457201" cy="1016001"/>
+          </a:xfrm>
+          <a:prstGeom prst="rect">
+            <a:avLst/>
+          </a:prstGeom>
+        </p:spPr>
+      </p:pic>
+      <p:sp>
+        <p:nvSpPr>
+          <p:cNvPr id="16" name="TextBox 15">
+            <a:extLst>
+              <a:ext uri="{FF2B5EF4-FFF2-40B4-BE49-F238E27FC236}">
+                <a16:creationId xmlns:a16="http://schemas.microsoft.com/office/drawing/2014/main" id="{ADD7EB3C-30AA-052B-8D79-7E4324AC4B58}"/>
+              </a:ext>
+            </a:extLst>
+          </p:cNvPr>
+          <p:cNvSpPr txBox="1"/>
+          <p:nvPr/>
+        </p:nvSpPr>
+        <p:spPr>
+          <a:xfrm>
+            <a:off x="5173540" y="4008511"/>
+            <a:ext cx="1080248" cy="307777"/>
+          </a:xfrm>
+          <a:prstGeom prst="rect">
+            <a:avLst/>
+          </a:prstGeom>
+          <a:noFill/>
+        </p:spPr>
+        <p:txBody>
+          <a:bodyPr wrap="square" rtlCol="0">
+            <a:spAutoFit/>
+          </a:bodyPr>
+          <a:lstStyle/>
+          <a:p>
+            <a:r>
+              <a:rPr lang="en-US" sz="1400" dirty="0"/>
+              <a:t>c</a:t>
+            </a:r>
+            <a:r>
+              <a:rPr lang="en-US" sz="1400" baseline="-25000" dirty="0"/>
+              <a:t>2b</a:t>
+            </a:r>
+            <a:endParaRPr lang="en-US" sz="1400" dirty="0"/>
+          </a:p>
+        </p:txBody>
+      </p:sp>
+      <p:sp>
+        <p:nvSpPr>
+          <p:cNvPr id="17" name="TextBox 16">
+            <a:extLst>
+              <a:ext uri="{FF2B5EF4-FFF2-40B4-BE49-F238E27FC236}">
+                <a16:creationId xmlns:a16="http://schemas.microsoft.com/office/drawing/2014/main" id="{512BD40C-E598-2F2E-0F31-299B16A1ED8A}"/>
+              </a:ext>
+            </a:extLst>
+          </p:cNvPr>
+          <p:cNvSpPr txBox="1"/>
+          <p:nvPr/>
+        </p:nvSpPr>
+        <p:spPr>
+          <a:xfrm>
+            <a:off x="5052748" y="3684192"/>
+            <a:ext cx="588229" cy="307777"/>
+          </a:xfrm>
+          <a:prstGeom prst="rect">
+            <a:avLst/>
+          </a:prstGeom>
+          <a:noFill/>
+        </p:spPr>
+        <p:txBody>
+          <a:bodyPr wrap="square" rtlCol="0">
+            <a:spAutoFit/>
+          </a:bodyPr>
+          <a:lstStyle/>
+          <a:p>
+            <a:r>
+              <a:rPr lang="en-US" sz="1400" dirty="0"/>
+              <a:t>r</a:t>
+            </a:r>
+            <a:r>
+              <a:rPr lang="en-US" sz="1400" baseline="-25000" dirty="0"/>
+              <a:t>b</a:t>
+            </a:r>
+          </a:p>
+        </p:txBody>
+      </p:sp>
+      <p:sp>
+        <p:nvSpPr>
+          <p:cNvPr id="18" name="TextBox 17">
+            <a:extLst>
+              <a:ext uri="{FF2B5EF4-FFF2-40B4-BE49-F238E27FC236}">
+                <a16:creationId xmlns:a16="http://schemas.microsoft.com/office/drawing/2014/main" id="{A9187987-FE3A-2C47-3302-ABB2AAEEBCB7}"/>
+              </a:ext>
+            </a:extLst>
+          </p:cNvPr>
+          <p:cNvSpPr txBox="1"/>
+          <p:nvPr/>
+        </p:nvSpPr>
+        <p:spPr>
+          <a:xfrm>
+            <a:off x="10877006" y="4617857"/>
+            <a:ext cx="287382" cy="261610"/>
+          </a:xfrm>
+          <a:prstGeom prst="rect">
+            <a:avLst/>
+          </a:prstGeom>
+          <a:noFill/>
+        </p:spPr>
+        <p:txBody>
+          <a:bodyPr wrap="square" rtlCol="0">
+            <a:spAutoFit/>
+          </a:bodyPr>
+          <a:lstStyle/>
+          <a:p>
+            <a:r>
+              <a:rPr lang="en-US" sz="1100" dirty="0"/>
+              <a:t>b</a:t>
+            </a:r>
+          </a:p>
+        </p:txBody>
+      </p:sp>
+      <p:cxnSp>
+        <p:nvCxnSpPr>
+          <p:cNvPr id="20" name="Straight Arrow Connector 19">
+            <a:extLst>
+              <a:ext uri="{FF2B5EF4-FFF2-40B4-BE49-F238E27FC236}">
+                <a16:creationId xmlns:a16="http://schemas.microsoft.com/office/drawing/2014/main" id="{7FA8666D-DDAF-92A9-0267-23EDB294AD8F}"/>
+              </a:ext>
+            </a:extLst>
+          </p:cNvPr>
+          <p:cNvCxnSpPr>
+            <a:cxnSpLocks/>
+          </p:cNvCxnSpPr>
+          <p:nvPr/>
+        </p:nvCxnSpPr>
+        <p:spPr>
+          <a:xfrm flipV="1">
+            <a:off x="5640977" y="3408119"/>
+            <a:ext cx="475951" cy="434879"/>
+          </a:xfrm>
+          <a:prstGeom prst="straightConnector1">
+            <a:avLst/>
+          </a:prstGeom>
+          <a:ln>
+            <a:solidFill>
+              <a:srgbClr val="DAA620"/>
+            </a:solidFill>
+            <a:tailEnd type="triangle"/>
+          </a:ln>
+        </p:spPr>
+        <p:style>
+          <a:lnRef idx="2">
+            <a:schemeClr val="accent1"/>
+          </a:lnRef>
+          <a:fillRef idx="0">
+            <a:schemeClr val="accent1"/>
+          </a:fillRef>
+          <a:effectRef idx="1">
+            <a:schemeClr val="accent1"/>
+          </a:effectRef>
+          <a:fontRef idx="minor">
+            <a:schemeClr val="tx1"/>
+          </a:fontRef>
+        </p:style>
+      </p:cxnSp>
+      <p:cxnSp>
+        <p:nvCxnSpPr>
+          <p:cNvPr id="21" name="Straight Arrow Connector 20">
+            <a:extLst>
+              <a:ext uri="{FF2B5EF4-FFF2-40B4-BE49-F238E27FC236}">
+                <a16:creationId xmlns:a16="http://schemas.microsoft.com/office/drawing/2014/main" id="{5C9C2D51-705E-52F5-7BAC-94494CF1C70B}"/>
+              </a:ext>
+            </a:extLst>
+          </p:cNvPr>
+          <p:cNvCxnSpPr>
+            <a:cxnSpLocks/>
+          </p:cNvCxnSpPr>
+          <p:nvPr/>
+        </p:nvCxnSpPr>
+        <p:spPr>
+          <a:xfrm flipV="1">
+            <a:off x="5390281" y="3223815"/>
+            <a:ext cx="544189" cy="291487"/>
+          </a:xfrm>
+          <a:prstGeom prst="straightConnector1">
+            <a:avLst/>
+          </a:prstGeom>
+          <a:ln>
+            <a:solidFill>
+              <a:srgbClr val="1D86EE"/>
+            </a:solidFill>
+            <a:tailEnd type="triangle"/>
+          </a:ln>
+        </p:spPr>
+        <p:style>
+          <a:lnRef idx="2">
+            <a:schemeClr val="accent1"/>
+          </a:lnRef>
+          <a:fillRef idx="0">
+            <a:schemeClr val="accent1"/>
+          </a:fillRef>
+          <a:effectRef idx="1">
+            <a:schemeClr val="accent1"/>
+          </a:effectRef>
+          <a:fontRef idx="minor">
+            <a:schemeClr val="tx1"/>
+          </a:fontRef>
+        </p:style>
+      </p:cxnSp>
+      <p:sp>
+        <p:nvSpPr>
+          <p:cNvPr id="24" name="TextBox 23">
+            <a:extLst>
+              <a:ext uri="{FF2B5EF4-FFF2-40B4-BE49-F238E27FC236}">
+                <a16:creationId xmlns:a16="http://schemas.microsoft.com/office/drawing/2014/main" id="{8B58CC43-1310-7F78-A97E-522368F0A44D}"/>
+              </a:ext>
+            </a:extLst>
+          </p:cNvPr>
+          <p:cNvSpPr txBox="1"/>
+          <p:nvPr/>
+        </p:nvSpPr>
+        <p:spPr>
+          <a:xfrm>
+            <a:off x="5424195" y="3120513"/>
+            <a:ext cx="588229" cy="276999"/>
+          </a:xfrm>
+          <a:prstGeom prst="rect">
+            <a:avLst/>
+          </a:prstGeom>
+          <a:noFill/>
+        </p:spPr>
+        <p:txBody>
+          <a:bodyPr wrap="square" rtlCol="0">
+            <a:spAutoFit/>
+          </a:bodyPr>
+          <a:lstStyle/>
+          <a:p>
+            <a:r>
+              <a:rPr lang="en-US" sz="1200" dirty="0"/>
+              <a:t>E</a:t>
+            </a:r>
+            <a:r>
+              <a:rPr lang="en-US" sz="1200" baseline="-25000" dirty="0"/>
+              <a:t>rb</a:t>
+            </a:r>
+            <a:endParaRPr lang="en-US" sz="1200" dirty="0"/>
+          </a:p>
+        </p:txBody>
+      </p:sp>
+      <p:sp>
+        <p:nvSpPr>
+          <p:cNvPr id="25" name="TextBox 24">
+            <a:extLst>
+              <a:ext uri="{FF2B5EF4-FFF2-40B4-BE49-F238E27FC236}">
+                <a16:creationId xmlns:a16="http://schemas.microsoft.com/office/drawing/2014/main" id="{48F5BC3B-D7B3-7C57-C47E-C5E27AD97E35}"/>
+              </a:ext>
+            </a:extLst>
+          </p:cNvPr>
+          <p:cNvSpPr txBox="1"/>
+          <p:nvPr/>
+        </p:nvSpPr>
+        <p:spPr>
+          <a:xfrm>
+            <a:off x="5799508" y="3570440"/>
+            <a:ext cx="588229" cy="276999"/>
+          </a:xfrm>
+          <a:prstGeom prst="rect">
+            <a:avLst/>
+          </a:prstGeom>
+          <a:noFill/>
+        </p:spPr>
+        <p:txBody>
+          <a:bodyPr wrap="square" rtlCol="0">
+            <a:spAutoFit/>
+          </a:bodyPr>
+          <a:lstStyle/>
+          <a:p>
+            <a:r>
+              <a:rPr lang="en-US" sz="1200" dirty="0"/>
+              <a:t>E</a:t>
+            </a:r>
+            <a:r>
+              <a:rPr lang="en-US" sz="1200" baseline="-25000" dirty="0"/>
+              <a:t>c2b</a:t>
+            </a:r>
+            <a:endParaRPr lang="en-US" sz="1200" dirty="0"/>
+          </a:p>
+        </p:txBody>
+      </p:sp>
+      <p:sp>
+        <p:nvSpPr>
+          <p:cNvPr id="26" name="TextBox 25">
+            <a:extLst>
+              <a:ext uri="{FF2B5EF4-FFF2-40B4-BE49-F238E27FC236}">
+                <a16:creationId xmlns:a16="http://schemas.microsoft.com/office/drawing/2014/main" id="{D54D1E12-0A81-571A-0608-C52A43B3ED76}"/>
+              </a:ext>
+            </a:extLst>
+          </p:cNvPr>
+          <p:cNvSpPr txBox="1"/>
+          <p:nvPr/>
+        </p:nvSpPr>
+        <p:spPr>
+          <a:xfrm>
+            <a:off x="3275084" y="495827"/>
+            <a:ext cx="4714369" cy="461665"/>
+          </a:xfrm>
+          <a:prstGeom prst="rect">
+            <a:avLst/>
+          </a:prstGeom>
+          <a:noFill/>
+        </p:spPr>
+        <p:txBody>
+          <a:bodyPr wrap="square" rtlCol="0">
+            <a:spAutoFit/>
+          </a:bodyPr>
+          <a:lstStyle/>
+          <a:p>
+            <a:r>
+              <a:rPr lang="en-US" sz="2400" dirty="0"/>
+              <a:t>Inter-process thermal asymmetry</a:t>
+            </a:r>
+          </a:p>
+        </p:txBody>
+      </p:sp>
+    </p:spTree>
+    <p:extLst>
+      <p:ext uri="{BB962C8B-B14F-4D97-AF65-F5344CB8AC3E}">
+        <p14:creationId xmlns:p14="http://schemas.microsoft.com/office/powerpoint/2010/main" val="3965078389"/>
+      </p:ext>
+    </p:extLst>
+  </p:cSld>
+  <p:clrMapOvr>
+    <a:masterClrMapping/>
+  </p:clrMapOvr>
+</p:sld>
+</file>
+
+<file path=ppt/slides/slide7.xml><?xml version="1.0" encoding="utf-8"?>
 <p:sld xmlns:a="http://schemas.openxmlformats.org/drawingml/2006/main" xmlns:r="http://schemas.openxmlformats.org/officeDocument/2006/relationships" xmlns:p="http://schemas.openxmlformats.org/presentationml/2006/main">
   <p:cSld>
     <p:spTree>
@@ -8759,7 +9218,546 @@
 </p:sld>
 </file>
 
-<file path=ppt/slides/slide7.xml><?xml version="1.0" encoding="utf-8"?>
+<file path=ppt/slides/slide8.xml><?xml version="1.0" encoding="utf-8"?>
+<p:sld xmlns:a="http://schemas.openxmlformats.org/drawingml/2006/main" xmlns:r="http://schemas.openxmlformats.org/officeDocument/2006/relationships" xmlns:p="http://schemas.openxmlformats.org/presentationml/2006/main">
+  <p:cSld>
+    <p:spTree>
+      <p:nvGrpSpPr>
+        <p:cNvPr id="1" name=""/>
+        <p:cNvGrpSpPr/>
+        <p:nvPr/>
+      </p:nvGrpSpPr>
+      <p:grpSpPr>
+        <a:xfrm>
+          <a:off x="0" y="0"/>
+          <a:ext cx="0" cy="0"/>
+          <a:chOff x="0" y="0"/>
+          <a:chExt cx="0" cy="0"/>
+        </a:xfrm>
+      </p:grpSpPr>
+      <p:pic>
+        <p:nvPicPr>
+          <p:cNvPr id="5" name="Picture 4" descr="A diagram of a heat exchanger&#10;&#10;AI-generated content may be incorrect.">
+            <a:extLst>
+              <a:ext uri="{FF2B5EF4-FFF2-40B4-BE49-F238E27FC236}">
+                <a16:creationId xmlns:a16="http://schemas.microsoft.com/office/drawing/2014/main" id="{9F42E330-4C9C-5FF7-86F1-1FFE0DCAE1DF}"/>
+              </a:ext>
+            </a:extLst>
+          </p:cNvPr>
+          <p:cNvPicPr>
+            <a:picLocks noChangeAspect="1"/>
+          </p:cNvPicPr>
+          <p:nvPr/>
+        </p:nvPicPr>
+        <p:blipFill>
+          <a:blip r:embed="rId2"/>
+          <a:srcRect t="13882" r="47339"/>
+          <a:stretch/>
+        </p:blipFill>
+        <p:spPr>
+          <a:xfrm>
+            <a:off x="0" y="1811379"/>
+            <a:ext cx="4093028" cy="3529102"/>
+          </a:xfrm>
+          <a:prstGeom prst="rect">
+            <a:avLst/>
+          </a:prstGeom>
+        </p:spPr>
+      </p:pic>
+      <p:pic>
+        <p:nvPicPr>
+          <p:cNvPr id="6" name="Picture 5" descr="A diagram of a heat exchanger&#10;&#10;AI-generated content may be incorrect.">
+            <a:extLst>
+              <a:ext uri="{FF2B5EF4-FFF2-40B4-BE49-F238E27FC236}">
+                <a16:creationId xmlns:a16="http://schemas.microsoft.com/office/drawing/2014/main" id="{58DF6D50-0003-9D90-89CD-A7A95C592D66}"/>
+              </a:ext>
+            </a:extLst>
+          </p:cNvPr>
+          <p:cNvPicPr>
+            <a:picLocks noChangeAspect="1"/>
+          </p:cNvPicPr>
+          <p:nvPr/>
+        </p:nvPicPr>
+        <p:blipFill>
+          <a:blip r:embed="rId2"/>
+          <a:srcRect l="53500" t="13882" r="3699"/>
+          <a:stretch/>
+        </p:blipFill>
+        <p:spPr>
+          <a:xfrm>
+            <a:off x="8569235" y="1664449"/>
+            <a:ext cx="3326673" cy="3529102"/>
+          </a:xfrm>
+          <a:prstGeom prst="rect">
+            <a:avLst/>
+          </a:prstGeom>
+        </p:spPr>
+      </p:pic>
+      <p:sp>
+        <p:nvSpPr>
+          <p:cNvPr id="7" name="TextBox 6">
+            <a:extLst>
+              <a:ext uri="{FF2B5EF4-FFF2-40B4-BE49-F238E27FC236}">
+                <a16:creationId xmlns:a16="http://schemas.microsoft.com/office/drawing/2014/main" id="{4F2FEA2F-D331-4DDD-9F3C-D7F39F3D33E2}"/>
+              </a:ext>
+            </a:extLst>
+          </p:cNvPr>
+          <p:cNvSpPr txBox="1"/>
+          <p:nvPr/>
+        </p:nvSpPr>
+        <p:spPr>
+          <a:xfrm>
+            <a:off x="3275084" y="495827"/>
+            <a:ext cx="4714369" cy="461665"/>
+          </a:xfrm>
+          <a:prstGeom prst="rect">
+            <a:avLst/>
+          </a:prstGeom>
+          <a:noFill/>
+        </p:spPr>
+        <p:txBody>
+          <a:bodyPr wrap="square" rtlCol="0">
+            <a:spAutoFit/>
+          </a:bodyPr>
+          <a:lstStyle/>
+          <a:p>
+            <a:r>
+              <a:rPr lang="en-US" sz="2400" dirty="0"/>
+              <a:t>Intra-process thermal asymmetry</a:t>
+            </a:r>
+          </a:p>
+        </p:txBody>
+      </p:sp>
+      <p:pic>
+        <p:nvPicPr>
+          <p:cNvPr id="9" name="Picture 8" descr="A blue lines on a black background&#10;&#10;AI-generated content may be incorrect.">
+            <a:extLst>
+              <a:ext uri="{FF2B5EF4-FFF2-40B4-BE49-F238E27FC236}">
+                <a16:creationId xmlns:a16="http://schemas.microsoft.com/office/drawing/2014/main" id="{9B1CBAB2-8000-6026-E623-397D34194199}"/>
+              </a:ext>
+            </a:extLst>
+          </p:cNvPr>
+          <p:cNvPicPr>
+            <a:picLocks noChangeAspect="1"/>
+          </p:cNvPicPr>
+          <p:nvPr/>
+        </p:nvPicPr>
+        <p:blipFill>
+          <a:blip r:embed="rId3"/>
+          <a:stretch>
+            <a:fillRect/>
+          </a:stretch>
+        </p:blipFill>
+        <p:spPr>
+          <a:xfrm>
+            <a:off x="4815858" y="1734118"/>
+            <a:ext cx="3152485" cy="3039180"/>
+          </a:xfrm>
+          <a:prstGeom prst="rect">
+            <a:avLst/>
+          </a:prstGeom>
+        </p:spPr>
+      </p:pic>
+      <p:pic>
+        <p:nvPicPr>
+          <p:cNvPr id="10" name="Picture 9" descr="A black text on a white background&#10;&#10;AI-generated content may be incorrect.">
+            <a:extLst>
+              <a:ext uri="{FF2B5EF4-FFF2-40B4-BE49-F238E27FC236}">
+                <a16:creationId xmlns:a16="http://schemas.microsoft.com/office/drawing/2014/main" id="{E2EBAB9A-D4FC-0920-24BD-F9303FDA029E}"/>
+              </a:ext>
+            </a:extLst>
+          </p:cNvPr>
+          <p:cNvPicPr>
+            <a:picLocks noChangeAspect="1"/>
+          </p:cNvPicPr>
+          <p:nvPr/>
+        </p:nvPicPr>
+        <p:blipFill>
+          <a:blip r:embed="rId4"/>
+          <a:stretch>
+            <a:fillRect/>
+          </a:stretch>
+        </p:blipFill>
+        <p:spPr>
+          <a:xfrm>
+            <a:off x="5632268" y="4495938"/>
+            <a:ext cx="1837507" cy="381559"/>
+          </a:xfrm>
+          <a:prstGeom prst="rect">
+            <a:avLst/>
+          </a:prstGeom>
+        </p:spPr>
+      </p:pic>
+      <p:pic>
+        <p:nvPicPr>
+          <p:cNvPr id="11" name="Picture 10" descr="A black text on a white background&#10;&#10;AI-generated content may be incorrect.">
+            <a:extLst>
+              <a:ext uri="{FF2B5EF4-FFF2-40B4-BE49-F238E27FC236}">
+                <a16:creationId xmlns:a16="http://schemas.microsoft.com/office/drawing/2014/main" id="{FD02FED3-3C58-38B1-8351-EDF409388ED2}"/>
+              </a:ext>
+            </a:extLst>
+          </p:cNvPr>
+          <p:cNvPicPr>
+            <a:picLocks noChangeAspect="1"/>
+          </p:cNvPicPr>
+          <p:nvPr/>
+        </p:nvPicPr>
+        <p:blipFill>
+          <a:blip r:embed="rId5"/>
+          <a:stretch>
+            <a:fillRect/>
+          </a:stretch>
+        </p:blipFill>
+        <p:spPr>
+          <a:xfrm>
+            <a:off x="4634047" y="2640648"/>
+            <a:ext cx="457201" cy="1016001"/>
+          </a:xfrm>
+          <a:prstGeom prst="rect">
+            <a:avLst/>
+          </a:prstGeom>
+        </p:spPr>
+      </p:pic>
+      <p:pic>
+        <p:nvPicPr>
+          <p:cNvPr id="12" name="Graphic 11" descr="Line arrow: Rotate right with solid fill">
+            <a:extLst>
+              <a:ext uri="{FF2B5EF4-FFF2-40B4-BE49-F238E27FC236}">
+                <a16:creationId xmlns:a16="http://schemas.microsoft.com/office/drawing/2014/main" id="{8A94A8C7-F14F-5BAF-DE56-ED005FBDF70C}"/>
+              </a:ext>
+            </a:extLst>
+          </p:cNvPr>
+          <p:cNvPicPr>
+            <a:picLocks noChangeAspect="1"/>
+          </p:cNvPicPr>
+          <p:nvPr/>
+        </p:nvPicPr>
+        <p:blipFill>
+          <a:blip r:embed="rId6">
+            <a:extLst>
+              <a:ext uri="{96DAC541-7B7A-43D3-8B79-37D633B846F1}">
+                <asvg:svgBlip xmlns:asvg="http://schemas.microsoft.com/office/drawing/2016/SVG/main" r:embed="rId7"/>
+              </a:ext>
+            </a:extLst>
+          </a:blip>
+          <a:stretch>
+            <a:fillRect/>
+          </a:stretch>
+        </p:blipFill>
+        <p:spPr>
+          <a:xfrm rot="13588340">
+            <a:off x="854768" y="3924285"/>
+            <a:ext cx="617464" cy="617464"/>
+          </a:xfrm>
+          <a:prstGeom prst="rect">
+            <a:avLst/>
+          </a:prstGeom>
+        </p:spPr>
+      </p:pic>
+      <p:cxnSp>
+        <p:nvCxnSpPr>
+          <p:cNvPr id="14" name="Straight Connector 13">
+            <a:extLst>
+              <a:ext uri="{FF2B5EF4-FFF2-40B4-BE49-F238E27FC236}">
+                <a16:creationId xmlns:a16="http://schemas.microsoft.com/office/drawing/2014/main" id="{B6DA933F-DB8C-69FE-5997-826F7156809B}"/>
+              </a:ext>
+            </a:extLst>
+          </p:cNvPr>
+          <p:cNvCxnSpPr/>
+          <p:nvPr/>
+        </p:nvCxnSpPr>
+        <p:spPr>
+          <a:xfrm>
+            <a:off x="9875520" y="3656649"/>
+            <a:ext cx="0" cy="767305"/>
+          </a:xfrm>
+          <a:prstGeom prst="line">
+            <a:avLst/>
+          </a:prstGeom>
+          <a:ln>
+            <a:solidFill>
+              <a:srgbClr val="003D88"/>
+            </a:solidFill>
+            <a:prstDash val="lgDash"/>
+          </a:ln>
+        </p:spPr>
+        <p:style>
+          <a:lnRef idx="2">
+            <a:schemeClr val="accent1"/>
+          </a:lnRef>
+          <a:fillRef idx="0">
+            <a:schemeClr val="accent1"/>
+          </a:fillRef>
+          <a:effectRef idx="1">
+            <a:schemeClr val="accent1"/>
+          </a:effectRef>
+          <a:fontRef idx="minor">
+            <a:schemeClr val="tx1"/>
+          </a:fontRef>
+        </p:style>
+      </p:cxnSp>
+      <p:sp>
+        <p:nvSpPr>
+          <p:cNvPr id="15" name="TextBox 14">
+            <a:extLst>
+              <a:ext uri="{FF2B5EF4-FFF2-40B4-BE49-F238E27FC236}">
+                <a16:creationId xmlns:a16="http://schemas.microsoft.com/office/drawing/2014/main" id="{1599232C-7A1F-1F48-9E21-76F0536605E3}"/>
+              </a:ext>
+            </a:extLst>
+          </p:cNvPr>
+          <p:cNvSpPr txBox="1"/>
+          <p:nvPr/>
+        </p:nvSpPr>
+        <p:spPr>
+          <a:xfrm>
+            <a:off x="5115742" y="3003468"/>
+            <a:ext cx="415833" cy="307777"/>
+          </a:xfrm>
+          <a:prstGeom prst="rect">
+            <a:avLst/>
+          </a:prstGeom>
+          <a:noFill/>
+        </p:spPr>
+        <p:txBody>
+          <a:bodyPr wrap="square" rtlCol="0">
+            <a:spAutoFit/>
+          </a:bodyPr>
+          <a:lstStyle/>
+          <a:p>
+            <a:r>
+              <a:rPr lang="en-US" sz="1400" dirty="0"/>
+              <a:t>r</a:t>
+            </a:r>
+            <a:r>
+              <a:rPr lang="en-US" sz="1400" baseline="-25000" dirty="0"/>
+              <a:t>a</a:t>
+            </a:r>
+            <a:endParaRPr lang="en-US" sz="1400" dirty="0"/>
+          </a:p>
+        </p:txBody>
+      </p:sp>
+      <p:sp>
+        <p:nvSpPr>
+          <p:cNvPr id="16" name="TextBox 15">
+            <a:extLst>
+              <a:ext uri="{FF2B5EF4-FFF2-40B4-BE49-F238E27FC236}">
+                <a16:creationId xmlns:a16="http://schemas.microsoft.com/office/drawing/2014/main" id="{44FDFD56-88C1-C84C-D01F-B85EA5FD2B15}"/>
+              </a:ext>
+            </a:extLst>
+          </p:cNvPr>
+          <p:cNvSpPr txBox="1"/>
+          <p:nvPr/>
+        </p:nvSpPr>
+        <p:spPr>
+          <a:xfrm>
+            <a:off x="5131641" y="3541094"/>
+            <a:ext cx="415833" cy="307777"/>
+          </a:xfrm>
+          <a:prstGeom prst="rect">
+            <a:avLst/>
+          </a:prstGeom>
+          <a:noFill/>
+        </p:spPr>
+        <p:txBody>
+          <a:bodyPr wrap="square" rtlCol="0">
+            <a:spAutoFit/>
+          </a:bodyPr>
+          <a:lstStyle/>
+          <a:p>
+            <a:r>
+              <a:rPr lang="en-US" sz="1400" dirty="0"/>
+              <a:t>r</a:t>
+            </a:r>
+            <a:r>
+              <a:rPr lang="en-US" sz="1400" baseline="-25000" dirty="0"/>
+              <a:t>b</a:t>
+            </a:r>
+            <a:endParaRPr lang="en-US" sz="1400" dirty="0"/>
+          </a:p>
+        </p:txBody>
+      </p:sp>
+      <p:cxnSp>
+        <p:nvCxnSpPr>
+          <p:cNvPr id="18" name="Straight Arrow Connector 17">
+            <a:extLst>
+              <a:ext uri="{FF2B5EF4-FFF2-40B4-BE49-F238E27FC236}">
+                <a16:creationId xmlns:a16="http://schemas.microsoft.com/office/drawing/2014/main" id="{54980B91-232E-AE50-0E9D-6C2CA3A2C392}"/>
+              </a:ext>
+            </a:extLst>
+          </p:cNvPr>
+          <p:cNvCxnSpPr>
+            <a:cxnSpLocks/>
+          </p:cNvCxnSpPr>
+          <p:nvPr/>
+        </p:nvCxnSpPr>
+        <p:spPr>
+          <a:xfrm flipV="1">
+            <a:off x="5486080" y="3280426"/>
+            <a:ext cx="572957" cy="269712"/>
+          </a:xfrm>
+          <a:prstGeom prst="straightConnector1">
+            <a:avLst/>
+          </a:prstGeom>
+          <a:ln>
+            <a:solidFill>
+              <a:srgbClr val="1D86EE"/>
+            </a:solidFill>
+            <a:tailEnd type="triangle"/>
+          </a:ln>
+        </p:spPr>
+        <p:style>
+          <a:lnRef idx="2">
+            <a:schemeClr val="accent1"/>
+          </a:lnRef>
+          <a:fillRef idx="0">
+            <a:schemeClr val="accent1"/>
+          </a:fillRef>
+          <a:effectRef idx="1">
+            <a:schemeClr val="accent1"/>
+          </a:effectRef>
+          <a:fontRef idx="minor">
+            <a:schemeClr val="tx1"/>
+          </a:fontRef>
+        </p:style>
+      </p:cxnSp>
+      <p:sp>
+        <p:nvSpPr>
+          <p:cNvPr id="19" name="TextBox 18">
+            <a:extLst>
+              <a:ext uri="{FF2B5EF4-FFF2-40B4-BE49-F238E27FC236}">
+                <a16:creationId xmlns:a16="http://schemas.microsoft.com/office/drawing/2014/main" id="{6D07C209-1B60-0389-353E-3AC7CA0959B8}"/>
+              </a:ext>
+            </a:extLst>
+          </p:cNvPr>
+          <p:cNvSpPr txBox="1"/>
+          <p:nvPr/>
+        </p:nvSpPr>
+        <p:spPr>
+          <a:xfrm>
+            <a:off x="5693230" y="3379650"/>
+            <a:ext cx="588229" cy="276999"/>
+          </a:xfrm>
+          <a:prstGeom prst="rect">
+            <a:avLst/>
+          </a:prstGeom>
+          <a:noFill/>
+        </p:spPr>
+        <p:txBody>
+          <a:bodyPr wrap="square" rtlCol="0">
+            <a:spAutoFit/>
+          </a:bodyPr>
+          <a:lstStyle/>
+          <a:p>
+            <a:r>
+              <a:rPr lang="en-US" sz="1200" dirty="0"/>
+              <a:t>E</a:t>
+            </a:r>
+            <a:r>
+              <a:rPr lang="en-US" sz="1200" baseline="-25000" dirty="0"/>
+              <a:t>rb</a:t>
+            </a:r>
+            <a:endParaRPr lang="en-US" sz="1200" dirty="0"/>
+          </a:p>
+        </p:txBody>
+      </p:sp>
+      <p:cxnSp>
+        <p:nvCxnSpPr>
+          <p:cNvPr id="21" name="Straight Arrow Connector 20">
+            <a:extLst>
+              <a:ext uri="{FF2B5EF4-FFF2-40B4-BE49-F238E27FC236}">
+                <a16:creationId xmlns:a16="http://schemas.microsoft.com/office/drawing/2014/main" id="{01E19F28-2AFC-D3BD-997D-F851A5AB766C}"/>
+              </a:ext>
+            </a:extLst>
+          </p:cNvPr>
+          <p:cNvCxnSpPr>
+            <a:cxnSpLocks/>
+          </p:cNvCxnSpPr>
+          <p:nvPr/>
+        </p:nvCxnSpPr>
+        <p:spPr>
+          <a:xfrm flipV="1">
+            <a:off x="5531575" y="3033159"/>
+            <a:ext cx="609601" cy="160029"/>
+          </a:xfrm>
+          <a:prstGeom prst="straightConnector1">
+            <a:avLst/>
+          </a:prstGeom>
+          <a:ln>
+            <a:solidFill>
+              <a:srgbClr val="003D88"/>
+            </a:solidFill>
+            <a:tailEnd type="triangle"/>
+          </a:ln>
+        </p:spPr>
+        <p:style>
+          <a:lnRef idx="2">
+            <a:schemeClr val="accent1"/>
+          </a:lnRef>
+          <a:fillRef idx="0">
+            <a:schemeClr val="accent1"/>
+          </a:fillRef>
+          <a:effectRef idx="1">
+            <a:schemeClr val="accent1"/>
+          </a:effectRef>
+          <a:fontRef idx="minor">
+            <a:schemeClr val="tx1"/>
+          </a:fontRef>
+        </p:style>
+      </p:cxnSp>
+      <p:sp>
+        <p:nvSpPr>
+          <p:cNvPr id="23" name="TextBox 22">
+            <a:extLst>
+              <a:ext uri="{FF2B5EF4-FFF2-40B4-BE49-F238E27FC236}">
+                <a16:creationId xmlns:a16="http://schemas.microsoft.com/office/drawing/2014/main" id="{3A951EE5-37DC-DEB2-A846-F3F39C5E38C3}"/>
+              </a:ext>
+            </a:extLst>
+          </p:cNvPr>
+          <p:cNvSpPr txBox="1"/>
+          <p:nvPr/>
+        </p:nvSpPr>
+        <p:spPr>
+          <a:xfrm>
+            <a:off x="5589615" y="2822377"/>
+            <a:ext cx="588229" cy="276999"/>
+          </a:xfrm>
+          <a:prstGeom prst="rect">
+            <a:avLst/>
+          </a:prstGeom>
+          <a:noFill/>
+        </p:spPr>
+        <p:txBody>
+          <a:bodyPr wrap="square" rtlCol="0">
+            <a:spAutoFit/>
+          </a:bodyPr>
+          <a:lstStyle/>
+          <a:p>
+            <a:r>
+              <a:rPr lang="en-US" sz="1200" dirty="0"/>
+              <a:t>E</a:t>
+            </a:r>
+            <a:r>
+              <a:rPr lang="en-US" sz="1200" baseline="-25000" dirty="0"/>
+              <a:t>ra</a:t>
+            </a:r>
+            <a:endParaRPr lang="en-US" sz="1200" dirty="0"/>
+          </a:p>
+        </p:txBody>
+      </p:sp>
+    </p:spTree>
+    <p:extLst>
+      <p:ext uri="{BB962C8B-B14F-4D97-AF65-F5344CB8AC3E}">
+        <p14:creationId xmlns:p14="http://schemas.microsoft.com/office/powerpoint/2010/main" val="1742207764"/>
+      </p:ext>
+    </p:extLst>
+  </p:cSld>
+  <p:clrMapOvr>
+    <a:masterClrMapping/>
+  </p:clrMapOvr>
+</p:sld>
+</file>
+
+<file path=ppt/slides/slide9.xml><?xml version="1.0" encoding="utf-8"?>
 <p:sld xmlns:a="http://schemas.openxmlformats.org/drawingml/2006/main" xmlns:r="http://schemas.openxmlformats.org/officeDocument/2006/relationships" xmlns:p="http://schemas.openxmlformats.org/presentationml/2006/main">
   <p:cSld>
     <p:spTree>

--- a/figures/kd-figs/conceptual.pptx
+++ b/figures/kd-figs/conceptual.pptx
@@ -205,7 +205,7 @@
           <a:p>
             <a:fld id="{5F0BAA97-B2B8-EA40-A7C9-10EAB2FFF9B3}" type="datetimeFigureOut">
               <a:rPr lang="en-US" smtClean="0"/>
-              <a:t>7/24/25</a:t>
+              <a:t>8/23/25</a:t>
             </a:fld>
             <a:endParaRPr lang="en-US"/>
           </a:p>
@@ -619,7 +619,7 @@
           <a:p>
             <a:fld id="{DF4DC901-9D7D-5040-9AC4-ED1AFACCCDE5}" type="datetimeFigureOut">
               <a:rPr lang="en-US" smtClean="0"/>
-              <a:t>7/24/25</a:t>
+              <a:t>8/23/25</a:t>
             </a:fld>
             <a:endParaRPr lang="en-US"/>
           </a:p>
@@ -817,7 +817,7 @@
           <a:p>
             <a:fld id="{DF4DC901-9D7D-5040-9AC4-ED1AFACCCDE5}" type="datetimeFigureOut">
               <a:rPr lang="en-US" smtClean="0"/>
-              <a:t>7/24/25</a:t>
+              <a:t>8/23/25</a:t>
             </a:fld>
             <a:endParaRPr lang="en-US"/>
           </a:p>
@@ -1025,7 +1025,7 @@
           <a:p>
             <a:fld id="{DF4DC901-9D7D-5040-9AC4-ED1AFACCCDE5}" type="datetimeFigureOut">
               <a:rPr lang="en-US" smtClean="0"/>
-              <a:t>7/24/25</a:t>
+              <a:t>8/23/25</a:t>
             </a:fld>
             <a:endParaRPr lang="en-US"/>
           </a:p>
@@ -1223,7 +1223,7 @@
           <a:p>
             <a:fld id="{DF4DC901-9D7D-5040-9AC4-ED1AFACCCDE5}" type="datetimeFigureOut">
               <a:rPr lang="en-US" smtClean="0"/>
-              <a:t>7/24/25</a:t>
+              <a:t>8/23/25</a:t>
             </a:fld>
             <a:endParaRPr lang="en-US"/>
           </a:p>
@@ -1498,7 +1498,7 @@
           <a:p>
             <a:fld id="{DF4DC901-9D7D-5040-9AC4-ED1AFACCCDE5}" type="datetimeFigureOut">
               <a:rPr lang="en-US" smtClean="0"/>
-              <a:t>7/24/25</a:t>
+              <a:t>8/23/25</a:t>
             </a:fld>
             <a:endParaRPr lang="en-US"/>
           </a:p>
@@ -1763,7 +1763,7 @@
           <a:p>
             <a:fld id="{DF4DC901-9D7D-5040-9AC4-ED1AFACCCDE5}" type="datetimeFigureOut">
               <a:rPr lang="en-US" smtClean="0"/>
-              <a:t>7/24/25</a:t>
+              <a:t>8/23/25</a:t>
             </a:fld>
             <a:endParaRPr lang="en-US"/>
           </a:p>
@@ -2175,7 +2175,7 @@
           <a:p>
             <a:fld id="{DF4DC901-9D7D-5040-9AC4-ED1AFACCCDE5}" type="datetimeFigureOut">
               <a:rPr lang="en-US" smtClean="0"/>
-              <a:t>7/24/25</a:t>
+              <a:t>8/23/25</a:t>
             </a:fld>
             <a:endParaRPr lang="en-US"/>
           </a:p>
@@ -2316,7 +2316,7 @@
           <a:p>
             <a:fld id="{DF4DC901-9D7D-5040-9AC4-ED1AFACCCDE5}" type="datetimeFigureOut">
               <a:rPr lang="en-US" smtClean="0"/>
-              <a:t>7/24/25</a:t>
+              <a:t>8/23/25</a:t>
             </a:fld>
             <a:endParaRPr lang="en-US"/>
           </a:p>
@@ -2429,7 +2429,7 @@
           <a:p>
             <a:fld id="{DF4DC901-9D7D-5040-9AC4-ED1AFACCCDE5}" type="datetimeFigureOut">
               <a:rPr lang="en-US" smtClean="0"/>
-              <a:t>7/24/25</a:t>
+              <a:t>8/23/25</a:t>
             </a:fld>
             <a:endParaRPr lang="en-US"/>
           </a:p>
@@ -2740,7 +2740,7 @@
           <a:p>
             <a:fld id="{DF4DC901-9D7D-5040-9AC4-ED1AFACCCDE5}" type="datetimeFigureOut">
               <a:rPr lang="en-US" smtClean="0"/>
-              <a:t>7/24/25</a:t>
+              <a:t>8/23/25</a:t>
             </a:fld>
             <a:endParaRPr lang="en-US"/>
           </a:p>
@@ -3028,7 +3028,7 @@
           <a:p>
             <a:fld id="{DF4DC901-9D7D-5040-9AC4-ED1AFACCCDE5}" type="datetimeFigureOut">
               <a:rPr lang="en-US" smtClean="0"/>
-              <a:t>7/24/25</a:t>
+              <a:t>8/23/25</a:t>
             </a:fld>
             <a:endParaRPr lang="en-US"/>
           </a:p>
@@ -3269,7 +3269,7 @@
           <a:p>
             <a:fld id="{DF4DC901-9D7D-5040-9AC4-ED1AFACCCDE5}" type="datetimeFigureOut">
               <a:rPr lang="en-US" smtClean="0"/>
-              <a:t>7/24/25</a:t>
+              <a:t>8/23/25</a:t>
             </a:fld>
             <a:endParaRPr lang="en-US"/>
           </a:p>
@@ -4132,7 +4132,7 @@
       </p:pic>
       <p:pic>
         <p:nvPicPr>
-          <p:cNvPr id="7" name="Picture 6" descr="A blue line with a black background&#10;&#10;AI-generated content may be incorrect.">
+          <p:cNvPr id="7" name="Picture 6">
             <a:extLst>
               <a:ext uri="{FF2B5EF4-FFF2-40B4-BE49-F238E27FC236}">
                 <a16:creationId xmlns:a16="http://schemas.microsoft.com/office/drawing/2014/main" id="{5687B8C4-5C79-DBA7-FF10-EE462AD4389D}"/>
@@ -4146,14 +4146,13 @@
         </p:nvPicPr>
         <p:blipFill>
           <a:blip r:embed="rId3"/>
-          <a:stretch>
-            <a:fillRect/>
-          </a:stretch>
+          <a:srcRect/>
+          <a:stretch/>
         </p:blipFill>
         <p:spPr>
           <a:xfrm>
-            <a:off x="6870470" y="1507441"/>
-            <a:ext cx="4584700" cy="4445000"/>
+            <a:off x="6001400" y="1507441"/>
+            <a:ext cx="4907158" cy="4444999"/>
           </a:xfrm>
           <a:prstGeom prst="rect">
             <a:avLst/>
@@ -5202,7 +5201,7 @@
                   <a:sysClr val="windowText" lastClr="000000"/>
                 </a:solidFill>
               </a:rPr>
-              <a:t>C</a:t>
+              <a:t>N</a:t>
             </a:r>
             <a:r>
               <a:rPr lang="en-US" sz="2400" baseline="-25000" dirty="0">
@@ -5679,7 +5678,7 @@
                   <a:sysClr val="windowText" lastClr="000000"/>
                 </a:solidFill>
               </a:rPr>
-              <a:t>C</a:t>
+              <a:t>N</a:t>
             </a:r>
             <a:r>
               <a:rPr lang="en-US" sz="2400" baseline="-25000" dirty="0">
@@ -6120,7 +6119,7 @@
                   </a:schemeClr>
                 </a:solidFill>
               </a:rPr>
-              <a:t>C</a:t>
+              <a:t>N</a:t>
             </a:r>
             <a:r>
               <a:rPr lang="en-US" sz="2400" baseline="-25000" dirty="0">
@@ -6698,7 +6697,7 @@
                   </a:schemeClr>
                 </a:solidFill>
               </a:rPr>
-              <a:t>C</a:t>
+              <a:t>N</a:t>
             </a:r>
             <a:r>
               <a:rPr lang="en-US" sz="2400" baseline="-25000" dirty="0">
@@ -7049,7 +7048,7 @@
       </p:pic>
       <p:pic>
         <p:nvPicPr>
-          <p:cNvPr id="3" name="Picture 2" descr="A blue and yellow line&#10;&#10;AI-generated content may be incorrect.">
+          <p:cNvPr id="3" name="Picture 2">
             <a:extLst>
               <a:ext uri="{FF2B5EF4-FFF2-40B4-BE49-F238E27FC236}">
                 <a16:creationId xmlns:a16="http://schemas.microsoft.com/office/drawing/2014/main" id="{39BD6EAE-E3F7-0201-D434-F50B89137F35}"/>
@@ -7063,13 +7062,13 @@
         </p:nvPicPr>
         <p:blipFill>
           <a:blip r:embed="rId12"/>
-          <a:srcRect b="7272"/>
+          <a:srcRect t="5049" b="5715"/>
           <a:stretch/>
         </p:blipFill>
         <p:spPr>
           <a:xfrm>
-            <a:off x="6953508" y="1352309"/>
-            <a:ext cx="4584700" cy="4121744"/>
+            <a:off x="6882068" y="1595205"/>
+            <a:ext cx="4576507" cy="4091220"/>
           </a:xfrm>
           <a:prstGeom prst="rect">
             <a:avLst/>
@@ -7085,20 +7084,23 @@
               </a:ext>
             </a:extLst>
           </p:cNvPr>
-          <p:cNvCxnSpPr/>
+          <p:cNvCxnSpPr>
+            <a:cxnSpLocks/>
+            <a:endCxn id="17" idx="0"/>
+          </p:cNvCxnSpPr>
           <p:nvPr/>
         </p:nvCxnSpPr>
         <p:spPr>
-          <a:xfrm>
-            <a:off x="9236597" y="2943199"/>
-            <a:ext cx="0" cy="2519279"/>
+          <a:xfrm flipH="1">
+            <a:off x="9269324" y="3009241"/>
+            <a:ext cx="10136" cy="2492038"/>
           </a:xfrm>
           <a:prstGeom prst="line">
             <a:avLst/>
           </a:prstGeom>
           <a:ln w="28575">
             <a:solidFill>
-              <a:srgbClr val="1D86EE"/>
+              <a:srgbClr val="003D88"/>
             </a:solidFill>
             <a:prstDash val="lgDash"/>
           </a:ln>
@@ -7134,8 +7136,8 @@
         </p:nvCxnSpPr>
         <p:spPr>
           <a:xfrm>
-            <a:off x="10176076" y="1683559"/>
-            <a:ext cx="90668" cy="3778919"/>
+            <a:off x="10161788" y="1683559"/>
+            <a:ext cx="90667" cy="3878052"/>
           </a:xfrm>
           <a:prstGeom prst="line">
             <a:avLst/>
@@ -7176,7 +7178,7 @@
         </p:nvSpPr>
         <p:spPr>
           <a:xfrm>
-            <a:off x="8996557" y="5429839"/>
+            <a:off x="8996557" y="5501279"/>
             <a:ext cx="545534" cy="461665"/>
           </a:xfrm>
           <a:prstGeom prst="rect">
@@ -7216,8 +7218,8 @@
         </p:nvSpPr>
         <p:spPr>
           <a:xfrm>
-            <a:off x="9955328" y="5405193"/>
-            <a:ext cx="622832" cy="830997"/>
+            <a:off x="9955327" y="5476633"/>
+            <a:ext cx="786829" cy="461665"/>
           </a:xfrm>
           <a:prstGeom prst="rect">
             <a:avLst/>
@@ -7321,7 +7323,7 @@
         </p:nvSpPr>
         <p:spPr>
           <a:xfrm>
-            <a:off x="7845977" y="5868870"/>
+            <a:off x="7874553" y="5911734"/>
             <a:ext cx="3392227" cy="446276"/>
           </a:xfrm>
           <a:prstGeom prst="rect">
@@ -7377,7 +7379,7 @@
       </p:grpSpPr>
       <p:pic>
         <p:nvPicPr>
-          <p:cNvPr id="5" name="Picture 4" descr="A diagram of a heat wave&#10;&#10;AI-generated content may be incorrect.">
+          <p:cNvPr id="5" name="Picture 4">
             <a:extLst>
               <a:ext uri="{FF2B5EF4-FFF2-40B4-BE49-F238E27FC236}">
                 <a16:creationId xmlns:a16="http://schemas.microsoft.com/office/drawing/2014/main" id="{6ED4D34A-611B-72CB-161F-91EF2390155A}"/>
@@ -7391,13 +7393,13 @@
         </p:nvPicPr>
         <p:blipFill>
           <a:blip r:embed="rId2"/>
-          <a:srcRect t="12251" r="47227"/>
+          <a:srcRect l="1747" r="1747"/>
           <a:stretch/>
         </p:blipFill>
         <p:spPr>
           <a:xfrm>
-            <a:off x="139337" y="1733006"/>
-            <a:ext cx="4101738" cy="3680270"/>
+            <a:off x="284044" y="1520806"/>
+            <a:ext cx="4217504" cy="3337519"/>
           </a:xfrm>
           <a:prstGeom prst="rect">
             <a:avLst/>
@@ -7406,7 +7408,7 @@
       </p:pic>
       <p:pic>
         <p:nvPicPr>
-          <p:cNvPr id="7" name="Picture 6" descr="A diagram of a heat wave&#10;&#10;AI-generated content may be incorrect.">
+          <p:cNvPr id="7" name="Picture 6">
             <a:extLst>
               <a:ext uri="{FF2B5EF4-FFF2-40B4-BE49-F238E27FC236}">
                 <a16:creationId xmlns:a16="http://schemas.microsoft.com/office/drawing/2014/main" id="{CED3F076-3485-CDA6-A01C-AC24DBCA60AA}"/>
@@ -7419,14 +7421,14 @@
           <p:nvPr/>
         </p:nvPicPr>
         <p:blipFill>
-          <a:blip r:embed="rId2"/>
-          <a:srcRect l="54396" t="12251" r="338"/>
+          <a:blip r:embed="rId3"/>
+          <a:srcRect l="12330" r="2952"/>
           <a:stretch/>
         </p:blipFill>
         <p:spPr>
           <a:xfrm>
-            <a:off x="8590204" y="1675167"/>
-            <a:ext cx="3518262" cy="3680270"/>
+            <a:off x="8562301" y="1588864"/>
+            <a:ext cx="3224886" cy="3746835"/>
           </a:xfrm>
           <a:prstGeom prst="rect">
             <a:avLst/>
@@ -7448,14 +7450,14 @@
           <p:nvPr/>
         </p:nvPicPr>
         <p:blipFill>
-          <a:blip r:embed="rId3"/>
-          <a:srcRect/>
+          <a:blip r:embed="rId4"/>
+          <a:srcRect l="8573" t="3098" b="3098"/>
           <a:stretch/>
         </p:blipFill>
         <p:spPr>
           <a:xfrm>
-            <a:off x="4712425" y="1733006"/>
-            <a:ext cx="3166256" cy="3166256"/>
+            <a:off x="5011765" y="1690606"/>
+            <a:ext cx="2894816" cy="3166256"/>
           </a:xfrm>
           <a:prstGeom prst="rect">
             <a:avLst/>
@@ -7468,36 +7470,6 @@
             <a:extLst>
               <a:ext uri="{FF2B5EF4-FFF2-40B4-BE49-F238E27FC236}">
                 <a16:creationId xmlns:a16="http://schemas.microsoft.com/office/drawing/2014/main" id="{E5EE94BF-DAF6-A276-689F-88D7F28C001D}"/>
-              </a:ext>
-            </a:extLst>
-          </p:cNvPr>
-          <p:cNvPicPr>
-            <a:picLocks noChangeAspect="1"/>
-          </p:cNvPicPr>
-          <p:nvPr/>
-        </p:nvPicPr>
-        <p:blipFill>
-          <a:blip r:embed="rId4"/>
-          <a:stretch>
-            <a:fillRect/>
-          </a:stretch>
-        </p:blipFill>
-        <p:spPr>
-          <a:xfrm>
-            <a:off x="5496886" y="4635275"/>
-            <a:ext cx="1837507" cy="381559"/>
-          </a:xfrm>
-          <a:prstGeom prst="rect">
-            <a:avLst/>
-          </a:prstGeom>
-        </p:spPr>
-      </p:pic>
-      <p:pic>
-        <p:nvPicPr>
-          <p:cNvPr id="15" name="Picture 14" descr="A black text on a white background&#10;&#10;AI-generated content may be incorrect.">
-            <a:extLst>
-              <a:ext uri="{FF2B5EF4-FFF2-40B4-BE49-F238E27FC236}">
-                <a16:creationId xmlns:a16="http://schemas.microsoft.com/office/drawing/2014/main" id="{1475C84A-4483-F0FB-EEBE-3F06B4820E4C}"/>
               </a:ext>
             </a:extLst>
           </p:cNvPr>
@@ -7514,6 +7486,36 @@
         </p:blipFill>
         <p:spPr>
           <a:xfrm>
+            <a:off x="5496886" y="4635275"/>
+            <a:ext cx="1837507" cy="381559"/>
+          </a:xfrm>
+          <a:prstGeom prst="rect">
+            <a:avLst/>
+          </a:prstGeom>
+        </p:spPr>
+      </p:pic>
+      <p:pic>
+        <p:nvPicPr>
+          <p:cNvPr id="15" name="Picture 14" descr="A black text on a white background&#10;&#10;AI-generated content may be incorrect.">
+            <a:extLst>
+              <a:ext uri="{FF2B5EF4-FFF2-40B4-BE49-F238E27FC236}">
+                <a16:creationId xmlns:a16="http://schemas.microsoft.com/office/drawing/2014/main" id="{1475C84A-4483-F0FB-EEBE-3F06B4820E4C}"/>
+              </a:ext>
+            </a:extLst>
+          </p:cNvPr>
+          <p:cNvPicPr>
+            <a:picLocks noChangeAspect="1"/>
+          </p:cNvPicPr>
+          <p:nvPr/>
+        </p:nvPicPr>
+        <p:blipFill>
+          <a:blip r:embed="rId6"/>
+          <a:stretch>
+            <a:fillRect/>
+          </a:stretch>
+        </p:blipFill>
+        <p:spPr>
+          <a:xfrm>
             <a:off x="4528056" y="2701608"/>
             <a:ext cx="457201" cy="1016001"/>
           </a:xfrm>
@@ -7596,41 +7598,6 @@
             </a:r>
             <a:r>
               <a:rPr lang="en-US" sz="1400" baseline="-25000" dirty="0"/>
-              <a:t>b</a:t>
-            </a:r>
-          </a:p>
-        </p:txBody>
-      </p:sp>
-      <p:sp>
-        <p:nvSpPr>
-          <p:cNvPr id="18" name="TextBox 17">
-            <a:extLst>
-              <a:ext uri="{FF2B5EF4-FFF2-40B4-BE49-F238E27FC236}">
-                <a16:creationId xmlns:a16="http://schemas.microsoft.com/office/drawing/2014/main" id="{A9187987-FE3A-2C47-3302-ABB2AAEEBCB7}"/>
-              </a:ext>
-            </a:extLst>
-          </p:cNvPr>
-          <p:cNvSpPr txBox="1"/>
-          <p:nvPr/>
-        </p:nvSpPr>
-        <p:spPr>
-          <a:xfrm>
-            <a:off x="10877006" y="4617857"/>
-            <a:ext cx="287382" cy="261610"/>
-          </a:xfrm>
-          <a:prstGeom prst="rect">
-            <a:avLst/>
-          </a:prstGeom>
-          <a:noFill/>
-        </p:spPr>
-        <p:txBody>
-          <a:bodyPr wrap="square" rtlCol="0">
-            <a:spAutoFit/>
-          </a:bodyPr>
-          <a:lstStyle/>
-          <a:p>
-            <a:r>
-              <a:rPr lang="en-US" sz="1100" dirty="0"/>
               <a:t>b</a:t>
             </a:r>
           </a:p>
@@ -7696,15 +7663,15 @@
         </p:nvCxnSpPr>
         <p:spPr>
           <a:xfrm flipV="1">
-            <a:off x="5390281" y="3223815"/>
-            <a:ext cx="544189" cy="291487"/>
+            <a:off x="5409167" y="3143991"/>
+            <a:ext cx="582824" cy="265343"/>
           </a:xfrm>
           <a:prstGeom prst="straightConnector1">
             <a:avLst/>
           </a:prstGeom>
           <a:ln>
             <a:solidFill>
-              <a:srgbClr val="1D86EE"/>
+              <a:srgbClr val="003D88"/>
             </a:solidFill>
             <a:tailEnd type="triangle"/>
           </a:ln>
@@ -7738,7 +7705,7 @@
         </p:nvSpPr>
         <p:spPr>
           <a:xfrm>
-            <a:off x="5424195" y="3120513"/>
+            <a:off x="5431893" y="3000358"/>
             <a:ext cx="588229" cy="276999"/>
           </a:xfrm>
           <a:prstGeom prst="rect">
@@ -7835,6 +7802,41 @@
             <a:r>
               <a:rPr lang="en-US" sz="2400" dirty="0"/>
               <a:t>Inter-process thermal asymmetry</a:t>
+            </a:r>
+          </a:p>
+        </p:txBody>
+      </p:sp>
+      <p:sp>
+        <p:nvSpPr>
+          <p:cNvPr id="6" name="TextBox 5">
+            <a:extLst>
+              <a:ext uri="{FF2B5EF4-FFF2-40B4-BE49-F238E27FC236}">
+                <a16:creationId xmlns:a16="http://schemas.microsoft.com/office/drawing/2014/main" id="{6E3E26DD-2460-648B-B0C5-E991004087C2}"/>
+              </a:ext>
+            </a:extLst>
+          </p:cNvPr>
+          <p:cNvSpPr txBox="1"/>
+          <p:nvPr/>
+        </p:nvSpPr>
+        <p:spPr>
+          <a:xfrm rot="16200000">
+            <a:off x="7666005" y="2898620"/>
+            <a:ext cx="1423125" cy="369332"/>
+          </a:xfrm>
+          <a:prstGeom prst="rect">
+            <a:avLst/>
+          </a:prstGeom>
+          <a:noFill/>
+        </p:spPr>
+        <p:txBody>
+          <a:bodyPr wrap="square">
+            <a:spAutoFit/>
+          </a:bodyPr>
+          <a:lstStyle/>
+          <a:p>
+            <a:r>
+              <a:rPr lang="en-US" dirty="0"/>
+              <a:t>Frequency</a:t>
             </a:r>
           </a:p>
         </p:txBody>
@@ -7935,7 +7937,7 @@
                   </a:schemeClr>
                 </a:solidFill>
               </a:rPr>
-              <a:t>C</a:t>
+              <a:t>N</a:t>
             </a:r>
             <a:r>
               <a:rPr lang="en-US" sz="2400" baseline="-25000" dirty="0">
@@ -8519,7 +8521,7 @@
                   </a:schemeClr>
                 </a:solidFill>
               </a:rPr>
-              <a:t>C</a:t>
+              <a:t>N</a:t>
             </a:r>
             <a:r>
               <a:rPr lang="en-US" sz="2400" baseline="-25000" dirty="0">
@@ -8834,7 +8836,7 @@
       </p:pic>
       <p:pic>
         <p:nvPicPr>
-          <p:cNvPr id="5" name="Picture 4" descr="A blue line with a black background&#10;&#10;AI-generated content may be incorrect.">
+          <p:cNvPr id="5" name="Picture 4">
             <a:extLst>
               <a:ext uri="{FF2B5EF4-FFF2-40B4-BE49-F238E27FC236}">
                 <a16:creationId xmlns:a16="http://schemas.microsoft.com/office/drawing/2014/main" id="{0845B73E-B56D-22AB-CD05-028D8B186FBB}"/>
@@ -8848,13 +8850,13 @@
         </p:nvPicPr>
         <p:blipFill>
           <a:blip r:embed="rId10"/>
-          <a:srcRect b="7050"/>
+          <a:srcRect t="5389" b="6584"/>
           <a:stretch/>
         </p:blipFill>
         <p:spPr>
           <a:xfrm>
-            <a:off x="6953520" y="1357640"/>
-            <a:ext cx="4584700" cy="4131625"/>
+            <a:off x="6941546" y="1386207"/>
+            <a:ext cx="4584700" cy="4076271"/>
           </a:xfrm>
           <a:prstGeom prst="rect">
             <a:avLst/>
@@ -8947,16 +8949,16 @@
           <p:nvPr/>
         </p:nvCxnSpPr>
         <p:spPr>
-          <a:xfrm>
-            <a:off x="8634713" y="4268881"/>
-            <a:ext cx="0" cy="1193597"/>
+          <a:xfrm flipH="1">
+            <a:off x="8747006" y="4268880"/>
+            <a:ext cx="1" cy="1152000"/>
           </a:xfrm>
           <a:prstGeom prst="line">
             <a:avLst/>
           </a:prstGeom>
           <a:ln w="28575">
             <a:solidFill>
-              <a:srgbClr val="1D86EE"/>
+              <a:srgbClr val="003D88"/>
             </a:solidFill>
             <a:prstDash val="lgDash"/>
           </a:ln>
@@ -8990,7 +8992,7 @@
         </p:nvSpPr>
         <p:spPr>
           <a:xfrm>
-            <a:off x="8403213" y="5401672"/>
+            <a:off x="8515507" y="5401672"/>
             <a:ext cx="545534" cy="461665"/>
           </a:xfrm>
           <a:prstGeom prst="rect">
@@ -9032,8 +9034,8 @@
         </p:nvCxnSpPr>
         <p:spPr>
           <a:xfrm>
-            <a:off x="9458445" y="3208833"/>
-            <a:ext cx="0" cy="2253645"/>
+            <a:off x="9570739" y="3208833"/>
+            <a:ext cx="0" cy="2214000"/>
           </a:xfrm>
           <a:prstGeom prst="line">
             <a:avLst/>
@@ -9074,7 +9076,7 @@
         </p:nvSpPr>
         <p:spPr>
           <a:xfrm>
-            <a:off x="9251551" y="5401672"/>
+            <a:off x="9395929" y="5417714"/>
             <a:ext cx="545534" cy="461665"/>
           </a:xfrm>
           <a:prstGeom prst="rect">
@@ -9144,7 +9146,7 @@
         </p:nvSpPr>
         <p:spPr>
           <a:xfrm rot="16200000">
-            <a:off x="6165253" y="3043316"/>
+            <a:off x="6130957" y="3142934"/>
             <a:ext cx="1740726" cy="461665"/>
           </a:xfrm>
           <a:prstGeom prst="rect">
@@ -9181,7 +9183,7 @@
         </p:nvSpPr>
         <p:spPr>
           <a:xfrm>
-            <a:off x="7845977" y="5868870"/>
+            <a:off x="7699815" y="5868946"/>
             <a:ext cx="3392227" cy="446276"/>
           </a:xfrm>
           <a:prstGeom prst="rect">
@@ -9237,7 +9239,7 @@
       </p:grpSpPr>
       <p:pic>
         <p:nvPicPr>
-          <p:cNvPr id="5" name="Picture 4" descr="A diagram of a heat exchanger&#10;&#10;AI-generated content may be incorrect.">
+          <p:cNvPr id="5" name="Picture 4">
             <a:extLst>
               <a:ext uri="{FF2B5EF4-FFF2-40B4-BE49-F238E27FC236}">
                 <a16:creationId xmlns:a16="http://schemas.microsoft.com/office/drawing/2014/main" id="{9F42E330-4C9C-5FF7-86F1-1FFE0DCAE1DF}"/>
@@ -9251,13 +9253,13 @@
         </p:nvPicPr>
         <p:blipFill>
           <a:blip r:embed="rId2"/>
-          <a:srcRect t="13882" r="47339"/>
+          <a:srcRect l="1850" r="3796"/>
           <a:stretch/>
         </p:blipFill>
         <p:spPr>
           <a:xfrm>
-            <a:off x="0" y="1811379"/>
-            <a:ext cx="4093028" cy="3529102"/>
+            <a:off x="157164" y="1499919"/>
+            <a:ext cx="4260056" cy="3391344"/>
           </a:xfrm>
           <a:prstGeom prst="rect">
             <a:avLst/>
@@ -9266,7 +9268,7 @@
       </p:pic>
       <p:pic>
         <p:nvPicPr>
-          <p:cNvPr id="6" name="Picture 5" descr="A diagram of a heat exchanger&#10;&#10;AI-generated content may be incorrect.">
+          <p:cNvPr id="6" name="Picture 5">
             <a:extLst>
               <a:ext uri="{FF2B5EF4-FFF2-40B4-BE49-F238E27FC236}">
                 <a16:creationId xmlns:a16="http://schemas.microsoft.com/office/drawing/2014/main" id="{58DF6D50-0003-9D90-89CD-A7A95C592D66}"/>
@@ -9279,14 +9281,14 @@
           <p:nvPr/>
         </p:nvPicPr>
         <p:blipFill>
-          <a:blip r:embed="rId2"/>
-          <a:srcRect l="53500" t="13882" r="3699"/>
+          <a:blip r:embed="rId3"/>
+          <a:srcRect l="1900" r="1900"/>
           <a:stretch/>
         </p:blipFill>
         <p:spPr>
           <a:xfrm>
-            <a:off x="8569235" y="1664449"/>
-            <a:ext cx="3326673" cy="3529102"/>
+            <a:off x="8512563" y="1604328"/>
+            <a:ext cx="3383345" cy="3589223"/>
           </a:xfrm>
           <a:prstGeom prst="rect">
             <a:avLst/>
@@ -9330,7 +9332,7 @@
       </p:sp>
       <p:pic>
         <p:nvPicPr>
-          <p:cNvPr id="9" name="Picture 8" descr="A blue lines on a black background&#10;&#10;AI-generated content may be incorrect.">
+          <p:cNvPr id="9" name="Picture 8">
             <a:extLst>
               <a:ext uri="{FF2B5EF4-FFF2-40B4-BE49-F238E27FC236}">
                 <a16:creationId xmlns:a16="http://schemas.microsoft.com/office/drawing/2014/main" id="{9B1CBAB2-8000-6026-E623-397D34194199}"/>
@@ -9343,15 +9345,14 @@
           <p:nvPr/>
         </p:nvPicPr>
         <p:blipFill>
-          <a:blip r:embed="rId3"/>
-          <a:stretch>
-            <a:fillRect/>
-          </a:stretch>
+          <a:blip r:embed="rId4"/>
+          <a:srcRect t="6370"/>
+          <a:stretch/>
         </p:blipFill>
         <p:spPr>
           <a:xfrm>
-            <a:off x="4815858" y="1734118"/>
-            <a:ext cx="3152485" cy="3039180"/>
+            <a:off x="4820059" y="1762735"/>
+            <a:ext cx="3326673" cy="3114762"/>
           </a:xfrm>
           <a:prstGeom prst="rect">
             <a:avLst/>
@@ -9364,36 +9365,6 @@
             <a:extLst>
               <a:ext uri="{FF2B5EF4-FFF2-40B4-BE49-F238E27FC236}">
                 <a16:creationId xmlns:a16="http://schemas.microsoft.com/office/drawing/2014/main" id="{E2EBAB9A-D4FC-0920-24BD-F9303FDA029E}"/>
-              </a:ext>
-            </a:extLst>
-          </p:cNvPr>
-          <p:cNvPicPr>
-            <a:picLocks noChangeAspect="1"/>
-          </p:cNvPicPr>
-          <p:nvPr/>
-        </p:nvPicPr>
-        <p:blipFill>
-          <a:blip r:embed="rId4"/>
-          <a:stretch>
-            <a:fillRect/>
-          </a:stretch>
-        </p:blipFill>
-        <p:spPr>
-          <a:xfrm>
-            <a:off x="5632268" y="4495938"/>
-            <a:ext cx="1837507" cy="381559"/>
-          </a:xfrm>
-          <a:prstGeom prst="rect">
-            <a:avLst/>
-          </a:prstGeom>
-        </p:spPr>
-      </p:pic>
-      <p:pic>
-        <p:nvPicPr>
-          <p:cNvPr id="11" name="Picture 10" descr="A black text on a white background&#10;&#10;AI-generated content may be incorrect.">
-            <a:extLst>
-              <a:ext uri="{FF2B5EF4-FFF2-40B4-BE49-F238E27FC236}">
-                <a16:creationId xmlns:a16="http://schemas.microsoft.com/office/drawing/2014/main" id="{FD02FED3-3C58-38B1-8351-EDF409388ED2}"/>
               </a:ext>
             </a:extLst>
           </p:cNvPr>
@@ -9410,8 +9381,8 @@
         </p:blipFill>
         <p:spPr>
           <a:xfrm>
-            <a:off x="4634047" y="2640648"/>
-            <a:ext cx="457201" cy="1016001"/>
+            <a:off x="5693230" y="4574870"/>
+            <a:ext cx="1837507" cy="381559"/>
           </a:xfrm>
           <a:prstGeom prst="rect">
             <a:avLst/>
@@ -9420,10 +9391,10 @@
       </p:pic>
       <p:pic>
         <p:nvPicPr>
-          <p:cNvPr id="12" name="Graphic 11" descr="Line arrow: Rotate right with solid fill">
-            <a:extLst>
-              <a:ext uri="{FF2B5EF4-FFF2-40B4-BE49-F238E27FC236}">
-                <a16:creationId xmlns:a16="http://schemas.microsoft.com/office/drawing/2014/main" id="{8A94A8C7-F14F-5BAF-DE56-ED005FBDF70C}"/>
+          <p:cNvPr id="11" name="Picture 10" descr="A black text on a white background&#10;&#10;AI-generated content may be incorrect.">
+            <a:extLst>
+              <a:ext uri="{FF2B5EF4-FFF2-40B4-BE49-F238E27FC236}">
+                <a16:creationId xmlns:a16="http://schemas.microsoft.com/office/drawing/2014/main" id="{FD02FED3-3C58-38B1-8351-EDF409388ED2}"/>
               </a:ext>
             </a:extLst>
           </p:cNvPr>
@@ -9433,52 +9404,128 @@
           <p:nvPr/>
         </p:nvPicPr>
         <p:blipFill>
-          <a:blip r:embed="rId6">
-            <a:extLst>
-              <a:ext uri="{96DAC541-7B7A-43D3-8B79-37D633B846F1}">
-                <asvg:svgBlip xmlns:asvg="http://schemas.microsoft.com/office/drawing/2016/SVG/main" r:embed="rId7"/>
-              </a:ext>
-            </a:extLst>
-          </a:blip>
+          <a:blip r:embed="rId6"/>
           <a:stretch>
             <a:fillRect/>
           </a:stretch>
         </p:blipFill>
         <p:spPr>
-          <a:xfrm rot="13588340">
-            <a:off x="854768" y="3924285"/>
-            <a:ext cx="617464" cy="617464"/>
+          <a:xfrm>
+            <a:off x="4634047" y="2640648"/>
+            <a:ext cx="457201" cy="1016001"/>
           </a:xfrm>
           <a:prstGeom prst="rect">
             <a:avLst/>
           </a:prstGeom>
         </p:spPr>
       </p:pic>
+      <p:sp>
+        <p:nvSpPr>
+          <p:cNvPr id="15" name="TextBox 14">
+            <a:extLst>
+              <a:ext uri="{FF2B5EF4-FFF2-40B4-BE49-F238E27FC236}">
+                <a16:creationId xmlns:a16="http://schemas.microsoft.com/office/drawing/2014/main" id="{1599232C-7A1F-1F48-9E21-76F0536605E3}"/>
+              </a:ext>
+            </a:extLst>
+          </p:cNvPr>
+          <p:cNvSpPr txBox="1"/>
+          <p:nvPr/>
+        </p:nvSpPr>
+        <p:spPr>
+          <a:xfrm>
+            <a:off x="5156160" y="3196046"/>
+            <a:ext cx="415833" cy="307777"/>
+          </a:xfrm>
+          <a:prstGeom prst="rect">
+            <a:avLst/>
+          </a:prstGeom>
+          <a:noFill/>
+        </p:spPr>
+        <p:txBody>
+          <a:bodyPr wrap="square" rtlCol="0">
+            <a:spAutoFit/>
+          </a:bodyPr>
+          <a:lstStyle/>
+          <a:p>
+            <a:r>
+              <a:rPr lang="en-US" sz="1400" dirty="0"/>
+              <a:t>r</a:t>
+            </a:r>
+            <a:r>
+              <a:rPr lang="en-US" sz="1400" baseline="-25000" dirty="0"/>
+              <a:t>a</a:t>
+            </a:r>
+            <a:endParaRPr lang="en-US" sz="1400" dirty="0"/>
+          </a:p>
+        </p:txBody>
+      </p:sp>
+      <p:sp>
+        <p:nvSpPr>
+          <p:cNvPr id="16" name="TextBox 15">
+            <a:extLst>
+              <a:ext uri="{FF2B5EF4-FFF2-40B4-BE49-F238E27FC236}">
+                <a16:creationId xmlns:a16="http://schemas.microsoft.com/office/drawing/2014/main" id="{44FDFD56-88C1-C84C-D01F-B85EA5FD2B15}"/>
+              </a:ext>
+            </a:extLst>
+          </p:cNvPr>
+          <p:cNvSpPr txBox="1"/>
+          <p:nvPr/>
+        </p:nvSpPr>
+        <p:spPr>
+          <a:xfrm>
+            <a:off x="5171209" y="3760860"/>
+            <a:ext cx="415833" cy="307777"/>
+          </a:xfrm>
+          <a:prstGeom prst="rect">
+            <a:avLst/>
+          </a:prstGeom>
+          <a:noFill/>
+        </p:spPr>
+        <p:txBody>
+          <a:bodyPr wrap="square" rtlCol="0">
+            <a:spAutoFit/>
+          </a:bodyPr>
+          <a:lstStyle/>
+          <a:p>
+            <a:r>
+              <a:rPr lang="en-US" sz="1400" dirty="0"/>
+              <a:t>r</a:t>
+            </a:r>
+            <a:r>
+              <a:rPr lang="en-US" sz="1400" baseline="-25000" dirty="0"/>
+              <a:t>b</a:t>
+            </a:r>
+            <a:endParaRPr lang="en-US" sz="1400" dirty="0"/>
+          </a:p>
+        </p:txBody>
+      </p:sp>
       <p:cxnSp>
         <p:nvCxnSpPr>
-          <p:cNvPr id="14" name="Straight Connector 13">
-            <a:extLst>
-              <a:ext uri="{FF2B5EF4-FFF2-40B4-BE49-F238E27FC236}">
-                <a16:creationId xmlns:a16="http://schemas.microsoft.com/office/drawing/2014/main" id="{B6DA933F-DB8C-69FE-5997-826F7156809B}"/>
-              </a:ext>
-            </a:extLst>
-          </p:cNvPr>
-          <p:cNvCxnSpPr/>
+          <p:cNvPr id="18" name="Straight Arrow Connector 17">
+            <a:extLst>
+              <a:ext uri="{FF2B5EF4-FFF2-40B4-BE49-F238E27FC236}">
+                <a16:creationId xmlns:a16="http://schemas.microsoft.com/office/drawing/2014/main" id="{54980B91-232E-AE50-0E9D-6C2CA3A2C392}"/>
+              </a:ext>
+            </a:extLst>
+          </p:cNvPr>
+          <p:cNvCxnSpPr>
+            <a:cxnSpLocks/>
+          </p:cNvCxnSpPr>
           <p:nvPr/>
         </p:nvCxnSpPr>
         <p:spPr>
-          <a:xfrm>
-            <a:off x="9875520" y="3656649"/>
-            <a:ext cx="0" cy="767305"/>
-          </a:xfrm>
-          <a:prstGeom prst="line">
+          <a:xfrm flipV="1">
+            <a:off x="5670462" y="3328607"/>
+            <a:ext cx="502824" cy="328042"/>
+          </a:xfrm>
+          <a:prstGeom prst="straightConnector1">
             <a:avLst/>
           </a:prstGeom>
           <a:ln>
             <a:solidFill>
-              <a:srgbClr val="003D88"/>
+              <a:srgbClr val="1D86EE"/>
             </a:solidFill>
-            <a:prstDash val="lgDash"/>
+            <a:tailEnd type="triangle"/>
           </a:ln>
         </p:spPr>
         <p:style>
@@ -9498,10 +9545,10 @@
       </p:cxnSp>
       <p:sp>
         <p:nvSpPr>
-          <p:cNvPr id="15" name="TextBox 14">
-            <a:extLst>
-              <a:ext uri="{FF2B5EF4-FFF2-40B4-BE49-F238E27FC236}">
-                <a16:creationId xmlns:a16="http://schemas.microsoft.com/office/drawing/2014/main" id="{1599232C-7A1F-1F48-9E21-76F0536605E3}"/>
+          <p:cNvPr id="19" name="TextBox 18">
+            <a:extLst>
+              <a:ext uri="{FF2B5EF4-FFF2-40B4-BE49-F238E27FC236}">
+                <a16:creationId xmlns:a16="http://schemas.microsoft.com/office/drawing/2014/main" id="{6D07C209-1B60-0389-353E-3AC7CA0959B8}"/>
               </a:ext>
             </a:extLst>
           </p:cNvPr>
@@ -9510,8 +9557,8 @@
         </p:nvSpPr>
         <p:spPr>
           <a:xfrm>
-            <a:off x="5115742" y="3003468"/>
-            <a:ext cx="415833" cy="307777"/>
+            <a:off x="5801885" y="3492628"/>
+            <a:ext cx="588229" cy="276999"/>
           </a:xfrm>
           <a:prstGeom prst="rect">
             <a:avLst/>
@@ -9525,63 +9572,23 @@
           <a:lstStyle/>
           <a:p>
             <a:r>
-              <a:rPr lang="en-US" sz="1400" dirty="0"/>
-              <a:t>r</a:t>
-            </a:r>
-            <a:r>
-              <a:rPr lang="en-US" sz="1400" baseline="-25000" dirty="0"/>
-              <a:t>a</a:t>
-            </a:r>
-            <a:endParaRPr lang="en-US" sz="1400" dirty="0"/>
-          </a:p>
-        </p:txBody>
-      </p:sp>
-      <p:sp>
-        <p:nvSpPr>
-          <p:cNvPr id="16" name="TextBox 15">
-            <a:extLst>
-              <a:ext uri="{FF2B5EF4-FFF2-40B4-BE49-F238E27FC236}">
-                <a16:creationId xmlns:a16="http://schemas.microsoft.com/office/drawing/2014/main" id="{44FDFD56-88C1-C84C-D01F-B85EA5FD2B15}"/>
-              </a:ext>
-            </a:extLst>
-          </p:cNvPr>
-          <p:cNvSpPr txBox="1"/>
-          <p:nvPr/>
-        </p:nvSpPr>
-        <p:spPr>
-          <a:xfrm>
-            <a:off x="5131641" y="3541094"/>
-            <a:ext cx="415833" cy="307777"/>
-          </a:xfrm>
-          <a:prstGeom prst="rect">
-            <a:avLst/>
-          </a:prstGeom>
-          <a:noFill/>
-        </p:spPr>
-        <p:txBody>
-          <a:bodyPr wrap="square" rtlCol="0">
-            <a:spAutoFit/>
-          </a:bodyPr>
-          <a:lstStyle/>
-          <a:p>
-            <a:r>
-              <a:rPr lang="en-US" sz="1400" dirty="0"/>
-              <a:t>r</a:t>
-            </a:r>
-            <a:r>
-              <a:rPr lang="en-US" sz="1400" baseline="-25000" dirty="0"/>
-              <a:t>b</a:t>
-            </a:r>
-            <a:endParaRPr lang="en-US" sz="1400" dirty="0"/>
+              <a:rPr lang="en-US" sz="1200" dirty="0"/>
+              <a:t>E</a:t>
+            </a:r>
+            <a:r>
+              <a:rPr lang="en-US" sz="1200" baseline="-25000" dirty="0"/>
+              <a:t>rb</a:t>
+            </a:r>
+            <a:endParaRPr lang="en-US" sz="1200" dirty="0"/>
           </a:p>
         </p:txBody>
       </p:sp>
       <p:cxnSp>
         <p:nvCxnSpPr>
-          <p:cNvPr id="18" name="Straight Arrow Connector 17">
-            <a:extLst>
-              <a:ext uri="{FF2B5EF4-FFF2-40B4-BE49-F238E27FC236}">
-                <a16:creationId xmlns:a16="http://schemas.microsoft.com/office/drawing/2014/main" id="{54980B91-232E-AE50-0E9D-6C2CA3A2C392}"/>
+          <p:cNvPr id="21" name="Straight Arrow Connector 20">
+            <a:extLst>
+              <a:ext uri="{FF2B5EF4-FFF2-40B4-BE49-F238E27FC236}">
+                <a16:creationId xmlns:a16="http://schemas.microsoft.com/office/drawing/2014/main" id="{01E19F28-2AFC-D3BD-997D-F851A5AB766C}"/>
               </a:ext>
             </a:extLst>
           </p:cNvPr>
@@ -9592,15 +9599,15 @@
         </p:nvCxnSpPr>
         <p:spPr>
           <a:xfrm flipV="1">
-            <a:off x="5486080" y="3280426"/>
-            <a:ext cx="572957" cy="269712"/>
+            <a:off x="5647343" y="3003468"/>
+            <a:ext cx="588229" cy="268383"/>
           </a:xfrm>
           <a:prstGeom prst="straightConnector1">
             <a:avLst/>
           </a:prstGeom>
           <a:ln>
             <a:solidFill>
-              <a:srgbClr val="1D86EE"/>
+              <a:srgbClr val="003D88"/>
             </a:solidFill>
             <a:tailEnd type="triangle"/>
           </a:ln>
@@ -9622,10 +9629,10 @@
       </p:cxnSp>
       <p:sp>
         <p:nvSpPr>
-          <p:cNvPr id="19" name="TextBox 18">
-            <a:extLst>
-              <a:ext uri="{FF2B5EF4-FFF2-40B4-BE49-F238E27FC236}">
-                <a16:creationId xmlns:a16="http://schemas.microsoft.com/office/drawing/2014/main" id="{6D07C209-1B60-0389-353E-3AC7CA0959B8}"/>
+          <p:cNvPr id="23" name="TextBox 22">
+            <a:extLst>
+              <a:ext uri="{FF2B5EF4-FFF2-40B4-BE49-F238E27FC236}">
+                <a16:creationId xmlns:a16="http://schemas.microsoft.com/office/drawing/2014/main" id="{3A951EE5-37DC-DEB2-A846-F3F39C5E38C3}"/>
               </a:ext>
             </a:extLst>
           </p:cNvPr>
@@ -9634,91 +9641,7 @@
         </p:nvSpPr>
         <p:spPr>
           <a:xfrm>
-            <a:off x="5693230" y="3379650"/>
-            <a:ext cx="588229" cy="276999"/>
-          </a:xfrm>
-          <a:prstGeom prst="rect">
-            <a:avLst/>
-          </a:prstGeom>
-          <a:noFill/>
-        </p:spPr>
-        <p:txBody>
-          <a:bodyPr wrap="square" rtlCol="0">
-            <a:spAutoFit/>
-          </a:bodyPr>
-          <a:lstStyle/>
-          <a:p>
-            <a:r>
-              <a:rPr lang="en-US" sz="1200" dirty="0"/>
-              <a:t>E</a:t>
-            </a:r>
-            <a:r>
-              <a:rPr lang="en-US" sz="1200" baseline="-25000" dirty="0"/>
-              <a:t>rb</a:t>
-            </a:r>
-            <a:endParaRPr lang="en-US" sz="1200" dirty="0"/>
-          </a:p>
-        </p:txBody>
-      </p:sp>
-      <p:cxnSp>
-        <p:nvCxnSpPr>
-          <p:cNvPr id="21" name="Straight Arrow Connector 20">
-            <a:extLst>
-              <a:ext uri="{FF2B5EF4-FFF2-40B4-BE49-F238E27FC236}">
-                <a16:creationId xmlns:a16="http://schemas.microsoft.com/office/drawing/2014/main" id="{01E19F28-2AFC-D3BD-997D-F851A5AB766C}"/>
-              </a:ext>
-            </a:extLst>
-          </p:cNvPr>
-          <p:cNvCxnSpPr>
-            <a:cxnSpLocks/>
-          </p:cNvCxnSpPr>
-          <p:nvPr/>
-        </p:nvCxnSpPr>
-        <p:spPr>
-          <a:xfrm flipV="1">
-            <a:off x="5531575" y="3033159"/>
-            <a:ext cx="609601" cy="160029"/>
-          </a:xfrm>
-          <a:prstGeom prst="straightConnector1">
-            <a:avLst/>
-          </a:prstGeom>
-          <a:ln>
-            <a:solidFill>
-              <a:srgbClr val="003D88"/>
-            </a:solidFill>
-            <a:tailEnd type="triangle"/>
-          </a:ln>
-        </p:spPr>
-        <p:style>
-          <a:lnRef idx="2">
-            <a:schemeClr val="accent1"/>
-          </a:lnRef>
-          <a:fillRef idx="0">
-            <a:schemeClr val="accent1"/>
-          </a:fillRef>
-          <a:effectRef idx="1">
-            <a:schemeClr val="accent1"/>
-          </a:effectRef>
-          <a:fontRef idx="minor">
-            <a:schemeClr val="tx1"/>
-          </a:fontRef>
-        </p:style>
-      </p:cxnSp>
-      <p:sp>
-        <p:nvSpPr>
-          <p:cNvPr id="23" name="TextBox 22">
-            <a:extLst>
-              <a:ext uri="{FF2B5EF4-FFF2-40B4-BE49-F238E27FC236}">
-                <a16:creationId xmlns:a16="http://schemas.microsoft.com/office/drawing/2014/main" id="{3A951EE5-37DC-DEB2-A846-F3F39C5E38C3}"/>
-              </a:ext>
-            </a:extLst>
-          </p:cNvPr>
-          <p:cNvSpPr txBox="1"/>
-          <p:nvPr/>
-        </p:nvSpPr>
-        <p:spPr>
-          <a:xfrm>
-            <a:off x="5589615" y="2822377"/>
+            <a:off x="5636906" y="2874576"/>
             <a:ext cx="588229" cy="276999"/>
           </a:xfrm>
           <a:prstGeom prst="rect">

--- a/figures/kd-figs/conceptual.pptx
+++ b/figures/kd-figs/conceptual.pptx
@@ -8,15 +8,15 @@
     <p:notesMasterId r:id="rId11"/>
   </p:notesMasterIdLst>
   <p:sldIdLst>
-    <p:sldId id="256" r:id="rId2"/>
-    <p:sldId id="260" r:id="rId3"/>
-    <p:sldId id="257" r:id="rId4"/>
-    <p:sldId id="258" r:id="rId5"/>
-    <p:sldId id="259" r:id="rId6"/>
-    <p:sldId id="263" r:id="rId7"/>
-    <p:sldId id="261" r:id="rId8"/>
-    <p:sldId id="264" r:id="rId9"/>
-    <p:sldId id="262" r:id="rId10"/>
+    <p:sldId id="260" r:id="rId2"/>
+    <p:sldId id="257" r:id="rId3"/>
+    <p:sldId id="258" r:id="rId4"/>
+    <p:sldId id="259" r:id="rId5"/>
+    <p:sldId id="263" r:id="rId6"/>
+    <p:sldId id="261" r:id="rId7"/>
+    <p:sldId id="264" r:id="rId8"/>
+    <p:sldId id="265" r:id="rId9"/>
+    <p:sldId id="266" r:id="rId10"/>
   </p:sldIdLst>
   <p:sldSz cx="12192000" cy="6858000"/>
   <p:notesSz cx="6858000" cy="9144000"/>
@@ -205,7 +205,7 @@
           <a:p>
             <a:fld id="{5F0BAA97-B2B8-EA40-A7C9-10EAB2FFF9B3}" type="datetimeFigureOut">
               <a:rPr lang="en-US" smtClean="0"/>
-              <a:t>8/23/25</a:t>
+              <a:t>9/18/25</a:t>
             </a:fld>
             <a:endParaRPr lang="en-US"/>
           </a:p>
@@ -619,7 +619,7 @@
           <a:p>
             <a:fld id="{DF4DC901-9D7D-5040-9AC4-ED1AFACCCDE5}" type="datetimeFigureOut">
               <a:rPr lang="en-US" smtClean="0"/>
-              <a:t>8/23/25</a:t>
+              <a:t>9/18/25</a:t>
             </a:fld>
             <a:endParaRPr lang="en-US"/>
           </a:p>
@@ -817,7 +817,7 @@
           <a:p>
             <a:fld id="{DF4DC901-9D7D-5040-9AC4-ED1AFACCCDE5}" type="datetimeFigureOut">
               <a:rPr lang="en-US" smtClean="0"/>
-              <a:t>8/23/25</a:t>
+              <a:t>9/18/25</a:t>
             </a:fld>
             <a:endParaRPr lang="en-US"/>
           </a:p>
@@ -1025,7 +1025,7 @@
           <a:p>
             <a:fld id="{DF4DC901-9D7D-5040-9AC4-ED1AFACCCDE5}" type="datetimeFigureOut">
               <a:rPr lang="en-US" smtClean="0"/>
-              <a:t>8/23/25</a:t>
+              <a:t>9/18/25</a:t>
             </a:fld>
             <a:endParaRPr lang="en-US"/>
           </a:p>
@@ -1223,7 +1223,7 @@
           <a:p>
             <a:fld id="{DF4DC901-9D7D-5040-9AC4-ED1AFACCCDE5}" type="datetimeFigureOut">
               <a:rPr lang="en-US" smtClean="0"/>
-              <a:t>8/23/25</a:t>
+              <a:t>9/18/25</a:t>
             </a:fld>
             <a:endParaRPr lang="en-US"/>
           </a:p>
@@ -1498,7 +1498,7 @@
           <a:p>
             <a:fld id="{DF4DC901-9D7D-5040-9AC4-ED1AFACCCDE5}" type="datetimeFigureOut">
               <a:rPr lang="en-US" smtClean="0"/>
-              <a:t>8/23/25</a:t>
+              <a:t>9/18/25</a:t>
             </a:fld>
             <a:endParaRPr lang="en-US"/>
           </a:p>
@@ -1763,7 +1763,7 @@
           <a:p>
             <a:fld id="{DF4DC901-9D7D-5040-9AC4-ED1AFACCCDE5}" type="datetimeFigureOut">
               <a:rPr lang="en-US" smtClean="0"/>
-              <a:t>8/23/25</a:t>
+              <a:t>9/18/25</a:t>
             </a:fld>
             <a:endParaRPr lang="en-US"/>
           </a:p>
@@ -2175,7 +2175,7 @@
           <a:p>
             <a:fld id="{DF4DC901-9D7D-5040-9AC4-ED1AFACCCDE5}" type="datetimeFigureOut">
               <a:rPr lang="en-US" smtClean="0"/>
-              <a:t>8/23/25</a:t>
+              <a:t>9/18/25</a:t>
             </a:fld>
             <a:endParaRPr lang="en-US"/>
           </a:p>
@@ -2316,7 +2316,7 @@
           <a:p>
             <a:fld id="{DF4DC901-9D7D-5040-9AC4-ED1AFACCCDE5}" type="datetimeFigureOut">
               <a:rPr lang="en-US" smtClean="0"/>
-              <a:t>8/23/25</a:t>
+              <a:t>9/18/25</a:t>
             </a:fld>
             <a:endParaRPr lang="en-US"/>
           </a:p>
@@ -2429,7 +2429,7 @@
           <a:p>
             <a:fld id="{DF4DC901-9D7D-5040-9AC4-ED1AFACCCDE5}" type="datetimeFigureOut">
               <a:rPr lang="en-US" smtClean="0"/>
-              <a:t>8/23/25</a:t>
+              <a:t>9/18/25</a:t>
             </a:fld>
             <a:endParaRPr lang="en-US"/>
           </a:p>
@@ -2740,7 +2740,7 @@
           <a:p>
             <a:fld id="{DF4DC901-9D7D-5040-9AC4-ED1AFACCCDE5}" type="datetimeFigureOut">
               <a:rPr lang="en-US" smtClean="0"/>
-              <a:t>8/23/25</a:t>
+              <a:t>9/18/25</a:t>
             </a:fld>
             <a:endParaRPr lang="en-US"/>
           </a:p>
@@ -3028,7 +3028,7 @@
           <a:p>
             <a:fld id="{DF4DC901-9D7D-5040-9AC4-ED1AFACCCDE5}" type="datetimeFigureOut">
               <a:rPr lang="en-US" smtClean="0"/>
-              <a:t>8/23/25</a:t>
+              <a:t>9/18/25</a:t>
             </a:fld>
             <a:endParaRPr lang="en-US"/>
           </a:p>
@@ -3269,7 +3269,7 @@
           <a:p>
             <a:fld id="{DF4DC901-9D7D-5040-9AC4-ED1AFACCCDE5}" type="datetimeFigureOut">
               <a:rPr lang="en-US" smtClean="0"/>
-              <a:t>8/23/25</a:t>
+              <a:t>9/18/25</a:t>
             </a:fld>
             <a:endParaRPr lang="en-US"/>
           </a:p>
@@ -3688,10 +3688,10 @@
       </p:grpSpPr>
       <p:pic>
         <p:nvPicPr>
-          <p:cNvPr id="5" name="Picture 4" descr="A diagram of a red explosion&#10;&#10;AI-generated content may be incorrect.">
-            <a:extLst>
-              <a:ext uri="{FF2B5EF4-FFF2-40B4-BE49-F238E27FC236}">
-                <a16:creationId xmlns:a16="http://schemas.microsoft.com/office/drawing/2014/main" id="{581FC5BE-8F55-C2D3-FACE-47A149819648}"/>
+          <p:cNvPr id="5" name="Picture 4" descr="A blue and yellow line&#10;&#10;AI-generated content may be incorrect.">
+            <a:extLst>
+              <a:ext uri="{FF2B5EF4-FFF2-40B4-BE49-F238E27FC236}">
+                <a16:creationId xmlns:a16="http://schemas.microsoft.com/office/drawing/2014/main" id="{46FB36E7-DE95-36F1-CA9C-EE4C03679A3E}"/>
               </a:ext>
             </a:extLst>
           </p:cNvPr>
@@ -3708,372 +3708,47 @@
         </p:blipFill>
         <p:spPr>
           <a:xfrm>
-            <a:off x="1970756" y="0"/>
-            <a:ext cx="7772400" cy="6460602"/>
+            <a:off x="1082003" y="1507441"/>
+            <a:ext cx="4584700" cy="4445000"/>
           </a:xfrm>
           <a:prstGeom prst="rect">
             <a:avLst/>
           </a:prstGeom>
         </p:spPr>
       </p:pic>
-      <p:cxnSp>
-        <p:nvCxnSpPr>
-          <p:cNvPr id="7" name="Straight Connector 6">
-            <a:extLst>
-              <a:ext uri="{FF2B5EF4-FFF2-40B4-BE49-F238E27FC236}">
-                <a16:creationId xmlns:a16="http://schemas.microsoft.com/office/drawing/2014/main" id="{ACFA0EE8-3CB7-90DF-FF08-239732A07CF8}"/>
-              </a:ext>
-            </a:extLst>
-          </p:cNvPr>
-          <p:cNvCxnSpPr>
-            <a:cxnSpLocks/>
-          </p:cNvCxnSpPr>
-          <p:nvPr/>
-        </p:nvCxnSpPr>
-        <p:spPr>
-          <a:xfrm>
-            <a:off x="6665205" y="407624"/>
-            <a:ext cx="0" cy="5475383"/>
-          </a:xfrm>
-          <a:prstGeom prst="line">
-            <a:avLst/>
-          </a:prstGeom>
-          <a:ln w="38100">
-            <a:solidFill>
-              <a:schemeClr val="tx1"/>
-            </a:solidFill>
-          </a:ln>
-        </p:spPr>
-        <p:style>
-          <a:lnRef idx="2">
-            <a:schemeClr val="dk1"/>
-          </a:lnRef>
-          <a:fillRef idx="0">
-            <a:schemeClr val="dk1"/>
-          </a:fillRef>
-          <a:effectRef idx="1">
-            <a:schemeClr val="dk1"/>
-          </a:effectRef>
-          <a:fontRef idx="minor">
-            <a:schemeClr val="tx1"/>
-          </a:fontRef>
-        </p:style>
-      </p:cxnSp>
-      <p:cxnSp>
-        <p:nvCxnSpPr>
-          <p:cNvPr id="9" name="Straight Connector 8">
-            <a:extLst>
-              <a:ext uri="{FF2B5EF4-FFF2-40B4-BE49-F238E27FC236}">
-                <a16:creationId xmlns:a16="http://schemas.microsoft.com/office/drawing/2014/main" id="{604546A6-1B8A-E60D-7D0A-A455E50C2F77}"/>
-              </a:ext>
-            </a:extLst>
-          </p:cNvPr>
-          <p:cNvCxnSpPr>
-            <a:cxnSpLocks/>
-          </p:cNvCxnSpPr>
-          <p:nvPr/>
-        </p:nvCxnSpPr>
-        <p:spPr>
-          <a:xfrm>
-            <a:off x="2776251" y="2423712"/>
-            <a:ext cx="5827922" cy="0"/>
-          </a:xfrm>
-          <a:prstGeom prst="line">
-            <a:avLst/>
-          </a:prstGeom>
-          <a:ln w="38100">
-            <a:solidFill>
-              <a:schemeClr val="tx1"/>
-            </a:solidFill>
-          </a:ln>
-        </p:spPr>
-        <p:style>
-          <a:lnRef idx="2">
-            <a:schemeClr val="dk1"/>
-          </a:lnRef>
-          <a:fillRef idx="0">
-            <a:schemeClr val="dk1"/>
-          </a:fillRef>
-          <a:effectRef idx="1">
-            <a:schemeClr val="dk1"/>
-          </a:effectRef>
-          <a:fontRef idx="minor">
-            <a:schemeClr val="tx1"/>
-          </a:fontRef>
-        </p:style>
-      </p:cxnSp>
-      <p:sp>
-        <p:nvSpPr>
-          <p:cNvPr id="12" name="Rectangle 11">
-            <a:extLst>
-              <a:ext uri="{FF2B5EF4-FFF2-40B4-BE49-F238E27FC236}">
-                <a16:creationId xmlns:a16="http://schemas.microsoft.com/office/drawing/2014/main" id="{64C31A48-9C55-7CDE-B1AE-B97863C6BFED}"/>
-              </a:ext>
-            </a:extLst>
-          </p:cNvPr>
-          <p:cNvSpPr/>
-          <p:nvPr/>
-        </p:nvSpPr>
-        <p:spPr>
-          <a:xfrm>
-            <a:off x="2776251" y="110166"/>
-            <a:ext cx="5827922" cy="2302526"/>
-          </a:xfrm>
-          <a:prstGeom prst="rect">
-            <a:avLst/>
-          </a:prstGeom>
-          <a:solidFill>
-            <a:srgbClr val="C1E5F5">
-              <a:alpha val="43137"/>
-            </a:srgbClr>
-          </a:solidFill>
-        </p:spPr>
-        <p:style>
-          <a:lnRef idx="2">
-            <a:schemeClr val="accent1">
-              <a:shade val="15000"/>
-            </a:schemeClr>
-          </a:lnRef>
-          <a:fillRef idx="1">
-            <a:schemeClr val="accent1"/>
-          </a:fillRef>
-          <a:effectRef idx="0">
-            <a:schemeClr val="accent1"/>
-          </a:effectRef>
-          <a:fontRef idx="minor">
-            <a:schemeClr val="lt1"/>
-          </a:fontRef>
-        </p:style>
-        <p:txBody>
-          <a:bodyPr rtlCol="0" anchor="ctr"/>
-          <a:lstStyle/>
-          <a:p>
-            <a:pPr algn="ctr"/>
-            <a:endParaRPr lang="en-US" b="1" dirty="0">
-              <a:solidFill>
-                <a:sysClr val="windowText" lastClr="000000"/>
-              </a:solidFill>
-            </a:endParaRPr>
-          </a:p>
-        </p:txBody>
-      </p:sp>
-      <p:sp>
-        <p:nvSpPr>
-          <p:cNvPr id="14" name="Rectangle 13">
-            <a:extLst>
-              <a:ext uri="{FF2B5EF4-FFF2-40B4-BE49-F238E27FC236}">
-                <a16:creationId xmlns:a16="http://schemas.microsoft.com/office/drawing/2014/main" id="{D40591E2-8B43-B725-769E-C5B944868FFF}"/>
-              </a:ext>
-            </a:extLst>
-          </p:cNvPr>
-          <p:cNvSpPr/>
-          <p:nvPr/>
-        </p:nvSpPr>
-        <p:spPr>
-          <a:xfrm>
-            <a:off x="2776251" y="2423711"/>
-            <a:ext cx="3888954" cy="3459296"/>
-          </a:xfrm>
-          <a:prstGeom prst="rect">
-            <a:avLst/>
-          </a:prstGeom>
-          <a:solidFill>
-            <a:schemeClr val="accent5">
-              <a:lumMod val="20000"/>
-              <a:lumOff val="80000"/>
-              <a:alpha val="43137"/>
-            </a:schemeClr>
-          </a:solidFill>
-          <a:ln>
-            <a:solidFill>
-              <a:schemeClr val="tx1"/>
-            </a:solidFill>
-          </a:ln>
-        </p:spPr>
-        <p:style>
-          <a:lnRef idx="2">
-            <a:schemeClr val="accent1">
-              <a:shade val="15000"/>
-            </a:schemeClr>
-          </a:lnRef>
-          <a:fillRef idx="1">
-            <a:schemeClr val="accent1"/>
-          </a:fillRef>
-          <a:effectRef idx="0">
-            <a:schemeClr val="accent1"/>
-          </a:effectRef>
-          <a:fontRef idx="minor">
-            <a:schemeClr val="lt1"/>
-          </a:fontRef>
-        </p:style>
-        <p:txBody>
-          <a:bodyPr rtlCol="0" anchor="ctr"/>
-          <a:lstStyle/>
-          <a:p>
-            <a:pPr algn="ctr"/>
-            <a:r>
-              <a:rPr lang="en-US" b="1" dirty="0">
-                <a:solidFill>
-                  <a:sysClr val="windowText" lastClr="000000"/>
-                </a:solidFill>
-              </a:rPr>
-              <a:t>TOWARD </a:t>
-            </a:r>
-          </a:p>
-          <a:p>
-            <a:pPr algn="ctr"/>
-            <a:r>
-              <a:rPr lang="en-US" b="1" dirty="0">
-                <a:solidFill>
-                  <a:sysClr val="windowText" lastClr="000000"/>
-                </a:solidFill>
-              </a:rPr>
-              <a:t>NEUTRALITY</a:t>
-            </a:r>
-          </a:p>
-        </p:txBody>
-      </p:sp>
-      <p:sp>
-        <p:nvSpPr>
-          <p:cNvPr id="15" name="Rectangle 14">
-            <a:extLst>
-              <a:ext uri="{FF2B5EF4-FFF2-40B4-BE49-F238E27FC236}">
-                <a16:creationId xmlns:a16="http://schemas.microsoft.com/office/drawing/2014/main" id="{9A5A882B-2E8B-095B-FB06-15DED5678B52}"/>
-              </a:ext>
-            </a:extLst>
-          </p:cNvPr>
-          <p:cNvSpPr/>
-          <p:nvPr/>
-        </p:nvSpPr>
-        <p:spPr>
-          <a:xfrm>
-            <a:off x="6656942" y="2423711"/>
-            <a:ext cx="1944476" cy="3459291"/>
-          </a:xfrm>
-          <a:prstGeom prst="rect">
-            <a:avLst/>
-          </a:prstGeom>
-          <a:solidFill>
-            <a:srgbClr val="C1E5F5">
-              <a:alpha val="43137"/>
-            </a:srgbClr>
-          </a:solidFill>
-        </p:spPr>
-        <p:style>
-          <a:lnRef idx="2">
-            <a:schemeClr val="accent1">
-              <a:shade val="15000"/>
-            </a:schemeClr>
-          </a:lnRef>
-          <a:fillRef idx="1">
-            <a:schemeClr val="accent1"/>
-          </a:fillRef>
-          <a:effectRef idx="0">
-            <a:schemeClr val="accent1"/>
-          </a:effectRef>
-          <a:fontRef idx="minor">
-            <a:schemeClr val="lt1"/>
-          </a:fontRef>
-        </p:style>
-        <p:txBody>
-          <a:bodyPr rtlCol="0" anchor="ctr"/>
-          <a:lstStyle/>
-          <a:p>
-            <a:pPr algn="ctr"/>
-            <a:endParaRPr lang="en-US" dirty="0"/>
-          </a:p>
-        </p:txBody>
-      </p:sp>
-      <p:sp>
-        <p:nvSpPr>
-          <p:cNvPr id="16" name="TextBox 15">
-            <a:extLst>
-              <a:ext uri="{FF2B5EF4-FFF2-40B4-BE49-F238E27FC236}">
-                <a16:creationId xmlns:a16="http://schemas.microsoft.com/office/drawing/2014/main" id="{D4CB6D70-38AF-47A0-2935-EF4C34031A10}"/>
-              </a:ext>
-            </a:extLst>
-          </p:cNvPr>
-          <p:cNvSpPr txBox="1"/>
-          <p:nvPr/>
-        </p:nvSpPr>
-        <p:spPr>
-          <a:xfrm>
-            <a:off x="4015649" y="651827"/>
-            <a:ext cx="3349126" cy="646331"/>
-          </a:xfrm>
-          <a:prstGeom prst="rect">
-            <a:avLst/>
-          </a:prstGeom>
-          <a:noFill/>
-        </p:spPr>
-        <p:txBody>
-          <a:bodyPr wrap="square" rtlCol="0">
-            <a:spAutoFit/>
-          </a:bodyPr>
-          <a:lstStyle/>
-          <a:p>
-            <a:pPr algn="ctr"/>
-            <a:r>
-              <a:rPr lang="en-US" b="1" dirty="0"/>
-              <a:t>AWAY FROM </a:t>
-            </a:r>
-          </a:p>
-          <a:p>
-            <a:pPr algn="ctr"/>
-            <a:r>
-              <a:rPr lang="en-US" b="1" dirty="0"/>
-              <a:t>NEUTRALITY</a:t>
-            </a:r>
-          </a:p>
-        </p:txBody>
-      </p:sp>
-      <p:sp>
-        <p:nvSpPr>
-          <p:cNvPr id="17" name="TextBox 16">
-            <a:extLst>
-              <a:ext uri="{FF2B5EF4-FFF2-40B4-BE49-F238E27FC236}">
-                <a16:creationId xmlns:a16="http://schemas.microsoft.com/office/drawing/2014/main" id="{89D2A802-8F34-CA32-E377-8AA61CE724C2}"/>
-              </a:ext>
-            </a:extLst>
-          </p:cNvPr>
-          <p:cNvSpPr txBox="1"/>
-          <p:nvPr/>
-        </p:nvSpPr>
-        <p:spPr>
-          <a:xfrm rot="5400000">
-            <a:off x="6295672" y="3962396"/>
-            <a:ext cx="3349126" cy="646331"/>
-          </a:xfrm>
-          <a:prstGeom prst="rect">
-            <a:avLst/>
-          </a:prstGeom>
-          <a:noFill/>
-        </p:spPr>
-        <p:txBody>
-          <a:bodyPr wrap="square" rtlCol="0">
-            <a:spAutoFit/>
-          </a:bodyPr>
-          <a:lstStyle/>
-          <a:p>
-            <a:pPr algn="ctr"/>
-            <a:r>
-              <a:rPr lang="en-US" b="1" dirty="0"/>
-              <a:t>AWAY FROM </a:t>
-            </a:r>
-          </a:p>
-          <a:p>
-            <a:pPr algn="ctr"/>
-            <a:r>
-              <a:rPr lang="en-US" b="1" dirty="0"/>
-              <a:t>NEUTRALITY</a:t>
-            </a:r>
-          </a:p>
-        </p:txBody>
-      </p:sp>
+      <p:pic>
+        <p:nvPicPr>
+          <p:cNvPr id="7" name="Picture 6">
+            <a:extLst>
+              <a:ext uri="{FF2B5EF4-FFF2-40B4-BE49-F238E27FC236}">
+                <a16:creationId xmlns:a16="http://schemas.microsoft.com/office/drawing/2014/main" id="{5687B8C4-5C79-DBA7-FF10-EE462AD4389D}"/>
+              </a:ext>
+            </a:extLst>
+          </p:cNvPr>
+          <p:cNvPicPr>
+            <a:picLocks noChangeAspect="1"/>
+          </p:cNvPicPr>
+          <p:nvPr/>
+        </p:nvPicPr>
+        <p:blipFill>
+          <a:blip r:embed="rId3"/>
+          <a:srcRect/>
+          <a:stretch/>
+        </p:blipFill>
+        <p:spPr>
+          <a:xfrm>
+            <a:off x="6001400" y="1507441"/>
+            <a:ext cx="4907158" cy="4444999"/>
+          </a:xfrm>
+          <a:prstGeom prst="rect">
+            <a:avLst/>
+          </a:prstGeom>
+        </p:spPr>
+      </p:pic>
     </p:spTree>
     <p:extLst>
       <p:ext uri="{BB962C8B-B14F-4D97-AF65-F5344CB8AC3E}">
-        <p14:creationId xmlns:p14="http://schemas.microsoft.com/office/powerpoint/2010/main" val="3059908520"/>
+        <p14:creationId xmlns:p14="http://schemas.microsoft.com/office/powerpoint/2010/main" val="1077596209"/>
       </p:ext>
     </p:extLst>
   </p:cSld>
@@ -4100,95 +3775,6 @@
           <a:chExt cx="0" cy="0"/>
         </a:xfrm>
       </p:grpSpPr>
-      <p:pic>
-        <p:nvPicPr>
-          <p:cNvPr id="5" name="Picture 4" descr="A blue and yellow line&#10;&#10;AI-generated content may be incorrect.">
-            <a:extLst>
-              <a:ext uri="{FF2B5EF4-FFF2-40B4-BE49-F238E27FC236}">
-                <a16:creationId xmlns:a16="http://schemas.microsoft.com/office/drawing/2014/main" id="{46FB36E7-DE95-36F1-CA9C-EE4C03679A3E}"/>
-              </a:ext>
-            </a:extLst>
-          </p:cNvPr>
-          <p:cNvPicPr>
-            <a:picLocks noChangeAspect="1"/>
-          </p:cNvPicPr>
-          <p:nvPr/>
-        </p:nvPicPr>
-        <p:blipFill>
-          <a:blip r:embed="rId2"/>
-          <a:stretch>
-            <a:fillRect/>
-          </a:stretch>
-        </p:blipFill>
-        <p:spPr>
-          <a:xfrm>
-            <a:off x="1082003" y="1507441"/>
-            <a:ext cx="4584700" cy="4445000"/>
-          </a:xfrm>
-          <a:prstGeom prst="rect">
-            <a:avLst/>
-          </a:prstGeom>
-        </p:spPr>
-      </p:pic>
-      <p:pic>
-        <p:nvPicPr>
-          <p:cNvPr id="7" name="Picture 6">
-            <a:extLst>
-              <a:ext uri="{FF2B5EF4-FFF2-40B4-BE49-F238E27FC236}">
-                <a16:creationId xmlns:a16="http://schemas.microsoft.com/office/drawing/2014/main" id="{5687B8C4-5C79-DBA7-FF10-EE462AD4389D}"/>
-              </a:ext>
-            </a:extLst>
-          </p:cNvPr>
-          <p:cNvPicPr>
-            <a:picLocks noChangeAspect="1"/>
-          </p:cNvPicPr>
-          <p:nvPr/>
-        </p:nvPicPr>
-        <p:blipFill>
-          <a:blip r:embed="rId3"/>
-          <a:srcRect/>
-          <a:stretch/>
-        </p:blipFill>
-        <p:spPr>
-          <a:xfrm>
-            <a:off x="6001400" y="1507441"/>
-            <a:ext cx="4907158" cy="4444999"/>
-          </a:xfrm>
-          <a:prstGeom prst="rect">
-            <a:avLst/>
-          </a:prstGeom>
-        </p:spPr>
-      </p:pic>
-    </p:spTree>
-    <p:extLst>
-      <p:ext uri="{BB962C8B-B14F-4D97-AF65-F5344CB8AC3E}">
-        <p14:creationId xmlns:p14="http://schemas.microsoft.com/office/powerpoint/2010/main" val="1077596209"/>
-      </p:ext>
-    </p:extLst>
-  </p:cSld>
-  <p:clrMapOvr>
-    <a:masterClrMapping/>
-  </p:clrMapOvr>
-</p:sld>
-</file>
-
-<file path=ppt/slides/slide3.xml><?xml version="1.0" encoding="utf-8"?>
-<p:sld xmlns:a="http://schemas.openxmlformats.org/drawingml/2006/main" xmlns:r="http://schemas.openxmlformats.org/officeDocument/2006/relationships" xmlns:p="http://schemas.openxmlformats.org/presentationml/2006/main">
-  <p:cSld>
-    <p:spTree>
-      <p:nvGrpSpPr>
-        <p:cNvPr id="1" name=""/>
-        <p:cNvGrpSpPr/>
-        <p:nvPr/>
-      </p:nvGrpSpPr>
-      <p:grpSpPr>
-        <a:xfrm>
-          <a:off x="0" y="0"/>
-          <a:ext cx="0" cy="0"/>
-          <a:chOff x="0" y="0"/>
-          <a:chExt cx="0" cy="0"/>
-        </a:xfrm>
-      </p:grpSpPr>
       <p:sp>
         <p:nvSpPr>
           <p:cNvPr id="4" name="Rounded Rectangle 3">
@@ -5125,7 +4711,7 @@
 </p:sld>
 </file>
 
-<file path=ppt/slides/slide4.xml><?xml version="1.0" encoding="utf-8"?>
+<file path=ppt/slides/slide3.xml><?xml version="1.0" encoding="utf-8"?>
 <p:sld xmlns:a="http://schemas.openxmlformats.org/drawingml/2006/main" xmlns:r="http://schemas.openxmlformats.org/officeDocument/2006/relationships" xmlns:p="http://schemas.openxmlformats.org/presentationml/2006/main">
   <p:cSld>
     <p:spTree>
@@ -6036,7 +5622,7 @@
 </p:sld>
 </file>
 
-<file path=ppt/slides/slide5.xml><?xml version="1.0" encoding="utf-8"?>
+<file path=ppt/slides/slide4.xml><?xml version="1.0" encoding="utf-8"?>
 <p:sld xmlns:a="http://schemas.openxmlformats.org/drawingml/2006/main" xmlns:r="http://schemas.openxmlformats.org/officeDocument/2006/relationships" xmlns:p="http://schemas.openxmlformats.org/presentationml/2006/main">
   <p:cSld>
     <p:spTree>
@@ -7360,7 +6946,7 @@
 </p:sld>
 </file>
 
-<file path=ppt/slides/slide6.xml><?xml version="1.0" encoding="utf-8"?>
+<file path=ppt/slides/slide5.xml><?xml version="1.0" encoding="utf-8"?>
 <p:sld xmlns:a="http://schemas.openxmlformats.org/drawingml/2006/main" xmlns:r="http://schemas.openxmlformats.org/officeDocument/2006/relationships" xmlns:p="http://schemas.openxmlformats.org/presentationml/2006/main">
   <p:cSld>
     <p:spTree>
@@ -7854,7 +7440,7 @@
 </p:sld>
 </file>
 
-<file path=ppt/slides/slide7.xml><?xml version="1.0" encoding="utf-8"?>
+<file path=ppt/slides/slide6.xml><?xml version="1.0" encoding="utf-8"?>
 <p:sld xmlns:a="http://schemas.openxmlformats.org/drawingml/2006/main" xmlns:r="http://schemas.openxmlformats.org/officeDocument/2006/relationships" xmlns:p="http://schemas.openxmlformats.org/presentationml/2006/main">
   <p:cSld>
     <p:spTree>
@@ -9211,6 +8797,466 @@
     <p:extLst>
       <p:ext uri="{BB962C8B-B14F-4D97-AF65-F5344CB8AC3E}">
         <p14:creationId xmlns:p14="http://schemas.microsoft.com/office/powerpoint/2010/main" val="3671380772"/>
+      </p:ext>
+    </p:extLst>
+  </p:cSld>
+  <p:clrMapOvr>
+    <a:masterClrMapping/>
+  </p:clrMapOvr>
+</p:sld>
+</file>
+
+<file path=ppt/slides/slide7.xml><?xml version="1.0" encoding="utf-8"?>
+<p:sld xmlns:a="http://schemas.openxmlformats.org/drawingml/2006/main" xmlns:r="http://schemas.openxmlformats.org/officeDocument/2006/relationships" xmlns:p="http://schemas.openxmlformats.org/presentationml/2006/main">
+  <p:cSld>
+    <p:spTree>
+      <p:nvGrpSpPr>
+        <p:cNvPr id="1" name=""/>
+        <p:cNvGrpSpPr/>
+        <p:nvPr/>
+      </p:nvGrpSpPr>
+      <p:grpSpPr>
+        <a:xfrm>
+          <a:off x="0" y="0"/>
+          <a:ext cx="0" cy="0"/>
+          <a:chOff x="0" y="0"/>
+          <a:chExt cx="0" cy="0"/>
+        </a:xfrm>
+      </p:grpSpPr>
+      <p:pic>
+        <p:nvPicPr>
+          <p:cNvPr id="5" name="Picture 4">
+            <a:extLst>
+              <a:ext uri="{FF2B5EF4-FFF2-40B4-BE49-F238E27FC236}">
+                <a16:creationId xmlns:a16="http://schemas.microsoft.com/office/drawing/2014/main" id="{9F42E330-4C9C-5FF7-86F1-1FFE0DCAE1DF}"/>
+              </a:ext>
+            </a:extLst>
+          </p:cNvPr>
+          <p:cNvPicPr>
+            <a:picLocks noChangeAspect="1"/>
+          </p:cNvPicPr>
+          <p:nvPr/>
+        </p:nvPicPr>
+        <p:blipFill>
+          <a:blip r:embed="rId2"/>
+          <a:srcRect l="1850" r="3796"/>
+          <a:stretch/>
+        </p:blipFill>
+        <p:spPr>
+          <a:xfrm>
+            <a:off x="157164" y="1499919"/>
+            <a:ext cx="4260056" cy="3391344"/>
+          </a:xfrm>
+          <a:prstGeom prst="rect">
+            <a:avLst/>
+          </a:prstGeom>
+        </p:spPr>
+      </p:pic>
+      <p:pic>
+        <p:nvPicPr>
+          <p:cNvPr id="6" name="Picture 5">
+            <a:extLst>
+              <a:ext uri="{FF2B5EF4-FFF2-40B4-BE49-F238E27FC236}">
+                <a16:creationId xmlns:a16="http://schemas.microsoft.com/office/drawing/2014/main" id="{58DF6D50-0003-9D90-89CD-A7A95C592D66}"/>
+              </a:ext>
+            </a:extLst>
+          </p:cNvPr>
+          <p:cNvPicPr>
+            <a:picLocks noChangeAspect="1"/>
+          </p:cNvPicPr>
+          <p:nvPr/>
+        </p:nvPicPr>
+        <p:blipFill>
+          <a:blip r:embed="rId3"/>
+          <a:srcRect l="1900" r="1900"/>
+          <a:stretch/>
+        </p:blipFill>
+        <p:spPr>
+          <a:xfrm>
+            <a:off x="8512563" y="1604328"/>
+            <a:ext cx="3383345" cy="3589223"/>
+          </a:xfrm>
+          <a:prstGeom prst="rect">
+            <a:avLst/>
+          </a:prstGeom>
+        </p:spPr>
+      </p:pic>
+      <p:sp>
+        <p:nvSpPr>
+          <p:cNvPr id="7" name="TextBox 6">
+            <a:extLst>
+              <a:ext uri="{FF2B5EF4-FFF2-40B4-BE49-F238E27FC236}">
+                <a16:creationId xmlns:a16="http://schemas.microsoft.com/office/drawing/2014/main" id="{4F2FEA2F-D331-4DDD-9F3C-D7F39F3D33E2}"/>
+              </a:ext>
+            </a:extLst>
+          </p:cNvPr>
+          <p:cNvSpPr txBox="1"/>
+          <p:nvPr/>
+        </p:nvSpPr>
+        <p:spPr>
+          <a:xfrm>
+            <a:off x="3275084" y="495827"/>
+            <a:ext cx="4714369" cy="461665"/>
+          </a:xfrm>
+          <a:prstGeom prst="rect">
+            <a:avLst/>
+          </a:prstGeom>
+          <a:noFill/>
+        </p:spPr>
+        <p:txBody>
+          <a:bodyPr wrap="square" rtlCol="0">
+            <a:spAutoFit/>
+          </a:bodyPr>
+          <a:lstStyle/>
+          <a:p>
+            <a:r>
+              <a:rPr lang="en-US" sz="2400" dirty="0"/>
+              <a:t>Intra-process thermal asymmetry</a:t>
+            </a:r>
+          </a:p>
+        </p:txBody>
+      </p:sp>
+      <p:pic>
+        <p:nvPicPr>
+          <p:cNvPr id="9" name="Picture 8">
+            <a:extLst>
+              <a:ext uri="{FF2B5EF4-FFF2-40B4-BE49-F238E27FC236}">
+                <a16:creationId xmlns:a16="http://schemas.microsoft.com/office/drawing/2014/main" id="{9B1CBAB2-8000-6026-E623-397D34194199}"/>
+              </a:ext>
+            </a:extLst>
+          </p:cNvPr>
+          <p:cNvPicPr>
+            <a:picLocks noChangeAspect="1"/>
+          </p:cNvPicPr>
+          <p:nvPr/>
+        </p:nvPicPr>
+        <p:blipFill>
+          <a:blip r:embed="rId4"/>
+          <a:srcRect t="6370"/>
+          <a:stretch/>
+        </p:blipFill>
+        <p:spPr>
+          <a:xfrm>
+            <a:off x="4820059" y="1762735"/>
+            <a:ext cx="3326673" cy="3114762"/>
+          </a:xfrm>
+          <a:prstGeom prst="rect">
+            <a:avLst/>
+          </a:prstGeom>
+        </p:spPr>
+      </p:pic>
+      <p:pic>
+        <p:nvPicPr>
+          <p:cNvPr id="10" name="Picture 9" descr="A black text on a white background&#10;&#10;AI-generated content may be incorrect.">
+            <a:extLst>
+              <a:ext uri="{FF2B5EF4-FFF2-40B4-BE49-F238E27FC236}">
+                <a16:creationId xmlns:a16="http://schemas.microsoft.com/office/drawing/2014/main" id="{E2EBAB9A-D4FC-0920-24BD-F9303FDA029E}"/>
+              </a:ext>
+            </a:extLst>
+          </p:cNvPr>
+          <p:cNvPicPr>
+            <a:picLocks noChangeAspect="1"/>
+          </p:cNvPicPr>
+          <p:nvPr/>
+        </p:nvPicPr>
+        <p:blipFill>
+          <a:blip r:embed="rId5"/>
+          <a:stretch>
+            <a:fillRect/>
+          </a:stretch>
+        </p:blipFill>
+        <p:spPr>
+          <a:xfrm>
+            <a:off x="5693230" y="4574870"/>
+            <a:ext cx="1837507" cy="381559"/>
+          </a:xfrm>
+          <a:prstGeom prst="rect">
+            <a:avLst/>
+          </a:prstGeom>
+        </p:spPr>
+      </p:pic>
+      <p:pic>
+        <p:nvPicPr>
+          <p:cNvPr id="11" name="Picture 10" descr="A black text on a white background&#10;&#10;AI-generated content may be incorrect.">
+            <a:extLst>
+              <a:ext uri="{FF2B5EF4-FFF2-40B4-BE49-F238E27FC236}">
+                <a16:creationId xmlns:a16="http://schemas.microsoft.com/office/drawing/2014/main" id="{FD02FED3-3C58-38B1-8351-EDF409388ED2}"/>
+              </a:ext>
+            </a:extLst>
+          </p:cNvPr>
+          <p:cNvPicPr>
+            <a:picLocks noChangeAspect="1"/>
+          </p:cNvPicPr>
+          <p:nvPr/>
+        </p:nvPicPr>
+        <p:blipFill>
+          <a:blip r:embed="rId6"/>
+          <a:stretch>
+            <a:fillRect/>
+          </a:stretch>
+        </p:blipFill>
+        <p:spPr>
+          <a:xfrm>
+            <a:off x="4634047" y="2640648"/>
+            <a:ext cx="457201" cy="1016001"/>
+          </a:xfrm>
+          <a:prstGeom prst="rect">
+            <a:avLst/>
+          </a:prstGeom>
+        </p:spPr>
+      </p:pic>
+      <p:sp>
+        <p:nvSpPr>
+          <p:cNvPr id="15" name="TextBox 14">
+            <a:extLst>
+              <a:ext uri="{FF2B5EF4-FFF2-40B4-BE49-F238E27FC236}">
+                <a16:creationId xmlns:a16="http://schemas.microsoft.com/office/drawing/2014/main" id="{1599232C-7A1F-1F48-9E21-76F0536605E3}"/>
+              </a:ext>
+            </a:extLst>
+          </p:cNvPr>
+          <p:cNvSpPr txBox="1"/>
+          <p:nvPr/>
+        </p:nvSpPr>
+        <p:spPr>
+          <a:xfrm>
+            <a:off x="5156160" y="3196046"/>
+            <a:ext cx="415833" cy="307777"/>
+          </a:xfrm>
+          <a:prstGeom prst="rect">
+            <a:avLst/>
+          </a:prstGeom>
+          <a:noFill/>
+        </p:spPr>
+        <p:txBody>
+          <a:bodyPr wrap="square" rtlCol="0">
+            <a:spAutoFit/>
+          </a:bodyPr>
+          <a:lstStyle/>
+          <a:p>
+            <a:r>
+              <a:rPr lang="en-US" sz="1400" dirty="0"/>
+              <a:t>r</a:t>
+            </a:r>
+            <a:r>
+              <a:rPr lang="en-US" sz="1400" baseline="-25000" dirty="0"/>
+              <a:t>a</a:t>
+            </a:r>
+            <a:endParaRPr lang="en-US" sz="1400" dirty="0"/>
+          </a:p>
+        </p:txBody>
+      </p:sp>
+      <p:sp>
+        <p:nvSpPr>
+          <p:cNvPr id="16" name="TextBox 15">
+            <a:extLst>
+              <a:ext uri="{FF2B5EF4-FFF2-40B4-BE49-F238E27FC236}">
+                <a16:creationId xmlns:a16="http://schemas.microsoft.com/office/drawing/2014/main" id="{44FDFD56-88C1-C84C-D01F-B85EA5FD2B15}"/>
+              </a:ext>
+            </a:extLst>
+          </p:cNvPr>
+          <p:cNvSpPr txBox="1"/>
+          <p:nvPr/>
+        </p:nvSpPr>
+        <p:spPr>
+          <a:xfrm>
+            <a:off x="5171209" y="3760860"/>
+            <a:ext cx="415833" cy="307777"/>
+          </a:xfrm>
+          <a:prstGeom prst="rect">
+            <a:avLst/>
+          </a:prstGeom>
+          <a:noFill/>
+        </p:spPr>
+        <p:txBody>
+          <a:bodyPr wrap="square" rtlCol="0">
+            <a:spAutoFit/>
+          </a:bodyPr>
+          <a:lstStyle/>
+          <a:p>
+            <a:r>
+              <a:rPr lang="en-US" sz="1400" dirty="0"/>
+              <a:t>r</a:t>
+            </a:r>
+            <a:r>
+              <a:rPr lang="en-US" sz="1400" baseline="-25000" dirty="0"/>
+              <a:t>b</a:t>
+            </a:r>
+            <a:endParaRPr lang="en-US" sz="1400" dirty="0"/>
+          </a:p>
+        </p:txBody>
+      </p:sp>
+      <p:cxnSp>
+        <p:nvCxnSpPr>
+          <p:cNvPr id="18" name="Straight Arrow Connector 17">
+            <a:extLst>
+              <a:ext uri="{FF2B5EF4-FFF2-40B4-BE49-F238E27FC236}">
+                <a16:creationId xmlns:a16="http://schemas.microsoft.com/office/drawing/2014/main" id="{54980B91-232E-AE50-0E9D-6C2CA3A2C392}"/>
+              </a:ext>
+            </a:extLst>
+          </p:cNvPr>
+          <p:cNvCxnSpPr>
+            <a:cxnSpLocks/>
+          </p:cNvCxnSpPr>
+          <p:nvPr/>
+        </p:nvCxnSpPr>
+        <p:spPr>
+          <a:xfrm flipV="1">
+            <a:off x="5670462" y="3328607"/>
+            <a:ext cx="502824" cy="328042"/>
+          </a:xfrm>
+          <a:prstGeom prst="straightConnector1">
+            <a:avLst/>
+          </a:prstGeom>
+          <a:ln>
+            <a:solidFill>
+              <a:srgbClr val="1D86EE"/>
+            </a:solidFill>
+            <a:tailEnd type="triangle"/>
+          </a:ln>
+        </p:spPr>
+        <p:style>
+          <a:lnRef idx="2">
+            <a:schemeClr val="accent1"/>
+          </a:lnRef>
+          <a:fillRef idx="0">
+            <a:schemeClr val="accent1"/>
+          </a:fillRef>
+          <a:effectRef idx="1">
+            <a:schemeClr val="accent1"/>
+          </a:effectRef>
+          <a:fontRef idx="minor">
+            <a:schemeClr val="tx1"/>
+          </a:fontRef>
+        </p:style>
+      </p:cxnSp>
+      <p:sp>
+        <p:nvSpPr>
+          <p:cNvPr id="19" name="TextBox 18">
+            <a:extLst>
+              <a:ext uri="{FF2B5EF4-FFF2-40B4-BE49-F238E27FC236}">
+                <a16:creationId xmlns:a16="http://schemas.microsoft.com/office/drawing/2014/main" id="{6D07C209-1B60-0389-353E-3AC7CA0959B8}"/>
+              </a:ext>
+            </a:extLst>
+          </p:cNvPr>
+          <p:cNvSpPr txBox="1"/>
+          <p:nvPr/>
+        </p:nvSpPr>
+        <p:spPr>
+          <a:xfrm>
+            <a:off x="5801885" y="3492628"/>
+            <a:ext cx="588229" cy="276999"/>
+          </a:xfrm>
+          <a:prstGeom prst="rect">
+            <a:avLst/>
+          </a:prstGeom>
+          <a:noFill/>
+        </p:spPr>
+        <p:txBody>
+          <a:bodyPr wrap="square" rtlCol="0">
+            <a:spAutoFit/>
+          </a:bodyPr>
+          <a:lstStyle/>
+          <a:p>
+            <a:r>
+              <a:rPr lang="en-US" sz="1200" dirty="0"/>
+              <a:t>E</a:t>
+            </a:r>
+            <a:r>
+              <a:rPr lang="en-US" sz="1200" baseline="-25000" dirty="0"/>
+              <a:t>rb</a:t>
+            </a:r>
+            <a:endParaRPr lang="en-US" sz="1200" dirty="0"/>
+          </a:p>
+        </p:txBody>
+      </p:sp>
+      <p:cxnSp>
+        <p:nvCxnSpPr>
+          <p:cNvPr id="21" name="Straight Arrow Connector 20">
+            <a:extLst>
+              <a:ext uri="{FF2B5EF4-FFF2-40B4-BE49-F238E27FC236}">
+                <a16:creationId xmlns:a16="http://schemas.microsoft.com/office/drawing/2014/main" id="{01E19F28-2AFC-D3BD-997D-F851A5AB766C}"/>
+              </a:ext>
+            </a:extLst>
+          </p:cNvPr>
+          <p:cNvCxnSpPr>
+            <a:cxnSpLocks/>
+          </p:cNvCxnSpPr>
+          <p:nvPr/>
+        </p:nvCxnSpPr>
+        <p:spPr>
+          <a:xfrm flipV="1">
+            <a:off x="5647343" y="3003468"/>
+            <a:ext cx="588229" cy="268383"/>
+          </a:xfrm>
+          <a:prstGeom prst="straightConnector1">
+            <a:avLst/>
+          </a:prstGeom>
+          <a:ln>
+            <a:solidFill>
+              <a:srgbClr val="003D88"/>
+            </a:solidFill>
+            <a:tailEnd type="triangle"/>
+          </a:ln>
+        </p:spPr>
+        <p:style>
+          <a:lnRef idx="2">
+            <a:schemeClr val="accent1"/>
+          </a:lnRef>
+          <a:fillRef idx="0">
+            <a:schemeClr val="accent1"/>
+          </a:fillRef>
+          <a:effectRef idx="1">
+            <a:schemeClr val="accent1"/>
+          </a:effectRef>
+          <a:fontRef idx="minor">
+            <a:schemeClr val="tx1"/>
+          </a:fontRef>
+        </p:style>
+      </p:cxnSp>
+      <p:sp>
+        <p:nvSpPr>
+          <p:cNvPr id="23" name="TextBox 22">
+            <a:extLst>
+              <a:ext uri="{FF2B5EF4-FFF2-40B4-BE49-F238E27FC236}">
+                <a16:creationId xmlns:a16="http://schemas.microsoft.com/office/drawing/2014/main" id="{3A951EE5-37DC-DEB2-A846-F3F39C5E38C3}"/>
+              </a:ext>
+            </a:extLst>
+          </p:cNvPr>
+          <p:cNvSpPr txBox="1"/>
+          <p:nvPr/>
+        </p:nvSpPr>
+        <p:spPr>
+          <a:xfrm>
+            <a:off x="5636906" y="2874576"/>
+            <a:ext cx="588229" cy="276999"/>
+          </a:xfrm>
+          <a:prstGeom prst="rect">
+            <a:avLst/>
+          </a:prstGeom>
+          <a:noFill/>
+        </p:spPr>
+        <p:txBody>
+          <a:bodyPr wrap="square" rtlCol="0">
+            <a:spAutoFit/>
+          </a:bodyPr>
+          <a:lstStyle/>
+          <a:p>
+            <a:r>
+              <a:rPr lang="en-US" sz="1200" dirty="0"/>
+              <a:t>E</a:t>
+            </a:r>
+            <a:r>
+              <a:rPr lang="en-US" sz="1200" baseline="-25000" dirty="0"/>
+              <a:t>ra</a:t>
+            </a:r>
+            <a:endParaRPr lang="en-US" sz="1200" dirty="0"/>
+          </a:p>
+        </p:txBody>
+      </p:sp>
+    </p:spTree>
+    <p:extLst>
+      <p:ext uri="{BB962C8B-B14F-4D97-AF65-F5344CB8AC3E}">
+        <p14:creationId xmlns:p14="http://schemas.microsoft.com/office/powerpoint/2010/main" val="1742207764"/>
       </p:ext>
     </p:extLst>
   </p:cSld>
@@ -9237,12 +9283,64 @@
           <a:chExt cx="0" cy="0"/>
         </a:xfrm>
       </p:grpSpPr>
+      <p:sp>
+        <p:nvSpPr>
+          <p:cNvPr id="8" name="Rectangle 7">
+            <a:extLst>
+              <a:ext uri="{FF2B5EF4-FFF2-40B4-BE49-F238E27FC236}">
+                <a16:creationId xmlns:a16="http://schemas.microsoft.com/office/drawing/2014/main" id="{12B968FB-051A-8BB9-D2A6-564E5C1E67B5}"/>
+              </a:ext>
+            </a:extLst>
+          </p:cNvPr>
+          <p:cNvSpPr/>
+          <p:nvPr/>
+        </p:nvSpPr>
+        <p:spPr>
+          <a:xfrm>
+            <a:off x="5629619" y="5288098"/>
+            <a:ext cx="1410159" cy="382836"/>
+          </a:xfrm>
+          <a:prstGeom prst="rect">
+            <a:avLst/>
+          </a:prstGeom>
+          <a:solidFill>
+            <a:schemeClr val="bg1"/>
+          </a:solidFill>
+          <a:ln>
+            <a:noFill/>
+          </a:ln>
+        </p:spPr>
+        <p:style>
+          <a:lnRef idx="2">
+            <a:schemeClr val="accent1">
+              <a:shade val="15000"/>
+            </a:schemeClr>
+          </a:lnRef>
+          <a:fillRef idx="1">
+            <a:schemeClr val="accent1"/>
+          </a:fillRef>
+          <a:effectRef idx="0">
+            <a:schemeClr val="accent1"/>
+          </a:effectRef>
+          <a:fontRef idx="minor">
+            <a:schemeClr val="lt1"/>
+          </a:fontRef>
+        </p:style>
+        <p:txBody>
+          <a:bodyPr rtlCol="0" anchor="ctr"/>
+          <a:lstStyle/>
+          <a:p>
+            <a:pPr algn="ctr"/>
+            <a:endParaRPr lang="en-US"/>
+          </a:p>
+        </p:txBody>
+      </p:sp>
       <p:pic>
         <p:nvPicPr>
-          <p:cNvPr id="5" name="Picture 4">
-            <a:extLst>
-              <a:ext uri="{FF2B5EF4-FFF2-40B4-BE49-F238E27FC236}">
-                <a16:creationId xmlns:a16="http://schemas.microsoft.com/office/drawing/2014/main" id="{9F42E330-4C9C-5FF7-86F1-1FFE0DCAE1DF}"/>
+          <p:cNvPr id="14" name="Picture 13">
+            <a:extLst>
+              <a:ext uri="{FF2B5EF4-FFF2-40B4-BE49-F238E27FC236}">
+                <a16:creationId xmlns:a16="http://schemas.microsoft.com/office/drawing/2014/main" id="{3A698699-D119-0F63-39E4-6FB504F70999}"/>
               </a:ext>
             </a:extLst>
           </p:cNvPr>
@@ -9253,25 +9351,167 @@
         </p:nvPicPr>
         <p:blipFill>
           <a:blip r:embed="rId2"/>
-          <a:srcRect l="1850" r="3796"/>
+          <a:srcRect t="4669" b="4669"/>
           <a:stretch/>
         </p:blipFill>
         <p:spPr>
           <a:xfrm>
-            <a:off x="157164" y="1499919"/>
-            <a:ext cx="4260056" cy="3391344"/>
+            <a:off x="2438400" y="1143000"/>
+            <a:ext cx="7315200" cy="4145098"/>
           </a:xfrm>
           <a:prstGeom prst="rect">
             <a:avLst/>
           </a:prstGeom>
         </p:spPr>
       </p:pic>
+      <p:sp>
+        <p:nvSpPr>
+          <p:cNvPr id="10" name="TextBox 9">
+            <a:extLst>
+              <a:ext uri="{FF2B5EF4-FFF2-40B4-BE49-F238E27FC236}">
+                <a16:creationId xmlns:a16="http://schemas.microsoft.com/office/drawing/2014/main" id="{C5BC6916-1A0B-E0E5-2DCF-7578FA0A2244}"/>
+              </a:ext>
+            </a:extLst>
+          </p:cNvPr>
+          <p:cNvSpPr txBox="1"/>
+          <p:nvPr/>
+        </p:nvSpPr>
+        <p:spPr>
+          <a:xfrm>
+            <a:off x="7656722" y="1942189"/>
+            <a:ext cx="829935" cy="523220"/>
+          </a:xfrm>
+          <a:prstGeom prst="rect">
+            <a:avLst/>
+          </a:prstGeom>
+          <a:noFill/>
+        </p:spPr>
+        <p:txBody>
+          <a:bodyPr wrap="square" rtlCol="0">
+            <a:spAutoFit/>
+          </a:bodyPr>
+          <a:lstStyle/>
+          <a:p>
+            <a:r>
+              <a:rPr lang="en-US" sz="2800" dirty="0"/>
+              <a:t>N</a:t>
+            </a:r>
+            <a:r>
+              <a:rPr lang="en-US" sz="2800" baseline="-25000" dirty="0"/>
+              <a:t>1</a:t>
+            </a:r>
+          </a:p>
+        </p:txBody>
+      </p:sp>
+      <p:sp>
+        <p:nvSpPr>
+          <p:cNvPr id="11" name="TextBox 10">
+            <a:extLst>
+              <a:ext uri="{FF2B5EF4-FFF2-40B4-BE49-F238E27FC236}">
+                <a16:creationId xmlns:a16="http://schemas.microsoft.com/office/drawing/2014/main" id="{F9A75A65-887D-0DC9-8D6E-79C38E0D5083}"/>
+              </a:ext>
+            </a:extLst>
+          </p:cNvPr>
+          <p:cNvSpPr txBox="1"/>
+          <p:nvPr/>
+        </p:nvSpPr>
+        <p:spPr>
+          <a:xfrm>
+            <a:off x="4439798" y="1942189"/>
+            <a:ext cx="829935" cy="523220"/>
+          </a:xfrm>
+          <a:prstGeom prst="rect">
+            <a:avLst/>
+          </a:prstGeom>
+          <a:noFill/>
+        </p:spPr>
+        <p:txBody>
+          <a:bodyPr wrap="square" rtlCol="0">
+            <a:spAutoFit/>
+          </a:bodyPr>
+          <a:lstStyle/>
+          <a:p>
+            <a:r>
+              <a:rPr lang="en-US" sz="2800" dirty="0">
+                <a:solidFill>
+                  <a:schemeClr val="bg2">
+                    <a:lumMod val="50000"/>
+                  </a:schemeClr>
+                </a:solidFill>
+              </a:rPr>
+              <a:t>N</a:t>
+            </a:r>
+            <a:r>
+              <a:rPr lang="en-US" sz="2800" baseline="-25000" dirty="0">
+                <a:solidFill>
+                  <a:schemeClr val="bg2">
+                    <a:lumMod val="50000"/>
+                  </a:schemeClr>
+                </a:solidFill>
+              </a:rPr>
+              <a:t>2</a:t>
+            </a:r>
+          </a:p>
+        </p:txBody>
+      </p:sp>
+      <p:sp>
+        <p:nvSpPr>
+          <p:cNvPr id="16" name="Rectangle 15">
+            <a:extLst>
+              <a:ext uri="{FF2B5EF4-FFF2-40B4-BE49-F238E27FC236}">
+                <a16:creationId xmlns:a16="http://schemas.microsoft.com/office/drawing/2014/main" id="{FD6E67F3-947B-5167-C2F9-9463A2808D2E}"/>
+              </a:ext>
+            </a:extLst>
+          </p:cNvPr>
+          <p:cNvSpPr/>
+          <p:nvPr/>
+        </p:nvSpPr>
+        <p:spPr>
+          <a:xfrm>
+            <a:off x="5053073" y="4881851"/>
+            <a:ext cx="2603649" cy="385592"/>
+          </a:xfrm>
+          <a:prstGeom prst="rect">
+            <a:avLst/>
+          </a:prstGeom>
+          <a:solidFill>
+            <a:schemeClr val="bg1"/>
+          </a:solidFill>
+          <a:ln>
+            <a:noFill/>
+          </a:ln>
+        </p:spPr>
+        <p:style>
+          <a:lnRef idx="2">
+            <a:schemeClr val="accent1">
+              <a:shade val="15000"/>
+            </a:schemeClr>
+          </a:lnRef>
+          <a:fillRef idx="1">
+            <a:schemeClr val="accent1"/>
+          </a:fillRef>
+          <a:effectRef idx="0">
+            <a:schemeClr val="accent1"/>
+          </a:effectRef>
+          <a:fontRef idx="minor">
+            <a:schemeClr val="lt1"/>
+          </a:fontRef>
+        </p:style>
+        <p:txBody>
+          <a:bodyPr rtlCol="0" anchor="ctr"/>
+          <a:lstStyle/>
+          <a:p>
+            <a:pPr algn="ctr"/>
+            <a:endParaRPr lang="en-US"/>
+          </a:p>
+        </p:txBody>
+      </p:sp>
       <p:pic>
         <p:nvPicPr>
-          <p:cNvPr id="6" name="Picture 5">
-            <a:extLst>
-              <a:ext uri="{FF2B5EF4-FFF2-40B4-BE49-F238E27FC236}">
-                <a16:creationId xmlns:a16="http://schemas.microsoft.com/office/drawing/2014/main" id="{58DF6D50-0003-9D90-89CD-A7A95C592D66}"/>
+          <p:cNvPr id="17" name="Picture 16">
+            <a:extLst>
+              <a:ext uri="{FF2B5EF4-FFF2-40B4-BE49-F238E27FC236}">
+                <a16:creationId xmlns:a16="http://schemas.microsoft.com/office/drawing/2014/main" id="{361E9060-8701-5BD4-3B33-E25FBA33BC35}"/>
               </a:ext>
             </a:extLst>
           </p:cNvPr>
@@ -9282,250 +9522,43 @@
         </p:nvPicPr>
         <p:blipFill>
           <a:blip r:embed="rId3"/>
-          <a:srcRect l="1900" r="1900"/>
+          <a:srcRect l="33108" t="86836" r="27586" b="4729"/>
           <a:stretch/>
         </p:blipFill>
         <p:spPr>
           <a:xfrm>
-            <a:off x="8512563" y="1604328"/>
-            <a:ext cx="3383345" cy="3589223"/>
+            <a:off x="4909393" y="5615470"/>
+            <a:ext cx="2875402" cy="385592"/>
           </a:xfrm>
           <a:prstGeom prst="rect">
             <a:avLst/>
           </a:prstGeom>
         </p:spPr>
       </p:pic>
-      <p:sp>
-        <p:nvSpPr>
-          <p:cNvPr id="7" name="TextBox 6">
-            <a:extLst>
-              <a:ext uri="{FF2B5EF4-FFF2-40B4-BE49-F238E27FC236}">
-                <a16:creationId xmlns:a16="http://schemas.microsoft.com/office/drawing/2014/main" id="{4F2FEA2F-D331-4DDD-9F3C-D7F39F3D33E2}"/>
-              </a:ext>
-            </a:extLst>
-          </p:cNvPr>
-          <p:cNvSpPr txBox="1"/>
-          <p:nvPr/>
-        </p:nvSpPr>
-        <p:spPr>
-          <a:xfrm>
-            <a:off x="3275084" y="495827"/>
-            <a:ext cx="4714369" cy="461665"/>
-          </a:xfrm>
-          <a:prstGeom prst="rect">
-            <a:avLst/>
-          </a:prstGeom>
-          <a:noFill/>
-        </p:spPr>
-        <p:txBody>
-          <a:bodyPr wrap="square" rtlCol="0">
-            <a:spAutoFit/>
-          </a:bodyPr>
-          <a:lstStyle/>
-          <a:p>
-            <a:r>
-              <a:rPr lang="en-US" sz="2400" dirty="0"/>
-              <a:t>Intra-process thermal asymmetry</a:t>
-            </a:r>
-          </a:p>
-        </p:txBody>
-      </p:sp>
-      <p:pic>
-        <p:nvPicPr>
-          <p:cNvPr id="9" name="Picture 8">
-            <a:extLst>
-              <a:ext uri="{FF2B5EF4-FFF2-40B4-BE49-F238E27FC236}">
-                <a16:creationId xmlns:a16="http://schemas.microsoft.com/office/drawing/2014/main" id="{9B1CBAB2-8000-6026-E623-397D34194199}"/>
-              </a:ext>
-            </a:extLst>
-          </p:cNvPr>
-          <p:cNvPicPr>
-            <a:picLocks noChangeAspect="1"/>
-          </p:cNvPicPr>
-          <p:nvPr/>
-        </p:nvPicPr>
-        <p:blipFill>
-          <a:blip r:embed="rId4"/>
-          <a:srcRect t="6370"/>
-          <a:stretch/>
-        </p:blipFill>
-        <p:spPr>
-          <a:xfrm>
-            <a:off x="4820059" y="1762735"/>
-            <a:ext cx="3326673" cy="3114762"/>
-          </a:xfrm>
-          <a:prstGeom prst="rect">
-            <a:avLst/>
-          </a:prstGeom>
-        </p:spPr>
-      </p:pic>
-      <p:pic>
-        <p:nvPicPr>
-          <p:cNvPr id="10" name="Picture 9" descr="A black text on a white background&#10;&#10;AI-generated content may be incorrect.">
-            <a:extLst>
-              <a:ext uri="{FF2B5EF4-FFF2-40B4-BE49-F238E27FC236}">
-                <a16:creationId xmlns:a16="http://schemas.microsoft.com/office/drawing/2014/main" id="{E2EBAB9A-D4FC-0920-24BD-F9303FDA029E}"/>
-              </a:ext>
-            </a:extLst>
-          </p:cNvPr>
-          <p:cNvPicPr>
-            <a:picLocks noChangeAspect="1"/>
-          </p:cNvPicPr>
-          <p:nvPr/>
-        </p:nvPicPr>
-        <p:blipFill>
-          <a:blip r:embed="rId5"/>
-          <a:stretch>
-            <a:fillRect/>
-          </a:stretch>
-        </p:blipFill>
-        <p:spPr>
-          <a:xfrm>
-            <a:off x="5693230" y="4574870"/>
-            <a:ext cx="1837507" cy="381559"/>
-          </a:xfrm>
-          <a:prstGeom prst="rect">
-            <a:avLst/>
-          </a:prstGeom>
-        </p:spPr>
-      </p:pic>
-      <p:pic>
-        <p:nvPicPr>
-          <p:cNvPr id="11" name="Picture 10" descr="A black text on a white background&#10;&#10;AI-generated content may be incorrect.">
-            <a:extLst>
-              <a:ext uri="{FF2B5EF4-FFF2-40B4-BE49-F238E27FC236}">
-                <a16:creationId xmlns:a16="http://schemas.microsoft.com/office/drawing/2014/main" id="{FD02FED3-3C58-38B1-8351-EDF409388ED2}"/>
-              </a:ext>
-            </a:extLst>
-          </p:cNvPr>
-          <p:cNvPicPr>
-            <a:picLocks noChangeAspect="1"/>
-          </p:cNvPicPr>
-          <p:nvPr/>
-        </p:nvPicPr>
-        <p:blipFill>
-          <a:blip r:embed="rId6"/>
-          <a:stretch>
-            <a:fillRect/>
-          </a:stretch>
-        </p:blipFill>
-        <p:spPr>
-          <a:xfrm>
-            <a:off x="4634047" y="2640648"/>
-            <a:ext cx="457201" cy="1016001"/>
-          </a:xfrm>
-          <a:prstGeom prst="rect">
-            <a:avLst/>
-          </a:prstGeom>
-        </p:spPr>
-      </p:pic>
-      <p:sp>
-        <p:nvSpPr>
-          <p:cNvPr id="15" name="TextBox 14">
-            <a:extLst>
-              <a:ext uri="{FF2B5EF4-FFF2-40B4-BE49-F238E27FC236}">
-                <a16:creationId xmlns:a16="http://schemas.microsoft.com/office/drawing/2014/main" id="{1599232C-7A1F-1F48-9E21-76F0536605E3}"/>
-              </a:ext>
-            </a:extLst>
-          </p:cNvPr>
-          <p:cNvSpPr txBox="1"/>
-          <p:nvPr/>
-        </p:nvSpPr>
-        <p:spPr>
-          <a:xfrm>
-            <a:off x="5156160" y="3196046"/>
-            <a:ext cx="415833" cy="307777"/>
-          </a:xfrm>
-          <a:prstGeom prst="rect">
-            <a:avLst/>
-          </a:prstGeom>
-          <a:noFill/>
-        </p:spPr>
-        <p:txBody>
-          <a:bodyPr wrap="square" rtlCol="0">
-            <a:spAutoFit/>
-          </a:bodyPr>
-          <a:lstStyle/>
-          <a:p>
-            <a:r>
-              <a:rPr lang="en-US" sz="1400" dirty="0"/>
-              <a:t>r</a:t>
-            </a:r>
-            <a:r>
-              <a:rPr lang="en-US" sz="1400" baseline="-25000" dirty="0"/>
-              <a:t>a</a:t>
-            </a:r>
-            <a:endParaRPr lang="en-US" sz="1400" dirty="0"/>
-          </a:p>
-        </p:txBody>
-      </p:sp>
-      <p:sp>
-        <p:nvSpPr>
-          <p:cNvPr id="16" name="TextBox 15">
-            <a:extLst>
-              <a:ext uri="{FF2B5EF4-FFF2-40B4-BE49-F238E27FC236}">
-                <a16:creationId xmlns:a16="http://schemas.microsoft.com/office/drawing/2014/main" id="{44FDFD56-88C1-C84C-D01F-B85EA5FD2B15}"/>
-              </a:ext>
-            </a:extLst>
-          </p:cNvPr>
-          <p:cNvSpPr txBox="1"/>
-          <p:nvPr/>
-        </p:nvSpPr>
-        <p:spPr>
-          <a:xfrm>
-            <a:off x="5171209" y="3760860"/>
-            <a:ext cx="415833" cy="307777"/>
-          </a:xfrm>
-          <a:prstGeom prst="rect">
-            <a:avLst/>
-          </a:prstGeom>
-          <a:noFill/>
-        </p:spPr>
-        <p:txBody>
-          <a:bodyPr wrap="square" rtlCol="0">
-            <a:spAutoFit/>
-          </a:bodyPr>
-          <a:lstStyle/>
-          <a:p>
-            <a:r>
-              <a:rPr lang="en-US" sz="1400" dirty="0"/>
-              <a:t>r</a:t>
-            </a:r>
-            <a:r>
-              <a:rPr lang="en-US" sz="1400" baseline="-25000" dirty="0"/>
-              <a:t>b</a:t>
-            </a:r>
-            <a:endParaRPr lang="en-US" sz="1400" dirty="0"/>
-          </a:p>
-        </p:txBody>
-      </p:sp>
       <p:cxnSp>
         <p:nvCxnSpPr>
-          <p:cNvPr id="18" name="Straight Arrow Connector 17">
-            <a:extLst>
-              <a:ext uri="{FF2B5EF4-FFF2-40B4-BE49-F238E27FC236}">
-                <a16:creationId xmlns:a16="http://schemas.microsoft.com/office/drawing/2014/main" id="{54980B91-232E-AE50-0E9D-6C2CA3A2C392}"/>
-              </a:ext>
-            </a:extLst>
-          </p:cNvPr>
-          <p:cNvCxnSpPr>
-            <a:cxnSpLocks/>
-          </p:cNvCxnSpPr>
+          <p:cNvPr id="21" name="Straight Connector 20">
+            <a:extLst>
+              <a:ext uri="{FF2B5EF4-FFF2-40B4-BE49-F238E27FC236}">
+                <a16:creationId xmlns:a16="http://schemas.microsoft.com/office/drawing/2014/main" id="{4E2E1F08-9890-6DA4-349C-6EAA91715BA7}"/>
+              </a:ext>
+            </a:extLst>
+          </p:cNvPr>
+          <p:cNvCxnSpPr/>
           <p:nvPr/>
         </p:nvCxnSpPr>
         <p:spPr>
-          <a:xfrm flipV="1">
-            <a:off x="5670462" y="3328607"/>
-            <a:ext cx="502824" cy="328042"/>
-          </a:xfrm>
-          <a:prstGeom prst="straightConnector1">
-            <a:avLst/>
-          </a:prstGeom>
-          <a:ln>
+          <a:xfrm>
+            <a:off x="3711763" y="4678728"/>
+            <a:ext cx="1" cy="203123"/>
+          </a:xfrm>
+          <a:prstGeom prst="line">
+            <a:avLst/>
+          </a:prstGeom>
+          <a:ln w="38100">
             <a:solidFill>
-              <a:srgbClr val="1D86EE"/>
+              <a:schemeClr val="tx1"/>
             </a:solidFill>
-            <a:tailEnd type="triangle"/>
           </a:ln>
         </p:spPr>
         <p:style>
@@ -9545,10 +9578,10 @@
       </p:cxnSp>
       <p:sp>
         <p:nvSpPr>
-          <p:cNvPr id="19" name="TextBox 18">
-            <a:extLst>
-              <a:ext uri="{FF2B5EF4-FFF2-40B4-BE49-F238E27FC236}">
-                <a16:creationId xmlns:a16="http://schemas.microsoft.com/office/drawing/2014/main" id="{6D07C209-1B60-0389-353E-3AC7CA0959B8}"/>
+          <p:cNvPr id="22" name="TextBox 21">
+            <a:extLst>
+              <a:ext uri="{FF2B5EF4-FFF2-40B4-BE49-F238E27FC236}">
+                <a16:creationId xmlns:a16="http://schemas.microsoft.com/office/drawing/2014/main" id="{1C60EE13-FF9F-01C6-5158-AC916D94E30C}"/>
               </a:ext>
             </a:extLst>
           </p:cNvPr>
@@ -9557,8 +9590,8 @@
         </p:nvSpPr>
         <p:spPr>
           <a:xfrm>
-            <a:off x="5801885" y="3492628"/>
-            <a:ext cx="588229" cy="276999"/>
+            <a:off x="5048026" y="4929094"/>
+            <a:ext cx="2783590" cy="369332"/>
           </a:xfrm>
           <a:prstGeom prst="rect">
             <a:avLst/>
@@ -9571,45 +9604,79 @@
           </a:bodyPr>
           <a:lstStyle/>
           <a:p>
-            <a:r>
-              <a:rPr lang="en-US" sz="1200" dirty="0"/>
-              <a:t>E</a:t>
-            </a:r>
-            <a:r>
-              <a:rPr lang="en-US" sz="1200" baseline="-25000" dirty="0"/>
-              <a:t>rb</a:t>
-            </a:r>
-            <a:endParaRPr lang="en-US" sz="1200" dirty="0"/>
+            <a:pPr algn="ctr"/>
+            <a:r>
+              <a:rPr lang="en-US" dirty="0"/>
+              <a:t>No resource preference</a:t>
+            </a:r>
+            <a:endParaRPr lang="en-US" i="1" dirty="0"/>
+          </a:p>
+        </p:txBody>
+      </p:sp>
+      <p:sp>
+        <p:nvSpPr>
+          <p:cNvPr id="23" name="TextBox 22">
+            <a:extLst>
+              <a:ext uri="{FF2B5EF4-FFF2-40B4-BE49-F238E27FC236}">
+                <a16:creationId xmlns:a16="http://schemas.microsoft.com/office/drawing/2014/main" id="{85325CFB-2756-2900-0451-D59FC859AAEC}"/>
+              </a:ext>
+            </a:extLst>
+          </p:cNvPr>
+          <p:cNvSpPr txBox="1"/>
+          <p:nvPr/>
+        </p:nvSpPr>
+        <p:spPr>
+          <a:xfrm>
+            <a:off x="2962617" y="4895590"/>
+            <a:ext cx="1566239" cy="923330"/>
+          </a:xfrm>
+          <a:prstGeom prst="rect">
+            <a:avLst/>
+          </a:prstGeom>
+          <a:noFill/>
+        </p:spPr>
+        <p:txBody>
+          <a:bodyPr wrap="square" rtlCol="0">
+            <a:spAutoFit/>
+          </a:bodyPr>
+          <a:lstStyle/>
+          <a:p>
+            <a:pPr algn="ctr"/>
+            <a:r>
+              <a:rPr lang="en-US" dirty="0"/>
+              <a:t>100% specialization on resource</a:t>
+            </a:r>
+            <a:r>
+              <a:rPr lang="en-US" i="1" dirty="0"/>
+              <a:t> a</a:t>
+            </a:r>
           </a:p>
         </p:txBody>
       </p:sp>
       <p:cxnSp>
         <p:nvCxnSpPr>
-          <p:cNvPr id="21" name="Straight Arrow Connector 20">
-            <a:extLst>
-              <a:ext uri="{FF2B5EF4-FFF2-40B4-BE49-F238E27FC236}">
-                <a16:creationId xmlns:a16="http://schemas.microsoft.com/office/drawing/2014/main" id="{01E19F28-2AFC-D3BD-997D-F851A5AB766C}"/>
-              </a:ext>
-            </a:extLst>
-          </p:cNvPr>
-          <p:cNvCxnSpPr>
-            <a:cxnSpLocks/>
-          </p:cNvCxnSpPr>
+          <p:cNvPr id="26" name="Straight Connector 25">
+            <a:extLst>
+              <a:ext uri="{FF2B5EF4-FFF2-40B4-BE49-F238E27FC236}">
+                <a16:creationId xmlns:a16="http://schemas.microsoft.com/office/drawing/2014/main" id="{2983F318-6967-1CB4-0ADD-33499F14101F}"/>
+              </a:ext>
+            </a:extLst>
+          </p:cNvPr>
+          <p:cNvCxnSpPr/>
           <p:nvPr/>
         </p:nvCxnSpPr>
         <p:spPr>
-          <a:xfrm flipV="1">
-            <a:off x="5647343" y="3003468"/>
-            <a:ext cx="588229" cy="268383"/>
-          </a:xfrm>
-          <a:prstGeom prst="straightConnector1">
-            <a:avLst/>
-          </a:prstGeom>
-          <a:ln>
+          <a:xfrm>
+            <a:off x="9099933" y="4678728"/>
+            <a:ext cx="1" cy="203123"/>
+          </a:xfrm>
+          <a:prstGeom prst="line">
+            <a:avLst/>
+          </a:prstGeom>
+          <a:ln w="38100">
             <a:solidFill>
-              <a:srgbClr val="003D88"/>
+              <a:schemeClr val="tx1"/>
             </a:solidFill>
-            <a:tailEnd type="triangle"/>
           </a:ln>
         </p:spPr>
         <p:style>
@@ -9629,10 +9696,10 @@
       </p:cxnSp>
       <p:sp>
         <p:nvSpPr>
-          <p:cNvPr id="23" name="TextBox 22">
-            <a:extLst>
-              <a:ext uri="{FF2B5EF4-FFF2-40B4-BE49-F238E27FC236}">
-                <a16:creationId xmlns:a16="http://schemas.microsoft.com/office/drawing/2014/main" id="{3A951EE5-37DC-DEB2-A846-F3F39C5E38C3}"/>
+          <p:cNvPr id="27" name="TextBox 26">
+            <a:extLst>
+              <a:ext uri="{FF2B5EF4-FFF2-40B4-BE49-F238E27FC236}">
+                <a16:creationId xmlns:a16="http://schemas.microsoft.com/office/drawing/2014/main" id="{4DA018AB-A51D-AA62-7CEB-AF0147E1DA42}"/>
               </a:ext>
             </a:extLst>
           </p:cNvPr>
@@ -9641,8 +9708,8 @@
         </p:nvSpPr>
         <p:spPr>
           <a:xfrm>
-            <a:off x="5636906" y="2874576"/>
-            <a:ext cx="588229" cy="276999"/>
+            <a:off x="8350787" y="4895590"/>
+            <a:ext cx="1566239" cy="923330"/>
           </a:xfrm>
           <a:prstGeom prst="rect">
             <a:avLst/>
@@ -9655,22 +9722,63 @@
           </a:bodyPr>
           <a:lstStyle/>
           <a:p>
-            <a:r>
-              <a:rPr lang="en-US" sz="1200" dirty="0"/>
-              <a:t>E</a:t>
-            </a:r>
-            <a:r>
-              <a:rPr lang="en-US" sz="1200" baseline="-25000" dirty="0"/>
-              <a:t>ra</a:t>
-            </a:r>
-            <a:endParaRPr lang="en-US" sz="1200" dirty="0"/>
-          </a:p>
-        </p:txBody>
-      </p:sp>
+            <a:pPr algn="ctr"/>
+            <a:r>
+              <a:rPr lang="en-US" dirty="0"/>
+              <a:t>100% specialization on resource</a:t>
+            </a:r>
+            <a:r>
+              <a:rPr lang="en-US" i="1" dirty="0"/>
+              <a:t> b</a:t>
+            </a:r>
+          </a:p>
+        </p:txBody>
+      </p:sp>
+      <p:cxnSp>
+        <p:nvCxnSpPr>
+          <p:cNvPr id="28" name="Straight Connector 27">
+            <a:extLst>
+              <a:ext uri="{FF2B5EF4-FFF2-40B4-BE49-F238E27FC236}">
+                <a16:creationId xmlns:a16="http://schemas.microsoft.com/office/drawing/2014/main" id="{C8AF9BC5-8ADC-3DB8-93F1-EE1F2AA874E0}"/>
+              </a:ext>
+            </a:extLst>
+          </p:cNvPr>
+          <p:cNvCxnSpPr/>
+          <p:nvPr/>
+        </p:nvCxnSpPr>
+        <p:spPr>
+          <a:xfrm>
+            <a:off x="6347094" y="4678653"/>
+            <a:ext cx="1" cy="203123"/>
+          </a:xfrm>
+          <a:prstGeom prst="line">
+            <a:avLst/>
+          </a:prstGeom>
+          <a:ln w="38100">
+            <a:solidFill>
+              <a:schemeClr val="tx1"/>
+            </a:solidFill>
+          </a:ln>
+        </p:spPr>
+        <p:style>
+          <a:lnRef idx="2">
+            <a:schemeClr val="accent1"/>
+          </a:lnRef>
+          <a:fillRef idx="0">
+            <a:schemeClr val="accent1"/>
+          </a:fillRef>
+          <a:effectRef idx="1">
+            <a:schemeClr val="accent1"/>
+          </a:effectRef>
+          <a:fontRef idx="minor">
+            <a:schemeClr val="tx1"/>
+          </a:fontRef>
+        </p:style>
+      </p:cxnSp>
     </p:spTree>
     <p:extLst>
       <p:ext uri="{BB962C8B-B14F-4D97-AF65-F5344CB8AC3E}">
-        <p14:creationId xmlns:p14="http://schemas.microsoft.com/office/powerpoint/2010/main" val="1742207764"/>
+        <p14:creationId xmlns:p14="http://schemas.microsoft.com/office/powerpoint/2010/main" val="4129822409"/>
       </p:ext>
     </p:extLst>
   </p:cSld>
@@ -9685,7 +9793,13 @@
   <p:cSld>
     <p:spTree>
       <p:nvGrpSpPr>
-        <p:cNvPr id="1" name=""/>
+        <p:cNvPr id="1" name="">
+          <a:extLst>
+            <a:ext uri="{FF2B5EF4-FFF2-40B4-BE49-F238E27FC236}">
+              <a16:creationId xmlns:a16="http://schemas.microsoft.com/office/drawing/2014/main" id="{E281B10D-3B0E-2860-401F-6EF061A3B56B}"/>
+            </a:ext>
+          </a:extLst>
+        </p:cNvPr>
         <p:cNvGrpSpPr/>
         <p:nvPr/>
       </p:nvGrpSpPr>
@@ -9697,12 +9811,64 @@
           <a:chExt cx="0" cy="0"/>
         </a:xfrm>
       </p:grpSpPr>
+      <p:sp>
+        <p:nvSpPr>
+          <p:cNvPr id="8" name="Rectangle 7">
+            <a:extLst>
+              <a:ext uri="{FF2B5EF4-FFF2-40B4-BE49-F238E27FC236}">
+                <a16:creationId xmlns:a16="http://schemas.microsoft.com/office/drawing/2014/main" id="{30EFA5D9-4527-CB97-96E0-F08BEAB0BF3E}"/>
+              </a:ext>
+            </a:extLst>
+          </p:cNvPr>
+          <p:cNvSpPr/>
+          <p:nvPr/>
+        </p:nvSpPr>
+        <p:spPr>
+          <a:xfrm>
+            <a:off x="5629619" y="5288098"/>
+            <a:ext cx="1410159" cy="382836"/>
+          </a:xfrm>
+          <a:prstGeom prst="rect">
+            <a:avLst/>
+          </a:prstGeom>
+          <a:solidFill>
+            <a:schemeClr val="bg1"/>
+          </a:solidFill>
+          <a:ln>
+            <a:noFill/>
+          </a:ln>
+        </p:spPr>
+        <p:style>
+          <a:lnRef idx="2">
+            <a:schemeClr val="accent1">
+              <a:shade val="15000"/>
+            </a:schemeClr>
+          </a:lnRef>
+          <a:fillRef idx="1">
+            <a:schemeClr val="accent1"/>
+          </a:fillRef>
+          <a:effectRef idx="0">
+            <a:schemeClr val="accent1"/>
+          </a:effectRef>
+          <a:fontRef idx="minor">
+            <a:schemeClr val="lt1"/>
+          </a:fontRef>
+        </p:style>
+        <p:txBody>
+          <a:bodyPr rtlCol="0" anchor="ctr"/>
+          <a:lstStyle/>
+          <a:p>
+            <a:pPr algn="ctr"/>
+            <a:endParaRPr lang="en-US"/>
+          </a:p>
+        </p:txBody>
+      </p:sp>
       <p:pic>
         <p:nvPicPr>
-          <p:cNvPr id="5" name="Picture 4" descr="A black background with a black square&#10;&#10;AI-generated content may be incorrect.">
-            <a:extLst>
-              <a:ext uri="{FF2B5EF4-FFF2-40B4-BE49-F238E27FC236}">
-                <a16:creationId xmlns:a16="http://schemas.microsoft.com/office/drawing/2014/main" id="{8ED9CF8D-3490-D848-5565-00A8A944D893}"/>
+          <p:cNvPr id="14" name="Picture 13">
+            <a:extLst>
+              <a:ext uri="{FF2B5EF4-FFF2-40B4-BE49-F238E27FC236}">
+                <a16:creationId xmlns:a16="http://schemas.microsoft.com/office/drawing/2014/main" id="{7D80687A-4839-19C1-3803-C14EA4407977}"/>
               </a:ext>
             </a:extLst>
           </p:cNvPr>
@@ -9713,14 +9879,13 @@
         </p:nvPicPr>
         <p:blipFill>
           <a:blip r:embed="rId2"/>
-          <a:stretch>
-            <a:fillRect/>
-          </a:stretch>
+          <a:srcRect t="4669" b="4669"/>
+          <a:stretch/>
         </p:blipFill>
         <p:spPr>
           <a:xfrm>
-            <a:off x="3803650" y="1206500"/>
-            <a:ext cx="4584700" cy="4445000"/>
+            <a:off x="2438400" y="1143000"/>
+            <a:ext cx="7315200" cy="4145098"/>
           </a:xfrm>
           <a:prstGeom prst="rect">
             <a:avLst/>
@@ -9729,10 +9894,100 @@
       </p:pic>
       <p:sp>
         <p:nvSpPr>
-          <p:cNvPr id="6" name="Right Bracket 5">
-            <a:extLst>
-              <a:ext uri="{FF2B5EF4-FFF2-40B4-BE49-F238E27FC236}">
-                <a16:creationId xmlns:a16="http://schemas.microsoft.com/office/drawing/2014/main" id="{AFB90344-70D4-1C8C-5156-61D1372C8051}"/>
+          <p:cNvPr id="10" name="TextBox 9">
+            <a:extLst>
+              <a:ext uri="{FF2B5EF4-FFF2-40B4-BE49-F238E27FC236}">
+                <a16:creationId xmlns:a16="http://schemas.microsoft.com/office/drawing/2014/main" id="{E8B2B7E8-0C8F-DC41-1B40-A090940DA6B9}"/>
+              </a:ext>
+            </a:extLst>
+          </p:cNvPr>
+          <p:cNvSpPr txBox="1"/>
+          <p:nvPr/>
+        </p:nvSpPr>
+        <p:spPr>
+          <a:xfrm>
+            <a:off x="8350787" y="1656052"/>
+            <a:ext cx="829935" cy="523220"/>
+          </a:xfrm>
+          <a:prstGeom prst="rect">
+            <a:avLst/>
+          </a:prstGeom>
+          <a:noFill/>
+        </p:spPr>
+        <p:txBody>
+          <a:bodyPr wrap="square" rtlCol="0">
+            <a:spAutoFit/>
+          </a:bodyPr>
+          <a:lstStyle/>
+          <a:p>
+            <a:r>
+              <a:rPr lang="en-US" sz="2800" dirty="0"/>
+              <a:t>N</a:t>
+            </a:r>
+            <a:r>
+              <a:rPr lang="en-US" sz="2800" baseline="-25000" dirty="0"/>
+              <a:t>1</a:t>
+            </a:r>
+          </a:p>
+        </p:txBody>
+      </p:sp>
+      <p:sp>
+        <p:nvSpPr>
+          <p:cNvPr id="11" name="TextBox 10">
+            <a:extLst>
+              <a:ext uri="{FF2B5EF4-FFF2-40B4-BE49-F238E27FC236}">
+                <a16:creationId xmlns:a16="http://schemas.microsoft.com/office/drawing/2014/main" id="{8651B827-A78B-FFB3-5DA3-AC59B6808ED0}"/>
+              </a:ext>
+            </a:extLst>
+          </p:cNvPr>
+          <p:cNvSpPr txBox="1"/>
+          <p:nvPr/>
+        </p:nvSpPr>
+        <p:spPr>
+          <a:xfrm>
+            <a:off x="4466431" y="3037679"/>
+            <a:ext cx="829935" cy="523220"/>
+          </a:xfrm>
+          <a:prstGeom prst="rect">
+            <a:avLst/>
+          </a:prstGeom>
+          <a:noFill/>
+        </p:spPr>
+        <p:txBody>
+          <a:bodyPr wrap="square" rtlCol="0">
+            <a:spAutoFit/>
+          </a:bodyPr>
+          <a:lstStyle/>
+          <a:p>
+            <a:r>
+              <a:rPr lang="en-US" sz="2800" dirty="0">
+                <a:solidFill>
+                  <a:schemeClr val="bg2">
+                    <a:lumMod val="50000"/>
+                  </a:schemeClr>
+                </a:solidFill>
+              </a:rPr>
+              <a:t>N</a:t>
+            </a:r>
+            <a:r>
+              <a:rPr lang="en-US" sz="2800" baseline="-25000" dirty="0">
+                <a:solidFill>
+                  <a:schemeClr val="bg2">
+                    <a:lumMod val="50000"/>
+                  </a:schemeClr>
+                </a:solidFill>
+              </a:rPr>
+              <a:t>2</a:t>
+            </a:r>
+          </a:p>
+        </p:txBody>
+      </p:sp>
+      <p:sp>
+        <p:nvSpPr>
+          <p:cNvPr id="16" name="Rectangle 15">
+            <a:extLst>
+              <a:ext uri="{FF2B5EF4-FFF2-40B4-BE49-F238E27FC236}">
+                <a16:creationId xmlns:a16="http://schemas.microsoft.com/office/drawing/2014/main" id="{E6EBB173-A33B-B658-10E6-B6E0401D0D6F}"/>
               </a:ext>
             </a:extLst>
           </p:cNvPr>
@@ -9740,13 +9995,99 @@
           <p:nvPr/>
         </p:nvSpPr>
         <p:spPr>
-          <a:xfrm rot="5400000">
-            <a:off x="5812968" y="3331028"/>
-            <a:ext cx="87272" cy="2237923"/>
-          </a:xfrm>
-          <a:prstGeom prst="rightBracket">
-            <a:avLst/>
-          </a:prstGeom>
+          <a:xfrm>
+            <a:off x="5053073" y="4881851"/>
+            <a:ext cx="2603649" cy="385592"/>
+          </a:xfrm>
+          <a:prstGeom prst="rect">
+            <a:avLst/>
+          </a:prstGeom>
+          <a:solidFill>
+            <a:schemeClr val="bg1"/>
+          </a:solidFill>
+          <a:ln>
+            <a:noFill/>
+          </a:ln>
+        </p:spPr>
+        <p:style>
+          <a:lnRef idx="2">
+            <a:schemeClr val="accent1">
+              <a:shade val="15000"/>
+            </a:schemeClr>
+          </a:lnRef>
+          <a:fillRef idx="1">
+            <a:schemeClr val="accent1"/>
+          </a:fillRef>
+          <a:effectRef idx="0">
+            <a:schemeClr val="accent1"/>
+          </a:effectRef>
+          <a:fontRef idx="minor">
+            <a:schemeClr val="lt1"/>
+          </a:fontRef>
+        </p:style>
+        <p:txBody>
+          <a:bodyPr rtlCol="0" anchor="ctr"/>
+          <a:lstStyle/>
+          <a:p>
+            <a:pPr algn="ctr"/>
+            <a:endParaRPr lang="en-US"/>
+          </a:p>
+        </p:txBody>
+      </p:sp>
+      <p:pic>
+        <p:nvPicPr>
+          <p:cNvPr id="17" name="Picture 16">
+            <a:extLst>
+              <a:ext uri="{FF2B5EF4-FFF2-40B4-BE49-F238E27FC236}">
+                <a16:creationId xmlns:a16="http://schemas.microsoft.com/office/drawing/2014/main" id="{A182D204-80EF-DE79-0F14-B3595F985984}"/>
+              </a:ext>
+            </a:extLst>
+          </p:cNvPr>
+          <p:cNvPicPr>
+            <a:picLocks noChangeAspect="1"/>
+          </p:cNvPicPr>
+          <p:nvPr/>
+        </p:nvPicPr>
+        <p:blipFill>
+          <a:blip r:embed="rId3"/>
+          <a:srcRect l="33108" t="86836" r="27586" b="4729"/>
+          <a:stretch/>
+        </p:blipFill>
+        <p:spPr>
+          <a:xfrm>
+            <a:off x="4909393" y="5655784"/>
+            <a:ext cx="2875402" cy="385592"/>
+          </a:xfrm>
+          <a:prstGeom prst="rect">
+            <a:avLst/>
+          </a:prstGeom>
+        </p:spPr>
+      </p:pic>
+      <p:cxnSp>
+        <p:nvCxnSpPr>
+          <p:cNvPr id="2" name="Straight Connector 1">
+            <a:extLst>
+              <a:ext uri="{FF2B5EF4-FFF2-40B4-BE49-F238E27FC236}">
+                <a16:creationId xmlns:a16="http://schemas.microsoft.com/office/drawing/2014/main" id="{196F6096-A73B-258C-8677-90A93B9010E5}"/>
+              </a:ext>
+            </a:extLst>
+          </p:cNvPr>
+          <p:cNvCxnSpPr/>
+          <p:nvPr/>
+        </p:nvCxnSpPr>
+        <p:spPr>
+          <a:xfrm>
+            <a:off x="3711763" y="4678728"/>
+            <a:ext cx="1" cy="203123"/>
+          </a:xfrm>
+          <a:prstGeom prst="line">
+            <a:avLst/>
+          </a:prstGeom>
+          <a:ln w="38100">
+            <a:solidFill>
+              <a:schemeClr val="tx1"/>
+            </a:solidFill>
+          </a:ln>
         </p:spPr>
         <p:style>
           <a:lnRef idx="2">
@@ -9762,21 +10103,13 @@
             <a:schemeClr val="tx1"/>
           </a:fontRef>
         </p:style>
-        <p:txBody>
-          <a:bodyPr rtlCol="0" anchor="ctr"/>
-          <a:lstStyle/>
-          <a:p>
-            <a:pPr algn="ctr"/>
-            <a:endParaRPr lang="en-US"/>
-          </a:p>
-        </p:txBody>
-      </p:sp>
-      <p:sp>
-        <p:nvSpPr>
-          <p:cNvPr id="7" name="TextBox 6">
-            <a:extLst>
-              <a:ext uri="{FF2B5EF4-FFF2-40B4-BE49-F238E27FC236}">
-                <a16:creationId xmlns:a16="http://schemas.microsoft.com/office/drawing/2014/main" id="{18CDF3CB-E568-DE7A-E130-893CBF13AF6E}"/>
+      </p:cxnSp>
+      <p:sp>
+        <p:nvSpPr>
+          <p:cNvPr id="3" name="TextBox 2">
+            <a:extLst>
+              <a:ext uri="{FF2B5EF4-FFF2-40B4-BE49-F238E27FC236}">
+                <a16:creationId xmlns:a16="http://schemas.microsoft.com/office/drawing/2014/main" id="{B2AF5465-14B2-1BED-571F-CF53B0B21DA6}"/>
               </a:ext>
             </a:extLst>
           </p:cNvPr>
@@ -9785,8 +10118,8 @@
         </p:nvSpPr>
         <p:spPr>
           <a:xfrm>
-            <a:off x="4842145" y="4493626"/>
-            <a:ext cx="2237924" cy="369332"/>
+            <a:off x="5048026" y="4929094"/>
+            <a:ext cx="2783590" cy="369332"/>
           </a:xfrm>
           <a:prstGeom prst="rect">
             <a:avLst/>
@@ -9799,48 +10132,181 @@
           </a:bodyPr>
           <a:lstStyle/>
           <a:p>
+            <a:pPr algn="ctr"/>
             <a:r>
               <a:rPr lang="en-US" dirty="0"/>
-              <a:t>Exponential portion</a:t>
-            </a:r>
-          </a:p>
-        </p:txBody>
-      </p:sp>
-      <p:pic>
-        <p:nvPicPr>
-          <p:cNvPr id="8" name="Picture 7" descr="A black background with a black square&#10;&#10;AI-generated content may be incorrect.">
-            <a:extLst>
-              <a:ext uri="{FF2B5EF4-FFF2-40B4-BE49-F238E27FC236}">
-                <a16:creationId xmlns:a16="http://schemas.microsoft.com/office/drawing/2014/main" id="{F967945C-BA80-127E-32B7-71B935C306B9}"/>
-              </a:ext>
-            </a:extLst>
-          </p:cNvPr>
-          <p:cNvPicPr>
-            <a:picLocks noChangeAspect="1"/>
-          </p:cNvPicPr>
-          <p:nvPr/>
-        </p:nvPicPr>
-        <p:blipFill>
-          <a:blip r:embed="rId2">
-            <a:lum bright="70000" contrast="-70000"/>
-          </a:blip>
-          <a:srcRect l="69185" b="21347"/>
-          <a:stretch/>
-        </p:blipFill>
-        <p:spPr>
-          <a:xfrm>
-            <a:off x="6975566" y="1206500"/>
-            <a:ext cx="1412784" cy="3496129"/>
-          </a:xfrm>
-          <a:prstGeom prst="rect">
-            <a:avLst/>
-          </a:prstGeom>
-        </p:spPr>
-      </p:pic>
+              <a:t>No resource preference</a:t>
+            </a:r>
+            <a:endParaRPr lang="en-US" i="1" dirty="0"/>
+          </a:p>
+        </p:txBody>
+      </p:sp>
+      <p:sp>
+        <p:nvSpPr>
+          <p:cNvPr id="4" name="TextBox 3">
+            <a:extLst>
+              <a:ext uri="{FF2B5EF4-FFF2-40B4-BE49-F238E27FC236}">
+                <a16:creationId xmlns:a16="http://schemas.microsoft.com/office/drawing/2014/main" id="{D28F4936-9FB3-A465-0E6A-7CEC7E852010}"/>
+              </a:ext>
+            </a:extLst>
+          </p:cNvPr>
+          <p:cNvSpPr txBox="1"/>
+          <p:nvPr/>
+        </p:nvSpPr>
+        <p:spPr>
+          <a:xfrm>
+            <a:off x="2962617" y="4895590"/>
+            <a:ext cx="1566239" cy="923330"/>
+          </a:xfrm>
+          <a:prstGeom prst="rect">
+            <a:avLst/>
+          </a:prstGeom>
+          <a:noFill/>
+        </p:spPr>
+        <p:txBody>
+          <a:bodyPr wrap="square" rtlCol="0">
+            <a:spAutoFit/>
+          </a:bodyPr>
+          <a:lstStyle/>
+          <a:p>
+            <a:pPr algn="ctr"/>
+            <a:r>
+              <a:rPr lang="en-US" dirty="0"/>
+              <a:t>100% specialization on resource</a:t>
+            </a:r>
+            <a:r>
+              <a:rPr lang="en-US" i="1" dirty="0"/>
+              <a:t> a</a:t>
+            </a:r>
+          </a:p>
+        </p:txBody>
+      </p:sp>
+      <p:cxnSp>
+        <p:nvCxnSpPr>
+          <p:cNvPr id="5" name="Straight Connector 4">
+            <a:extLst>
+              <a:ext uri="{FF2B5EF4-FFF2-40B4-BE49-F238E27FC236}">
+                <a16:creationId xmlns:a16="http://schemas.microsoft.com/office/drawing/2014/main" id="{B64B0031-7B84-C754-F2DB-1F1E083603C0}"/>
+              </a:ext>
+            </a:extLst>
+          </p:cNvPr>
+          <p:cNvCxnSpPr/>
+          <p:nvPr/>
+        </p:nvCxnSpPr>
+        <p:spPr>
+          <a:xfrm>
+            <a:off x="9099933" y="4678728"/>
+            <a:ext cx="1" cy="203123"/>
+          </a:xfrm>
+          <a:prstGeom prst="line">
+            <a:avLst/>
+          </a:prstGeom>
+          <a:ln w="38100">
+            <a:solidFill>
+              <a:schemeClr val="tx1"/>
+            </a:solidFill>
+          </a:ln>
+        </p:spPr>
+        <p:style>
+          <a:lnRef idx="2">
+            <a:schemeClr val="accent1"/>
+          </a:lnRef>
+          <a:fillRef idx="0">
+            <a:schemeClr val="accent1"/>
+          </a:fillRef>
+          <a:effectRef idx="1">
+            <a:schemeClr val="accent1"/>
+          </a:effectRef>
+          <a:fontRef idx="minor">
+            <a:schemeClr val="tx1"/>
+          </a:fontRef>
+        </p:style>
+      </p:cxnSp>
+      <p:sp>
+        <p:nvSpPr>
+          <p:cNvPr id="6" name="TextBox 5">
+            <a:extLst>
+              <a:ext uri="{FF2B5EF4-FFF2-40B4-BE49-F238E27FC236}">
+                <a16:creationId xmlns:a16="http://schemas.microsoft.com/office/drawing/2014/main" id="{94E6FF0C-2484-60C9-9D52-6C0C50F47AFF}"/>
+              </a:ext>
+            </a:extLst>
+          </p:cNvPr>
+          <p:cNvSpPr txBox="1"/>
+          <p:nvPr/>
+        </p:nvSpPr>
+        <p:spPr>
+          <a:xfrm>
+            <a:off x="8350787" y="4895590"/>
+            <a:ext cx="1566239" cy="923330"/>
+          </a:xfrm>
+          <a:prstGeom prst="rect">
+            <a:avLst/>
+          </a:prstGeom>
+          <a:noFill/>
+        </p:spPr>
+        <p:txBody>
+          <a:bodyPr wrap="square" rtlCol="0">
+            <a:spAutoFit/>
+          </a:bodyPr>
+          <a:lstStyle/>
+          <a:p>
+            <a:pPr algn="ctr"/>
+            <a:r>
+              <a:rPr lang="en-US" dirty="0"/>
+              <a:t>100% specialization on resource</a:t>
+            </a:r>
+            <a:r>
+              <a:rPr lang="en-US" i="1" dirty="0"/>
+              <a:t> b</a:t>
+            </a:r>
+          </a:p>
+        </p:txBody>
+      </p:sp>
+      <p:cxnSp>
+        <p:nvCxnSpPr>
+          <p:cNvPr id="7" name="Straight Connector 6">
+            <a:extLst>
+              <a:ext uri="{FF2B5EF4-FFF2-40B4-BE49-F238E27FC236}">
+                <a16:creationId xmlns:a16="http://schemas.microsoft.com/office/drawing/2014/main" id="{9FC53212-7D0C-5EAE-43B0-7779F69B4513}"/>
+              </a:ext>
+            </a:extLst>
+          </p:cNvPr>
+          <p:cNvCxnSpPr/>
+          <p:nvPr/>
+        </p:nvCxnSpPr>
+        <p:spPr>
+          <a:xfrm>
+            <a:off x="6347094" y="4678653"/>
+            <a:ext cx="1" cy="203123"/>
+          </a:xfrm>
+          <a:prstGeom prst="line">
+            <a:avLst/>
+          </a:prstGeom>
+          <a:ln w="38100">
+            <a:solidFill>
+              <a:schemeClr val="tx1"/>
+            </a:solidFill>
+          </a:ln>
+        </p:spPr>
+        <p:style>
+          <a:lnRef idx="2">
+            <a:schemeClr val="accent1"/>
+          </a:lnRef>
+          <a:fillRef idx="0">
+            <a:schemeClr val="accent1"/>
+          </a:fillRef>
+          <a:effectRef idx="1">
+            <a:schemeClr val="accent1"/>
+          </a:effectRef>
+          <a:fontRef idx="minor">
+            <a:schemeClr val="tx1"/>
+          </a:fontRef>
+        </p:style>
+      </p:cxnSp>
     </p:spTree>
     <p:extLst>
       <p:ext uri="{BB962C8B-B14F-4D97-AF65-F5344CB8AC3E}">
-        <p14:creationId xmlns:p14="http://schemas.microsoft.com/office/powerpoint/2010/main" val="4128152304"/>
+        <p14:creationId xmlns:p14="http://schemas.microsoft.com/office/powerpoint/2010/main" val="1228688644"/>
       </p:ext>
     </p:extLst>
   </p:cSld>
